--- a/Insurance_Case_Study_Results_SVA.pptx
+++ b/Insurance_Case_Study_Results_SVA.pptx
@@ -5,10 +5,10 @@
     <p:sldMasterId id="2147483660" r:id="rId4"/>
   </p:sldMasterIdLst>
   <p:notesMasterIdLst>
-    <p:notesMasterId r:id="rId27"/>
+    <p:notesMasterId r:id="rId38"/>
   </p:notesMasterIdLst>
   <p:handoutMasterIdLst>
-    <p:handoutMasterId r:id="rId28"/>
+    <p:handoutMasterId r:id="rId39"/>
   </p:handoutMasterIdLst>
   <p:sldIdLst>
     <p:sldId id="257" r:id="rId5"/>
@@ -18,21 +18,32 @@
     <p:sldId id="266" r:id="rId9"/>
     <p:sldId id="267" r:id="rId10"/>
     <p:sldId id="268" r:id="rId11"/>
-    <p:sldId id="279" r:id="rId12"/>
-    <p:sldId id="269" r:id="rId13"/>
-    <p:sldId id="270" r:id="rId14"/>
-    <p:sldId id="271" r:id="rId15"/>
-    <p:sldId id="272" r:id="rId16"/>
-    <p:sldId id="273" r:id="rId17"/>
-    <p:sldId id="274" r:id="rId18"/>
-    <p:sldId id="276" r:id="rId19"/>
-    <p:sldId id="277" r:id="rId20"/>
-    <p:sldId id="278" r:id="rId21"/>
-    <p:sldId id="263" r:id="rId22"/>
-    <p:sldId id="258" r:id="rId23"/>
-    <p:sldId id="259" r:id="rId24"/>
-    <p:sldId id="260" r:id="rId25"/>
-    <p:sldId id="261" r:id="rId26"/>
+    <p:sldId id="269" r:id="rId12"/>
+    <p:sldId id="270" r:id="rId13"/>
+    <p:sldId id="271" r:id="rId14"/>
+    <p:sldId id="272" r:id="rId15"/>
+    <p:sldId id="273" r:id="rId16"/>
+    <p:sldId id="274" r:id="rId17"/>
+    <p:sldId id="276" r:id="rId18"/>
+    <p:sldId id="277" r:id="rId19"/>
+    <p:sldId id="278" r:id="rId20"/>
+    <p:sldId id="279" r:id="rId21"/>
+    <p:sldId id="258" r:id="rId22"/>
+    <p:sldId id="263" r:id="rId23"/>
+    <p:sldId id="280" r:id="rId24"/>
+    <p:sldId id="281" r:id="rId25"/>
+    <p:sldId id="282" r:id="rId26"/>
+    <p:sldId id="283" r:id="rId27"/>
+    <p:sldId id="284" r:id="rId28"/>
+    <p:sldId id="285" r:id="rId29"/>
+    <p:sldId id="286" r:id="rId30"/>
+    <p:sldId id="287" r:id="rId31"/>
+    <p:sldId id="288" r:id="rId32"/>
+    <p:sldId id="289" r:id="rId33"/>
+    <p:sldId id="290" r:id="rId34"/>
+    <p:sldId id="291" r:id="rId35"/>
+    <p:sldId id="292" r:id="rId36"/>
+    <p:sldId id="293" r:id="rId37"/>
   </p:sldIdLst>
   <p:sldSz cx="12192000" cy="6858000"/>
   <p:notesSz cx="6858000" cy="9144000"/>
@@ -145,7 +156,7 @@
 <file path=ppt/revisionInfo.xml><?xml version="1.0" encoding="utf-8"?>
 <p1510:revInfo xmlns:a="http://schemas.openxmlformats.org/drawingml/2006/main" xmlns:r="http://schemas.openxmlformats.org/officeDocument/2006/relationships" xmlns:p1510="http://schemas.microsoft.com/office/powerpoint/2015/10/main">
   <p1510:revLst>
-    <p1510:client id="{A0CD336C-AD28-4552-9F36-59B3F770B0F0}" v="3" dt="2022-09-09T21:00:16.959"/>
+    <p1510:client id="{A0CD336C-AD28-4552-9F36-59B3F770B0F0}" v="8" dt="2022-09-10T20:02:54.915"/>
   </p1510:revLst>
 </p1510:revInfo>
 </file>
@@ -154,11 +165,63 @@
 <pc:chgInfo xmlns:a="http://schemas.openxmlformats.org/drawingml/2006/main" xmlns:r="http://schemas.openxmlformats.org/officeDocument/2006/relationships" xmlns:ac="http://schemas.microsoft.com/office/drawing/2013/main/command" xmlns:pc="http://schemas.microsoft.com/office/powerpoint/2013/main/command">
   <pc:docChgLst>
     <pc:chgData name="Suhita Acharya" userId="043aa87a21745673" providerId="LiveId" clId="{A0CD336C-AD28-4552-9F36-59B3F770B0F0}"/>
-    <pc:docChg chg="custSel addSld delSld modSld">
-      <pc:chgData name="Suhita Acharya" userId="043aa87a21745673" providerId="LiveId" clId="{A0CD336C-AD28-4552-9F36-59B3F770B0F0}" dt="2022-09-10T19:16:39.899" v="1448" actId="14100"/>
+    <pc:docChg chg="custSel addSld delSld modSld sldOrd">
+      <pc:chgData name="Suhita Acharya" userId="043aa87a21745673" providerId="LiveId" clId="{A0CD336C-AD28-4552-9F36-59B3F770B0F0}" dt="2022-09-10T20:02:54.915" v="1956"/>
       <pc:docMkLst>
         <pc:docMk/>
       </pc:docMkLst>
+      <pc:sldChg chg="addSp modSp mod ord">
+        <pc:chgData name="Suhita Acharya" userId="043aa87a21745673" providerId="LiveId" clId="{A0CD336C-AD28-4552-9F36-59B3F770B0F0}" dt="2022-09-10T19:59:25.674" v="1952" actId="120"/>
+        <pc:sldMkLst>
+          <pc:docMk/>
+          <pc:sldMk cId="56685722" sldId="258"/>
+        </pc:sldMkLst>
+        <pc:spChg chg="mod">
+          <ac:chgData name="Suhita Acharya" userId="043aa87a21745673" providerId="LiveId" clId="{A0CD336C-AD28-4552-9F36-59B3F770B0F0}" dt="2022-09-10T19:51:35.848" v="1713" actId="14100"/>
+          <ac:spMkLst>
+            <pc:docMk/>
+            <pc:sldMk cId="56685722" sldId="258"/>
+            <ac:spMk id="13" creationId="{00000000-0000-0000-0000-000000000000}"/>
+          </ac:spMkLst>
+        </pc:spChg>
+        <pc:spChg chg="mod">
+          <ac:chgData name="Suhita Acharya" userId="043aa87a21745673" providerId="LiveId" clId="{A0CD336C-AD28-4552-9F36-59B3F770B0F0}" dt="2022-09-10T19:57:57.952" v="1946" actId="20577"/>
+          <ac:spMkLst>
+            <pc:docMk/>
+            <pc:sldMk cId="56685722" sldId="258"/>
+            <ac:spMk id="14" creationId="{00000000-0000-0000-0000-000000000000}"/>
+          </ac:spMkLst>
+        </pc:spChg>
+        <pc:graphicFrameChg chg="add mod modGraphic">
+          <ac:chgData name="Suhita Acharya" userId="043aa87a21745673" providerId="LiveId" clId="{A0CD336C-AD28-4552-9F36-59B3F770B0F0}" dt="2022-09-10T19:59:25.674" v="1952" actId="120"/>
+          <ac:graphicFrameMkLst>
+            <pc:docMk/>
+            <pc:sldMk cId="56685722" sldId="258"/>
+            <ac:graphicFrameMk id="2" creationId="{8DAA0695-5981-DBC5-5368-24959474CEB6}"/>
+          </ac:graphicFrameMkLst>
+        </pc:graphicFrameChg>
+      </pc:sldChg>
+      <pc:sldChg chg="del">
+        <pc:chgData name="Suhita Acharya" userId="043aa87a21745673" providerId="LiveId" clId="{A0CD336C-AD28-4552-9F36-59B3F770B0F0}" dt="2022-09-10T20:02:24.125" v="1953" actId="47"/>
+        <pc:sldMkLst>
+          <pc:docMk/>
+          <pc:sldMk cId="2354372587" sldId="259"/>
+        </pc:sldMkLst>
+      </pc:sldChg>
+      <pc:sldChg chg="del">
+        <pc:chgData name="Suhita Acharya" userId="043aa87a21745673" providerId="LiveId" clId="{A0CD336C-AD28-4552-9F36-59B3F770B0F0}" dt="2022-09-10T20:02:24.605" v="1954" actId="47"/>
+        <pc:sldMkLst>
+          <pc:docMk/>
+          <pc:sldMk cId="3290065901" sldId="260"/>
+        </pc:sldMkLst>
+      </pc:sldChg>
+      <pc:sldChg chg="del">
+        <pc:chgData name="Suhita Acharya" userId="043aa87a21745673" providerId="LiveId" clId="{A0CD336C-AD28-4552-9F36-59B3F770B0F0}" dt="2022-09-10T20:02:27.480" v="1955" actId="47"/>
+        <pc:sldMkLst>
+          <pc:docMk/>
+          <pc:sldMk cId="2638068855" sldId="261"/>
+        </pc:sldMkLst>
+      </pc:sldChg>
       <pc:sldChg chg="modSp mod">
         <pc:chgData name="Suhita Acharya" userId="043aa87a21745673" providerId="LiveId" clId="{A0CD336C-AD28-4552-9F36-59B3F770B0F0}" dt="2022-09-09T19:00:15.973" v="275" actId="20577"/>
         <pc:sldMkLst>
@@ -714,7 +777,7 @@
         </pc:picChg>
       </pc:sldChg>
       <pc:sldChg chg="addSp delSp modSp new mod">
-        <pc:chgData name="Suhita Acharya" userId="043aa87a21745673" providerId="LiveId" clId="{A0CD336C-AD28-4552-9F36-59B3F770B0F0}" dt="2022-09-10T19:11:39.415" v="1388" actId="1076"/>
+        <pc:chgData name="Suhita Acharya" userId="043aa87a21745673" providerId="LiveId" clId="{A0CD336C-AD28-4552-9F36-59B3F770B0F0}" dt="2022-09-10T19:53:25.740" v="1781" actId="14100"/>
         <pc:sldMkLst>
           <pc:docMk/>
           <pc:sldMk cId="2711078682" sldId="278"/>
@@ -735,17 +798,33 @@
             <ac:spMk id="3" creationId="{A904D807-4D0E-CFA7-93D6-3D5281567693}"/>
           </ac:spMkLst>
         </pc:spChg>
-        <pc:picChg chg="add mod ord">
-          <ac:chgData name="Suhita Acharya" userId="043aa87a21745673" providerId="LiveId" clId="{A0CD336C-AD28-4552-9F36-59B3F770B0F0}" dt="2022-09-10T19:11:39.415" v="1388" actId="1076"/>
+        <pc:spChg chg="add del mod">
+          <ac:chgData name="Suhita Acharya" userId="043aa87a21745673" providerId="LiveId" clId="{A0CD336C-AD28-4552-9F36-59B3F770B0F0}" dt="2022-09-10T19:53:20.556" v="1779" actId="22"/>
+          <ac:spMkLst>
+            <pc:docMk/>
+            <pc:sldMk cId="2711078682" sldId="278"/>
+            <ac:spMk id="4" creationId="{8F6E5915-B934-ED01-B5E4-CCBB1BF43D7F}"/>
+          </ac:spMkLst>
+        </pc:spChg>
+        <pc:picChg chg="add del mod ord">
+          <ac:chgData name="Suhita Acharya" userId="043aa87a21745673" providerId="LiveId" clId="{A0CD336C-AD28-4552-9F36-59B3F770B0F0}" dt="2022-09-10T19:51:05.895" v="1710" actId="478"/>
           <ac:picMkLst>
             <pc:docMk/>
             <pc:sldMk cId="2711078682" sldId="278"/>
             <ac:picMk id="5" creationId="{C8310763-3AF7-942C-B264-EDDE1D2C26D1}"/>
           </ac:picMkLst>
         </pc:picChg>
+        <pc:picChg chg="add mod ord">
+          <ac:chgData name="Suhita Acharya" userId="043aa87a21745673" providerId="LiveId" clId="{A0CD336C-AD28-4552-9F36-59B3F770B0F0}" dt="2022-09-10T19:53:25.740" v="1781" actId="14100"/>
+          <ac:picMkLst>
+            <pc:docMk/>
+            <pc:sldMk cId="2711078682" sldId="278"/>
+            <ac:picMk id="7" creationId="{FB51D099-D7EF-B137-EFC6-6ACAE0636A16}"/>
+          </ac:picMkLst>
+        </pc:picChg>
       </pc:sldChg>
-      <pc:sldChg chg="addSp delSp modSp new mod">
-        <pc:chgData name="Suhita Acharya" userId="043aa87a21745673" providerId="LiveId" clId="{A0CD336C-AD28-4552-9F36-59B3F770B0F0}" dt="2022-09-10T19:16:39.899" v="1448" actId="14100"/>
+      <pc:sldChg chg="addSp delSp modSp new mod ord">
+        <pc:chgData name="Suhita Acharya" userId="043aa87a21745673" providerId="LiveId" clId="{A0CD336C-AD28-4552-9F36-59B3F770B0F0}" dt="2022-09-10T19:35:32.311" v="1601" actId="14100"/>
         <pc:sldMkLst>
           <pc:docMk/>
           <pc:sldMk cId="3942198401" sldId="279"/>
@@ -766,6 +845,14 @@
             <ac:spMk id="3" creationId="{E8A7E175-E0C6-649C-1841-70E62075CD62}"/>
           </ac:spMkLst>
         </pc:spChg>
+        <pc:spChg chg="add del mod">
+          <ac:chgData name="Suhita Acharya" userId="043aa87a21745673" providerId="LiveId" clId="{A0CD336C-AD28-4552-9F36-59B3F770B0F0}" dt="2022-09-10T19:35:24.023" v="1598" actId="22"/>
+          <ac:spMkLst>
+            <pc:docMk/>
+            <pc:sldMk cId="3942198401" sldId="279"/>
+            <ac:spMk id="4" creationId="{16E3E40E-1592-D860-9F94-5C1AB3AE4FBD}"/>
+          </ac:spMkLst>
+        </pc:spChg>
         <pc:spChg chg="del mod">
           <ac:chgData name="Suhita Acharya" userId="043aa87a21745673" providerId="LiveId" clId="{A0CD336C-AD28-4552-9F36-59B3F770B0F0}" dt="2022-09-10T19:16:32.842" v="1446" actId="22"/>
           <ac:spMkLst>
@@ -774,12 +861,20 @@
             <ac:spMk id="4" creationId="{7AD1EFFD-B9D1-6394-1413-085DD1ACE469}"/>
           </ac:spMkLst>
         </pc:spChg>
-        <pc:picChg chg="add mod ord">
-          <ac:chgData name="Suhita Acharya" userId="043aa87a21745673" providerId="LiveId" clId="{A0CD336C-AD28-4552-9F36-59B3F770B0F0}" dt="2022-09-10T19:15:37.579" v="1445" actId="14100"/>
+        <pc:picChg chg="add del mod ord">
+          <ac:chgData name="Suhita Acharya" userId="043aa87a21745673" providerId="LiveId" clId="{A0CD336C-AD28-4552-9F36-59B3F770B0F0}" dt="2022-09-10T19:34:53.231" v="1597" actId="478"/>
           <ac:picMkLst>
             <pc:docMk/>
             <pc:sldMk cId="3942198401" sldId="279"/>
             <ac:picMk id="6" creationId="{05FE0625-6D0E-61A1-2106-D8FF4575D341}"/>
+          </ac:picMkLst>
+        </pc:picChg>
+        <pc:picChg chg="add mod ord">
+          <ac:chgData name="Suhita Acharya" userId="043aa87a21745673" providerId="LiveId" clId="{A0CD336C-AD28-4552-9F36-59B3F770B0F0}" dt="2022-09-10T19:35:32.311" v="1601" actId="14100"/>
+          <ac:picMkLst>
+            <pc:docMk/>
+            <pc:sldMk cId="3942198401" sldId="279"/>
+            <ac:picMk id="7" creationId="{71886395-26D6-C3E9-74DB-5A017D29B3F5}"/>
           </ac:picMkLst>
         </pc:picChg>
         <pc:picChg chg="add mod ord">
@@ -791,3973 +886,107 @@
           </ac:picMkLst>
         </pc:picChg>
       </pc:sldChg>
+      <pc:sldChg chg="add">
+        <pc:chgData name="Suhita Acharya" userId="043aa87a21745673" providerId="LiveId" clId="{A0CD336C-AD28-4552-9F36-59B3F770B0F0}" dt="2022-09-10T20:02:54.915" v="1956"/>
+        <pc:sldMkLst>
+          <pc:docMk/>
+          <pc:sldMk cId="4256411515" sldId="280"/>
+        </pc:sldMkLst>
+      </pc:sldChg>
+      <pc:sldChg chg="add">
+        <pc:chgData name="Suhita Acharya" userId="043aa87a21745673" providerId="LiveId" clId="{A0CD336C-AD28-4552-9F36-59B3F770B0F0}" dt="2022-09-10T20:02:54.915" v="1956"/>
+        <pc:sldMkLst>
+          <pc:docMk/>
+          <pc:sldMk cId="2846260871" sldId="281"/>
+        </pc:sldMkLst>
+      </pc:sldChg>
+      <pc:sldChg chg="add">
+        <pc:chgData name="Suhita Acharya" userId="043aa87a21745673" providerId="LiveId" clId="{A0CD336C-AD28-4552-9F36-59B3F770B0F0}" dt="2022-09-10T20:02:54.915" v="1956"/>
+        <pc:sldMkLst>
+          <pc:docMk/>
+          <pc:sldMk cId="1853572123" sldId="282"/>
+        </pc:sldMkLst>
+      </pc:sldChg>
+      <pc:sldChg chg="add">
+        <pc:chgData name="Suhita Acharya" userId="043aa87a21745673" providerId="LiveId" clId="{A0CD336C-AD28-4552-9F36-59B3F770B0F0}" dt="2022-09-10T20:02:54.915" v="1956"/>
+        <pc:sldMkLst>
+          <pc:docMk/>
+          <pc:sldMk cId="4025147930" sldId="283"/>
+        </pc:sldMkLst>
+      </pc:sldChg>
+      <pc:sldChg chg="add">
+        <pc:chgData name="Suhita Acharya" userId="043aa87a21745673" providerId="LiveId" clId="{A0CD336C-AD28-4552-9F36-59B3F770B0F0}" dt="2022-09-10T20:02:54.915" v="1956"/>
+        <pc:sldMkLst>
+          <pc:docMk/>
+          <pc:sldMk cId="2781436901" sldId="284"/>
+        </pc:sldMkLst>
+      </pc:sldChg>
+      <pc:sldChg chg="add">
+        <pc:chgData name="Suhita Acharya" userId="043aa87a21745673" providerId="LiveId" clId="{A0CD336C-AD28-4552-9F36-59B3F770B0F0}" dt="2022-09-10T20:02:54.915" v="1956"/>
+        <pc:sldMkLst>
+          <pc:docMk/>
+          <pc:sldMk cId="2851179346" sldId="285"/>
+        </pc:sldMkLst>
+      </pc:sldChg>
+      <pc:sldChg chg="add">
+        <pc:chgData name="Suhita Acharya" userId="043aa87a21745673" providerId="LiveId" clId="{A0CD336C-AD28-4552-9F36-59B3F770B0F0}" dt="2022-09-10T20:02:54.915" v="1956"/>
+        <pc:sldMkLst>
+          <pc:docMk/>
+          <pc:sldMk cId="4079695075" sldId="286"/>
+        </pc:sldMkLst>
+      </pc:sldChg>
+      <pc:sldChg chg="add">
+        <pc:chgData name="Suhita Acharya" userId="043aa87a21745673" providerId="LiveId" clId="{A0CD336C-AD28-4552-9F36-59B3F770B0F0}" dt="2022-09-10T20:02:54.915" v="1956"/>
+        <pc:sldMkLst>
+          <pc:docMk/>
+          <pc:sldMk cId="2404060174" sldId="287"/>
+        </pc:sldMkLst>
+      </pc:sldChg>
+      <pc:sldChg chg="add">
+        <pc:chgData name="Suhita Acharya" userId="043aa87a21745673" providerId="LiveId" clId="{A0CD336C-AD28-4552-9F36-59B3F770B0F0}" dt="2022-09-10T20:02:54.915" v="1956"/>
+        <pc:sldMkLst>
+          <pc:docMk/>
+          <pc:sldMk cId="40079428" sldId="288"/>
+        </pc:sldMkLst>
+      </pc:sldChg>
+      <pc:sldChg chg="add">
+        <pc:chgData name="Suhita Acharya" userId="043aa87a21745673" providerId="LiveId" clId="{A0CD336C-AD28-4552-9F36-59B3F770B0F0}" dt="2022-09-10T20:02:54.915" v="1956"/>
+        <pc:sldMkLst>
+          <pc:docMk/>
+          <pc:sldMk cId="720308044" sldId="289"/>
+        </pc:sldMkLst>
+      </pc:sldChg>
+      <pc:sldChg chg="add">
+        <pc:chgData name="Suhita Acharya" userId="043aa87a21745673" providerId="LiveId" clId="{A0CD336C-AD28-4552-9F36-59B3F770B0F0}" dt="2022-09-10T20:02:54.915" v="1956"/>
+        <pc:sldMkLst>
+          <pc:docMk/>
+          <pc:sldMk cId="2115324088" sldId="290"/>
+        </pc:sldMkLst>
+      </pc:sldChg>
+      <pc:sldChg chg="add">
+        <pc:chgData name="Suhita Acharya" userId="043aa87a21745673" providerId="LiveId" clId="{A0CD336C-AD28-4552-9F36-59B3F770B0F0}" dt="2022-09-10T20:02:54.915" v="1956"/>
+        <pc:sldMkLst>
+          <pc:docMk/>
+          <pc:sldMk cId="3714379268" sldId="291"/>
+        </pc:sldMkLst>
+      </pc:sldChg>
+      <pc:sldChg chg="add">
+        <pc:chgData name="Suhita Acharya" userId="043aa87a21745673" providerId="LiveId" clId="{A0CD336C-AD28-4552-9F36-59B3F770B0F0}" dt="2022-09-10T20:02:54.915" v="1956"/>
+        <pc:sldMkLst>
+          <pc:docMk/>
+          <pc:sldMk cId="2418853691" sldId="292"/>
+        </pc:sldMkLst>
+      </pc:sldChg>
+      <pc:sldChg chg="add">
+        <pc:chgData name="Suhita Acharya" userId="043aa87a21745673" providerId="LiveId" clId="{A0CD336C-AD28-4552-9F36-59B3F770B0F0}" dt="2022-09-10T20:02:54.915" v="1956"/>
+        <pc:sldMkLst>
+          <pc:docMk/>
+          <pc:sldMk cId="1490446760" sldId="293"/>
+        </pc:sldMkLst>
+      </pc:sldChg>
     </pc:docChg>
   </pc:docChgLst>
 </pc:chgInfo>
-</file>
-
-<file path=ppt/charts/chart1.xml><?xml version="1.0" encoding="utf-8"?>
-<c:chartSpace xmlns:c="http://schemas.openxmlformats.org/drawingml/2006/chart" xmlns:a="http://schemas.openxmlformats.org/drawingml/2006/main" xmlns:r="http://schemas.openxmlformats.org/officeDocument/2006/relationships" xmlns:c16r2="http://schemas.microsoft.com/office/drawing/2015/06/chart">
-  <c:date1904 val="0"/>
-  <c:lang val="en-US"/>
-  <c:roundedCorners val="0"/>
-  <mc:AlternateContent xmlns:mc="http://schemas.openxmlformats.org/markup-compatibility/2006">
-    <mc:Choice xmlns:c14="http://schemas.microsoft.com/office/drawing/2007/8/2/chart" Requires="c14">
-      <c14:style val="102"/>
-    </mc:Choice>
-    <mc:Fallback>
-      <c:style val="2"/>
-    </mc:Fallback>
-  </mc:AlternateContent>
-  <c:chart>
-    <c:title>
-      <c:overlay val="0"/>
-      <c:spPr>
-        <a:noFill/>
-        <a:ln>
-          <a:noFill/>
-        </a:ln>
-        <a:effectLst/>
-      </c:spPr>
-      <c:txPr>
-        <a:bodyPr rot="0" spcFirstLastPara="1" vertOverflow="ellipsis" vert="horz" wrap="square" anchor="ctr" anchorCtr="1"/>
-        <a:lstStyle/>
-        <a:p>
-          <a:pPr>
-            <a:defRPr sz="2128" b="1" i="0" u="none" strike="noStrike" kern="1200" spc="100" baseline="0">
-              <a:solidFill>
-                <a:schemeClr val="bg1"/>
-              </a:solidFill>
-              <a:latin typeface="+mn-lt"/>
-              <a:ea typeface="+mn-ea"/>
-              <a:cs typeface="+mn-cs"/>
-            </a:defRPr>
-          </a:pPr>
-          <a:endParaRPr lang="en-US"/>
-        </a:p>
-      </c:txPr>
-    </c:title>
-    <c:autoTitleDeleted val="0"/>
-    <c:plotArea>
-      <c:layout/>
-      <c:barChart>
-        <c:barDir val="col"/>
-        <c:grouping val="clustered"/>
-        <c:varyColors val="0"/>
-        <c:ser>
-          <c:idx val="0"/>
-          <c:order val="0"/>
-          <c:tx>
-            <c:strRef>
-              <c:f>Sheet1!$B$1</c:f>
-              <c:strCache>
-                <c:ptCount val="1"/>
-                <c:pt idx="0">
-                  <c:v>Series 1</c:v>
-                </c:pt>
-              </c:strCache>
-            </c:strRef>
-          </c:tx>
-          <c:spPr>
-            <a:gradFill rotWithShape="1">
-              <a:gsLst>
-                <a:gs pos="0">
-                  <a:schemeClr val="accent1">
-                    <a:satMod val="103000"/>
-                    <a:lumMod val="102000"/>
-                    <a:tint val="94000"/>
-                  </a:schemeClr>
-                </a:gs>
-                <a:gs pos="50000">
-                  <a:schemeClr val="accent1">
-                    <a:satMod val="110000"/>
-                    <a:lumMod val="100000"/>
-                    <a:shade val="100000"/>
-                  </a:schemeClr>
-                </a:gs>
-                <a:gs pos="100000">
-                  <a:schemeClr val="accent1">
-                    <a:lumMod val="99000"/>
-                    <a:satMod val="120000"/>
-                    <a:shade val="78000"/>
-                  </a:schemeClr>
-                </a:gs>
-              </a:gsLst>
-              <a:lin ang="5400000" scaled="0"/>
-            </a:gradFill>
-            <a:ln>
-              <a:noFill/>
-            </a:ln>
-            <a:effectLst>
-              <a:outerShdw blurRad="57150" dist="19050" dir="5400000" algn="ctr" rotWithShape="0">
-                <a:srgbClr val="000000">
-                  <a:alpha val="63000"/>
-                </a:srgbClr>
-              </a:outerShdw>
-            </a:effectLst>
-          </c:spPr>
-          <c:invertIfNegative val="0"/>
-          <c:cat>
-            <c:strRef>
-              <c:f>Sheet1!$A$2:$A$5</c:f>
-              <c:strCache>
-                <c:ptCount val="4"/>
-                <c:pt idx="0">
-                  <c:v>Category 1</c:v>
-                </c:pt>
-                <c:pt idx="1">
-                  <c:v>Category 2</c:v>
-                </c:pt>
-                <c:pt idx="2">
-                  <c:v>Category 3</c:v>
-                </c:pt>
-                <c:pt idx="3">
-                  <c:v>Category 4</c:v>
-                </c:pt>
-              </c:strCache>
-            </c:strRef>
-          </c:cat>
-          <c:val>
-            <c:numRef>
-              <c:f>Sheet1!$B$2:$B$5</c:f>
-              <c:numCache>
-                <c:formatCode>General</c:formatCode>
-                <c:ptCount val="4"/>
-                <c:pt idx="0">
-                  <c:v>4.3</c:v>
-                </c:pt>
-                <c:pt idx="1">
-                  <c:v>2.5</c:v>
-                </c:pt>
-                <c:pt idx="2">
-                  <c:v>3.5</c:v>
-                </c:pt>
-                <c:pt idx="3">
-                  <c:v>4.5</c:v>
-                </c:pt>
-              </c:numCache>
-            </c:numRef>
-          </c:val>
-          <c:extLst>
-            <c:ext xmlns:c16="http://schemas.microsoft.com/office/drawing/2014/chart" uri="{C3380CC4-5D6E-409C-BE32-E72D297353CC}">
-              <c16:uniqueId val="{00000000-5F94-42EE-B368-0CA3DCF44770}"/>
-            </c:ext>
-          </c:extLst>
-        </c:ser>
-        <c:ser>
-          <c:idx val="1"/>
-          <c:order val="1"/>
-          <c:tx>
-            <c:strRef>
-              <c:f>Sheet1!$C$1</c:f>
-              <c:strCache>
-                <c:ptCount val="1"/>
-                <c:pt idx="0">
-                  <c:v>Series 2</c:v>
-                </c:pt>
-              </c:strCache>
-            </c:strRef>
-          </c:tx>
-          <c:spPr>
-            <a:gradFill rotWithShape="1">
-              <a:gsLst>
-                <a:gs pos="0">
-                  <a:schemeClr val="accent2">
-                    <a:satMod val="103000"/>
-                    <a:lumMod val="102000"/>
-                    <a:tint val="94000"/>
-                  </a:schemeClr>
-                </a:gs>
-                <a:gs pos="50000">
-                  <a:schemeClr val="accent2">
-                    <a:satMod val="110000"/>
-                    <a:lumMod val="100000"/>
-                    <a:shade val="100000"/>
-                  </a:schemeClr>
-                </a:gs>
-                <a:gs pos="100000">
-                  <a:schemeClr val="accent2">
-                    <a:lumMod val="99000"/>
-                    <a:satMod val="120000"/>
-                    <a:shade val="78000"/>
-                  </a:schemeClr>
-                </a:gs>
-              </a:gsLst>
-              <a:lin ang="5400000" scaled="0"/>
-            </a:gradFill>
-            <a:ln>
-              <a:noFill/>
-            </a:ln>
-            <a:effectLst>
-              <a:outerShdw blurRad="57150" dist="19050" dir="5400000" algn="ctr" rotWithShape="0">
-                <a:srgbClr val="000000">
-                  <a:alpha val="63000"/>
-                </a:srgbClr>
-              </a:outerShdw>
-            </a:effectLst>
-          </c:spPr>
-          <c:invertIfNegative val="0"/>
-          <c:cat>
-            <c:strRef>
-              <c:f>Sheet1!$A$2:$A$5</c:f>
-              <c:strCache>
-                <c:ptCount val="4"/>
-                <c:pt idx="0">
-                  <c:v>Category 1</c:v>
-                </c:pt>
-                <c:pt idx="1">
-                  <c:v>Category 2</c:v>
-                </c:pt>
-                <c:pt idx="2">
-                  <c:v>Category 3</c:v>
-                </c:pt>
-                <c:pt idx="3">
-                  <c:v>Category 4</c:v>
-                </c:pt>
-              </c:strCache>
-            </c:strRef>
-          </c:cat>
-          <c:val>
-            <c:numRef>
-              <c:f>Sheet1!$C$2:$C$5</c:f>
-              <c:numCache>
-                <c:formatCode>General</c:formatCode>
-                <c:ptCount val="4"/>
-                <c:pt idx="0">
-                  <c:v>2.4</c:v>
-                </c:pt>
-                <c:pt idx="1">
-                  <c:v>4.4000000000000004</c:v>
-                </c:pt>
-                <c:pt idx="2">
-                  <c:v>1.8</c:v>
-                </c:pt>
-                <c:pt idx="3">
-                  <c:v>2.8</c:v>
-                </c:pt>
-              </c:numCache>
-            </c:numRef>
-          </c:val>
-          <c:extLst>
-            <c:ext xmlns:c16="http://schemas.microsoft.com/office/drawing/2014/chart" uri="{C3380CC4-5D6E-409C-BE32-E72D297353CC}">
-              <c16:uniqueId val="{00000001-5F94-42EE-B368-0CA3DCF44770}"/>
-            </c:ext>
-          </c:extLst>
-        </c:ser>
-        <c:ser>
-          <c:idx val="2"/>
-          <c:order val="2"/>
-          <c:tx>
-            <c:strRef>
-              <c:f>Sheet1!$D$1</c:f>
-              <c:strCache>
-                <c:ptCount val="1"/>
-                <c:pt idx="0">
-                  <c:v>Series 3</c:v>
-                </c:pt>
-              </c:strCache>
-            </c:strRef>
-          </c:tx>
-          <c:spPr>
-            <a:gradFill rotWithShape="1">
-              <a:gsLst>
-                <a:gs pos="0">
-                  <a:schemeClr val="accent3">
-                    <a:satMod val="103000"/>
-                    <a:lumMod val="102000"/>
-                    <a:tint val="94000"/>
-                  </a:schemeClr>
-                </a:gs>
-                <a:gs pos="50000">
-                  <a:schemeClr val="accent3">
-                    <a:satMod val="110000"/>
-                    <a:lumMod val="100000"/>
-                    <a:shade val="100000"/>
-                  </a:schemeClr>
-                </a:gs>
-                <a:gs pos="100000">
-                  <a:schemeClr val="accent3">
-                    <a:lumMod val="99000"/>
-                    <a:satMod val="120000"/>
-                    <a:shade val="78000"/>
-                  </a:schemeClr>
-                </a:gs>
-              </a:gsLst>
-              <a:lin ang="5400000" scaled="0"/>
-            </a:gradFill>
-            <a:ln>
-              <a:noFill/>
-            </a:ln>
-            <a:effectLst>
-              <a:outerShdw blurRad="57150" dist="19050" dir="5400000" algn="ctr" rotWithShape="0">
-                <a:srgbClr val="000000">
-                  <a:alpha val="63000"/>
-                </a:srgbClr>
-              </a:outerShdw>
-            </a:effectLst>
-          </c:spPr>
-          <c:invertIfNegative val="0"/>
-          <c:cat>
-            <c:strRef>
-              <c:f>Sheet1!$A$2:$A$5</c:f>
-              <c:strCache>
-                <c:ptCount val="4"/>
-                <c:pt idx="0">
-                  <c:v>Category 1</c:v>
-                </c:pt>
-                <c:pt idx="1">
-                  <c:v>Category 2</c:v>
-                </c:pt>
-                <c:pt idx="2">
-                  <c:v>Category 3</c:v>
-                </c:pt>
-                <c:pt idx="3">
-                  <c:v>Category 4</c:v>
-                </c:pt>
-              </c:strCache>
-            </c:strRef>
-          </c:cat>
-          <c:val>
-            <c:numRef>
-              <c:f>Sheet1!$D$2:$D$5</c:f>
-              <c:numCache>
-                <c:formatCode>General</c:formatCode>
-                <c:ptCount val="4"/>
-                <c:pt idx="0">
-                  <c:v>2</c:v>
-                </c:pt>
-                <c:pt idx="1">
-                  <c:v>2</c:v>
-                </c:pt>
-                <c:pt idx="2">
-                  <c:v>3</c:v>
-                </c:pt>
-                <c:pt idx="3">
-                  <c:v>5</c:v>
-                </c:pt>
-              </c:numCache>
-            </c:numRef>
-          </c:val>
-          <c:extLst>
-            <c:ext xmlns:c16="http://schemas.microsoft.com/office/drawing/2014/chart" uri="{C3380CC4-5D6E-409C-BE32-E72D297353CC}">
-              <c16:uniqueId val="{00000002-5F94-42EE-B368-0CA3DCF44770}"/>
-            </c:ext>
-          </c:extLst>
-        </c:ser>
-        <c:dLbls>
-          <c:showLegendKey val="0"/>
-          <c:showVal val="0"/>
-          <c:showCatName val="0"/>
-          <c:showSerName val="0"/>
-          <c:showPercent val="0"/>
-          <c:showBubbleSize val="0"/>
-        </c:dLbls>
-        <c:gapWidth val="100"/>
-        <c:overlap val="-24"/>
-        <c:axId val="196573480"/>
-        <c:axId val="196573088"/>
-      </c:barChart>
-      <c:catAx>
-        <c:axId val="196573480"/>
-        <c:scaling>
-          <c:orientation val="minMax"/>
-        </c:scaling>
-        <c:delete val="0"/>
-        <c:axPos val="b"/>
-        <c:numFmt formatCode="General" sourceLinked="1"/>
-        <c:majorTickMark val="none"/>
-        <c:minorTickMark val="none"/>
-        <c:tickLblPos val="nextTo"/>
-        <c:spPr>
-          <a:noFill/>
-          <a:ln w="12700" cap="flat" cmpd="sng" algn="ctr">
-            <a:solidFill>
-              <a:schemeClr val="tx1">
-                <a:lumMod val="15000"/>
-                <a:lumOff val="85000"/>
-              </a:schemeClr>
-            </a:solidFill>
-            <a:round/>
-          </a:ln>
-          <a:effectLst/>
-        </c:spPr>
-        <c:txPr>
-          <a:bodyPr rot="-60000000" spcFirstLastPara="1" vertOverflow="ellipsis" vert="horz" wrap="square" anchor="ctr" anchorCtr="1"/>
-          <a:lstStyle/>
-          <a:p>
-            <a:pPr>
-              <a:defRPr sz="1197" b="0" i="0" u="none" strike="noStrike" kern="1200" baseline="0">
-                <a:solidFill>
-                  <a:schemeClr val="bg1"/>
-                </a:solidFill>
-                <a:latin typeface="+mn-lt"/>
-                <a:ea typeface="+mn-ea"/>
-                <a:cs typeface="+mn-cs"/>
-              </a:defRPr>
-            </a:pPr>
-            <a:endParaRPr lang="en-US"/>
-          </a:p>
-        </c:txPr>
-        <c:crossAx val="196573088"/>
-        <c:crosses val="autoZero"/>
-        <c:auto val="1"/>
-        <c:lblAlgn val="ctr"/>
-        <c:lblOffset val="100"/>
-        <c:noMultiLvlLbl val="0"/>
-      </c:catAx>
-      <c:valAx>
-        <c:axId val="196573088"/>
-        <c:scaling>
-          <c:orientation val="minMax"/>
-        </c:scaling>
-        <c:delete val="0"/>
-        <c:axPos val="l"/>
-        <c:majorGridlines>
-          <c:spPr>
-            <a:ln w="9525" cap="flat" cmpd="sng" algn="ctr">
-              <a:solidFill>
-                <a:schemeClr val="tx1">
-                  <a:lumMod val="15000"/>
-                  <a:lumOff val="85000"/>
-                </a:schemeClr>
-              </a:solidFill>
-              <a:round/>
-            </a:ln>
-            <a:effectLst/>
-          </c:spPr>
-        </c:majorGridlines>
-        <c:numFmt formatCode="General" sourceLinked="1"/>
-        <c:majorTickMark val="none"/>
-        <c:minorTickMark val="none"/>
-        <c:tickLblPos val="nextTo"/>
-        <c:spPr>
-          <a:noFill/>
-          <a:ln>
-            <a:noFill/>
-          </a:ln>
-          <a:effectLst/>
-        </c:spPr>
-        <c:txPr>
-          <a:bodyPr rot="-60000000" spcFirstLastPara="1" vertOverflow="ellipsis" vert="horz" wrap="square" anchor="ctr" anchorCtr="1"/>
-          <a:lstStyle/>
-          <a:p>
-            <a:pPr>
-              <a:defRPr sz="1197" b="0" i="0" u="none" strike="noStrike" kern="1200" baseline="0">
-                <a:solidFill>
-                  <a:schemeClr val="bg1"/>
-                </a:solidFill>
-                <a:latin typeface="+mn-lt"/>
-                <a:ea typeface="+mn-ea"/>
-                <a:cs typeface="+mn-cs"/>
-              </a:defRPr>
-            </a:pPr>
-            <a:endParaRPr lang="en-US"/>
-          </a:p>
-        </c:txPr>
-        <c:crossAx val="196573480"/>
-        <c:crosses val="autoZero"/>
-        <c:crossBetween val="between"/>
-      </c:valAx>
-      <c:spPr>
-        <a:noFill/>
-        <a:ln>
-          <a:noFill/>
-        </a:ln>
-        <a:effectLst/>
-      </c:spPr>
-    </c:plotArea>
-    <c:legend>
-      <c:legendPos val="b"/>
-      <c:overlay val="0"/>
-      <c:spPr>
-        <a:noFill/>
-        <a:ln>
-          <a:noFill/>
-        </a:ln>
-        <a:effectLst/>
-      </c:spPr>
-      <c:txPr>
-        <a:bodyPr rot="0" spcFirstLastPara="1" vertOverflow="ellipsis" vert="horz" wrap="square" anchor="ctr" anchorCtr="1"/>
-        <a:lstStyle/>
-        <a:p>
-          <a:pPr>
-            <a:defRPr sz="1197" b="0" i="0" u="none" strike="noStrike" kern="1200" baseline="0">
-              <a:solidFill>
-                <a:schemeClr val="bg1"/>
-              </a:solidFill>
-              <a:latin typeface="+mn-lt"/>
-              <a:ea typeface="+mn-ea"/>
-              <a:cs typeface="+mn-cs"/>
-            </a:defRPr>
-          </a:pPr>
-          <a:endParaRPr lang="en-US"/>
-        </a:p>
-      </c:txPr>
-    </c:legend>
-    <c:plotVisOnly val="1"/>
-    <c:dispBlanksAs val="gap"/>
-    <c:showDLblsOverMax val="0"/>
-  </c:chart>
-  <c:spPr>
-    <a:noFill/>
-    <a:ln>
-      <a:noFill/>
-    </a:ln>
-    <a:effectLst/>
-  </c:spPr>
-  <c:txPr>
-    <a:bodyPr/>
-    <a:lstStyle/>
-    <a:p>
-      <a:pPr>
-        <a:defRPr>
-          <a:solidFill>
-            <a:schemeClr val="bg1"/>
-          </a:solidFill>
-        </a:defRPr>
-      </a:pPr>
-      <a:endParaRPr lang="en-US"/>
-    </a:p>
-  </c:txPr>
-  <c:externalData r:id="rId3">
-    <c:autoUpdate val="0"/>
-  </c:externalData>
-</c:chartSpace>
-</file>
-
-<file path=ppt/charts/colors1.xml><?xml version="1.0" encoding="utf-8"?>
-<cs:colorStyle xmlns:cs="http://schemas.microsoft.com/office/drawing/2012/chartStyle" xmlns:a="http://schemas.openxmlformats.org/drawingml/2006/main" meth="cycle" id="10">
-  <a:schemeClr val="accent1"/>
-  <a:schemeClr val="accent2"/>
-  <a:schemeClr val="accent3"/>
-  <a:schemeClr val="accent4"/>
-  <a:schemeClr val="accent5"/>
-  <a:schemeClr val="accent6"/>
-  <cs:variation/>
-  <cs:variation>
-    <a:lumMod val="60000"/>
-  </cs:variation>
-  <cs:variation>
-    <a:lumMod val="80000"/>
-    <a:lumOff val="20000"/>
-  </cs:variation>
-  <cs:variation>
-    <a:lumMod val="80000"/>
-  </cs:variation>
-  <cs:variation>
-    <a:lumMod val="60000"/>
-    <a:lumOff val="40000"/>
-  </cs:variation>
-  <cs:variation>
-    <a:lumMod val="50000"/>
-  </cs:variation>
-  <cs:variation>
-    <a:lumMod val="70000"/>
-    <a:lumOff val="30000"/>
-  </cs:variation>
-  <cs:variation>
-    <a:lumMod val="70000"/>
-  </cs:variation>
-  <cs:variation>
-    <a:lumMod val="50000"/>
-    <a:lumOff val="50000"/>
-  </cs:variation>
-</cs:colorStyle>
-</file>
-
-<file path=ppt/charts/style1.xml><?xml version="1.0" encoding="utf-8"?>
-<cs:chartStyle xmlns:cs="http://schemas.microsoft.com/office/drawing/2012/chartStyle" xmlns:a="http://schemas.openxmlformats.org/drawingml/2006/main" id="340">
-  <cs:axisTitle>
-    <cs:lnRef idx="0"/>
-    <cs:fillRef idx="0"/>
-    <cs:effectRef idx="0"/>
-    <cs:fontRef idx="minor">
-      <a:schemeClr val="tx1">
-        <a:lumMod val="65000"/>
-        <a:lumOff val="35000"/>
-      </a:schemeClr>
-    </cs:fontRef>
-    <cs:defRPr sz="1197" kern="1200"/>
-  </cs:axisTitle>
-  <cs:categoryAxis>
-    <cs:lnRef idx="0"/>
-    <cs:fillRef idx="0"/>
-    <cs:effectRef idx="0"/>
-    <cs:fontRef idx="minor">
-      <a:schemeClr val="tx1">
-        <a:lumMod val="65000"/>
-        <a:lumOff val="35000"/>
-      </a:schemeClr>
-    </cs:fontRef>
-    <cs:spPr>
-      <a:ln w="12700" cap="flat" cmpd="sng" algn="ctr">
-        <a:solidFill>
-          <a:schemeClr val="tx1">
-            <a:lumMod val="15000"/>
-            <a:lumOff val="85000"/>
-          </a:schemeClr>
-        </a:solidFill>
-        <a:round/>
-      </a:ln>
-    </cs:spPr>
-    <cs:defRPr sz="1197" kern="1200"/>
-  </cs:categoryAxis>
-  <cs:chartArea mods="allowNoFillOverride allowNoLineOverride">
-    <cs:lnRef idx="0"/>
-    <cs:fillRef idx="0"/>
-    <cs:effectRef idx="0"/>
-    <cs:fontRef idx="minor">
-      <a:schemeClr val="tx2"/>
-    </cs:fontRef>
-    <cs:spPr>
-      <a:solidFill>
-        <a:schemeClr val="bg1"/>
-      </a:solidFill>
-      <a:ln w="9525" cap="flat" cmpd="sng" algn="ctr">
-        <a:solidFill>
-          <a:schemeClr val="tx1">
-            <a:lumMod val="15000"/>
-            <a:lumOff val="85000"/>
-          </a:schemeClr>
-        </a:solidFill>
-        <a:round/>
-      </a:ln>
-    </cs:spPr>
-    <cs:defRPr sz="1197" kern="1200"/>
-  </cs:chartArea>
-  <cs:dataLabel>
-    <cs:lnRef idx="0"/>
-    <cs:fillRef idx="0"/>
-    <cs:effectRef idx="0"/>
-    <cs:fontRef idx="minor">
-      <a:schemeClr val="tx1">
-        <a:lumMod val="75000"/>
-        <a:lumOff val="25000"/>
-      </a:schemeClr>
-    </cs:fontRef>
-    <cs:defRPr sz="1197" kern="1200"/>
-  </cs:dataLabel>
-  <cs:dataLabelCallout>
-    <cs:lnRef idx="0"/>
-    <cs:fillRef idx="0"/>
-    <cs:effectRef idx="0"/>
-    <cs:fontRef idx="minor">
-      <a:schemeClr val="dk1">
-        <a:lumMod val="65000"/>
-        <a:lumOff val="35000"/>
-      </a:schemeClr>
-    </cs:fontRef>
-    <cs:spPr>
-      <a:solidFill>
-        <a:schemeClr val="lt1"/>
-      </a:solidFill>
-      <a:ln>
-        <a:solidFill>
-          <a:schemeClr val="dk1">
-            <a:lumMod val="25000"/>
-            <a:lumOff val="75000"/>
-          </a:schemeClr>
-        </a:solidFill>
-      </a:ln>
-    </cs:spPr>
-    <cs:defRPr sz="1197" kern="1200"/>
-    <cs:bodyPr rot="0" spcFirstLastPara="1" vertOverflow="clip" horzOverflow="clip" vert="horz" wrap="square" lIns="36576" tIns="18288" rIns="36576" bIns="18288" anchor="ctr" anchorCtr="1">
-      <a:spAutoFit/>
-    </cs:bodyPr>
-  </cs:dataLabelCallout>
-  <cs:dataPoint>
-    <cs:lnRef idx="0"/>
-    <cs:fillRef idx="3">
-      <cs:styleClr val="auto"/>
-    </cs:fillRef>
-    <cs:effectRef idx="3"/>
-    <cs:fontRef idx="minor">
-      <a:schemeClr val="lt1"/>
-    </cs:fontRef>
-  </cs:dataPoint>
-  <cs:dataPoint3D>
-    <cs:lnRef idx="0"/>
-    <cs:fillRef idx="3">
-      <cs:styleClr val="auto"/>
-    </cs:fillRef>
-    <cs:effectRef idx="3"/>
-    <cs:fontRef idx="minor">
-      <a:schemeClr val="lt1"/>
-    </cs:fontRef>
-  </cs:dataPoint3D>
-  <cs:dataPointLine>
-    <cs:lnRef idx="0">
-      <cs:styleClr val="auto"/>
-    </cs:lnRef>
-    <cs:fillRef idx="3"/>
-    <cs:effectRef idx="3"/>
-    <cs:fontRef idx="minor">
-      <a:schemeClr val="lt1"/>
-    </cs:fontRef>
-    <cs:spPr>
-      <a:ln w="34925" cap="rnd">
-        <a:solidFill>
-          <a:schemeClr val="phClr"/>
-        </a:solidFill>
-        <a:round/>
-      </a:ln>
-    </cs:spPr>
-  </cs:dataPointLine>
-  <cs:dataPointMarker>
-    <cs:lnRef idx="0">
-      <cs:styleClr val="auto"/>
-    </cs:lnRef>
-    <cs:fillRef idx="3">
-      <cs:styleClr val="auto"/>
-    </cs:fillRef>
-    <cs:effectRef idx="3"/>
-    <cs:fontRef idx="minor">
-      <a:schemeClr val="lt1"/>
-    </cs:fontRef>
-    <cs:spPr>
-      <a:ln w="9525">
-        <a:solidFill>
-          <a:schemeClr val="phClr"/>
-        </a:solidFill>
-        <a:round/>
-      </a:ln>
-    </cs:spPr>
-  </cs:dataPointMarker>
-  <cs:dataPointMarkerLayout symbol="circle" size="6"/>
-  <cs:dataPointWireframe>
-    <cs:lnRef idx="0">
-      <cs:styleClr val="auto"/>
-    </cs:lnRef>
-    <cs:fillRef idx="3"/>
-    <cs:effectRef idx="3"/>
-    <cs:fontRef idx="minor">
-      <a:schemeClr val="lt1"/>
-    </cs:fontRef>
-    <cs:spPr>
-      <a:ln w="9525" cap="rnd">
-        <a:solidFill>
-          <a:schemeClr val="phClr"/>
-        </a:solidFill>
-        <a:round/>
-      </a:ln>
-    </cs:spPr>
-  </cs:dataPointWireframe>
-  <cs:dataTable>
-    <cs:lnRef idx="0"/>
-    <cs:fillRef idx="0"/>
-    <cs:effectRef idx="0"/>
-    <cs:fontRef idx="minor">
-      <a:schemeClr val="tx1">
-        <a:lumMod val="65000"/>
-        <a:lumOff val="35000"/>
-      </a:schemeClr>
-    </cs:fontRef>
-    <cs:spPr>
-      <a:noFill/>
-      <a:ln w="9525" cap="flat" cmpd="sng" algn="ctr">
-        <a:solidFill>
-          <a:schemeClr val="tx1">
-            <a:lumMod val="15000"/>
-            <a:lumOff val="85000"/>
-          </a:schemeClr>
-        </a:solidFill>
-        <a:round/>
-      </a:ln>
-    </cs:spPr>
-    <cs:defRPr sz="1197" kern="1200"/>
-  </cs:dataTable>
-  <cs:downBar>
-    <cs:lnRef idx="0"/>
-    <cs:fillRef idx="0"/>
-    <cs:effectRef idx="0"/>
-    <cs:fontRef idx="minor">
-      <a:schemeClr val="dk1"/>
-    </cs:fontRef>
-    <cs:spPr>
-      <a:solidFill>
-        <a:schemeClr val="dk1">
-          <a:lumMod val="65000"/>
-          <a:lumOff val="35000"/>
-        </a:schemeClr>
-      </a:solidFill>
-      <a:ln w="9525">
-        <a:solidFill>
-          <a:schemeClr val="tx1">
-            <a:lumMod val="65000"/>
-            <a:lumOff val="35000"/>
-          </a:schemeClr>
-        </a:solidFill>
-      </a:ln>
-    </cs:spPr>
-  </cs:downBar>
-  <cs:dropLine>
-    <cs:lnRef idx="0"/>
-    <cs:fillRef idx="0"/>
-    <cs:effectRef idx="0"/>
-    <cs:fontRef idx="minor">
-      <a:schemeClr val="tx1"/>
-    </cs:fontRef>
-    <cs:spPr>
-      <a:ln w="9525" cap="flat" cmpd="sng" algn="ctr">
-        <a:solidFill>
-          <a:schemeClr val="tx1">
-            <a:lumMod val="35000"/>
-            <a:lumOff val="65000"/>
-          </a:schemeClr>
-        </a:solidFill>
-        <a:round/>
-      </a:ln>
-    </cs:spPr>
-  </cs:dropLine>
-  <cs:errorBar>
-    <cs:lnRef idx="0"/>
-    <cs:fillRef idx="0"/>
-    <cs:effectRef idx="0"/>
-    <cs:fontRef idx="minor">
-      <a:schemeClr val="tx1"/>
-    </cs:fontRef>
-    <cs:spPr>
-      <a:ln w="9525" cap="flat" cmpd="sng" algn="ctr">
-        <a:solidFill>
-          <a:schemeClr val="tx1">
-            <a:lumMod val="65000"/>
-            <a:lumOff val="35000"/>
-          </a:schemeClr>
-        </a:solidFill>
-        <a:round/>
-      </a:ln>
-    </cs:spPr>
-  </cs:errorBar>
-  <cs:floor>
-    <cs:lnRef idx="0"/>
-    <cs:fillRef idx="0"/>
-    <cs:effectRef idx="0"/>
-    <cs:fontRef idx="minor">
-      <a:schemeClr val="lt1"/>
-    </cs:fontRef>
-  </cs:floor>
-  <cs:gridlineMajor>
-    <cs:lnRef idx="0"/>
-    <cs:fillRef idx="0"/>
-    <cs:effectRef idx="0"/>
-    <cs:fontRef idx="minor">
-      <a:schemeClr val="tx1"/>
-    </cs:fontRef>
-    <cs:spPr>
-      <a:ln w="9525" cap="flat" cmpd="sng" algn="ctr">
-        <a:solidFill>
-          <a:schemeClr val="tx1">
-            <a:lumMod val="15000"/>
-            <a:lumOff val="85000"/>
-          </a:schemeClr>
-        </a:solidFill>
-        <a:round/>
-      </a:ln>
-    </cs:spPr>
-  </cs:gridlineMajor>
-  <cs:gridlineMinor>
-    <cs:lnRef idx="0"/>
-    <cs:fillRef idx="0"/>
-    <cs:effectRef idx="0"/>
-    <cs:fontRef idx="minor">
-      <a:schemeClr val="tx1"/>
-    </cs:fontRef>
-    <cs:spPr>
-      <a:ln w="9525" cap="flat" cmpd="sng" algn="ctr">
-        <a:solidFill>
-          <a:schemeClr val="tx1">
-            <a:lumMod val="5000"/>
-            <a:lumOff val="95000"/>
-          </a:schemeClr>
-        </a:solidFill>
-        <a:round/>
-      </a:ln>
-    </cs:spPr>
-  </cs:gridlineMinor>
-  <cs:hiLoLine>
-    <cs:lnRef idx="0"/>
-    <cs:fillRef idx="0"/>
-    <cs:effectRef idx="0"/>
-    <cs:fontRef idx="minor">
-      <a:schemeClr val="tx1"/>
-    </cs:fontRef>
-    <cs:spPr>
-      <a:ln w="9525" cap="flat" cmpd="sng" algn="ctr">
-        <a:solidFill>
-          <a:schemeClr val="tx1">
-            <a:lumMod val="75000"/>
-            <a:lumOff val="25000"/>
-          </a:schemeClr>
-        </a:solidFill>
-        <a:round/>
-      </a:ln>
-    </cs:spPr>
-  </cs:hiLoLine>
-  <cs:leaderLine>
-    <cs:lnRef idx="0"/>
-    <cs:fillRef idx="0"/>
-    <cs:effectRef idx="0"/>
-    <cs:fontRef idx="minor">
-      <a:schemeClr val="tx1"/>
-    </cs:fontRef>
-    <cs:spPr>
-      <a:ln w="9525" cap="flat" cmpd="sng" algn="ctr">
-        <a:solidFill>
-          <a:schemeClr val="tx1">
-            <a:lumMod val="35000"/>
-            <a:lumOff val="65000"/>
-          </a:schemeClr>
-        </a:solidFill>
-        <a:round/>
-      </a:ln>
-    </cs:spPr>
-  </cs:leaderLine>
-  <cs:legend>
-    <cs:lnRef idx="0"/>
-    <cs:fillRef idx="0"/>
-    <cs:effectRef idx="0"/>
-    <cs:fontRef idx="minor">
-      <a:schemeClr val="tx1">
-        <a:lumMod val="65000"/>
-        <a:lumOff val="35000"/>
-      </a:schemeClr>
-    </cs:fontRef>
-    <cs:defRPr sz="1197" kern="1200"/>
-  </cs:legend>
-  <cs:plotArea>
-    <cs:lnRef idx="0"/>
-    <cs:fillRef idx="0"/>
-    <cs:effectRef idx="0"/>
-    <cs:fontRef idx="minor">
-      <a:schemeClr val="lt1"/>
-    </cs:fontRef>
-  </cs:plotArea>
-  <cs:plotArea3D>
-    <cs:lnRef idx="0"/>
-    <cs:fillRef idx="0"/>
-    <cs:effectRef idx="0"/>
-    <cs:fontRef idx="minor">
-      <a:schemeClr val="lt1"/>
-    </cs:fontRef>
-  </cs:plotArea3D>
-  <cs:seriesAxis>
-    <cs:lnRef idx="0"/>
-    <cs:fillRef idx="0"/>
-    <cs:effectRef idx="0"/>
-    <cs:fontRef idx="minor">
-      <a:schemeClr val="lt1">
-        <a:lumMod val="85000"/>
-      </a:schemeClr>
-    </cs:fontRef>
-    <cs:spPr>
-      <a:ln w="12700" cap="flat" cmpd="sng" algn="ctr">
-        <a:solidFill>
-          <a:schemeClr val="tx1">
-            <a:lumMod val="15000"/>
-            <a:lumOff val="85000"/>
-          </a:schemeClr>
-        </a:solidFill>
-        <a:round/>
-      </a:ln>
-    </cs:spPr>
-    <cs:defRPr sz="1197" kern="1200"/>
-  </cs:seriesAxis>
-  <cs:seriesLine>
-    <cs:lnRef idx="0"/>
-    <cs:fillRef idx="0"/>
-    <cs:effectRef idx="0"/>
-    <cs:fontRef idx="minor">
-      <a:schemeClr val="tx1"/>
-    </cs:fontRef>
-    <cs:spPr>
-      <a:ln w="9525" cap="flat" cmpd="sng" algn="ctr">
-        <a:solidFill>
-          <a:schemeClr val="tx1">
-            <a:lumMod val="35000"/>
-            <a:lumOff val="65000"/>
-          </a:schemeClr>
-        </a:solidFill>
-        <a:round/>
-      </a:ln>
-    </cs:spPr>
-  </cs:seriesLine>
-  <cs:title>
-    <cs:lnRef idx="0"/>
-    <cs:fillRef idx="0"/>
-    <cs:effectRef idx="0"/>
-    <cs:fontRef idx="minor">
-      <a:schemeClr val="tx1">
-        <a:lumMod val="65000"/>
-        <a:lumOff val="35000"/>
-      </a:schemeClr>
-    </cs:fontRef>
-    <cs:defRPr sz="2128" b="1" kern="1200" spc="100" baseline="0"/>
-  </cs:title>
-  <cs:trendline>
-    <cs:lnRef idx="0">
-      <cs:styleClr val="auto"/>
-    </cs:lnRef>
-    <cs:fillRef idx="0"/>
-    <cs:effectRef idx="0"/>
-    <cs:fontRef idx="minor">
-      <a:schemeClr val="lt1"/>
-    </cs:fontRef>
-    <cs:spPr>
-      <a:ln w="19050" cap="rnd">
-        <a:solidFill>
-          <a:schemeClr val="phClr"/>
-        </a:solidFill>
-      </a:ln>
-    </cs:spPr>
-  </cs:trendline>
-  <cs:trendlineLabel>
-    <cs:lnRef idx="0"/>
-    <cs:fillRef idx="0"/>
-    <cs:effectRef idx="0"/>
-    <cs:fontRef idx="minor">
-      <a:schemeClr val="tx1">
-        <a:lumMod val="65000"/>
-        <a:lumOff val="35000"/>
-      </a:schemeClr>
-    </cs:fontRef>
-    <cs:defRPr sz="1197" kern="1200"/>
-  </cs:trendlineLabel>
-  <cs:upBar>
-    <cs:lnRef idx="0"/>
-    <cs:fillRef idx="0"/>
-    <cs:effectRef idx="0"/>
-    <cs:fontRef idx="minor">
-      <a:schemeClr val="dk1"/>
-    </cs:fontRef>
-    <cs:spPr>
-      <a:solidFill>
-        <a:schemeClr val="lt1"/>
-      </a:solidFill>
-      <a:ln w="9525">
-        <a:solidFill>
-          <a:schemeClr val="tx1">
-            <a:lumMod val="15000"/>
-            <a:lumOff val="85000"/>
-          </a:schemeClr>
-        </a:solidFill>
-      </a:ln>
-    </cs:spPr>
-  </cs:upBar>
-  <cs:valueAxis>
-    <cs:lnRef idx="0"/>
-    <cs:fillRef idx="0"/>
-    <cs:effectRef idx="0"/>
-    <cs:fontRef idx="minor">
-      <a:schemeClr val="tx1">
-        <a:lumMod val="65000"/>
-        <a:lumOff val="35000"/>
-      </a:schemeClr>
-    </cs:fontRef>
-    <cs:defRPr sz="1197" kern="1200"/>
-  </cs:valueAxis>
-  <cs:wall>
-    <cs:lnRef idx="0"/>
-    <cs:fillRef idx="0"/>
-    <cs:effectRef idx="0"/>
-    <cs:fontRef idx="minor">
-      <a:schemeClr val="lt1"/>
-    </cs:fontRef>
-  </cs:wall>
-</cs:chartStyle>
-</file>
-
-<file path=ppt/diagrams/colors1.xml><?xml version="1.0" encoding="utf-8"?>
-<dgm:colorsDef xmlns:dgm="http://schemas.openxmlformats.org/drawingml/2006/diagram" xmlns:a="http://schemas.openxmlformats.org/drawingml/2006/main" uniqueId="urn:microsoft.com/office/officeart/2005/8/colors/accent1_2">
-  <dgm:title val=""/>
-  <dgm:desc val=""/>
-  <dgm:catLst>
-    <dgm:cat type="accent1" pri="11200"/>
-  </dgm:catLst>
-  <dgm:styleLbl name="node0">
-    <dgm:fillClrLst meth="repeat">
-      <a:schemeClr val="accent1"/>
-    </dgm:fillClrLst>
-    <dgm:linClrLst meth="repeat">
-      <a:schemeClr val="lt1"/>
-    </dgm:linClrLst>
-    <dgm:effectClrLst/>
-    <dgm:txLinClrLst/>
-    <dgm:txFillClrLst/>
-    <dgm:txEffectClrLst/>
-  </dgm:styleLbl>
-  <dgm:styleLbl name="alignNode1">
-    <dgm:fillClrLst meth="repeat">
-      <a:schemeClr val="accent1"/>
-    </dgm:fillClrLst>
-    <dgm:linClrLst meth="repeat">
-      <a:schemeClr val="accent1"/>
-    </dgm:linClrLst>
-    <dgm:effectClrLst/>
-    <dgm:txLinClrLst/>
-    <dgm:txFillClrLst/>
-    <dgm:txEffectClrLst/>
-  </dgm:styleLbl>
-  <dgm:styleLbl name="node1">
-    <dgm:fillClrLst meth="repeat">
-      <a:schemeClr val="accent1"/>
-    </dgm:fillClrLst>
-    <dgm:linClrLst meth="repeat">
-      <a:schemeClr val="lt1"/>
-    </dgm:linClrLst>
-    <dgm:effectClrLst/>
-    <dgm:txLinClrLst/>
-    <dgm:txFillClrLst/>
-    <dgm:txEffectClrLst/>
-  </dgm:styleLbl>
-  <dgm:styleLbl name="lnNode1">
-    <dgm:fillClrLst meth="repeat">
-      <a:schemeClr val="accent1"/>
-    </dgm:fillClrLst>
-    <dgm:linClrLst meth="repeat">
-      <a:schemeClr val="lt1"/>
-    </dgm:linClrLst>
-    <dgm:effectClrLst/>
-    <dgm:txLinClrLst/>
-    <dgm:txFillClrLst/>
-    <dgm:txEffectClrLst/>
-  </dgm:styleLbl>
-  <dgm:styleLbl name="vennNode1">
-    <dgm:fillClrLst meth="repeat">
-      <a:schemeClr val="accent1">
-        <a:alpha val="50000"/>
-      </a:schemeClr>
-    </dgm:fillClrLst>
-    <dgm:linClrLst meth="repeat">
-      <a:schemeClr val="lt1"/>
-    </dgm:linClrLst>
-    <dgm:effectClrLst/>
-    <dgm:txLinClrLst/>
-    <dgm:txFillClrLst/>
-    <dgm:txEffectClrLst/>
-  </dgm:styleLbl>
-  <dgm:styleLbl name="node2">
-    <dgm:fillClrLst meth="repeat">
-      <a:schemeClr val="accent1"/>
-    </dgm:fillClrLst>
-    <dgm:linClrLst meth="repeat">
-      <a:schemeClr val="lt1"/>
-    </dgm:linClrLst>
-    <dgm:effectClrLst/>
-    <dgm:txLinClrLst/>
-    <dgm:txFillClrLst/>
-    <dgm:txEffectClrLst/>
-  </dgm:styleLbl>
-  <dgm:styleLbl name="node3">
-    <dgm:fillClrLst meth="repeat">
-      <a:schemeClr val="accent1"/>
-    </dgm:fillClrLst>
-    <dgm:linClrLst meth="repeat">
-      <a:schemeClr val="lt1"/>
-    </dgm:linClrLst>
-    <dgm:effectClrLst/>
-    <dgm:txLinClrLst/>
-    <dgm:txFillClrLst/>
-    <dgm:txEffectClrLst/>
-  </dgm:styleLbl>
-  <dgm:styleLbl name="node4">
-    <dgm:fillClrLst meth="repeat">
-      <a:schemeClr val="accent1"/>
-    </dgm:fillClrLst>
-    <dgm:linClrLst meth="repeat">
-      <a:schemeClr val="lt1"/>
-    </dgm:linClrLst>
-    <dgm:effectClrLst/>
-    <dgm:txLinClrLst/>
-    <dgm:txFillClrLst/>
-    <dgm:txEffectClrLst/>
-  </dgm:styleLbl>
-  <dgm:styleLbl name="fgImgPlace1">
-    <dgm:fillClrLst meth="repeat">
-      <a:schemeClr val="accent1">
-        <a:tint val="50000"/>
-      </a:schemeClr>
-    </dgm:fillClrLst>
-    <dgm:linClrLst meth="repeat">
-      <a:schemeClr val="lt1"/>
-    </dgm:linClrLst>
-    <dgm:effectClrLst/>
-    <dgm:txLinClrLst/>
-    <dgm:txFillClrLst meth="repeat">
-      <a:schemeClr val="lt1"/>
-    </dgm:txFillClrLst>
-    <dgm:txEffectClrLst/>
-  </dgm:styleLbl>
-  <dgm:styleLbl name="alignImgPlace1">
-    <dgm:fillClrLst meth="repeat">
-      <a:schemeClr val="accent1">
-        <a:tint val="50000"/>
-      </a:schemeClr>
-    </dgm:fillClrLst>
-    <dgm:linClrLst meth="repeat">
-      <a:schemeClr val="lt1"/>
-    </dgm:linClrLst>
-    <dgm:effectClrLst/>
-    <dgm:txLinClrLst/>
-    <dgm:txFillClrLst meth="repeat">
-      <a:schemeClr val="lt1"/>
-    </dgm:txFillClrLst>
-    <dgm:txEffectClrLst/>
-  </dgm:styleLbl>
-  <dgm:styleLbl name="bgImgPlace1">
-    <dgm:fillClrLst meth="repeat">
-      <a:schemeClr val="accent1">
-        <a:tint val="50000"/>
-      </a:schemeClr>
-    </dgm:fillClrLst>
-    <dgm:linClrLst meth="repeat">
-      <a:schemeClr val="lt1"/>
-    </dgm:linClrLst>
-    <dgm:effectClrLst/>
-    <dgm:txLinClrLst/>
-    <dgm:txFillClrLst meth="repeat">
-      <a:schemeClr val="lt1"/>
-    </dgm:txFillClrLst>
-    <dgm:txEffectClrLst/>
-  </dgm:styleLbl>
-  <dgm:styleLbl name="sibTrans2D1">
-    <dgm:fillClrLst meth="repeat">
-      <a:schemeClr val="accent1">
-        <a:tint val="60000"/>
-      </a:schemeClr>
-    </dgm:fillClrLst>
-    <dgm:linClrLst meth="repeat">
-      <a:schemeClr val="accent1">
-        <a:tint val="60000"/>
-      </a:schemeClr>
-    </dgm:linClrLst>
-    <dgm:effectClrLst/>
-    <dgm:txLinClrLst/>
-    <dgm:txFillClrLst/>
-    <dgm:txEffectClrLst/>
-  </dgm:styleLbl>
-  <dgm:styleLbl name="fgSibTrans2D1">
-    <dgm:fillClrLst meth="repeat">
-      <a:schemeClr val="accent1">
-        <a:tint val="60000"/>
-      </a:schemeClr>
-    </dgm:fillClrLst>
-    <dgm:linClrLst meth="repeat">
-      <a:schemeClr val="accent1">
-        <a:tint val="60000"/>
-      </a:schemeClr>
-    </dgm:linClrLst>
-    <dgm:effectClrLst/>
-    <dgm:txLinClrLst/>
-    <dgm:txFillClrLst/>
-    <dgm:txEffectClrLst/>
-  </dgm:styleLbl>
-  <dgm:styleLbl name="bgSibTrans2D1">
-    <dgm:fillClrLst meth="repeat">
-      <a:schemeClr val="accent1">
-        <a:tint val="60000"/>
-      </a:schemeClr>
-    </dgm:fillClrLst>
-    <dgm:linClrLst meth="repeat">
-      <a:schemeClr val="accent1">
-        <a:tint val="60000"/>
-      </a:schemeClr>
-    </dgm:linClrLst>
-    <dgm:effectClrLst/>
-    <dgm:txLinClrLst/>
-    <dgm:txFillClrLst/>
-    <dgm:txEffectClrLst/>
-  </dgm:styleLbl>
-  <dgm:styleLbl name="sibTrans1D1">
-    <dgm:fillClrLst meth="repeat">
-      <a:schemeClr val="accent1"/>
-    </dgm:fillClrLst>
-    <dgm:linClrLst meth="repeat">
-      <a:schemeClr val="accent1"/>
-    </dgm:linClrLst>
-    <dgm:effectClrLst/>
-    <dgm:txLinClrLst/>
-    <dgm:txFillClrLst meth="repeat">
-      <a:schemeClr val="tx1"/>
-    </dgm:txFillClrLst>
-    <dgm:txEffectClrLst/>
-  </dgm:styleLbl>
-  <dgm:styleLbl name="callout">
-    <dgm:fillClrLst meth="repeat">
-      <a:schemeClr val="accent1"/>
-    </dgm:fillClrLst>
-    <dgm:linClrLst meth="repeat">
-      <a:schemeClr val="accent1">
-        <a:tint val="50000"/>
-      </a:schemeClr>
-    </dgm:linClrLst>
-    <dgm:effectClrLst/>
-    <dgm:txLinClrLst/>
-    <dgm:txFillClrLst meth="repeat">
-      <a:schemeClr val="tx1"/>
-    </dgm:txFillClrLst>
-    <dgm:txEffectClrLst/>
-  </dgm:styleLbl>
-  <dgm:styleLbl name="asst0">
-    <dgm:fillClrLst meth="repeat">
-      <a:schemeClr val="accent1"/>
-    </dgm:fillClrLst>
-    <dgm:linClrLst meth="repeat">
-      <a:schemeClr val="lt1"/>
-    </dgm:linClrLst>
-    <dgm:effectClrLst/>
-    <dgm:txLinClrLst/>
-    <dgm:txFillClrLst/>
-    <dgm:txEffectClrLst/>
-  </dgm:styleLbl>
-  <dgm:styleLbl name="asst1">
-    <dgm:fillClrLst meth="repeat">
-      <a:schemeClr val="accent1"/>
-    </dgm:fillClrLst>
-    <dgm:linClrLst meth="repeat">
-      <a:schemeClr val="lt1"/>
-    </dgm:linClrLst>
-    <dgm:effectClrLst/>
-    <dgm:txLinClrLst/>
-    <dgm:txFillClrLst/>
-    <dgm:txEffectClrLst/>
-  </dgm:styleLbl>
-  <dgm:styleLbl name="asst2">
-    <dgm:fillClrLst meth="repeat">
-      <a:schemeClr val="accent1"/>
-    </dgm:fillClrLst>
-    <dgm:linClrLst meth="repeat">
-      <a:schemeClr val="lt1"/>
-    </dgm:linClrLst>
-    <dgm:effectClrLst/>
-    <dgm:txLinClrLst/>
-    <dgm:txFillClrLst/>
-    <dgm:txEffectClrLst/>
-  </dgm:styleLbl>
-  <dgm:styleLbl name="asst3">
-    <dgm:fillClrLst meth="repeat">
-      <a:schemeClr val="accent1"/>
-    </dgm:fillClrLst>
-    <dgm:linClrLst meth="repeat">
-      <a:schemeClr val="lt1"/>
-    </dgm:linClrLst>
-    <dgm:effectClrLst/>
-    <dgm:txLinClrLst/>
-    <dgm:txFillClrLst/>
-    <dgm:txEffectClrLst/>
-  </dgm:styleLbl>
-  <dgm:styleLbl name="asst4">
-    <dgm:fillClrLst meth="repeat">
-      <a:schemeClr val="accent1"/>
-    </dgm:fillClrLst>
-    <dgm:linClrLst meth="repeat">
-      <a:schemeClr val="lt1"/>
-    </dgm:linClrLst>
-    <dgm:effectClrLst/>
-    <dgm:txLinClrLst/>
-    <dgm:txFillClrLst/>
-    <dgm:txEffectClrLst/>
-  </dgm:styleLbl>
-  <dgm:styleLbl name="parChTrans2D1">
-    <dgm:fillClrLst meth="repeat">
-      <a:schemeClr val="accent1">
-        <a:tint val="60000"/>
-      </a:schemeClr>
-    </dgm:fillClrLst>
-    <dgm:linClrLst meth="repeat">
-      <a:schemeClr val="accent1">
-        <a:tint val="60000"/>
-      </a:schemeClr>
-    </dgm:linClrLst>
-    <dgm:effectClrLst/>
-    <dgm:txLinClrLst/>
-    <dgm:txFillClrLst meth="repeat">
-      <a:schemeClr val="lt1"/>
-    </dgm:txFillClrLst>
-    <dgm:txEffectClrLst/>
-  </dgm:styleLbl>
-  <dgm:styleLbl name="parChTrans2D2">
-    <dgm:fillClrLst meth="repeat">
-      <a:schemeClr val="accent1"/>
-    </dgm:fillClrLst>
-    <dgm:linClrLst meth="repeat">
-      <a:schemeClr val="accent1"/>
-    </dgm:linClrLst>
-    <dgm:effectClrLst/>
-    <dgm:txLinClrLst/>
-    <dgm:txFillClrLst meth="repeat">
-      <a:schemeClr val="lt1"/>
-    </dgm:txFillClrLst>
-    <dgm:txEffectClrLst/>
-  </dgm:styleLbl>
-  <dgm:styleLbl name="parChTrans2D3">
-    <dgm:fillClrLst meth="repeat">
-      <a:schemeClr val="accent1"/>
-    </dgm:fillClrLst>
-    <dgm:linClrLst meth="repeat">
-      <a:schemeClr val="accent1"/>
-    </dgm:linClrLst>
-    <dgm:effectClrLst/>
-    <dgm:txLinClrLst/>
-    <dgm:txFillClrLst meth="repeat">
-      <a:schemeClr val="lt1"/>
-    </dgm:txFillClrLst>
-    <dgm:txEffectClrLst/>
-  </dgm:styleLbl>
-  <dgm:styleLbl name="parChTrans2D4">
-    <dgm:fillClrLst meth="repeat">
-      <a:schemeClr val="accent1"/>
-    </dgm:fillClrLst>
-    <dgm:linClrLst meth="repeat">
-      <a:schemeClr val="accent1"/>
-    </dgm:linClrLst>
-    <dgm:effectClrLst/>
-    <dgm:txLinClrLst/>
-    <dgm:txFillClrLst meth="repeat">
-      <a:schemeClr val="lt1"/>
-    </dgm:txFillClrLst>
-    <dgm:txEffectClrLst/>
-  </dgm:styleLbl>
-  <dgm:styleLbl name="parChTrans1D1">
-    <dgm:fillClrLst meth="repeat">
-      <a:schemeClr val="accent1"/>
-    </dgm:fillClrLst>
-    <dgm:linClrLst meth="repeat">
-      <a:schemeClr val="accent1">
-        <a:shade val="60000"/>
-      </a:schemeClr>
-    </dgm:linClrLst>
-    <dgm:effectClrLst/>
-    <dgm:txLinClrLst/>
-    <dgm:txFillClrLst meth="repeat">
-      <a:schemeClr val="tx1"/>
-    </dgm:txFillClrLst>
-    <dgm:txEffectClrLst/>
-  </dgm:styleLbl>
-  <dgm:styleLbl name="parChTrans1D2">
-    <dgm:fillClrLst meth="repeat">
-      <a:schemeClr val="accent1"/>
-    </dgm:fillClrLst>
-    <dgm:linClrLst meth="repeat">
-      <a:schemeClr val="accent1">
-        <a:shade val="60000"/>
-      </a:schemeClr>
-    </dgm:linClrLst>
-    <dgm:effectClrLst/>
-    <dgm:txLinClrLst/>
-    <dgm:txFillClrLst meth="repeat">
-      <a:schemeClr val="tx1"/>
-    </dgm:txFillClrLst>
-    <dgm:txEffectClrLst/>
-  </dgm:styleLbl>
-  <dgm:styleLbl name="parChTrans1D3">
-    <dgm:fillClrLst meth="repeat">
-      <a:schemeClr val="accent1"/>
-    </dgm:fillClrLst>
-    <dgm:linClrLst meth="repeat">
-      <a:schemeClr val="accent1">
-        <a:shade val="80000"/>
-      </a:schemeClr>
-    </dgm:linClrLst>
-    <dgm:effectClrLst/>
-    <dgm:txLinClrLst/>
-    <dgm:txFillClrLst meth="repeat">
-      <a:schemeClr val="tx1"/>
-    </dgm:txFillClrLst>
-    <dgm:txEffectClrLst/>
-  </dgm:styleLbl>
-  <dgm:styleLbl name="parChTrans1D4">
-    <dgm:fillClrLst meth="repeat">
-      <a:schemeClr val="accent1"/>
-    </dgm:fillClrLst>
-    <dgm:linClrLst meth="repeat">
-      <a:schemeClr val="accent1">
-        <a:shade val="80000"/>
-      </a:schemeClr>
-    </dgm:linClrLst>
-    <dgm:effectClrLst/>
-    <dgm:txLinClrLst/>
-    <dgm:txFillClrLst meth="repeat">
-      <a:schemeClr val="tx1"/>
-    </dgm:txFillClrLst>
-    <dgm:txEffectClrLst/>
-  </dgm:styleLbl>
-  <dgm:styleLbl name="fgAcc1">
-    <dgm:fillClrLst meth="repeat">
-      <a:schemeClr val="lt1">
-        <a:alpha val="90000"/>
-      </a:schemeClr>
-    </dgm:fillClrLst>
-    <dgm:linClrLst meth="repeat">
-      <a:schemeClr val="accent1"/>
-    </dgm:linClrLst>
-    <dgm:effectClrLst/>
-    <dgm:txLinClrLst/>
-    <dgm:txFillClrLst meth="repeat">
-      <a:schemeClr val="dk1"/>
-    </dgm:txFillClrLst>
-    <dgm:txEffectClrLst/>
-  </dgm:styleLbl>
-  <dgm:styleLbl name="conFgAcc1">
-    <dgm:fillClrLst meth="repeat">
-      <a:schemeClr val="lt1">
-        <a:alpha val="90000"/>
-      </a:schemeClr>
-    </dgm:fillClrLst>
-    <dgm:linClrLst meth="repeat">
-      <a:schemeClr val="accent1"/>
-    </dgm:linClrLst>
-    <dgm:effectClrLst/>
-    <dgm:txLinClrLst/>
-    <dgm:txFillClrLst meth="repeat">
-      <a:schemeClr val="dk1"/>
-    </dgm:txFillClrLst>
-    <dgm:txEffectClrLst/>
-  </dgm:styleLbl>
-  <dgm:styleLbl name="alignAcc1">
-    <dgm:fillClrLst meth="repeat">
-      <a:schemeClr val="lt1">
-        <a:alpha val="90000"/>
-      </a:schemeClr>
-    </dgm:fillClrLst>
-    <dgm:linClrLst meth="repeat">
-      <a:schemeClr val="accent1"/>
-    </dgm:linClrLst>
-    <dgm:effectClrLst/>
-    <dgm:txLinClrLst/>
-    <dgm:txFillClrLst meth="repeat">
-      <a:schemeClr val="dk1"/>
-    </dgm:txFillClrLst>
-    <dgm:txEffectClrLst/>
-  </dgm:styleLbl>
-  <dgm:styleLbl name="trAlignAcc1">
-    <dgm:fillClrLst meth="repeat">
-      <a:schemeClr val="lt1">
-        <a:alpha val="40000"/>
-      </a:schemeClr>
-    </dgm:fillClrLst>
-    <dgm:linClrLst meth="repeat">
-      <a:schemeClr val="accent1"/>
-    </dgm:linClrLst>
-    <dgm:effectClrLst/>
-    <dgm:txLinClrLst/>
-    <dgm:txFillClrLst meth="repeat">
-      <a:schemeClr val="dk1"/>
-    </dgm:txFillClrLst>
-    <dgm:txEffectClrLst/>
-  </dgm:styleLbl>
-  <dgm:styleLbl name="bgAcc1">
-    <dgm:fillClrLst meth="repeat">
-      <a:schemeClr val="lt1">
-        <a:alpha val="90000"/>
-      </a:schemeClr>
-    </dgm:fillClrLst>
-    <dgm:linClrLst meth="repeat">
-      <a:schemeClr val="accent1"/>
-    </dgm:linClrLst>
-    <dgm:effectClrLst/>
-    <dgm:txLinClrLst/>
-    <dgm:txFillClrLst meth="repeat">
-      <a:schemeClr val="dk1"/>
-    </dgm:txFillClrLst>
-    <dgm:txEffectClrLst/>
-  </dgm:styleLbl>
-  <dgm:styleLbl name="solidFgAcc1">
-    <dgm:fillClrLst meth="repeat">
-      <a:schemeClr val="lt1"/>
-    </dgm:fillClrLst>
-    <dgm:linClrLst meth="repeat">
-      <a:schemeClr val="accent1"/>
-    </dgm:linClrLst>
-    <dgm:effectClrLst/>
-    <dgm:txLinClrLst/>
-    <dgm:txFillClrLst meth="repeat">
-      <a:schemeClr val="dk1"/>
-    </dgm:txFillClrLst>
-    <dgm:txEffectClrLst/>
-  </dgm:styleLbl>
-  <dgm:styleLbl name="solidAlignAcc1">
-    <dgm:fillClrLst meth="repeat">
-      <a:schemeClr val="lt1"/>
-    </dgm:fillClrLst>
-    <dgm:linClrLst meth="repeat">
-      <a:schemeClr val="accent1"/>
-    </dgm:linClrLst>
-    <dgm:effectClrLst/>
-    <dgm:txLinClrLst/>
-    <dgm:txFillClrLst meth="repeat">
-      <a:schemeClr val="dk1"/>
-    </dgm:txFillClrLst>
-    <dgm:txEffectClrLst/>
-  </dgm:styleLbl>
-  <dgm:styleLbl name="solidBgAcc1">
-    <dgm:fillClrLst meth="repeat">
-      <a:schemeClr val="lt1"/>
-    </dgm:fillClrLst>
-    <dgm:linClrLst meth="repeat">
-      <a:schemeClr val="accent1"/>
-    </dgm:linClrLst>
-    <dgm:effectClrLst/>
-    <dgm:txLinClrLst/>
-    <dgm:txFillClrLst meth="repeat">
-      <a:schemeClr val="dk1"/>
-    </dgm:txFillClrLst>
-    <dgm:txEffectClrLst/>
-  </dgm:styleLbl>
-  <dgm:styleLbl name="fgAccFollowNode1">
-    <dgm:fillClrLst meth="repeat">
-      <a:schemeClr val="accent1">
-        <a:alpha val="90000"/>
-        <a:tint val="40000"/>
-      </a:schemeClr>
-    </dgm:fillClrLst>
-    <dgm:linClrLst meth="repeat">
-      <a:schemeClr val="accent1">
-        <a:alpha val="90000"/>
-        <a:tint val="40000"/>
-      </a:schemeClr>
-    </dgm:linClrLst>
-    <dgm:effectClrLst/>
-    <dgm:txLinClrLst/>
-    <dgm:txFillClrLst meth="repeat">
-      <a:schemeClr val="dk1"/>
-    </dgm:txFillClrLst>
-    <dgm:txEffectClrLst/>
-  </dgm:styleLbl>
-  <dgm:styleLbl name="alignAccFollowNode1">
-    <dgm:fillClrLst meth="repeat">
-      <a:schemeClr val="accent1">
-        <a:alpha val="90000"/>
-        <a:tint val="40000"/>
-      </a:schemeClr>
-    </dgm:fillClrLst>
-    <dgm:linClrLst meth="repeat">
-      <a:schemeClr val="accent1">
-        <a:alpha val="90000"/>
-        <a:tint val="40000"/>
-      </a:schemeClr>
-    </dgm:linClrLst>
-    <dgm:effectClrLst/>
-    <dgm:txLinClrLst/>
-    <dgm:txFillClrLst meth="repeat">
-      <a:schemeClr val="dk1"/>
-    </dgm:txFillClrLst>
-    <dgm:txEffectClrLst/>
-  </dgm:styleLbl>
-  <dgm:styleLbl name="bgAccFollowNode1">
-    <dgm:fillClrLst meth="repeat">
-      <a:schemeClr val="accent1">
-        <a:alpha val="90000"/>
-        <a:tint val="40000"/>
-      </a:schemeClr>
-    </dgm:fillClrLst>
-    <dgm:linClrLst meth="repeat">
-      <a:schemeClr val="accent1">
-        <a:alpha val="90000"/>
-        <a:tint val="40000"/>
-      </a:schemeClr>
-    </dgm:linClrLst>
-    <dgm:effectClrLst/>
-    <dgm:txLinClrLst/>
-    <dgm:txFillClrLst meth="repeat">
-      <a:schemeClr val="dk1"/>
-    </dgm:txFillClrLst>
-    <dgm:txEffectClrLst/>
-  </dgm:styleLbl>
-  <dgm:styleLbl name="fgAcc0">
-    <dgm:fillClrLst meth="repeat">
-      <a:schemeClr val="lt1">
-        <a:alpha val="90000"/>
-      </a:schemeClr>
-    </dgm:fillClrLst>
-    <dgm:linClrLst meth="repeat">
-      <a:schemeClr val="accent1"/>
-    </dgm:linClrLst>
-    <dgm:effectClrLst/>
-    <dgm:txLinClrLst/>
-    <dgm:txFillClrLst meth="repeat">
-      <a:schemeClr val="dk1"/>
-    </dgm:txFillClrLst>
-    <dgm:txEffectClrLst/>
-  </dgm:styleLbl>
-  <dgm:styleLbl name="fgAcc2">
-    <dgm:fillClrLst meth="repeat">
-      <a:schemeClr val="lt1">
-        <a:alpha val="90000"/>
-      </a:schemeClr>
-    </dgm:fillClrLst>
-    <dgm:linClrLst meth="repeat">
-      <a:schemeClr val="accent1"/>
-    </dgm:linClrLst>
-    <dgm:effectClrLst/>
-    <dgm:txLinClrLst/>
-    <dgm:txFillClrLst meth="repeat">
-      <a:schemeClr val="dk1"/>
-    </dgm:txFillClrLst>
-    <dgm:txEffectClrLst/>
-  </dgm:styleLbl>
-  <dgm:styleLbl name="fgAcc3">
-    <dgm:fillClrLst meth="repeat">
-      <a:schemeClr val="lt1">
-        <a:alpha val="90000"/>
-      </a:schemeClr>
-    </dgm:fillClrLst>
-    <dgm:linClrLst meth="repeat">
-      <a:schemeClr val="accent1"/>
-    </dgm:linClrLst>
-    <dgm:effectClrLst/>
-    <dgm:txLinClrLst/>
-    <dgm:txFillClrLst meth="repeat">
-      <a:schemeClr val="dk1"/>
-    </dgm:txFillClrLst>
-    <dgm:txEffectClrLst/>
-  </dgm:styleLbl>
-  <dgm:styleLbl name="fgAcc4">
-    <dgm:fillClrLst meth="repeat">
-      <a:schemeClr val="lt1">
-        <a:alpha val="90000"/>
-      </a:schemeClr>
-    </dgm:fillClrLst>
-    <dgm:linClrLst meth="repeat">
-      <a:schemeClr val="accent1"/>
-    </dgm:linClrLst>
-    <dgm:effectClrLst/>
-    <dgm:txLinClrLst/>
-    <dgm:txFillClrLst meth="repeat">
-      <a:schemeClr val="dk1"/>
-    </dgm:txFillClrLst>
-    <dgm:txEffectClrLst/>
-  </dgm:styleLbl>
-  <dgm:styleLbl name="bgShp">
-    <dgm:fillClrLst meth="repeat">
-      <a:schemeClr val="accent1">
-        <a:tint val="40000"/>
-      </a:schemeClr>
-    </dgm:fillClrLst>
-    <dgm:linClrLst meth="repeat">
-      <a:schemeClr val="accent1"/>
-    </dgm:linClrLst>
-    <dgm:effectClrLst/>
-    <dgm:txLinClrLst/>
-    <dgm:txFillClrLst meth="repeat">
-      <a:schemeClr val="dk1"/>
-    </dgm:txFillClrLst>
-    <dgm:txEffectClrLst/>
-  </dgm:styleLbl>
-  <dgm:styleLbl name="dkBgShp">
-    <dgm:fillClrLst meth="repeat">
-      <a:schemeClr val="accent1">
-        <a:shade val="80000"/>
-      </a:schemeClr>
-    </dgm:fillClrLst>
-    <dgm:linClrLst meth="repeat">
-      <a:schemeClr val="accent1"/>
-    </dgm:linClrLst>
-    <dgm:effectClrLst/>
-    <dgm:txLinClrLst/>
-    <dgm:txFillClrLst meth="repeat">
-      <a:schemeClr val="lt1"/>
-    </dgm:txFillClrLst>
-    <dgm:txEffectClrLst/>
-  </dgm:styleLbl>
-  <dgm:styleLbl name="trBgShp">
-    <dgm:fillClrLst meth="repeat">
-      <a:schemeClr val="accent1">
-        <a:tint val="50000"/>
-        <a:alpha val="40000"/>
-      </a:schemeClr>
-    </dgm:fillClrLst>
-    <dgm:linClrLst meth="repeat">
-      <a:schemeClr val="accent1"/>
-    </dgm:linClrLst>
-    <dgm:effectClrLst/>
-    <dgm:txLinClrLst/>
-    <dgm:txFillClrLst meth="repeat">
-      <a:schemeClr val="lt1"/>
-    </dgm:txFillClrLst>
-    <dgm:txEffectClrLst/>
-  </dgm:styleLbl>
-  <dgm:styleLbl name="fgShp">
-    <dgm:fillClrLst meth="repeat">
-      <a:schemeClr val="accent1">
-        <a:tint val="60000"/>
-      </a:schemeClr>
-    </dgm:fillClrLst>
-    <dgm:linClrLst meth="repeat">
-      <a:schemeClr val="lt1"/>
-    </dgm:linClrLst>
-    <dgm:effectClrLst/>
-    <dgm:txLinClrLst/>
-    <dgm:txFillClrLst meth="repeat">
-      <a:schemeClr val="dk1"/>
-    </dgm:txFillClrLst>
-    <dgm:txEffectClrLst/>
-  </dgm:styleLbl>
-  <dgm:styleLbl name="revTx">
-    <dgm:fillClrLst meth="repeat">
-      <a:schemeClr val="lt1">
-        <a:alpha val="0"/>
-      </a:schemeClr>
-    </dgm:fillClrLst>
-    <dgm:linClrLst meth="repeat">
-      <a:schemeClr val="dk1">
-        <a:alpha val="0"/>
-      </a:schemeClr>
-    </dgm:linClrLst>
-    <dgm:effectClrLst/>
-    <dgm:txLinClrLst/>
-    <dgm:txFillClrLst meth="repeat">
-      <a:schemeClr val="tx1"/>
-    </dgm:txFillClrLst>
-    <dgm:txEffectClrLst/>
-  </dgm:styleLbl>
-</dgm:colorsDef>
-</file>
-
-<file path=ppt/diagrams/data1.xml><?xml version="1.0" encoding="utf-8"?>
-<dgm:dataModel xmlns:dgm="http://schemas.openxmlformats.org/drawingml/2006/diagram" xmlns:a="http://schemas.openxmlformats.org/drawingml/2006/main">
-  <dgm:ptLst>
-    <dgm:pt modelId="{242E7D57-FF30-4066-A113-FCED6D806FB1}" type="doc">
-      <dgm:prSet loTypeId="urn:microsoft.com/office/officeart/2005/8/layout/vList2" loCatId="list" qsTypeId="urn:microsoft.com/office/officeart/2005/8/quickstyle/simple1" qsCatId="simple" csTypeId="urn:microsoft.com/office/officeart/2005/8/colors/accent1_2" csCatId="accent1" phldr="1"/>
-      <dgm:spPr/>
-      <dgm:t>
-        <a:bodyPr/>
-        <a:lstStyle/>
-        <a:p>
-          <a:endParaRPr lang="en-US"/>
-        </a:p>
-      </dgm:t>
-    </dgm:pt>
-    <dgm:pt modelId="{7D5F4A26-1C76-4A7F-930D-0B2EE8CB5A24}">
-      <dgm:prSet phldrT="[Text]"/>
-      <dgm:spPr/>
-      <dgm:t>
-        <a:bodyPr/>
-        <a:lstStyle/>
-        <a:p>
-          <a:r>
-            <a:rPr lang="en-US" dirty="0"/>
-            <a:t>Group A</a:t>
-          </a:r>
-        </a:p>
-      </dgm:t>
-      <dgm:extLst>
-        <a:ext uri="{E40237B7-FDA0-4F09-8148-C483321AD2D9}">
-          <dgm14:cNvPr xmlns:dgm14="http://schemas.microsoft.com/office/drawing/2010/diagram" id="0" name="" title="Group A heading"/>
-        </a:ext>
-      </dgm:extLst>
-    </dgm:pt>
-    <dgm:pt modelId="{E1D094F8-E721-4D3A-94BD-42021134B10D}" type="parTrans" cxnId="{FD3BDC87-ABC4-415A-BA00-3B1A44CE60DB}">
-      <dgm:prSet/>
-      <dgm:spPr/>
-      <dgm:t>
-        <a:bodyPr/>
-        <a:lstStyle/>
-        <a:p>
-          <a:endParaRPr lang="en-US"/>
-        </a:p>
-      </dgm:t>
-    </dgm:pt>
-    <dgm:pt modelId="{30219927-95FE-489B-9532-820F85DCB012}" type="sibTrans" cxnId="{FD3BDC87-ABC4-415A-BA00-3B1A44CE60DB}">
-      <dgm:prSet/>
-      <dgm:spPr/>
-      <dgm:t>
-        <a:bodyPr/>
-        <a:lstStyle/>
-        <a:p>
-          <a:endParaRPr lang="en-US"/>
-        </a:p>
-      </dgm:t>
-    </dgm:pt>
-    <dgm:pt modelId="{CA5E69B5-37AD-426D-ADCE-4496C7EE6106}">
-      <dgm:prSet phldrT="[Text]"/>
-      <dgm:spPr/>
-      <dgm:t>
-        <a:bodyPr/>
-        <a:lstStyle/>
-        <a:p>
-          <a:r>
-            <a:rPr lang="en-US" dirty="0"/>
-            <a:t>Task 1</a:t>
-          </a:r>
-        </a:p>
-      </dgm:t>
-      <dgm:extLst>
-        <a:ext uri="{E40237B7-FDA0-4F09-8148-C483321AD2D9}">
-          <dgm14:cNvPr xmlns:dgm14="http://schemas.microsoft.com/office/drawing/2010/diagram" id="0" name="" title="Group A tasks"/>
-        </a:ext>
-      </dgm:extLst>
-    </dgm:pt>
-    <dgm:pt modelId="{5F3DC056-5744-4814-96CE-D76E13314AB7}" type="parTrans" cxnId="{B02CAB33-5ED4-47E4-81C9-EBA23D8E48FE}">
-      <dgm:prSet/>
-      <dgm:spPr/>
-      <dgm:t>
-        <a:bodyPr/>
-        <a:lstStyle/>
-        <a:p>
-          <a:endParaRPr lang="en-US"/>
-        </a:p>
-      </dgm:t>
-    </dgm:pt>
-    <dgm:pt modelId="{BDED456A-5607-4183-AD54-919BA3E602A1}" type="sibTrans" cxnId="{B02CAB33-5ED4-47E4-81C9-EBA23D8E48FE}">
-      <dgm:prSet/>
-      <dgm:spPr/>
-      <dgm:t>
-        <a:bodyPr/>
-        <a:lstStyle/>
-        <a:p>
-          <a:endParaRPr lang="en-US"/>
-        </a:p>
-      </dgm:t>
-    </dgm:pt>
-    <dgm:pt modelId="{11966083-172A-4D0B-AF10-414DEEF45F7D}">
-      <dgm:prSet phldrT="[Text]"/>
-      <dgm:spPr/>
-      <dgm:t>
-        <a:bodyPr/>
-        <a:lstStyle/>
-        <a:p>
-          <a:r>
-            <a:rPr lang="en-US" dirty="0"/>
-            <a:t>Group B</a:t>
-          </a:r>
-        </a:p>
-      </dgm:t>
-      <dgm:extLst>
-        <a:ext uri="{E40237B7-FDA0-4F09-8148-C483321AD2D9}">
-          <dgm14:cNvPr xmlns:dgm14="http://schemas.microsoft.com/office/drawing/2010/diagram" id="0" name="" title="Group B heading"/>
-        </a:ext>
-      </dgm:extLst>
-    </dgm:pt>
-    <dgm:pt modelId="{E8DAA823-B561-4ADE-82C7-60D03B9AA779}" type="parTrans" cxnId="{25F2E8DC-9CDC-472C-9DED-8BD0F432FA20}">
-      <dgm:prSet/>
-      <dgm:spPr/>
-      <dgm:t>
-        <a:bodyPr/>
-        <a:lstStyle/>
-        <a:p>
-          <a:endParaRPr lang="en-US"/>
-        </a:p>
-      </dgm:t>
-    </dgm:pt>
-    <dgm:pt modelId="{0EDF481E-952B-4A6D-9B47-C5DF0C9FD933}" type="sibTrans" cxnId="{25F2E8DC-9CDC-472C-9DED-8BD0F432FA20}">
-      <dgm:prSet/>
-      <dgm:spPr/>
-      <dgm:t>
-        <a:bodyPr/>
-        <a:lstStyle/>
-        <a:p>
-          <a:endParaRPr lang="en-US"/>
-        </a:p>
-      </dgm:t>
-    </dgm:pt>
-    <dgm:pt modelId="{AB0B3541-2BBF-43CD-8973-113F1D086578}">
-      <dgm:prSet phldrT="[Text]"/>
-      <dgm:spPr/>
-      <dgm:t>
-        <a:bodyPr/>
-        <a:lstStyle/>
-        <a:p>
-          <a:r>
-            <a:rPr lang="en-US" dirty="0"/>
-            <a:t>Task 1</a:t>
-          </a:r>
-        </a:p>
-      </dgm:t>
-      <dgm:extLst>
-        <a:ext uri="{E40237B7-FDA0-4F09-8148-C483321AD2D9}">
-          <dgm14:cNvPr xmlns:dgm14="http://schemas.microsoft.com/office/drawing/2010/diagram" id="0" name="" title="Group B tasks"/>
-        </a:ext>
-      </dgm:extLst>
-    </dgm:pt>
-    <dgm:pt modelId="{C2F69FEA-9A42-48F9-AF5D-79B760DCBD5A}" type="parTrans" cxnId="{10E5E320-2EED-4036-A1B3-33F113D3F661}">
-      <dgm:prSet/>
-      <dgm:spPr/>
-      <dgm:t>
-        <a:bodyPr/>
-        <a:lstStyle/>
-        <a:p>
-          <a:endParaRPr lang="en-US"/>
-        </a:p>
-      </dgm:t>
-    </dgm:pt>
-    <dgm:pt modelId="{DDFF4DC4-F30A-4AC1-A79B-6D18010A8D99}" type="sibTrans" cxnId="{10E5E320-2EED-4036-A1B3-33F113D3F661}">
-      <dgm:prSet/>
-      <dgm:spPr/>
-      <dgm:t>
-        <a:bodyPr/>
-        <a:lstStyle/>
-        <a:p>
-          <a:endParaRPr lang="en-US"/>
-        </a:p>
-      </dgm:t>
-    </dgm:pt>
-    <dgm:pt modelId="{60D12D20-B0D8-4505-BA59-4D483973129C}">
-      <dgm:prSet phldrT="[Text]"/>
-      <dgm:spPr/>
-      <dgm:t>
-        <a:bodyPr/>
-        <a:lstStyle/>
-        <a:p>
-          <a:r>
-            <a:rPr lang="en-US" dirty="0"/>
-            <a:t>Task 2</a:t>
-          </a:r>
-        </a:p>
-      </dgm:t>
-    </dgm:pt>
-    <dgm:pt modelId="{C97B6B44-FD33-43DE-8EB6-E1A213CA24FA}" type="parTrans" cxnId="{9419D292-4F51-4615-884E-CA961BD8F667}">
-      <dgm:prSet/>
-      <dgm:spPr/>
-      <dgm:t>
-        <a:bodyPr/>
-        <a:lstStyle/>
-        <a:p>
-          <a:endParaRPr lang="en-US"/>
-        </a:p>
-      </dgm:t>
-    </dgm:pt>
-    <dgm:pt modelId="{141BE5B0-1725-42F6-8C99-9491D1CDA835}" type="sibTrans" cxnId="{9419D292-4F51-4615-884E-CA961BD8F667}">
-      <dgm:prSet/>
-      <dgm:spPr/>
-      <dgm:t>
-        <a:bodyPr/>
-        <a:lstStyle/>
-        <a:p>
-          <a:endParaRPr lang="en-US"/>
-        </a:p>
-      </dgm:t>
-    </dgm:pt>
-    <dgm:pt modelId="{7F1AE7EB-389E-4EB2-BE2C-66345376C76B}">
-      <dgm:prSet phldrT="[Text]"/>
-      <dgm:spPr/>
-      <dgm:t>
-        <a:bodyPr/>
-        <a:lstStyle/>
-        <a:p>
-          <a:r>
-            <a:rPr lang="en-US" dirty="0"/>
-            <a:t>Task 2</a:t>
-          </a:r>
-        </a:p>
-      </dgm:t>
-    </dgm:pt>
-    <dgm:pt modelId="{FEEFBF43-F8C2-49F9-BD9B-7BC228A1DB5B}" type="parTrans" cxnId="{62268509-9741-4051-890B-51F85FD1CCC8}">
-      <dgm:prSet/>
-      <dgm:spPr/>
-      <dgm:t>
-        <a:bodyPr/>
-        <a:lstStyle/>
-        <a:p>
-          <a:endParaRPr lang="en-US"/>
-        </a:p>
-      </dgm:t>
-    </dgm:pt>
-    <dgm:pt modelId="{7376D1CB-6F4F-4938-A636-AB89CC2D70E4}" type="sibTrans" cxnId="{62268509-9741-4051-890B-51F85FD1CCC8}">
-      <dgm:prSet/>
-      <dgm:spPr/>
-      <dgm:t>
-        <a:bodyPr/>
-        <a:lstStyle/>
-        <a:p>
-          <a:endParaRPr lang="en-US"/>
-        </a:p>
-      </dgm:t>
-    </dgm:pt>
-    <dgm:pt modelId="{769831B2-FFE1-4BB5-8CB7-C06F8038B582}">
-      <dgm:prSet phldrT="[Text]"/>
-      <dgm:spPr/>
-      <dgm:t>
-        <a:bodyPr/>
-        <a:lstStyle/>
-        <a:p>
-          <a:r>
-            <a:rPr lang="en-US" dirty="0"/>
-            <a:t>Group C</a:t>
-          </a:r>
-        </a:p>
-      </dgm:t>
-      <dgm:extLst>
-        <a:ext uri="{E40237B7-FDA0-4F09-8148-C483321AD2D9}">
-          <dgm14:cNvPr xmlns:dgm14="http://schemas.microsoft.com/office/drawing/2010/diagram" id="0" name="" title="Group C heading"/>
-        </a:ext>
-      </dgm:extLst>
-    </dgm:pt>
-    <dgm:pt modelId="{139F5F79-E65B-403D-9ABA-7832A1750A37}" type="parTrans" cxnId="{0581BFD0-4FB2-44E7-8E31-728CD0D4AD3F}">
-      <dgm:prSet/>
-      <dgm:spPr/>
-      <dgm:t>
-        <a:bodyPr/>
-        <a:lstStyle/>
-        <a:p>
-          <a:endParaRPr lang="en-US"/>
-        </a:p>
-      </dgm:t>
-    </dgm:pt>
-    <dgm:pt modelId="{A6345A9F-C029-4E00-A73B-9276DB58BCBA}" type="sibTrans" cxnId="{0581BFD0-4FB2-44E7-8E31-728CD0D4AD3F}">
-      <dgm:prSet/>
-      <dgm:spPr/>
-      <dgm:t>
-        <a:bodyPr/>
-        <a:lstStyle/>
-        <a:p>
-          <a:endParaRPr lang="en-US"/>
-        </a:p>
-      </dgm:t>
-    </dgm:pt>
-    <dgm:pt modelId="{8B77A199-5E32-4693-9AF2-3E5612DD843F}">
-      <dgm:prSet phldrT="[Text]"/>
-      <dgm:spPr/>
-      <dgm:t>
-        <a:bodyPr/>
-        <a:lstStyle/>
-        <a:p>
-          <a:r>
-            <a:rPr lang="en-US" dirty="0"/>
-            <a:t>Task 1</a:t>
-          </a:r>
-        </a:p>
-      </dgm:t>
-      <dgm:extLst>
-        <a:ext uri="{E40237B7-FDA0-4F09-8148-C483321AD2D9}">
-          <dgm14:cNvPr xmlns:dgm14="http://schemas.microsoft.com/office/drawing/2010/diagram" id="0" name="" title="Group C tasks"/>
-        </a:ext>
-      </dgm:extLst>
-    </dgm:pt>
-    <dgm:pt modelId="{98D80E72-9FB4-4564-AECE-FE7F5925C3BB}" type="parTrans" cxnId="{DFB14471-E5AF-4D5E-BA32-B368CBD38603}">
-      <dgm:prSet/>
-      <dgm:spPr/>
-      <dgm:t>
-        <a:bodyPr/>
-        <a:lstStyle/>
-        <a:p>
-          <a:endParaRPr lang="en-US"/>
-        </a:p>
-      </dgm:t>
-    </dgm:pt>
-    <dgm:pt modelId="{3FBCC32A-83FB-4087-96B4-AFEB52FDF290}" type="sibTrans" cxnId="{DFB14471-E5AF-4D5E-BA32-B368CBD38603}">
-      <dgm:prSet/>
-      <dgm:spPr/>
-      <dgm:t>
-        <a:bodyPr/>
-        <a:lstStyle/>
-        <a:p>
-          <a:endParaRPr lang="en-US"/>
-        </a:p>
-      </dgm:t>
-    </dgm:pt>
-    <dgm:pt modelId="{6743191F-26BA-4A2F-A93B-E3F70FF8CD8E}">
-      <dgm:prSet phldrT="[Text]"/>
-      <dgm:spPr/>
-      <dgm:t>
-        <a:bodyPr/>
-        <a:lstStyle/>
-        <a:p>
-          <a:r>
-            <a:rPr lang="en-US" dirty="0"/>
-            <a:t>Task 2</a:t>
-          </a:r>
-        </a:p>
-      </dgm:t>
-    </dgm:pt>
-    <dgm:pt modelId="{3AAFBDD4-BA03-4973-8602-B7BF3902FA30}" type="parTrans" cxnId="{8FBA1BB2-3732-4283-8A31-9878554C7D96}">
-      <dgm:prSet/>
-      <dgm:spPr/>
-      <dgm:t>
-        <a:bodyPr/>
-        <a:lstStyle/>
-        <a:p>
-          <a:endParaRPr lang="en-US"/>
-        </a:p>
-      </dgm:t>
-    </dgm:pt>
-    <dgm:pt modelId="{E86F38E7-165B-4209-B81D-A26A4ADCCDBD}" type="sibTrans" cxnId="{8FBA1BB2-3732-4283-8A31-9878554C7D96}">
-      <dgm:prSet/>
-      <dgm:spPr/>
-      <dgm:t>
-        <a:bodyPr/>
-        <a:lstStyle/>
-        <a:p>
-          <a:endParaRPr lang="en-US"/>
-        </a:p>
-      </dgm:t>
-    </dgm:pt>
-    <dgm:pt modelId="{51D69D75-5512-4AD0-8E47-BB1C2DF71FCE}" type="pres">
-      <dgm:prSet presAssocID="{242E7D57-FF30-4066-A113-FCED6D806FB1}" presName="linear" presStyleCnt="0">
-        <dgm:presLayoutVars>
-          <dgm:animLvl val="lvl"/>
-          <dgm:resizeHandles val="exact"/>
-        </dgm:presLayoutVars>
-      </dgm:prSet>
-      <dgm:spPr/>
-    </dgm:pt>
-    <dgm:pt modelId="{F5B6879E-6B01-4372-87ED-8E65C4103127}" type="pres">
-      <dgm:prSet presAssocID="{7D5F4A26-1C76-4A7F-930D-0B2EE8CB5A24}" presName="parentText" presStyleLbl="node1" presStyleIdx="0" presStyleCnt="3">
-        <dgm:presLayoutVars>
-          <dgm:chMax val="0"/>
-          <dgm:bulletEnabled val="1"/>
-        </dgm:presLayoutVars>
-      </dgm:prSet>
-      <dgm:spPr/>
-    </dgm:pt>
-    <dgm:pt modelId="{0D069A05-A95A-4125-9ED6-6E3191FF5531}" type="pres">
-      <dgm:prSet presAssocID="{7D5F4A26-1C76-4A7F-930D-0B2EE8CB5A24}" presName="childText" presStyleLbl="revTx" presStyleIdx="0" presStyleCnt="3">
-        <dgm:presLayoutVars>
-          <dgm:bulletEnabled val="1"/>
-        </dgm:presLayoutVars>
-      </dgm:prSet>
-      <dgm:spPr/>
-    </dgm:pt>
-    <dgm:pt modelId="{931DCB45-6C6F-4887-A45B-553F0F0AB816}" type="pres">
-      <dgm:prSet presAssocID="{11966083-172A-4D0B-AF10-414DEEF45F7D}" presName="parentText" presStyleLbl="node1" presStyleIdx="1" presStyleCnt="3">
-        <dgm:presLayoutVars>
-          <dgm:chMax val="0"/>
-          <dgm:bulletEnabled val="1"/>
-        </dgm:presLayoutVars>
-      </dgm:prSet>
-      <dgm:spPr/>
-    </dgm:pt>
-    <dgm:pt modelId="{BEFAA2E6-5811-4032-B7E7-410E211A574F}" type="pres">
-      <dgm:prSet presAssocID="{11966083-172A-4D0B-AF10-414DEEF45F7D}" presName="childText" presStyleLbl="revTx" presStyleIdx="1" presStyleCnt="3">
-        <dgm:presLayoutVars>
-          <dgm:bulletEnabled val="1"/>
-        </dgm:presLayoutVars>
-      </dgm:prSet>
-      <dgm:spPr/>
-    </dgm:pt>
-    <dgm:pt modelId="{49D8221D-5689-41C8-9547-6ED636FDA9CB}" type="pres">
-      <dgm:prSet presAssocID="{769831B2-FFE1-4BB5-8CB7-C06F8038B582}" presName="parentText" presStyleLbl="node1" presStyleIdx="2" presStyleCnt="3">
-        <dgm:presLayoutVars>
-          <dgm:chMax val="0"/>
-          <dgm:bulletEnabled val="1"/>
-        </dgm:presLayoutVars>
-      </dgm:prSet>
-      <dgm:spPr/>
-    </dgm:pt>
-    <dgm:pt modelId="{255D37AE-E663-42AC-BA43-052337C9F108}" type="pres">
-      <dgm:prSet presAssocID="{769831B2-FFE1-4BB5-8CB7-C06F8038B582}" presName="childText" presStyleLbl="revTx" presStyleIdx="2" presStyleCnt="3">
-        <dgm:presLayoutVars>
-          <dgm:bulletEnabled val="1"/>
-        </dgm:presLayoutVars>
-      </dgm:prSet>
-      <dgm:spPr/>
-    </dgm:pt>
-  </dgm:ptLst>
-  <dgm:cxnLst>
-    <dgm:cxn modelId="{EAC9C403-4112-419B-AD5B-D5FDF4E7AC98}" type="presOf" srcId="{7F1AE7EB-389E-4EB2-BE2C-66345376C76B}" destId="{BEFAA2E6-5811-4032-B7E7-410E211A574F}" srcOrd="0" destOrd="1" presId="urn:microsoft.com/office/officeart/2005/8/layout/vList2"/>
-    <dgm:cxn modelId="{62268509-9741-4051-890B-51F85FD1CCC8}" srcId="{11966083-172A-4D0B-AF10-414DEEF45F7D}" destId="{7F1AE7EB-389E-4EB2-BE2C-66345376C76B}" srcOrd="1" destOrd="0" parTransId="{FEEFBF43-F8C2-49F9-BD9B-7BC228A1DB5B}" sibTransId="{7376D1CB-6F4F-4938-A636-AB89CC2D70E4}"/>
-    <dgm:cxn modelId="{7C24F61D-54EC-49F6-823C-C50A881816FF}" type="presOf" srcId="{11966083-172A-4D0B-AF10-414DEEF45F7D}" destId="{931DCB45-6C6F-4887-A45B-553F0F0AB816}" srcOrd="0" destOrd="0" presId="urn:microsoft.com/office/officeart/2005/8/layout/vList2"/>
-    <dgm:cxn modelId="{10E5E320-2EED-4036-A1B3-33F113D3F661}" srcId="{11966083-172A-4D0B-AF10-414DEEF45F7D}" destId="{AB0B3541-2BBF-43CD-8973-113F1D086578}" srcOrd="0" destOrd="0" parTransId="{C2F69FEA-9A42-48F9-AF5D-79B760DCBD5A}" sibTransId="{DDFF4DC4-F30A-4AC1-A79B-6D18010A8D99}"/>
-    <dgm:cxn modelId="{82F11721-0D61-4937-BA4A-1D7EB22A2848}" type="presOf" srcId="{7D5F4A26-1C76-4A7F-930D-0B2EE8CB5A24}" destId="{F5B6879E-6B01-4372-87ED-8E65C4103127}" srcOrd="0" destOrd="0" presId="urn:microsoft.com/office/officeart/2005/8/layout/vList2"/>
-    <dgm:cxn modelId="{B02CAB33-5ED4-47E4-81C9-EBA23D8E48FE}" srcId="{7D5F4A26-1C76-4A7F-930D-0B2EE8CB5A24}" destId="{CA5E69B5-37AD-426D-ADCE-4496C7EE6106}" srcOrd="0" destOrd="0" parTransId="{5F3DC056-5744-4814-96CE-D76E13314AB7}" sibTransId="{BDED456A-5607-4183-AD54-919BA3E602A1}"/>
-    <dgm:cxn modelId="{04B17A44-24B9-4C24-AC3B-0F6F0E8611AF}" type="presOf" srcId="{8B77A199-5E32-4693-9AF2-3E5612DD843F}" destId="{255D37AE-E663-42AC-BA43-052337C9F108}" srcOrd="0" destOrd="0" presId="urn:microsoft.com/office/officeart/2005/8/layout/vList2"/>
-    <dgm:cxn modelId="{DFB14471-E5AF-4D5E-BA32-B368CBD38603}" srcId="{769831B2-FFE1-4BB5-8CB7-C06F8038B582}" destId="{8B77A199-5E32-4693-9AF2-3E5612DD843F}" srcOrd="0" destOrd="0" parTransId="{98D80E72-9FB4-4564-AECE-FE7F5925C3BB}" sibTransId="{3FBCC32A-83FB-4087-96B4-AFEB52FDF290}"/>
-    <dgm:cxn modelId="{E360C557-EF56-4C82-B73B-BA47D7760250}" type="presOf" srcId="{242E7D57-FF30-4066-A113-FCED6D806FB1}" destId="{51D69D75-5512-4AD0-8E47-BB1C2DF71FCE}" srcOrd="0" destOrd="0" presId="urn:microsoft.com/office/officeart/2005/8/layout/vList2"/>
-    <dgm:cxn modelId="{FD3BDC87-ABC4-415A-BA00-3B1A44CE60DB}" srcId="{242E7D57-FF30-4066-A113-FCED6D806FB1}" destId="{7D5F4A26-1C76-4A7F-930D-0B2EE8CB5A24}" srcOrd="0" destOrd="0" parTransId="{E1D094F8-E721-4D3A-94BD-42021134B10D}" sibTransId="{30219927-95FE-489B-9532-820F85DCB012}"/>
-    <dgm:cxn modelId="{9419D292-4F51-4615-884E-CA961BD8F667}" srcId="{7D5F4A26-1C76-4A7F-930D-0B2EE8CB5A24}" destId="{60D12D20-B0D8-4505-BA59-4D483973129C}" srcOrd="1" destOrd="0" parTransId="{C97B6B44-FD33-43DE-8EB6-E1A213CA24FA}" sibTransId="{141BE5B0-1725-42F6-8C99-9491D1CDA835}"/>
-    <dgm:cxn modelId="{1AB3F5AD-B7AB-4FB8-8105-6EE45B14170D}" type="presOf" srcId="{AB0B3541-2BBF-43CD-8973-113F1D086578}" destId="{BEFAA2E6-5811-4032-B7E7-410E211A574F}" srcOrd="0" destOrd="0" presId="urn:microsoft.com/office/officeart/2005/8/layout/vList2"/>
-    <dgm:cxn modelId="{8FBA1BB2-3732-4283-8A31-9878554C7D96}" srcId="{769831B2-FFE1-4BB5-8CB7-C06F8038B582}" destId="{6743191F-26BA-4A2F-A93B-E3F70FF8CD8E}" srcOrd="1" destOrd="0" parTransId="{3AAFBDD4-BA03-4973-8602-B7BF3902FA30}" sibTransId="{E86F38E7-165B-4209-B81D-A26A4ADCCDBD}"/>
-    <dgm:cxn modelId="{7CAF95C5-A57D-4F7B-AF10-F557033BB226}" type="presOf" srcId="{CA5E69B5-37AD-426D-ADCE-4496C7EE6106}" destId="{0D069A05-A95A-4125-9ED6-6E3191FF5531}" srcOrd="0" destOrd="0" presId="urn:microsoft.com/office/officeart/2005/8/layout/vList2"/>
-    <dgm:cxn modelId="{18EEFCCA-8435-479E-9629-4A82437A66C0}" type="presOf" srcId="{6743191F-26BA-4A2F-A93B-E3F70FF8CD8E}" destId="{255D37AE-E663-42AC-BA43-052337C9F108}" srcOrd="0" destOrd="1" presId="urn:microsoft.com/office/officeart/2005/8/layout/vList2"/>
-    <dgm:cxn modelId="{0581BFD0-4FB2-44E7-8E31-728CD0D4AD3F}" srcId="{242E7D57-FF30-4066-A113-FCED6D806FB1}" destId="{769831B2-FFE1-4BB5-8CB7-C06F8038B582}" srcOrd="2" destOrd="0" parTransId="{139F5F79-E65B-403D-9ABA-7832A1750A37}" sibTransId="{A6345A9F-C029-4E00-A73B-9276DB58BCBA}"/>
-    <dgm:cxn modelId="{25F2E8DC-9CDC-472C-9DED-8BD0F432FA20}" srcId="{242E7D57-FF30-4066-A113-FCED6D806FB1}" destId="{11966083-172A-4D0B-AF10-414DEEF45F7D}" srcOrd="1" destOrd="0" parTransId="{E8DAA823-B561-4ADE-82C7-60D03B9AA779}" sibTransId="{0EDF481E-952B-4A6D-9B47-C5DF0C9FD933}"/>
-    <dgm:cxn modelId="{005398E6-71C0-4395-91C0-E635155C4614}" type="presOf" srcId="{769831B2-FFE1-4BB5-8CB7-C06F8038B582}" destId="{49D8221D-5689-41C8-9547-6ED636FDA9CB}" srcOrd="0" destOrd="0" presId="urn:microsoft.com/office/officeart/2005/8/layout/vList2"/>
-    <dgm:cxn modelId="{308A48ED-12DE-4B2D-BD10-0B2AB325B18D}" type="presOf" srcId="{60D12D20-B0D8-4505-BA59-4D483973129C}" destId="{0D069A05-A95A-4125-9ED6-6E3191FF5531}" srcOrd="0" destOrd="1" presId="urn:microsoft.com/office/officeart/2005/8/layout/vList2"/>
-    <dgm:cxn modelId="{A2B0237D-F1B1-495A-9969-03CF75CB26F4}" type="presParOf" srcId="{51D69D75-5512-4AD0-8E47-BB1C2DF71FCE}" destId="{F5B6879E-6B01-4372-87ED-8E65C4103127}" srcOrd="0" destOrd="0" presId="urn:microsoft.com/office/officeart/2005/8/layout/vList2"/>
-    <dgm:cxn modelId="{47B4520B-8505-4D83-9CB4-9B273D822D4E}" type="presParOf" srcId="{51D69D75-5512-4AD0-8E47-BB1C2DF71FCE}" destId="{0D069A05-A95A-4125-9ED6-6E3191FF5531}" srcOrd="1" destOrd="0" presId="urn:microsoft.com/office/officeart/2005/8/layout/vList2"/>
-    <dgm:cxn modelId="{A9BA0423-B71C-4024-BC1B-0E0FEEB7D65A}" type="presParOf" srcId="{51D69D75-5512-4AD0-8E47-BB1C2DF71FCE}" destId="{931DCB45-6C6F-4887-A45B-553F0F0AB816}" srcOrd="2" destOrd="0" presId="urn:microsoft.com/office/officeart/2005/8/layout/vList2"/>
-    <dgm:cxn modelId="{A2B9CD35-0725-427A-AB8B-D591A19A28A3}" type="presParOf" srcId="{51D69D75-5512-4AD0-8E47-BB1C2DF71FCE}" destId="{BEFAA2E6-5811-4032-B7E7-410E211A574F}" srcOrd="3" destOrd="0" presId="urn:microsoft.com/office/officeart/2005/8/layout/vList2"/>
-    <dgm:cxn modelId="{998EA1A8-183C-43A6-A4DA-9198E1CD7BE8}" type="presParOf" srcId="{51D69D75-5512-4AD0-8E47-BB1C2DF71FCE}" destId="{49D8221D-5689-41C8-9547-6ED636FDA9CB}" srcOrd="4" destOrd="0" presId="urn:microsoft.com/office/officeart/2005/8/layout/vList2"/>
-    <dgm:cxn modelId="{ED96D63E-A4F3-4471-B642-1827711B378F}" type="presParOf" srcId="{51D69D75-5512-4AD0-8E47-BB1C2DF71FCE}" destId="{255D37AE-E663-42AC-BA43-052337C9F108}" srcOrd="5" destOrd="0" presId="urn:microsoft.com/office/officeart/2005/8/layout/vList2"/>
-  </dgm:cxnLst>
-  <dgm:bg/>
-  <dgm:whole/>
-  <dgm:extLst>
-    <a:ext uri="http://schemas.microsoft.com/office/drawing/2008/diagram">
-      <dsp:dataModelExt xmlns:dsp="http://schemas.microsoft.com/office/drawing/2008/diagram" relId="rId6" minVer="http://schemas.openxmlformats.org/drawingml/2006/diagram"/>
-    </a:ext>
-  </dgm:extLst>
-</dgm:dataModel>
-</file>
-
-<file path=ppt/diagrams/drawing1.xml><?xml version="1.0" encoding="utf-8"?>
-<dsp:drawing xmlns:dgm="http://schemas.openxmlformats.org/drawingml/2006/diagram" xmlns:dsp="http://schemas.microsoft.com/office/drawing/2008/diagram" xmlns:a="http://schemas.openxmlformats.org/drawingml/2006/main">
-  <dsp:spTree>
-    <dsp:nvGrpSpPr>
-      <dsp:cNvPr id="0" name=""/>
-      <dsp:cNvGrpSpPr/>
-    </dsp:nvGrpSpPr>
-    <dsp:grpSpPr/>
-    <dsp:sp modelId="{F5B6879E-6B01-4372-87ED-8E65C4103127}">
-      <dsp:nvSpPr>
-        <dsp:cNvPr id="0" name=""/>
-        <dsp:cNvSpPr/>
-      </dsp:nvSpPr>
-      <dsp:spPr>
-        <a:xfrm>
-          <a:off x="0" y="38079"/>
-          <a:ext cx="4892675" cy="671580"/>
-        </a:xfrm>
-        <a:prstGeom prst="roundRect">
-          <a:avLst/>
-        </a:prstGeom>
-        <a:solidFill>
-          <a:schemeClr val="accent1">
-            <a:hueOff val="0"/>
-            <a:satOff val="0"/>
-            <a:lumOff val="0"/>
-            <a:alphaOff val="0"/>
-          </a:schemeClr>
-        </a:solidFill>
-        <a:ln w="12700" cap="flat" cmpd="sng" algn="ctr">
-          <a:solidFill>
-            <a:schemeClr val="lt1">
-              <a:hueOff val="0"/>
-              <a:satOff val="0"/>
-              <a:lumOff val="0"/>
-              <a:alphaOff val="0"/>
-            </a:schemeClr>
-          </a:solidFill>
-          <a:prstDash val="solid"/>
-          <a:miter lim="800000"/>
-        </a:ln>
-        <a:effectLst/>
-      </dsp:spPr>
-      <dsp:style>
-        <a:lnRef idx="2">
-          <a:scrgbClr r="0" g="0" b="0"/>
-        </a:lnRef>
-        <a:fillRef idx="1">
-          <a:scrgbClr r="0" g="0" b="0"/>
-        </a:fillRef>
-        <a:effectRef idx="0">
-          <a:scrgbClr r="0" g="0" b="0"/>
-        </a:effectRef>
-        <a:fontRef idx="minor">
-          <a:schemeClr val="lt1"/>
-        </a:fontRef>
-      </dsp:style>
-      <dsp:txBody>
-        <a:bodyPr spcFirstLastPara="0" vert="horz" wrap="square" lIns="106680" tIns="106680" rIns="106680" bIns="106680" numCol="1" spcCol="1270" anchor="ctr" anchorCtr="0">
-          <a:noAutofit/>
-        </a:bodyPr>
-        <a:lstStyle/>
-        <a:p>
-          <a:pPr marL="0" lvl="0" indent="0" algn="l" defTabSz="1244600">
-            <a:lnSpc>
-              <a:spcPct val="90000"/>
-            </a:lnSpc>
-            <a:spcBef>
-              <a:spcPct val="0"/>
-            </a:spcBef>
-            <a:spcAft>
-              <a:spcPct val="35000"/>
-            </a:spcAft>
-            <a:buNone/>
-          </a:pPr>
-          <a:r>
-            <a:rPr lang="en-US" sz="2800" kern="1200" dirty="0"/>
-            <a:t>Group A</a:t>
-          </a:r>
-        </a:p>
-      </dsp:txBody>
-      <dsp:txXfrm>
-        <a:off x="32784" y="70863"/>
-        <a:ext cx="4827107" cy="606012"/>
-      </dsp:txXfrm>
-    </dsp:sp>
-    <dsp:sp modelId="{0D069A05-A95A-4125-9ED6-6E3191FF5531}">
-      <dsp:nvSpPr>
-        <dsp:cNvPr id="0" name=""/>
-        <dsp:cNvSpPr/>
-      </dsp:nvSpPr>
-      <dsp:spPr>
-        <a:xfrm>
-          <a:off x="0" y="709659"/>
-          <a:ext cx="4892675" cy="753480"/>
-        </a:xfrm>
-        <a:prstGeom prst="rect">
-          <a:avLst/>
-        </a:prstGeom>
-        <a:noFill/>
-        <a:ln>
-          <a:noFill/>
-        </a:ln>
-        <a:effectLst/>
-      </dsp:spPr>
-      <dsp:style>
-        <a:lnRef idx="0">
-          <a:scrgbClr r="0" g="0" b="0"/>
-        </a:lnRef>
-        <a:fillRef idx="0">
-          <a:scrgbClr r="0" g="0" b="0"/>
-        </a:fillRef>
-        <a:effectRef idx="0">
-          <a:scrgbClr r="0" g="0" b="0"/>
-        </a:effectRef>
-        <a:fontRef idx="minor"/>
-      </dsp:style>
-      <dsp:txBody>
-        <a:bodyPr spcFirstLastPara="0" vert="horz" wrap="square" lIns="155342" tIns="35560" rIns="199136" bIns="35560" numCol="1" spcCol="1270" anchor="t" anchorCtr="0">
-          <a:noAutofit/>
-        </a:bodyPr>
-        <a:lstStyle/>
-        <a:p>
-          <a:pPr marL="228600" lvl="1" indent="-228600" algn="l" defTabSz="977900">
-            <a:lnSpc>
-              <a:spcPct val="90000"/>
-            </a:lnSpc>
-            <a:spcBef>
-              <a:spcPct val="0"/>
-            </a:spcBef>
-            <a:spcAft>
-              <a:spcPct val="20000"/>
-            </a:spcAft>
-            <a:buChar char="•"/>
-          </a:pPr>
-          <a:r>
-            <a:rPr lang="en-US" sz="2200" kern="1200" dirty="0"/>
-            <a:t>Task 1</a:t>
-          </a:r>
-        </a:p>
-        <a:p>
-          <a:pPr marL="228600" lvl="1" indent="-228600" algn="l" defTabSz="977900">
-            <a:lnSpc>
-              <a:spcPct val="90000"/>
-            </a:lnSpc>
-            <a:spcBef>
-              <a:spcPct val="0"/>
-            </a:spcBef>
-            <a:spcAft>
-              <a:spcPct val="20000"/>
-            </a:spcAft>
-            <a:buChar char="•"/>
-          </a:pPr>
-          <a:r>
-            <a:rPr lang="en-US" sz="2200" kern="1200" dirty="0"/>
-            <a:t>Task 2</a:t>
-          </a:r>
-        </a:p>
-      </dsp:txBody>
-      <dsp:txXfrm>
-        <a:off x="0" y="709659"/>
-        <a:ext cx="4892675" cy="753480"/>
-      </dsp:txXfrm>
-    </dsp:sp>
-    <dsp:sp modelId="{931DCB45-6C6F-4887-A45B-553F0F0AB816}">
-      <dsp:nvSpPr>
-        <dsp:cNvPr id="0" name=""/>
-        <dsp:cNvSpPr/>
-      </dsp:nvSpPr>
-      <dsp:spPr>
-        <a:xfrm>
-          <a:off x="0" y="1463139"/>
-          <a:ext cx="4892675" cy="671580"/>
-        </a:xfrm>
-        <a:prstGeom prst="roundRect">
-          <a:avLst/>
-        </a:prstGeom>
-        <a:solidFill>
-          <a:schemeClr val="accent1">
-            <a:hueOff val="0"/>
-            <a:satOff val="0"/>
-            <a:lumOff val="0"/>
-            <a:alphaOff val="0"/>
-          </a:schemeClr>
-        </a:solidFill>
-        <a:ln w="12700" cap="flat" cmpd="sng" algn="ctr">
-          <a:solidFill>
-            <a:schemeClr val="lt1">
-              <a:hueOff val="0"/>
-              <a:satOff val="0"/>
-              <a:lumOff val="0"/>
-              <a:alphaOff val="0"/>
-            </a:schemeClr>
-          </a:solidFill>
-          <a:prstDash val="solid"/>
-          <a:miter lim="800000"/>
-        </a:ln>
-        <a:effectLst/>
-      </dsp:spPr>
-      <dsp:style>
-        <a:lnRef idx="2">
-          <a:scrgbClr r="0" g="0" b="0"/>
-        </a:lnRef>
-        <a:fillRef idx="1">
-          <a:scrgbClr r="0" g="0" b="0"/>
-        </a:fillRef>
-        <a:effectRef idx="0">
-          <a:scrgbClr r="0" g="0" b="0"/>
-        </a:effectRef>
-        <a:fontRef idx="minor">
-          <a:schemeClr val="lt1"/>
-        </a:fontRef>
-      </dsp:style>
-      <dsp:txBody>
-        <a:bodyPr spcFirstLastPara="0" vert="horz" wrap="square" lIns="106680" tIns="106680" rIns="106680" bIns="106680" numCol="1" spcCol="1270" anchor="ctr" anchorCtr="0">
-          <a:noAutofit/>
-        </a:bodyPr>
-        <a:lstStyle/>
-        <a:p>
-          <a:pPr marL="0" lvl="0" indent="0" algn="l" defTabSz="1244600">
-            <a:lnSpc>
-              <a:spcPct val="90000"/>
-            </a:lnSpc>
-            <a:spcBef>
-              <a:spcPct val="0"/>
-            </a:spcBef>
-            <a:spcAft>
-              <a:spcPct val="35000"/>
-            </a:spcAft>
-            <a:buNone/>
-          </a:pPr>
-          <a:r>
-            <a:rPr lang="en-US" sz="2800" kern="1200" dirty="0"/>
-            <a:t>Group B</a:t>
-          </a:r>
-        </a:p>
-      </dsp:txBody>
-      <dsp:txXfrm>
-        <a:off x="32784" y="1495923"/>
-        <a:ext cx="4827107" cy="606012"/>
-      </dsp:txXfrm>
-    </dsp:sp>
-    <dsp:sp modelId="{BEFAA2E6-5811-4032-B7E7-410E211A574F}">
-      <dsp:nvSpPr>
-        <dsp:cNvPr id="0" name=""/>
-        <dsp:cNvSpPr/>
-      </dsp:nvSpPr>
-      <dsp:spPr>
-        <a:xfrm>
-          <a:off x="0" y="2134719"/>
-          <a:ext cx="4892675" cy="753480"/>
-        </a:xfrm>
-        <a:prstGeom prst="rect">
-          <a:avLst/>
-        </a:prstGeom>
-        <a:noFill/>
-        <a:ln>
-          <a:noFill/>
-        </a:ln>
-        <a:effectLst/>
-      </dsp:spPr>
-      <dsp:style>
-        <a:lnRef idx="0">
-          <a:scrgbClr r="0" g="0" b="0"/>
-        </a:lnRef>
-        <a:fillRef idx="0">
-          <a:scrgbClr r="0" g="0" b="0"/>
-        </a:fillRef>
-        <a:effectRef idx="0">
-          <a:scrgbClr r="0" g="0" b="0"/>
-        </a:effectRef>
-        <a:fontRef idx="minor"/>
-      </dsp:style>
-      <dsp:txBody>
-        <a:bodyPr spcFirstLastPara="0" vert="horz" wrap="square" lIns="155342" tIns="35560" rIns="199136" bIns="35560" numCol="1" spcCol="1270" anchor="t" anchorCtr="0">
-          <a:noAutofit/>
-        </a:bodyPr>
-        <a:lstStyle/>
-        <a:p>
-          <a:pPr marL="228600" lvl="1" indent="-228600" algn="l" defTabSz="977900">
-            <a:lnSpc>
-              <a:spcPct val="90000"/>
-            </a:lnSpc>
-            <a:spcBef>
-              <a:spcPct val="0"/>
-            </a:spcBef>
-            <a:spcAft>
-              <a:spcPct val="20000"/>
-            </a:spcAft>
-            <a:buChar char="•"/>
-          </a:pPr>
-          <a:r>
-            <a:rPr lang="en-US" sz="2200" kern="1200" dirty="0"/>
-            <a:t>Task 1</a:t>
-          </a:r>
-        </a:p>
-        <a:p>
-          <a:pPr marL="228600" lvl="1" indent="-228600" algn="l" defTabSz="977900">
-            <a:lnSpc>
-              <a:spcPct val="90000"/>
-            </a:lnSpc>
-            <a:spcBef>
-              <a:spcPct val="0"/>
-            </a:spcBef>
-            <a:spcAft>
-              <a:spcPct val="20000"/>
-            </a:spcAft>
-            <a:buChar char="•"/>
-          </a:pPr>
-          <a:r>
-            <a:rPr lang="en-US" sz="2200" kern="1200" dirty="0"/>
-            <a:t>Task 2</a:t>
-          </a:r>
-        </a:p>
-      </dsp:txBody>
-      <dsp:txXfrm>
-        <a:off x="0" y="2134719"/>
-        <a:ext cx="4892675" cy="753480"/>
-      </dsp:txXfrm>
-    </dsp:sp>
-    <dsp:sp modelId="{49D8221D-5689-41C8-9547-6ED636FDA9CB}">
-      <dsp:nvSpPr>
-        <dsp:cNvPr id="0" name=""/>
-        <dsp:cNvSpPr/>
-      </dsp:nvSpPr>
-      <dsp:spPr>
-        <a:xfrm>
-          <a:off x="0" y="2888199"/>
-          <a:ext cx="4892675" cy="671580"/>
-        </a:xfrm>
-        <a:prstGeom prst="roundRect">
-          <a:avLst/>
-        </a:prstGeom>
-        <a:solidFill>
-          <a:schemeClr val="accent1">
-            <a:hueOff val="0"/>
-            <a:satOff val="0"/>
-            <a:lumOff val="0"/>
-            <a:alphaOff val="0"/>
-          </a:schemeClr>
-        </a:solidFill>
-        <a:ln w="12700" cap="flat" cmpd="sng" algn="ctr">
-          <a:solidFill>
-            <a:schemeClr val="lt1">
-              <a:hueOff val="0"/>
-              <a:satOff val="0"/>
-              <a:lumOff val="0"/>
-              <a:alphaOff val="0"/>
-            </a:schemeClr>
-          </a:solidFill>
-          <a:prstDash val="solid"/>
-          <a:miter lim="800000"/>
-        </a:ln>
-        <a:effectLst/>
-      </dsp:spPr>
-      <dsp:style>
-        <a:lnRef idx="2">
-          <a:scrgbClr r="0" g="0" b="0"/>
-        </a:lnRef>
-        <a:fillRef idx="1">
-          <a:scrgbClr r="0" g="0" b="0"/>
-        </a:fillRef>
-        <a:effectRef idx="0">
-          <a:scrgbClr r="0" g="0" b="0"/>
-        </a:effectRef>
-        <a:fontRef idx="minor">
-          <a:schemeClr val="lt1"/>
-        </a:fontRef>
-      </dsp:style>
-      <dsp:txBody>
-        <a:bodyPr spcFirstLastPara="0" vert="horz" wrap="square" lIns="106680" tIns="106680" rIns="106680" bIns="106680" numCol="1" spcCol="1270" anchor="ctr" anchorCtr="0">
-          <a:noAutofit/>
-        </a:bodyPr>
-        <a:lstStyle/>
-        <a:p>
-          <a:pPr marL="0" lvl="0" indent="0" algn="l" defTabSz="1244600">
-            <a:lnSpc>
-              <a:spcPct val="90000"/>
-            </a:lnSpc>
-            <a:spcBef>
-              <a:spcPct val="0"/>
-            </a:spcBef>
-            <a:spcAft>
-              <a:spcPct val="35000"/>
-            </a:spcAft>
-            <a:buNone/>
-          </a:pPr>
-          <a:r>
-            <a:rPr lang="en-US" sz="2800" kern="1200" dirty="0"/>
-            <a:t>Group C</a:t>
-          </a:r>
-        </a:p>
-      </dsp:txBody>
-      <dsp:txXfrm>
-        <a:off x="32784" y="2920983"/>
-        <a:ext cx="4827107" cy="606012"/>
-      </dsp:txXfrm>
-    </dsp:sp>
-    <dsp:sp modelId="{255D37AE-E663-42AC-BA43-052337C9F108}">
-      <dsp:nvSpPr>
-        <dsp:cNvPr id="0" name=""/>
-        <dsp:cNvSpPr/>
-      </dsp:nvSpPr>
-      <dsp:spPr>
-        <a:xfrm>
-          <a:off x="0" y="3559779"/>
-          <a:ext cx="4892675" cy="753480"/>
-        </a:xfrm>
-        <a:prstGeom prst="rect">
-          <a:avLst/>
-        </a:prstGeom>
-        <a:noFill/>
-        <a:ln>
-          <a:noFill/>
-        </a:ln>
-        <a:effectLst/>
-      </dsp:spPr>
-      <dsp:style>
-        <a:lnRef idx="0">
-          <a:scrgbClr r="0" g="0" b="0"/>
-        </a:lnRef>
-        <a:fillRef idx="0">
-          <a:scrgbClr r="0" g="0" b="0"/>
-        </a:fillRef>
-        <a:effectRef idx="0">
-          <a:scrgbClr r="0" g="0" b="0"/>
-        </a:effectRef>
-        <a:fontRef idx="minor"/>
-      </dsp:style>
-      <dsp:txBody>
-        <a:bodyPr spcFirstLastPara="0" vert="horz" wrap="square" lIns="155342" tIns="35560" rIns="199136" bIns="35560" numCol="1" spcCol="1270" anchor="t" anchorCtr="0">
-          <a:noAutofit/>
-        </a:bodyPr>
-        <a:lstStyle/>
-        <a:p>
-          <a:pPr marL="228600" lvl="1" indent="-228600" algn="l" defTabSz="977900">
-            <a:lnSpc>
-              <a:spcPct val="90000"/>
-            </a:lnSpc>
-            <a:spcBef>
-              <a:spcPct val="0"/>
-            </a:spcBef>
-            <a:spcAft>
-              <a:spcPct val="20000"/>
-            </a:spcAft>
-            <a:buChar char="•"/>
-          </a:pPr>
-          <a:r>
-            <a:rPr lang="en-US" sz="2200" kern="1200" dirty="0"/>
-            <a:t>Task 1</a:t>
-          </a:r>
-        </a:p>
-        <a:p>
-          <a:pPr marL="228600" lvl="1" indent="-228600" algn="l" defTabSz="977900">
-            <a:lnSpc>
-              <a:spcPct val="90000"/>
-            </a:lnSpc>
-            <a:spcBef>
-              <a:spcPct val="0"/>
-            </a:spcBef>
-            <a:spcAft>
-              <a:spcPct val="20000"/>
-            </a:spcAft>
-            <a:buChar char="•"/>
-          </a:pPr>
-          <a:r>
-            <a:rPr lang="en-US" sz="2200" kern="1200" dirty="0"/>
-            <a:t>Task 2</a:t>
-          </a:r>
-        </a:p>
-      </dsp:txBody>
-      <dsp:txXfrm>
-        <a:off x="0" y="3559779"/>
-        <a:ext cx="4892675" cy="753480"/>
-      </dsp:txXfrm>
-    </dsp:sp>
-  </dsp:spTree>
-</dsp:drawing>
-</file>
-
-<file path=ppt/diagrams/layout1.xml><?xml version="1.0" encoding="utf-8"?>
-<dgm:layoutDef xmlns:dgm="http://schemas.openxmlformats.org/drawingml/2006/diagram" xmlns:a="http://schemas.openxmlformats.org/drawingml/2006/main" uniqueId="urn:microsoft.com/office/officeart/2005/8/layout/vList2">
-  <dgm:title val=""/>
-  <dgm:desc val=""/>
-  <dgm:catLst>
-    <dgm:cat type="list" pri="3000"/>
-    <dgm:cat type="convert" pri="1000"/>
-  </dgm:catLst>
-  <dgm:sampData>
-    <dgm:dataModel>
-      <dgm:ptLst>
-        <dgm:pt modelId="0" type="doc"/>
-        <dgm:pt modelId="1">
-          <dgm:prSet phldr="1"/>
-        </dgm:pt>
-        <dgm:pt modelId="11">
-          <dgm:prSet phldr="1"/>
-        </dgm:pt>
-        <dgm:pt modelId="2">
-          <dgm:prSet phldr="1"/>
-        </dgm:pt>
-        <dgm:pt modelId="21">
-          <dgm:prSet phldr="1"/>
-        </dgm:pt>
-      </dgm:ptLst>
-      <dgm:cxnLst>
-        <dgm:cxn modelId="4" srcId="0" destId="1" srcOrd="0" destOrd="0"/>
-        <dgm:cxn modelId="5" srcId="0" destId="2" srcOrd="1" destOrd="0"/>
-        <dgm:cxn modelId="12" srcId="1" destId="11" srcOrd="0" destOrd="0"/>
-        <dgm:cxn modelId="23" srcId="2" destId="21" srcOrd="0" destOrd="0"/>
-      </dgm:cxnLst>
-      <dgm:bg/>
-      <dgm:whole/>
-    </dgm:dataModel>
-  </dgm:sampData>
-  <dgm:styleData>
-    <dgm:dataModel>
-      <dgm:ptLst>
-        <dgm:pt modelId="0" type="doc"/>
-        <dgm:pt modelId="1"/>
-        <dgm:pt modelId="2"/>
-      </dgm:ptLst>
-      <dgm:cxnLst>
-        <dgm:cxn modelId="3" srcId="0" destId="1" srcOrd="0" destOrd="0"/>
-        <dgm:cxn modelId="4" srcId="0" destId="2" srcOrd="1" destOrd="0"/>
-      </dgm:cxnLst>
-      <dgm:bg/>
-      <dgm:whole/>
-    </dgm:dataModel>
-  </dgm:styleData>
-  <dgm:clrData>
-    <dgm:dataModel>
-      <dgm:ptLst>
-        <dgm:pt modelId="0" type="doc"/>
-        <dgm:pt modelId="1"/>
-        <dgm:pt modelId="2"/>
-        <dgm:pt modelId="3"/>
-        <dgm:pt modelId="4"/>
-      </dgm:ptLst>
-      <dgm:cxnLst>
-        <dgm:cxn modelId="5" srcId="0" destId="1" srcOrd="0" destOrd="0"/>
-        <dgm:cxn modelId="6" srcId="0" destId="2" srcOrd="1" destOrd="0"/>
-        <dgm:cxn modelId="7" srcId="0" destId="3" srcOrd="2" destOrd="0"/>
-        <dgm:cxn modelId="8" srcId="0" destId="4" srcOrd="3" destOrd="0"/>
-      </dgm:cxnLst>
-      <dgm:bg/>
-      <dgm:whole/>
-    </dgm:dataModel>
-  </dgm:clrData>
-  <dgm:layoutNode name="linear">
-    <dgm:varLst>
-      <dgm:animLvl val="lvl"/>
-      <dgm:resizeHandles val="exact"/>
-    </dgm:varLst>
-    <dgm:alg type="lin">
-      <dgm:param type="linDir" val="fromT"/>
-      <dgm:param type="vertAlign" val="mid"/>
-    </dgm:alg>
-    <dgm:shape xmlns:r="http://schemas.openxmlformats.org/officeDocument/2006/relationships" r:blip="">
-      <dgm:adjLst/>
-    </dgm:shape>
-    <dgm:presOf/>
-    <dgm:constrLst>
-      <dgm:constr type="w" for="ch" forName="parentText" refType="w"/>
-      <dgm:constr type="h" for="ch" forName="parentText" refType="primFontSz" refFor="ch" refForName="parentText" fact="0.52"/>
-      <dgm:constr type="w" for="ch" forName="childText" refType="w"/>
-      <dgm:constr type="h" for="ch" forName="childText" refType="primFontSz" refFor="ch" refForName="parentText" fact="0.46"/>
-      <dgm:constr type="h" for="ch" forName="parentText" op="equ"/>
-      <dgm:constr type="primFontSz" for="ch" forName="parentText" op="equ" val="65"/>
-      <dgm:constr type="primFontSz" for="ch" forName="childText" refType="primFontSz" refFor="ch" refForName="parentText" op="equ"/>
-      <dgm:constr type="h" for="ch" forName="spacer" refType="primFontSz" refFor="ch" refForName="parentText" fact="0.08"/>
-    </dgm:constrLst>
-    <dgm:ruleLst>
-      <dgm:rule type="primFontSz" for="ch" forName="parentText" val="5" fact="NaN" max="NaN"/>
-    </dgm:ruleLst>
-    <dgm:forEach name="Name0" axis="ch" ptType="node">
-      <dgm:layoutNode name="parentText" styleLbl="node1">
-        <dgm:varLst>
-          <dgm:chMax val="0"/>
-          <dgm:bulletEnabled val="1"/>
-        </dgm:varLst>
-        <dgm:alg type="tx">
-          <dgm:param type="parTxLTRAlign" val="l"/>
-          <dgm:param type="parTxRTLAlign" val="r"/>
-        </dgm:alg>
-        <dgm:shape xmlns:r="http://schemas.openxmlformats.org/officeDocument/2006/relationships" type="roundRect" r:blip="">
-          <dgm:adjLst/>
-        </dgm:shape>
-        <dgm:presOf axis="self"/>
-        <dgm:constrLst>
-          <dgm:constr type="tMarg" refType="primFontSz" fact="0.3"/>
-          <dgm:constr type="bMarg" refType="primFontSz" fact="0.3"/>
-          <dgm:constr type="lMarg" refType="primFontSz" fact="0.3"/>
-          <dgm:constr type="rMarg" refType="primFontSz" fact="0.3"/>
-        </dgm:constrLst>
-        <dgm:ruleLst>
-          <dgm:rule type="h" val="INF" fact="NaN" max="NaN"/>
-        </dgm:ruleLst>
-      </dgm:layoutNode>
-      <dgm:choose name="Name1">
-        <dgm:if name="Name2" axis="ch" ptType="node" func="cnt" op="gte" val="1">
-          <dgm:layoutNode name="childText" styleLbl="revTx">
-            <dgm:varLst>
-              <dgm:bulletEnabled val="1"/>
-            </dgm:varLst>
-            <dgm:alg type="tx">
-              <dgm:param type="stBulletLvl" val="1"/>
-              <dgm:param type="lnSpAfChP" val="20"/>
-            </dgm:alg>
-            <dgm:shape xmlns:r="http://schemas.openxmlformats.org/officeDocument/2006/relationships" type="rect" r:blip="">
-              <dgm:adjLst/>
-            </dgm:shape>
-            <dgm:presOf axis="des" ptType="node"/>
-            <dgm:constrLst>
-              <dgm:constr type="tMarg" refType="primFontSz" fact="0.1"/>
-              <dgm:constr type="bMarg" refType="primFontSz" fact="0.1"/>
-              <dgm:constr type="lMarg" refType="w" fact="0.09"/>
-            </dgm:constrLst>
-            <dgm:ruleLst>
-              <dgm:rule type="h" val="INF" fact="NaN" max="NaN"/>
-            </dgm:ruleLst>
-          </dgm:layoutNode>
-        </dgm:if>
-        <dgm:else name="Name3">
-          <dgm:choose name="Name4">
-            <dgm:if name="Name5" axis="par ch" ptType="doc node" func="cnt" op="gte" val="2">
-              <dgm:forEach name="Name6" axis="followSib" ptType="sibTrans" cnt="1">
-                <dgm:layoutNode name="spacer">
-                  <dgm:alg type="sp"/>
-                  <dgm:shape xmlns:r="http://schemas.openxmlformats.org/officeDocument/2006/relationships" r:blip="">
-                    <dgm:adjLst/>
-                  </dgm:shape>
-                  <dgm:presOf/>
-                  <dgm:constrLst/>
-                  <dgm:ruleLst/>
-                </dgm:layoutNode>
-              </dgm:forEach>
-            </dgm:if>
-            <dgm:else name="Name7"/>
-          </dgm:choose>
-        </dgm:else>
-      </dgm:choose>
-    </dgm:forEach>
-  </dgm:layoutNode>
-</dgm:layoutDef>
-</file>
-
-<file path=ppt/diagrams/quickStyle1.xml><?xml version="1.0" encoding="utf-8"?>
-<dgm:styleDef xmlns:dgm="http://schemas.openxmlformats.org/drawingml/2006/diagram" xmlns:a="http://schemas.openxmlformats.org/drawingml/2006/main" uniqueId="urn:microsoft.com/office/officeart/2005/8/quickstyle/simple1">
-  <dgm:title val=""/>
-  <dgm:desc val=""/>
-  <dgm:catLst>
-    <dgm:cat type="simple" pri="10100"/>
-  </dgm:catLst>
-  <dgm:scene3d>
-    <a:camera prst="orthographicFront"/>
-    <a:lightRig rig="threePt" dir="t"/>
-  </dgm:scene3d>
-  <dgm:styleLbl name="node0">
-    <dgm:scene3d>
-      <a:camera prst="orthographicFront"/>
-      <a:lightRig rig="threePt" dir="t"/>
-    </dgm:scene3d>
-    <dgm:sp3d/>
-    <dgm:txPr/>
-    <dgm:style>
-      <a:lnRef idx="2">
-        <a:scrgbClr r="0" g="0" b="0"/>
-      </a:lnRef>
-      <a:fillRef idx="1">
-        <a:scrgbClr r="0" g="0" b="0"/>
-      </a:fillRef>
-      <a:effectRef idx="0">
-        <a:scrgbClr r="0" g="0" b="0"/>
-      </a:effectRef>
-      <a:fontRef idx="minor">
-        <a:schemeClr val="lt1"/>
-      </a:fontRef>
-    </dgm:style>
-  </dgm:styleLbl>
-  <dgm:styleLbl name="lnNode1">
-    <dgm:scene3d>
-      <a:camera prst="orthographicFront"/>
-      <a:lightRig rig="threePt" dir="t"/>
-    </dgm:scene3d>
-    <dgm:sp3d/>
-    <dgm:txPr/>
-    <dgm:style>
-      <a:lnRef idx="2">
-        <a:scrgbClr r="0" g="0" b="0"/>
-      </a:lnRef>
-      <a:fillRef idx="1">
-        <a:scrgbClr r="0" g="0" b="0"/>
-      </a:fillRef>
-      <a:effectRef idx="0">
-        <a:scrgbClr r="0" g="0" b="0"/>
-      </a:effectRef>
-      <a:fontRef idx="minor">
-        <a:schemeClr val="lt1"/>
-      </a:fontRef>
-    </dgm:style>
-  </dgm:styleLbl>
-  <dgm:styleLbl name="vennNode1">
-    <dgm:scene3d>
-      <a:camera prst="orthographicFront"/>
-      <a:lightRig rig="threePt" dir="t"/>
-    </dgm:scene3d>
-    <dgm:sp3d/>
-    <dgm:txPr/>
-    <dgm:style>
-      <a:lnRef idx="2">
-        <a:scrgbClr r="0" g="0" b="0"/>
-      </a:lnRef>
-      <a:fillRef idx="1">
-        <a:scrgbClr r="0" g="0" b="0"/>
-      </a:fillRef>
-      <a:effectRef idx="0">
-        <a:scrgbClr r="0" g="0" b="0"/>
-      </a:effectRef>
-      <a:fontRef idx="minor">
-        <a:schemeClr val="tx1"/>
-      </a:fontRef>
-    </dgm:style>
-  </dgm:styleLbl>
-  <dgm:styleLbl name="alignNode1">
-    <dgm:scene3d>
-      <a:camera prst="orthographicFront"/>
-      <a:lightRig rig="threePt" dir="t"/>
-    </dgm:scene3d>
-    <dgm:sp3d/>
-    <dgm:txPr/>
-    <dgm:style>
-      <a:lnRef idx="2">
-        <a:scrgbClr r="0" g="0" b="0"/>
-      </a:lnRef>
-      <a:fillRef idx="1">
-        <a:scrgbClr r="0" g="0" b="0"/>
-      </a:fillRef>
-      <a:effectRef idx="0">
-        <a:scrgbClr r="0" g="0" b="0"/>
-      </a:effectRef>
-      <a:fontRef idx="minor">
-        <a:schemeClr val="lt1"/>
-      </a:fontRef>
-    </dgm:style>
-  </dgm:styleLbl>
-  <dgm:styleLbl name="node1">
-    <dgm:scene3d>
-      <a:camera prst="orthographicFront"/>
-      <a:lightRig rig="threePt" dir="t"/>
-    </dgm:scene3d>
-    <dgm:sp3d/>
-    <dgm:txPr/>
-    <dgm:style>
-      <a:lnRef idx="2">
-        <a:scrgbClr r="0" g="0" b="0"/>
-      </a:lnRef>
-      <a:fillRef idx="1">
-        <a:scrgbClr r="0" g="0" b="0"/>
-      </a:fillRef>
-      <a:effectRef idx="0">
-        <a:scrgbClr r="0" g="0" b="0"/>
-      </a:effectRef>
-      <a:fontRef idx="minor">
-        <a:schemeClr val="lt1"/>
-      </a:fontRef>
-    </dgm:style>
-  </dgm:styleLbl>
-  <dgm:styleLbl name="node2">
-    <dgm:scene3d>
-      <a:camera prst="orthographicFront"/>
-      <a:lightRig rig="threePt" dir="t"/>
-    </dgm:scene3d>
-    <dgm:sp3d/>
-    <dgm:txPr/>
-    <dgm:style>
-      <a:lnRef idx="2">
-        <a:scrgbClr r="0" g="0" b="0"/>
-      </a:lnRef>
-      <a:fillRef idx="1">
-        <a:scrgbClr r="0" g="0" b="0"/>
-      </a:fillRef>
-      <a:effectRef idx="0">
-        <a:scrgbClr r="0" g="0" b="0"/>
-      </a:effectRef>
-      <a:fontRef idx="minor">
-        <a:schemeClr val="lt1"/>
-      </a:fontRef>
-    </dgm:style>
-  </dgm:styleLbl>
-  <dgm:styleLbl name="node3">
-    <dgm:scene3d>
-      <a:camera prst="orthographicFront"/>
-      <a:lightRig rig="threePt" dir="t"/>
-    </dgm:scene3d>
-    <dgm:sp3d/>
-    <dgm:txPr/>
-    <dgm:style>
-      <a:lnRef idx="2">
-        <a:scrgbClr r="0" g="0" b="0"/>
-      </a:lnRef>
-      <a:fillRef idx="1">
-        <a:scrgbClr r="0" g="0" b="0"/>
-      </a:fillRef>
-      <a:effectRef idx="0">
-        <a:scrgbClr r="0" g="0" b="0"/>
-      </a:effectRef>
-      <a:fontRef idx="minor">
-        <a:schemeClr val="lt1"/>
-      </a:fontRef>
-    </dgm:style>
-  </dgm:styleLbl>
-  <dgm:styleLbl name="node4">
-    <dgm:scene3d>
-      <a:camera prst="orthographicFront"/>
-      <a:lightRig rig="threePt" dir="t"/>
-    </dgm:scene3d>
-    <dgm:sp3d/>
-    <dgm:txPr/>
-    <dgm:style>
-      <a:lnRef idx="2">
-        <a:scrgbClr r="0" g="0" b="0"/>
-      </a:lnRef>
-      <a:fillRef idx="1">
-        <a:scrgbClr r="0" g="0" b="0"/>
-      </a:fillRef>
-      <a:effectRef idx="0">
-        <a:scrgbClr r="0" g="0" b="0"/>
-      </a:effectRef>
-      <a:fontRef idx="minor">
-        <a:schemeClr val="lt1"/>
-      </a:fontRef>
-    </dgm:style>
-  </dgm:styleLbl>
-  <dgm:styleLbl name="fgImgPlace1">
-    <dgm:scene3d>
-      <a:camera prst="orthographicFront"/>
-      <a:lightRig rig="threePt" dir="t"/>
-    </dgm:scene3d>
-    <dgm:sp3d/>
-    <dgm:txPr/>
-    <dgm:style>
-      <a:lnRef idx="2">
-        <a:scrgbClr r="0" g="0" b="0"/>
-      </a:lnRef>
-      <a:fillRef idx="1">
-        <a:scrgbClr r="0" g="0" b="0"/>
-      </a:fillRef>
-      <a:effectRef idx="0">
-        <a:scrgbClr r="0" g="0" b="0"/>
-      </a:effectRef>
-      <a:fontRef idx="minor"/>
-    </dgm:style>
-  </dgm:styleLbl>
-  <dgm:styleLbl name="alignImgPlace1">
-    <dgm:scene3d>
-      <a:camera prst="orthographicFront"/>
-      <a:lightRig rig="threePt" dir="t"/>
-    </dgm:scene3d>
-    <dgm:sp3d/>
-    <dgm:txPr/>
-    <dgm:style>
-      <a:lnRef idx="2">
-        <a:scrgbClr r="0" g="0" b="0"/>
-      </a:lnRef>
-      <a:fillRef idx="1">
-        <a:scrgbClr r="0" g="0" b="0"/>
-      </a:fillRef>
-      <a:effectRef idx="0">
-        <a:scrgbClr r="0" g="0" b="0"/>
-      </a:effectRef>
-      <a:fontRef idx="minor"/>
-    </dgm:style>
-  </dgm:styleLbl>
-  <dgm:styleLbl name="bgImgPlace1">
-    <dgm:scene3d>
-      <a:camera prst="orthographicFront"/>
-      <a:lightRig rig="threePt" dir="t"/>
-    </dgm:scene3d>
-    <dgm:sp3d/>
-    <dgm:txPr/>
-    <dgm:style>
-      <a:lnRef idx="2">
-        <a:scrgbClr r="0" g="0" b="0"/>
-      </a:lnRef>
-      <a:fillRef idx="1">
-        <a:scrgbClr r="0" g="0" b="0"/>
-      </a:fillRef>
-      <a:effectRef idx="0">
-        <a:scrgbClr r="0" g="0" b="0"/>
-      </a:effectRef>
-      <a:fontRef idx="minor"/>
-    </dgm:style>
-  </dgm:styleLbl>
-  <dgm:styleLbl name="sibTrans2D1">
-    <dgm:scene3d>
-      <a:camera prst="orthographicFront"/>
-      <a:lightRig rig="threePt" dir="t"/>
-    </dgm:scene3d>
-    <dgm:sp3d/>
-    <dgm:txPr/>
-    <dgm:style>
-      <a:lnRef idx="0">
-        <a:scrgbClr r="0" g="0" b="0"/>
-      </a:lnRef>
-      <a:fillRef idx="1">
-        <a:scrgbClr r="0" g="0" b="0"/>
-      </a:fillRef>
-      <a:effectRef idx="0">
-        <a:scrgbClr r="0" g="0" b="0"/>
-      </a:effectRef>
-      <a:fontRef idx="minor">
-        <a:schemeClr val="lt1"/>
-      </a:fontRef>
-    </dgm:style>
-  </dgm:styleLbl>
-  <dgm:styleLbl name="fgSibTrans2D1">
-    <dgm:scene3d>
-      <a:camera prst="orthographicFront"/>
-      <a:lightRig rig="threePt" dir="t"/>
-    </dgm:scene3d>
-    <dgm:sp3d/>
-    <dgm:txPr/>
-    <dgm:style>
-      <a:lnRef idx="0">
-        <a:scrgbClr r="0" g="0" b="0"/>
-      </a:lnRef>
-      <a:fillRef idx="1">
-        <a:scrgbClr r="0" g="0" b="0"/>
-      </a:fillRef>
-      <a:effectRef idx="0">
-        <a:scrgbClr r="0" g="0" b="0"/>
-      </a:effectRef>
-      <a:fontRef idx="minor">
-        <a:schemeClr val="lt1"/>
-      </a:fontRef>
-    </dgm:style>
-  </dgm:styleLbl>
-  <dgm:styleLbl name="bgSibTrans2D1">
-    <dgm:scene3d>
-      <a:camera prst="orthographicFront"/>
-      <a:lightRig rig="threePt" dir="t"/>
-    </dgm:scene3d>
-    <dgm:sp3d/>
-    <dgm:txPr/>
-    <dgm:style>
-      <a:lnRef idx="0">
-        <a:scrgbClr r="0" g="0" b="0"/>
-      </a:lnRef>
-      <a:fillRef idx="1">
-        <a:scrgbClr r="0" g="0" b="0"/>
-      </a:fillRef>
-      <a:effectRef idx="0">
-        <a:scrgbClr r="0" g="0" b="0"/>
-      </a:effectRef>
-      <a:fontRef idx="minor">
-        <a:schemeClr val="lt1"/>
-      </a:fontRef>
-    </dgm:style>
-  </dgm:styleLbl>
-  <dgm:styleLbl name="sibTrans1D1">
-    <dgm:scene3d>
-      <a:camera prst="orthographicFront"/>
-      <a:lightRig rig="threePt" dir="t"/>
-    </dgm:scene3d>
-    <dgm:sp3d/>
-    <dgm:txPr/>
-    <dgm:style>
-      <a:lnRef idx="1">
-        <a:scrgbClr r="0" g="0" b="0"/>
-      </a:lnRef>
-      <a:fillRef idx="0">
-        <a:scrgbClr r="0" g="0" b="0"/>
-      </a:fillRef>
-      <a:effectRef idx="0">
-        <a:scrgbClr r="0" g="0" b="0"/>
-      </a:effectRef>
-      <a:fontRef idx="minor"/>
-    </dgm:style>
-  </dgm:styleLbl>
-  <dgm:styleLbl name="callout">
-    <dgm:scene3d>
-      <a:camera prst="orthographicFront"/>
-      <a:lightRig rig="threePt" dir="t"/>
-    </dgm:scene3d>
-    <dgm:sp3d/>
-    <dgm:txPr/>
-    <dgm:style>
-      <a:lnRef idx="2">
-        <a:scrgbClr r="0" g="0" b="0"/>
-      </a:lnRef>
-      <a:fillRef idx="1">
-        <a:scrgbClr r="0" g="0" b="0"/>
-      </a:fillRef>
-      <a:effectRef idx="0">
-        <a:scrgbClr r="0" g="0" b="0"/>
-      </a:effectRef>
-      <a:fontRef idx="minor"/>
-    </dgm:style>
-  </dgm:styleLbl>
-  <dgm:styleLbl name="asst0">
-    <dgm:scene3d>
-      <a:camera prst="orthographicFront"/>
-      <a:lightRig rig="threePt" dir="t"/>
-    </dgm:scene3d>
-    <dgm:sp3d/>
-    <dgm:txPr/>
-    <dgm:style>
-      <a:lnRef idx="2">
-        <a:scrgbClr r="0" g="0" b="0"/>
-      </a:lnRef>
-      <a:fillRef idx="1">
-        <a:scrgbClr r="0" g="0" b="0"/>
-      </a:fillRef>
-      <a:effectRef idx="0">
-        <a:scrgbClr r="0" g="0" b="0"/>
-      </a:effectRef>
-      <a:fontRef idx="minor">
-        <a:schemeClr val="lt1"/>
-      </a:fontRef>
-    </dgm:style>
-  </dgm:styleLbl>
-  <dgm:styleLbl name="asst1">
-    <dgm:scene3d>
-      <a:camera prst="orthographicFront"/>
-      <a:lightRig rig="threePt" dir="t"/>
-    </dgm:scene3d>
-    <dgm:sp3d/>
-    <dgm:txPr/>
-    <dgm:style>
-      <a:lnRef idx="2">
-        <a:scrgbClr r="0" g="0" b="0"/>
-      </a:lnRef>
-      <a:fillRef idx="1">
-        <a:scrgbClr r="0" g="0" b="0"/>
-      </a:fillRef>
-      <a:effectRef idx="0">
-        <a:scrgbClr r="0" g="0" b="0"/>
-      </a:effectRef>
-      <a:fontRef idx="minor">
-        <a:schemeClr val="lt1"/>
-      </a:fontRef>
-    </dgm:style>
-  </dgm:styleLbl>
-  <dgm:styleLbl name="asst2">
-    <dgm:scene3d>
-      <a:camera prst="orthographicFront"/>
-      <a:lightRig rig="threePt" dir="t"/>
-    </dgm:scene3d>
-    <dgm:sp3d/>
-    <dgm:txPr/>
-    <dgm:style>
-      <a:lnRef idx="2">
-        <a:scrgbClr r="0" g="0" b="0"/>
-      </a:lnRef>
-      <a:fillRef idx="1">
-        <a:scrgbClr r="0" g="0" b="0"/>
-      </a:fillRef>
-      <a:effectRef idx="0">
-        <a:scrgbClr r="0" g="0" b="0"/>
-      </a:effectRef>
-      <a:fontRef idx="minor">
-        <a:schemeClr val="lt1"/>
-      </a:fontRef>
-    </dgm:style>
-  </dgm:styleLbl>
-  <dgm:styleLbl name="asst3">
-    <dgm:scene3d>
-      <a:camera prst="orthographicFront"/>
-      <a:lightRig rig="threePt" dir="t"/>
-    </dgm:scene3d>
-    <dgm:sp3d/>
-    <dgm:txPr/>
-    <dgm:style>
-      <a:lnRef idx="2">
-        <a:scrgbClr r="0" g="0" b="0"/>
-      </a:lnRef>
-      <a:fillRef idx="1">
-        <a:scrgbClr r="0" g="0" b="0"/>
-      </a:fillRef>
-      <a:effectRef idx="0">
-        <a:scrgbClr r="0" g="0" b="0"/>
-      </a:effectRef>
-      <a:fontRef idx="minor">
-        <a:schemeClr val="lt1"/>
-      </a:fontRef>
-    </dgm:style>
-  </dgm:styleLbl>
-  <dgm:styleLbl name="asst4">
-    <dgm:scene3d>
-      <a:camera prst="orthographicFront"/>
-      <a:lightRig rig="threePt" dir="t"/>
-    </dgm:scene3d>
-    <dgm:sp3d/>
-    <dgm:txPr/>
-    <dgm:style>
-      <a:lnRef idx="2">
-        <a:scrgbClr r="0" g="0" b="0"/>
-      </a:lnRef>
-      <a:fillRef idx="1">
-        <a:scrgbClr r="0" g="0" b="0"/>
-      </a:fillRef>
-      <a:effectRef idx="0">
-        <a:scrgbClr r="0" g="0" b="0"/>
-      </a:effectRef>
-      <a:fontRef idx="minor">
-        <a:schemeClr val="lt1"/>
-      </a:fontRef>
-    </dgm:style>
-  </dgm:styleLbl>
-  <dgm:styleLbl name="parChTrans2D1">
-    <dgm:scene3d>
-      <a:camera prst="orthographicFront"/>
-      <a:lightRig rig="threePt" dir="t"/>
-    </dgm:scene3d>
-    <dgm:sp3d/>
-    <dgm:txPr/>
-    <dgm:style>
-      <a:lnRef idx="2">
-        <a:scrgbClr r="0" g="0" b="0"/>
-      </a:lnRef>
-      <a:fillRef idx="1">
-        <a:scrgbClr r="0" g="0" b="0"/>
-      </a:fillRef>
-      <a:effectRef idx="0">
-        <a:scrgbClr r="0" g="0" b="0"/>
-      </a:effectRef>
-      <a:fontRef idx="minor">
-        <a:schemeClr val="lt1"/>
-      </a:fontRef>
-    </dgm:style>
-  </dgm:styleLbl>
-  <dgm:styleLbl name="parChTrans2D2">
-    <dgm:scene3d>
-      <a:camera prst="orthographicFront"/>
-      <a:lightRig rig="threePt" dir="t"/>
-    </dgm:scene3d>
-    <dgm:sp3d/>
-    <dgm:txPr/>
-    <dgm:style>
-      <a:lnRef idx="2">
-        <a:scrgbClr r="0" g="0" b="0"/>
-      </a:lnRef>
-      <a:fillRef idx="1">
-        <a:scrgbClr r="0" g="0" b="0"/>
-      </a:fillRef>
-      <a:effectRef idx="0">
-        <a:scrgbClr r="0" g="0" b="0"/>
-      </a:effectRef>
-      <a:fontRef idx="minor">
-        <a:schemeClr val="lt1"/>
-      </a:fontRef>
-    </dgm:style>
-  </dgm:styleLbl>
-  <dgm:styleLbl name="parChTrans2D3">
-    <dgm:scene3d>
-      <a:camera prst="orthographicFront"/>
-      <a:lightRig rig="threePt" dir="t"/>
-    </dgm:scene3d>
-    <dgm:sp3d/>
-    <dgm:txPr/>
-    <dgm:style>
-      <a:lnRef idx="2">
-        <a:scrgbClr r="0" g="0" b="0"/>
-      </a:lnRef>
-      <a:fillRef idx="1">
-        <a:scrgbClr r="0" g="0" b="0"/>
-      </a:fillRef>
-      <a:effectRef idx="0">
-        <a:scrgbClr r="0" g="0" b="0"/>
-      </a:effectRef>
-      <a:fontRef idx="minor">
-        <a:schemeClr val="lt1"/>
-      </a:fontRef>
-    </dgm:style>
-  </dgm:styleLbl>
-  <dgm:styleLbl name="parChTrans2D4">
-    <dgm:scene3d>
-      <a:camera prst="orthographicFront"/>
-      <a:lightRig rig="threePt" dir="t"/>
-    </dgm:scene3d>
-    <dgm:sp3d/>
-    <dgm:txPr/>
-    <dgm:style>
-      <a:lnRef idx="2">
-        <a:scrgbClr r="0" g="0" b="0"/>
-      </a:lnRef>
-      <a:fillRef idx="1">
-        <a:scrgbClr r="0" g="0" b="0"/>
-      </a:fillRef>
-      <a:effectRef idx="0">
-        <a:scrgbClr r="0" g="0" b="0"/>
-      </a:effectRef>
-      <a:fontRef idx="minor">
-        <a:schemeClr val="lt1"/>
-      </a:fontRef>
-    </dgm:style>
-  </dgm:styleLbl>
-  <dgm:styleLbl name="parChTrans1D1">
-    <dgm:scene3d>
-      <a:camera prst="orthographicFront"/>
-      <a:lightRig rig="threePt" dir="t"/>
-    </dgm:scene3d>
-    <dgm:sp3d/>
-    <dgm:txPr/>
-    <dgm:style>
-      <a:lnRef idx="2">
-        <a:scrgbClr r="0" g="0" b="0"/>
-      </a:lnRef>
-      <a:fillRef idx="0">
-        <a:scrgbClr r="0" g="0" b="0"/>
-      </a:fillRef>
-      <a:effectRef idx="0">
-        <a:scrgbClr r="0" g="0" b="0"/>
-      </a:effectRef>
-      <a:fontRef idx="minor"/>
-    </dgm:style>
-  </dgm:styleLbl>
-  <dgm:styleLbl name="parChTrans1D2">
-    <dgm:scene3d>
-      <a:camera prst="orthographicFront"/>
-      <a:lightRig rig="threePt" dir="t"/>
-    </dgm:scene3d>
-    <dgm:sp3d/>
-    <dgm:txPr/>
-    <dgm:style>
-      <a:lnRef idx="2">
-        <a:scrgbClr r="0" g="0" b="0"/>
-      </a:lnRef>
-      <a:fillRef idx="0">
-        <a:scrgbClr r="0" g="0" b="0"/>
-      </a:fillRef>
-      <a:effectRef idx="0">
-        <a:scrgbClr r="0" g="0" b="0"/>
-      </a:effectRef>
-      <a:fontRef idx="minor"/>
-    </dgm:style>
-  </dgm:styleLbl>
-  <dgm:styleLbl name="parChTrans1D3">
-    <dgm:scene3d>
-      <a:camera prst="orthographicFront"/>
-      <a:lightRig rig="threePt" dir="t"/>
-    </dgm:scene3d>
-    <dgm:sp3d/>
-    <dgm:txPr/>
-    <dgm:style>
-      <a:lnRef idx="2">
-        <a:scrgbClr r="0" g="0" b="0"/>
-      </a:lnRef>
-      <a:fillRef idx="0">
-        <a:scrgbClr r="0" g="0" b="0"/>
-      </a:fillRef>
-      <a:effectRef idx="0">
-        <a:scrgbClr r="0" g="0" b="0"/>
-      </a:effectRef>
-      <a:fontRef idx="minor"/>
-    </dgm:style>
-  </dgm:styleLbl>
-  <dgm:styleLbl name="parChTrans1D4">
-    <dgm:scene3d>
-      <a:camera prst="orthographicFront"/>
-      <a:lightRig rig="threePt" dir="t"/>
-    </dgm:scene3d>
-    <dgm:sp3d/>
-    <dgm:txPr/>
-    <dgm:style>
-      <a:lnRef idx="2">
-        <a:scrgbClr r="0" g="0" b="0"/>
-      </a:lnRef>
-      <a:fillRef idx="0">
-        <a:scrgbClr r="0" g="0" b="0"/>
-      </a:fillRef>
-      <a:effectRef idx="0">
-        <a:scrgbClr r="0" g="0" b="0"/>
-      </a:effectRef>
-      <a:fontRef idx="minor"/>
-    </dgm:style>
-  </dgm:styleLbl>
-  <dgm:styleLbl name="fgAcc1">
-    <dgm:scene3d>
-      <a:camera prst="orthographicFront"/>
-      <a:lightRig rig="threePt" dir="t"/>
-    </dgm:scene3d>
-    <dgm:sp3d/>
-    <dgm:txPr/>
-    <dgm:style>
-      <a:lnRef idx="2">
-        <a:scrgbClr r="0" g="0" b="0"/>
-      </a:lnRef>
-      <a:fillRef idx="1">
-        <a:scrgbClr r="0" g="0" b="0"/>
-      </a:fillRef>
-      <a:effectRef idx="0">
-        <a:scrgbClr r="0" g="0" b="0"/>
-      </a:effectRef>
-      <a:fontRef idx="minor"/>
-    </dgm:style>
-  </dgm:styleLbl>
-  <dgm:styleLbl name="conFgAcc1">
-    <dgm:scene3d>
-      <a:camera prst="orthographicFront"/>
-      <a:lightRig rig="threePt" dir="t"/>
-    </dgm:scene3d>
-    <dgm:sp3d/>
-    <dgm:txPr/>
-    <dgm:style>
-      <a:lnRef idx="2">
-        <a:scrgbClr r="0" g="0" b="0"/>
-      </a:lnRef>
-      <a:fillRef idx="1">
-        <a:scrgbClr r="0" g="0" b="0"/>
-      </a:fillRef>
-      <a:effectRef idx="0">
-        <a:scrgbClr r="0" g="0" b="0"/>
-      </a:effectRef>
-      <a:fontRef idx="minor"/>
-    </dgm:style>
-  </dgm:styleLbl>
-  <dgm:styleLbl name="alignAcc1">
-    <dgm:scene3d>
-      <a:camera prst="orthographicFront"/>
-      <a:lightRig rig="threePt" dir="t"/>
-    </dgm:scene3d>
-    <dgm:sp3d/>
-    <dgm:txPr/>
-    <dgm:style>
-      <a:lnRef idx="2">
-        <a:scrgbClr r="0" g="0" b="0"/>
-      </a:lnRef>
-      <a:fillRef idx="1">
-        <a:scrgbClr r="0" g="0" b="0"/>
-      </a:fillRef>
-      <a:effectRef idx="0">
-        <a:scrgbClr r="0" g="0" b="0"/>
-      </a:effectRef>
-      <a:fontRef idx="minor"/>
-    </dgm:style>
-  </dgm:styleLbl>
-  <dgm:styleLbl name="trAlignAcc1">
-    <dgm:scene3d>
-      <a:camera prst="orthographicFront"/>
-      <a:lightRig rig="threePt" dir="t"/>
-    </dgm:scene3d>
-    <dgm:sp3d/>
-    <dgm:txPr/>
-    <dgm:style>
-      <a:lnRef idx="1">
-        <a:scrgbClr r="0" g="0" b="0"/>
-      </a:lnRef>
-      <a:fillRef idx="1">
-        <a:scrgbClr r="0" g="0" b="0"/>
-      </a:fillRef>
-      <a:effectRef idx="0">
-        <a:scrgbClr r="0" g="0" b="0"/>
-      </a:effectRef>
-      <a:fontRef idx="minor"/>
-    </dgm:style>
-  </dgm:styleLbl>
-  <dgm:styleLbl name="bgAcc1">
-    <dgm:scene3d>
-      <a:camera prst="orthographicFront"/>
-      <a:lightRig rig="threePt" dir="t"/>
-    </dgm:scene3d>
-    <dgm:sp3d/>
-    <dgm:txPr/>
-    <dgm:style>
-      <a:lnRef idx="2">
-        <a:scrgbClr r="0" g="0" b="0"/>
-      </a:lnRef>
-      <a:fillRef idx="1">
-        <a:scrgbClr r="0" g="0" b="0"/>
-      </a:fillRef>
-      <a:effectRef idx="0">
-        <a:scrgbClr r="0" g="0" b="0"/>
-      </a:effectRef>
-      <a:fontRef idx="minor"/>
-    </dgm:style>
-  </dgm:styleLbl>
-  <dgm:styleLbl name="solidFgAcc1">
-    <dgm:scene3d>
-      <a:camera prst="orthographicFront"/>
-      <a:lightRig rig="threePt" dir="t"/>
-    </dgm:scene3d>
-    <dgm:sp3d/>
-    <dgm:txPr/>
-    <dgm:style>
-      <a:lnRef idx="2">
-        <a:scrgbClr r="0" g="0" b="0"/>
-      </a:lnRef>
-      <a:fillRef idx="1">
-        <a:scrgbClr r="0" g="0" b="0"/>
-      </a:fillRef>
-      <a:effectRef idx="0">
-        <a:scrgbClr r="0" g="0" b="0"/>
-      </a:effectRef>
-      <a:fontRef idx="minor"/>
-    </dgm:style>
-  </dgm:styleLbl>
-  <dgm:styleLbl name="solidAlignAcc1">
-    <dgm:scene3d>
-      <a:camera prst="orthographicFront"/>
-      <a:lightRig rig="threePt" dir="t"/>
-    </dgm:scene3d>
-    <dgm:sp3d/>
-    <dgm:txPr/>
-    <dgm:style>
-      <a:lnRef idx="2">
-        <a:scrgbClr r="0" g="0" b="0"/>
-      </a:lnRef>
-      <a:fillRef idx="1">
-        <a:scrgbClr r="0" g="0" b="0"/>
-      </a:fillRef>
-      <a:effectRef idx="0">
-        <a:scrgbClr r="0" g="0" b="0"/>
-      </a:effectRef>
-      <a:fontRef idx="minor"/>
-    </dgm:style>
-  </dgm:styleLbl>
-  <dgm:styleLbl name="solidBgAcc1">
-    <dgm:scene3d>
-      <a:camera prst="orthographicFront"/>
-      <a:lightRig rig="threePt" dir="t"/>
-    </dgm:scene3d>
-    <dgm:sp3d/>
-    <dgm:txPr/>
-    <dgm:style>
-      <a:lnRef idx="2">
-        <a:scrgbClr r="0" g="0" b="0"/>
-      </a:lnRef>
-      <a:fillRef idx="1">
-        <a:scrgbClr r="0" g="0" b="0"/>
-      </a:fillRef>
-      <a:effectRef idx="0">
-        <a:scrgbClr r="0" g="0" b="0"/>
-      </a:effectRef>
-      <a:fontRef idx="minor"/>
-    </dgm:style>
-  </dgm:styleLbl>
-  <dgm:styleLbl name="fgAccFollowNode1">
-    <dgm:scene3d>
-      <a:camera prst="orthographicFront"/>
-      <a:lightRig rig="threePt" dir="t"/>
-    </dgm:scene3d>
-    <dgm:sp3d/>
-    <dgm:txPr/>
-    <dgm:style>
-      <a:lnRef idx="2">
-        <a:scrgbClr r="0" g="0" b="0"/>
-      </a:lnRef>
-      <a:fillRef idx="1">
-        <a:scrgbClr r="0" g="0" b="0"/>
-      </a:fillRef>
-      <a:effectRef idx="0">
-        <a:scrgbClr r="0" g="0" b="0"/>
-      </a:effectRef>
-      <a:fontRef idx="minor"/>
-    </dgm:style>
-  </dgm:styleLbl>
-  <dgm:styleLbl name="alignAccFollowNode1">
-    <dgm:scene3d>
-      <a:camera prst="orthographicFront"/>
-      <a:lightRig rig="threePt" dir="t"/>
-    </dgm:scene3d>
-    <dgm:sp3d/>
-    <dgm:txPr/>
-    <dgm:style>
-      <a:lnRef idx="2">
-        <a:scrgbClr r="0" g="0" b="0"/>
-      </a:lnRef>
-      <a:fillRef idx="1">
-        <a:scrgbClr r="0" g="0" b="0"/>
-      </a:fillRef>
-      <a:effectRef idx="0">
-        <a:scrgbClr r="0" g="0" b="0"/>
-      </a:effectRef>
-      <a:fontRef idx="minor"/>
-    </dgm:style>
-  </dgm:styleLbl>
-  <dgm:styleLbl name="bgAccFollowNode1">
-    <dgm:scene3d>
-      <a:camera prst="orthographicFront"/>
-      <a:lightRig rig="threePt" dir="t"/>
-    </dgm:scene3d>
-    <dgm:sp3d/>
-    <dgm:txPr/>
-    <dgm:style>
-      <a:lnRef idx="2">
-        <a:scrgbClr r="0" g="0" b="0"/>
-      </a:lnRef>
-      <a:fillRef idx="1">
-        <a:scrgbClr r="0" g="0" b="0"/>
-      </a:fillRef>
-      <a:effectRef idx="0">
-        <a:scrgbClr r="0" g="0" b="0"/>
-      </a:effectRef>
-      <a:fontRef idx="minor"/>
-    </dgm:style>
-  </dgm:styleLbl>
-  <dgm:styleLbl name="fgAcc0">
-    <dgm:scene3d>
-      <a:camera prst="orthographicFront"/>
-      <a:lightRig rig="threePt" dir="t"/>
-    </dgm:scene3d>
-    <dgm:sp3d/>
-    <dgm:txPr/>
-    <dgm:style>
-      <a:lnRef idx="2">
-        <a:scrgbClr r="0" g="0" b="0"/>
-      </a:lnRef>
-      <a:fillRef idx="1">
-        <a:scrgbClr r="0" g="0" b="0"/>
-      </a:fillRef>
-      <a:effectRef idx="0">
-        <a:scrgbClr r="0" g="0" b="0"/>
-      </a:effectRef>
-      <a:fontRef idx="minor"/>
-    </dgm:style>
-  </dgm:styleLbl>
-  <dgm:styleLbl name="fgAcc2">
-    <dgm:scene3d>
-      <a:camera prst="orthographicFront"/>
-      <a:lightRig rig="threePt" dir="t"/>
-    </dgm:scene3d>
-    <dgm:sp3d/>
-    <dgm:txPr/>
-    <dgm:style>
-      <a:lnRef idx="2">
-        <a:scrgbClr r="0" g="0" b="0"/>
-      </a:lnRef>
-      <a:fillRef idx="1">
-        <a:scrgbClr r="0" g="0" b="0"/>
-      </a:fillRef>
-      <a:effectRef idx="0">
-        <a:scrgbClr r="0" g="0" b="0"/>
-      </a:effectRef>
-      <a:fontRef idx="minor"/>
-    </dgm:style>
-  </dgm:styleLbl>
-  <dgm:styleLbl name="fgAcc3">
-    <dgm:scene3d>
-      <a:camera prst="orthographicFront"/>
-      <a:lightRig rig="threePt" dir="t"/>
-    </dgm:scene3d>
-    <dgm:sp3d/>
-    <dgm:txPr/>
-    <dgm:style>
-      <a:lnRef idx="2">
-        <a:scrgbClr r="0" g="0" b="0"/>
-      </a:lnRef>
-      <a:fillRef idx="1">
-        <a:scrgbClr r="0" g="0" b="0"/>
-      </a:fillRef>
-      <a:effectRef idx="0">
-        <a:scrgbClr r="0" g="0" b="0"/>
-      </a:effectRef>
-      <a:fontRef idx="minor"/>
-    </dgm:style>
-  </dgm:styleLbl>
-  <dgm:styleLbl name="fgAcc4">
-    <dgm:scene3d>
-      <a:camera prst="orthographicFront"/>
-      <a:lightRig rig="threePt" dir="t"/>
-    </dgm:scene3d>
-    <dgm:sp3d/>
-    <dgm:txPr/>
-    <dgm:style>
-      <a:lnRef idx="2">
-        <a:scrgbClr r="0" g="0" b="0"/>
-      </a:lnRef>
-      <a:fillRef idx="1">
-        <a:scrgbClr r="0" g="0" b="0"/>
-      </a:fillRef>
-      <a:effectRef idx="0">
-        <a:scrgbClr r="0" g="0" b="0"/>
-      </a:effectRef>
-      <a:fontRef idx="minor"/>
-    </dgm:style>
-  </dgm:styleLbl>
-  <dgm:styleLbl name="bgShp">
-    <dgm:scene3d>
-      <a:camera prst="orthographicFront"/>
-      <a:lightRig rig="threePt" dir="t"/>
-    </dgm:scene3d>
-    <dgm:sp3d/>
-    <dgm:txPr/>
-    <dgm:style>
-      <a:lnRef idx="0">
-        <a:scrgbClr r="0" g="0" b="0"/>
-      </a:lnRef>
-      <a:fillRef idx="1">
-        <a:scrgbClr r="0" g="0" b="0"/>
-      </a:fillRef>
-      <a:effectRef idx="0">
-        <a:scrgbClr r="0" g="0" b="0"/>
-      </a:effectRef>
-      <a:fontRef idx="minor"/>
-    </dgm:style>
-  </dgm:styleLbl>
-  <dgm:styleLbl name="dkBgShp">
-    <dgm:scene3d>
-      <a:camera prst="orthographicFront"/>
-      <a:lightRig rig="threePt" dir="t"/>
-    </dgm:scene3d>
-    <dgm:sp3d/>
-    <dgm:txPr/>
-    <dgm:style>
-      <a:lnRef idx="0">
-        <a:scrgbClr r="0" g="0" b="0"/>
-      </a:lnRef>
-      <a:fillRef idx="1">
-        <a:scrgbClr r="0" g="0" b="0"/>
-      </a:fillRef>
-      <a:effectRef idx="0">
-        <a:scrgbClr r="0" g="0" b="0"/>
-      </a:effectRef>
-      <a:fontRef idx="minor"/>
-    </dgm:style>
-  </dgm:styleLbl>
-  <dgm:styleLbl name="trBgShp">
-    <dgm:scene3d>
-      <a:camera prst="orthographicFront"/>
-      <a:lightRig rig="threePt" dir="t"/>
-    </dgm:scene3d>
-    <dgm:sp3d/>
-    <dgm:txPr/>
-    <dgm:style>
-      <a:lnRef idx="0">
-        <a:scrgbClr r="0" g="0" b="0"/>
-      </a:lnRef>
-      <a:fillRef idx="1">
-        <a:scrgbClr r="0" g="0" b="0"/>
-      </a:fillRef>
-      <a:effectRef idx="0">
-        <a:scrgbClr r="0" g="0" b="0"/>
-      </a:effectRef>
-      <a:fontRef idx="minor"/>
-    </dgm:style>
-  </dgm:styleLbl>
-  <dgm:styleLbl name="fgShp">
-    <dgm:scene3d>
-      <a:camera prst="orthographicFront"/>
-      <a:lightRig rig="threePt" dir="t"/>
-    </dgm:scene3d>
-    <dgm:sp3d/>
-    <dgm:txPr/>
-    <dgm:style>
-      <a:lnRef idx="2">
-        <a:scrgbClr r="0" g="0" b="0"/>
-      </a:lnRef>
-      <a:fillRef idx="1">
-        <a:scrgbClr r="0" g="0" b="0"/>
-      </a:fillRef>
-      <a:effectRef idx="0">
-        <a:scrgbClr r="0" g="0" b="0"/>
-      </a:effectRef>
-      <a:fontRef idx="minor"/>
-    </dgm:style>
-  </dgm:styleLbl>
-  <dgm:styleLbl name="revTx">
-    <dgm:scene3d>
-      <a:camera prst="orthographicFront"/>
-      <a:lightRig rig="threePt" dir="t"/>
-    </dgm:scene3d>
-    <dgm:sp3d/>
-    <dgm:txPr/>
-    <dgm:style>
-      <a:lnRef idx="0">
-        <a:scrgbClr r="0" g="0" b="0"/>
-      </a:lnRef>
-      <a:fillRef idx="0">
-        <a:scrgbClr r="0" g="0" b="0"/>
-      </a:fillRef>
-      <a:effectRef idx="0">
-        <a:scrgbClr r="0" g="0" b="0"/>
-      </a:effectRef>
-      <a:fontRef idx="minor"/>
-    </dgm:style>
-  </dgm:styleLbl>
-</dgm:styleDef>
 </file>
 
 <file path=ppt/handoutMasters/handoutMaster1.xml><?xml version="1.0" encoding="utf-8"?>
@@ -8571,7 +4800,7 @@
           <p:cNvPr id="2" name="Title 1">
             <a:extLst>
               <a:ext uri="{FF2B5EF4-FFF2-40B4-BE49-F238E27FC236}">
-                <a16:creationId xmlns:a16="http://schemas.microsoft.com/office/drawing/2014/main" id="{56F00631-B42A-A942-7BA2-36A0391C4B1A}"/>
+                <a16:creationId xmlns:a16="http://schemas.microsoft.com/office/drawing/2014/main" id="{3077414B-7C12-CF89-1E77-CE71AEE0131B}"/>
               </a:ext>
             </a:extLst>
           </p:cNvPr>
@@ -8584,8 +4813,8 @@
         </p:nvSpPr>
         <p:spPr>
           <a:xfrm>
-            <a:off x="464127" y="613913"/>
-            <a:ext cx="11263745" cy="736425"/>
+            <a:off x="457199" y="639794"/>
+            <a:ext cx="10826151" cy="705928"/>
           </a:xfrm>
         </p:spPr>
         <p:txBody>
@@ -8594,7 +4823,7 @@
           <a:p>
             <a:r>
               <a:rPr lang="en-US" dirty="0"/>
-              <a:t>Focusing on females (majority) - Low Risk</a:t>
+              <a:t>Focusing on males (majority) - High Risk</a:t>
             </a:r>
           </a:p>
         </p:txBody>
@@ -8604,7 +4833,7 @@
           <p:cNvPr id="5" name="Content Placeholder 4">
             <a:extLst>
               <a:ext uri="{FF2B5EF4-FFF2-40B4-BE49-F238E27FC236}">
-                <a16:creationId xmlns:a16="http://schemas.microsoft.com/office/drawing/2014/main" id="{1DEEB738-1779-48A8-788B-52B627D02130}"/>
+                <a16:creationId xmlns:a16="http://schemas.microsoft.com/office/drawing/2014/main" id="{E2F3ACC3-47E0-78FD-BE1E-0CEEFA67D94A}"/>
               </a:ext>
             </a:extLst>
           </p:cNvPr>
@@ -8623,15 +4852,45 @@
         </p:blipFill>
         <p:spPr>
           <a:xfrm>
-            <a:off x="2544364" y="1575976"/>
-            <a:ext cx="6401229" cy="4021753"/>
-          </a:xfrm>
+            <a:off x="487194" y="1591812"/>
+            <a:ext cx="5350188" cy="3859102"/>
+          </a:xfrm>
+        </p:spPr>
+      </p:pic>
+      <p:pic>
+        <p:nvPicPr>
+          <p:cNvPr id="7" name="Picture 6">
+            <a:extLst>
+              <a:ext uri="{FF2B5EF4-FFF2-40B4-BE49-F238E27FC236}">
+                <a16:creationId xmlns:a16="http://schemas.microsoft.com/office/drawing/2014/main" id="{0980B469-4F6E-6686-8852-D15B15A74E07}"/>
+              </a:ext>
+            </a:extLst>
+          </p:cNvPr>
+          <p:cNvPicPr>
+            <a:picLocks noChangeAspect="1"/>
+          </p:cNvPicPr>
+          <p:nvPr/>
+        </p:nvPicPr>
+        <p:blipFill>
+          <a:blip r:embed="rId3"/>
+          <a:stretch>
+            <a:fillRect/>
+          </a:stretch>
+        </p:blipFill>
+        <p:spPr>
+          <a:xfrm>
+            <a:off x="6159194" y="1591812"/>
+            <a:ext cx="5545612" cy="3859103"/>
+          </a:xfrm>
+          <a:prstGeom prst="rect">
+            <a:avLst/>
+          </a:prstGeom>
         </p:spPr>
       </p:pic>
     </p:spTree>
     <p:extLst>
       <p:ext uri="{BB962C8B-B14F-4D97-AF65-F5344CB8AC3E}">
-        <p14:creationId xmlns:p14="http://schemas.microsoft.com/office/powerpoint/2010/main" val="540596863"/>
+        <p14:creationId xmlns:p14="http://schemas.microsoft.com/office/powerpoint/2010/main" val="2879363092"/>
       </p:ext>
     </p:extLst>
   </p:cSld>
@@ -8663,7 +4922,7 @@
           <p:cNvPr id="2" name="Title 1">
             <a:extLst>
               <a:ext uri="{FF2B5EF4-FFF2-40B4-BE49-F238E27FC236}">
-                <a16:creationId xmlns:a16="http://schemas.microsoft.com/office/drawing/2014/main" id="{3077414B-7C12-CF89-1E77-CE71AEE0131B}"/>
+                <a16:creationId xmlns:a16="http://schemas.microsoft.com/office/drawing/2014/main" id="{DF92D068-3F7C-26C2-88E1-CEB185D6DA5D}"/>
               </a:ext>
             </a:extLst>
           </p:cNvPr>
@@ -8676,8 +4935,8 @@
         </p:nvSpPr>
         <p:spPr>
           <a:xfrm>
-            <a:off x="457199" y="639794"/>
-            <a:ext cx="10826151" cy="705928"/>
+            <a:off x="457199" y="639793"/>
+            <a:ext cx="11197087" cy="697301"/>
           </a:xfrm>
         </p:spPr>
         <p:txBody>
@@ -8693,10 +4952,10 @@
       </p:sp>
       <p:pic>
         <p:nvPicPr>
-          <p:cNvPr id="5" name="Content Placeholder 4">
+          <p:cNvPr id="9" name="Content Placeholder 8">
             <a:extLst>
               <a:ext uri="{FF2B5EF4-FFF2-40B4-BE49-F238E27FC236}">
-                <a16:creationId xmlns:a16="http://schemas.microsoft.com/office/drawing/2014/main" id="{E2F3ACC3-47E0-78FD-BE1E-0CEEFA67D94A}"/>
+                <a16:creationId xmlns:a16="http://schemas.microsoft.com/office/drawing/2014/main" id="{93CE467A-B646-F33D-A717-8A6409E3FFCB}"/>
               </a:ext>
             </a:extLst>
           </p:cNvPr>
@@ -8715,45 +4974,15 @@
         </p:blipFill>
         <p:spPr>
           <a:xfrm>
-            <a:off x="487194" y="1591812"/>
-            <a:ext cx="5350188" cy="3859102"/>
-          </a:xfrm>
-        </p:spPr>
-      </p:pic>
-      <p:pic>
-        <p:nvPicPr>
-          <p:cNvPr id="7" name="Picture 6">
-            <a:extLst>
-              <a:ext uri="{FF2B5EF4-FFF2-40B4-BE49-F238E27FC236}">
-                <a16:creationId xmlns:a16="http://schemas.microsoft.com/office/drawing/2014/main" id="{0980B469-4F6E-6686-8852-D15B15A74E07}"/>
-              </a:ext>
-            </a:extLst>
-          </p:cNvPr>
-          <p:cNvPicPr>
-            <a:picLocks noChangeAspect="1"/>
-          </p:cNvPicPr>
-          <p:nvPr/>
-        </p:nvPicPr>
-        <p:blipFill>
-          <a:blip r:embed="rId3"/>
-          <a:stretch>
-            <a:fillRect/>
-          </a:stretch>
-        </p:blipFill>
-        <p:spPr>
-          <a:xfrm>
-            <a:off x="6159194" y="1591812"/>
-            <a:ext cx="5545612" cy="3859103"/>
-          </a:xfrm>
-          <a:prstGeom prst="rect">
-            <a:avLst/>
-          </a:prstGeom>
+            <a:off x="3233474" y="1606549"/>
+            <a:ext cx="5644536" cy="3787487"/>
+          </a:xfrm>
         </p:spPr>
       </p:pic>
     </p:spTree>
     <p:extLst>
       <p:ext uri="{BB962C8B-B14F-4D97-AF65-F5344CB8AC3E}">
-        <p14:creationId xmlns:p14="http://schemas.microsoft.com/office/powerpoint/2010/main" val="2879363092"/>
+        <p14:creationId xmlns:p14="http://schemas.microsoft.com/office/powerpoint/2010/main" val="930873191"/>
       </p:ext>
     </p:extLst>
   </p:cSld>
@@ -8785,7 +5014,7 @@
           <p:cNvPr id="2" name="Title 1">
             <a:extLst>
               <a:ext uri="{FF2B5EF4-FFF2-40B4-BE49-F238E27FC236}">
-                <a16:creationId xmlns:a16="http://schemas.microsoft.com/office/drawing/2014/main" id="{DF92D068-3F7C-26C2-88E1-CEB185D6DA5D}"/>
+                <a16:creationId xmlns:a16="http://schemas.microsoft.com/office/drawing/2014/main" id="{98796A30-8CE5-5B98-8490-C6B66183929F}"/>
               </a:ext>
             </a:extLst>
           </p:cNvPr>
@@ -8798,8 +5027,8 @@
         </p:nvSpPr>
         <p:spPr>
           <a:xfrm>
-            <a:off x="457199" y="639793"/>
-            <a:ext cx="11197087" cy="697301"/>
+            <a:off x="457200" y="639794"/>
+            <a:ext cx="10912764" cy="614575"/>
           </a:xfrm>
         </p:spPr>
         <p:txBody>
@@ -8808,7 +5037,7 @@
           <a:p>
             <a:r>
               <a:rPr lang="en-US" dirty="0"/>
-              <a:t>Focusing on males (majority) - High Risk</a:t>
+              <a:t>Credit Score vs Total Claim Amounts</a:t>
             </a:r>
           </a:p>
         </p:txBody>
@@ -8818,7 +5047,7 @@
           <p:cNvPr id="9" name="Content Placeholder 8">
             <a:extLst>
               <a:ext uri="{FF2B5EF4-FFF2-40B4-BE49-F238E27FC236}">
-                <a16:creationId xmlns:a16="http://schemas.microsoft.com/office/drawing/2014/main" id="{93CE467A-B646-F33D-A717-8A6409E3FFCB}"/>
+                <a16:creationId xmlns:a16="http://schemas.microsoft.com/office/drawing/2014/main" id="{69061435-B030-168A-80AE-6E30F99C75DF}"/>
               </a:ext>
             </a:extLst>
           </p:cNvPr>
@@ -8837,15 +5066,45 @@
         </p:blipFill>
         <p:spPr>
           <a:xfrm>
-            <a:off x="3233474" y="1606549"/>
-            <a:ext cx="5644536" cy="3787487"/>
-          </a:xfrm>
+            <a:off x="457200" y="1682967"/>
+            <a:ext cx="5435600" cy="3492066"/>
+          </a:xfrm>
+        </p:spPr>
+      </p:pic>
+      <p:pic>
+        <p:nvPicPr>
+          <p:cNvPr id="11" name="Picture 10">
+            <a:extLst>
+              <a:ext uri="{FF2B5EF4-FFF2-40B4-BE49-F238E27FC236}">
+                <a16:creationId xmlns:a16="http://schemas.microsoft.com/office/drawing/2014/main" id="{6A990812-3100-7C4A-45FD-EFC0940F5B47}"/>
+              </a:ext>
+            </a:extLst>
+          </p:cNvPr>
+          <p:cNvPicPr>
+            <a:picLocks noChangeAspect="1"/>
+          </p:cNvPicPr>
+          <p:nvPr/>
+        </p:nvPicPr>
+        <p:blipFill>
+          <a:blip r:embed="rId3"/>
+          <a:stretch>
+            <a:fillRect/>
+          </a:stretch>
+        </p:blipFill>
+        <p:spPr>
+          <a:xfrm>
+            <a:off x="6143975" y="1682967"/>
+            <a:ext cx="5225989" cy="3492066"/>
+          </a:xfrm>
+          <a:prstGeom prst="rect">
+            <a:avLst/>
+          </a:prstGeom>
         </p:spPr>
       </p:pic>
     </p:spTree>
     <p:extLst>
       <p:ext uri="{BB962C8B-B14F-4D97-AF65-F5344CB8AC3E}">
-        <p14:creationId xmlns:p14="http://schemas.microsoft.com/office/powerpoint/2010/main" val="930873191"/>
+        <p14:creationId xmlns:p14="http://schemas.microsoft.com/office/powerpoint/2010/main" val="3850898938"/>
       </p:ext>
     </p:extLst>
   </p:cSld>
@@ -8877,7 +5136,7 @@
           <p:cNvPr id="2" name="Title 1">
             <a:extLst>
               <a:ext uri="{FF2B5EF4-FFF2-40B4-BE49-F238E27FC236}">
-                <a16:creationId xmlns:a16="http://schemas.microsoft.com/office/drawing/2014/main" id="{98796A30-8CE5-5B98-8490-C6B66183929F}"/>
+                <a16:creationId xmlns:a16="http://schemas.microsoft.com/office/drawing/2014/main" id="{B62FCE0A-C12F-F4F9-6E7E-89F151227D4F}"/>
               </a:ext>
             </a:extLst>
           </p:cNvPr>
@@ -8890,8 +5149,8 @@
         </p:nvSpPr>
         <p:spPr>
           <a:xfrm>
-            <a:off x="457200" y="639794"/>
-            <a:ext cx="10912764" cy="614575"/>
+            <a:off x="457199" y="639794"/>
+            <a:ext cx="11152909" cy="745662"/>
           </a:xfrm>
         </p:spPr>
         <p:txBody>
@@ -8900,17 +5159,17 @@
           <a:p>
             <a:r>
               <a:rPr lang="en-US" dirty="0"/>
-              <a:t>Credit Score vs Total Claim Amounts</a:t>
+              <a:t>Traffic Index vs Claim Risk Categories</a:t>
             </a:r>
           </a:p>
         </p:txBody>
       </p:sp>
       <p:pic>
         <p:nvPicPr>
-          <p:cNvPr id="9" name="Content Placeholder 8">
+          <p:cNvPr id="5" name="Content Placeholder 4">
             <a:extLst>
               <a:ext uri="{FF2B5EF4-FFF2-40B4-BE49-F238E27FC236}">
-                <a16:creationId xmlns:a16="http://schemas.microsoft.com/office/drawing/2014/main" id="{69061435-B030-168A-80AE-6E30F99C75DF}"/>
+                <a16:creationId xmlns:a16="http://schemas.microsoft.com/office/drawing/2014/main" id="{4AB0D78B-C892-65CB-37F7-9C63E2041DCF}"/>
               </a:ext>
             </a:extLst>
           </p:cNvPr>
@@ -8929,45 +5188,15 @@
         </p:blipFill>
         <p:spPr>
           <a:xfrm>
-            <a:off x="457200" y="1682967"/>
-            <a:ext cx="5435600" cy="3492066"/>
-          </a:xfrm>
-        </p:spPr>
-      </p:pic>
-      <p:pic>
-        <p:nvPicPr>
-          <p:cNvPr id="11" name="Picture 10">
-            <a:extLst>
-              <a:ext uri="{FF2B5EF4-FFF2-40B4-BE49-F238E27FC236}">
-                <a16:creationId xmlns:a16="http://schemas.microsoft.com/office/drawing/2014/main" id="{6A990812-3100-7C4A-45FD-EFC0940F5B47}"/>
-              </a:ext>
-            </a:extLst>
-          </p:cNvPr>
-          <p:cNvPicPr>
-            <a:picLocks noChangeAspect="1"/>
-          </p:cNvPicPr>
-          <p:nvPr/>
-        </p:nvPicPr>
-        <p:blipFill>
-          <a:blip r:embed="rId3"/>
-          <a:stretch>
-            <a:fillRect/>
-          </a:stretch>
-        </p:blipFill>
-        <p:spPr>
-          <a:xfrm>
-            <a:off x="6143975" y="1682967"/>
-            <a:ext cx="5225989" cy="3492066"/>
-          </a:xfrm>
-          <a:prstGeom prst="rect">
-            <a:avLst/>
-          </a:prstGeom>
+            <a:off x="2476072" y="1550988"/>
+            <a:ext cx="6392365" cy="3935412"/>
+          </a:xfrm>
         </p:spPr>
       </p:pic>
     </p:spTree>
     <p:extLst>
       <p:ext uri="{BB962C8B-B14F-4D97-AF65-F5344CB8AC3E}">
-        <p14:creationId xmlns:p14="http://schemas.microsoft.com/office/powerpoint/2010/main" val="3850898938"/>
+        <p14:creationId xmlns:p14="http://schemas.microsoft.com/office/powerpoint/2010/main" val="613334209"/>
       </p:ext>
     </p:extLst>
   </p:cSld>
@@ -8999,7 +5228,7 @@
           <p:cNvPr id="2" name="Title 1">
             <a:extLst>
               <a:ext uri="{FF2B5EF4-FFF2-40B4-BE49-F238E27FC236}">
-                <a16:creationId xmlns:a16="http://schemas.microsoft.com/office/drawing/2014/main" id="{B62FCE0A-C12F-F4F9-6E7E-89F151227D4F}"/>
+                <a16:creationId xmlns:a16="http://schemas.microsoft.com/office/drawing/2014/main" id="{8C465EDD-AE2C-EEB8-91B5-C20D0FD225C3}"/>
               </a:ext>
             </a:extLst>
           </p:cNvPr>
@@ -9013,7 +5242,42 @@
         <p:spPr>
           <a:xfrm>
             <a:off x="457199" y="639794"/>
-            <a:ext cx="11152909" cy="745662"/>
+            <a:ext cx="11411081" cy="596224"/>
+          </a:xfrm>
+        </p:spPr>
+        <p:txBody>
+          <a:bodyPr>
+            <a:normAutofit fontScale="90000"/>
+          </a:bodyPr>
+          <a:lstStyle/>
+          <a:p>
+            <a:r>
+              <a:rPr lang="en-US" dirty="0"/>
+              <a:t>Vehicle Age Evaluation</a:t>
+            </a:r>
+          </a:p>
+        </p:txBody>
+      </p:sp>
+      <p:sp>
+        <p:nvSpPr>
+          <p:cNvPr id="3" name="Content Placeholder 2">
+            <a:extLst>
+              <a:ext uri="{FF2B5EF4-FFF2-40B4-BE49-F238E27FC236}">
+                <a16:creationId xmlns:a16="http://schemas.microsoft.com/office/drawing/2014/main" id="{F2FBA55F-B0C5-11A0-E0CB-4BE0FEA814BA}"/>
+              </a:ext>
+            </a:extLst>
+          </p:cNvPr>
+          <p:cNvSpPr>
+            <a:spLocks noGrp="1"/>
+          </p:cNvSpPr>
+          <p:nvPr>
+            <p:ph sz="half" idx="1"/>
+          </p:nvPr>
+        </p:nvSpPr>
+        <p:spPr>
+          <a:xfrm>
+            <a:off x="457199" y="1469346"/>
+            <a:ext cx="5350817" cy="4707617"/>
           </a:xfrm>
         </p:spPr>
         <p:txBody>
@@ -9022,26 +5286,57 @@
           <a:p>
             <a:r>
               <a:rPr lang="en-US" dirty="0"/>
-              <a:t>Traffic Index vs Claim Risk Categories</a:t>
+              <a:t>Category 3 (majority) - Low Risk</a:t>
+            </a:r>
+          </a:p>
+        </p:txBody>
+      </p:sp>
+      <p:sp>
+        <p:nvSpPr>
+          <p:cNvPr id="4" name="Content Placeholder 3">
+            <a:extLst>
+              <a:ext uri="{FF2B5EF4-FFF2-40B4-BE49-F238E27FC236}">
+                <a16:creationId xmlns:a16="http://schemas.microsoft.com/office/drawing/2014/main" id="{ED0534CC-B444-F212-E0FC-988B6FA0FBEF}"/>
+              </a:ext>
+            </a:extLst>
+          </p:cNvPr>
+          <p:cNvSpPr>
+            <a:spLocks noGrp="1"/>
+          </p:cNvSpPr>
+          <p:nvPr>
+            <p:ph sz="half" idx="2"/>
+          </p:nvPr>
+        </p:nvSpPr>
+        <p:spPr>
+          <a:xfrm>
+            <a:off x="5921528" y="1469346"/>
+            <a:ext cx="5271988" cy="4707617"/>
+          </a:xfrm>
+        </p:spPr>
+        <p:txBody>
+          <a:bodyPr/>
+          <a:lstStyle/>
+          <a:p>
+            <a:r>
+              <a:rPr lang="en-US" dirty="0"/>
+              <a:t>Category 4 (majority) - High Risk</a:t>
             </a:r>
           </a:p>
         </p:txBody>
       </p:sp>
       <p:pic>
         <p:nvPicPr>
-          <p:cNvPr id="5" name="Content Placeholder 4">
+          <p:cNvPr id="6" name="Picture 5">
             <a:extLst>
               <a:ext uri="{FF2B5EF4-FFF2-40B4-BE49-F238E27FC236}">
-                <a16:creationId xmlns:a16="http://schemas.microsoft.com/office/drawing/2014/main" id="{4AB0D78B-C892-65CB-37F7-9C63E2041DCF}"/>
+                <a16:creationId xmlns:a16="http://schemas.microsoft.com/office/drawing/2014/main" id="{02ED5AA1-4FF4-D098-12AE-6A8FF1FB551A}"/>
               </a:ext>
             </a:extLst>
           </p:cNvPr>
           <p:cNvPicPr>
-            <a:picLocks noGrp="1" noChangeAspect="1"/>
+            <a:picLocks noChangeAspect="1"/>
           </p:cNvPicPr>
-          <p:nvPr>
-            <p:ph idx="1"/>
-          </p:nvPr>
+          <p:nvPr/>
         </p:nvPicPr>
         <p:blipFill>
           <a:blip r:embed="rId2"/>
@@ -9051,15 +5346,48 @@
         </p:blipFill>
         <p:spPr>
           <a:xfrm>
-            <a:off x="2476072" y="1550988"/>
-            <a:ext cx="6392365" cy="3935412"/>
-          </a:xfrm>
+            <a:off x="6096000" y="2078127"/>
+            <a:ext cx="5431076" cy="3490054"/>
+          </a:xfrm>
+          <a:prstGeom prst="rect">
+            <a:avLst/>
+          </a:prstGeom>
+        </p:spPr>
+      </p:pic>
+      <p:pic>
+        <p:nvPicPr>
+          <p:cNvPr id="8" name="Picture 7">
+            <a:extLst>
+              <a:ext uri="{FF2B5EF4-FFF2-40B4-BE49-F238E27FC236}">
+                <a16:creationId xmlns:a16="http://schemas.microsoft.com/office/drawing/2014/main" id="{973AC853-2276-98B8-B789-8CBB19E736B3}"/>
+              </a:ext>
+            </a:extLst>
+          </p:cNvPr>
+          <p:cNvPicPr>
+            <a:picLocks noChangeAspect="1"/>
+          </p:cNvPicPr>
+          <p:nvPr/>
+        </p:nvPicPr>
+        <p:blipFill>
+          <a:blip r:embed="rId3"/>
+          <a:stretch>
+            <a:fillRect/>
+          </a:stretch>
+        </p:blipFill>
+        <p:spPr>
+          <a:xfrm>
+            <a:off x="510803" y="2078127"/>
+            <a:ext cx="5297213" cy="3490054"/>
+          </a:xfrm>
+          <a:prstGeom prst="rect">
+            <a:avLst/>
+          </a:prstGeom>
         </p:spPr>
       </p:pic>
     </p:spTree>
     <p:extLst>
       <p:ext uri="{BB962C8B-B14F-4D97-AF65-F5344CB8AC3E}">
-        <p14:creationId xmlns:p14="http://schemas.microsoft.com/office/powerpoint/2010/main" val="613334209"/>
+        <p14:creationId xmlns:p14="http://schemas.microsoft.com/office/powerpoint/2010/main" val="2456813923"/>
       </p:ext>
     </p:extLst>
   </p:cSld>
@@ -9091,7 +5419,7 @@
           <p:cNvPr id="2" name="Title 1">
             <a:extLst>
               <a:ext uri="{FF2B5EF4-FFF2-40B4-BE49-F238E27FC236}">
-                <a16:creationId xmlns:a16="http://schemas.microsoft.com/office/drawing/2014/main" id="{8C465EDD-AE2C-EEB8-91B5-C20D0FD225C3}"/>
+                <a16:creationId xmlns:a16="http://schemas.microsoft.com/office/drawing/2014/main" id="{D72130D3-5C04-3F99-74FC-6DD3A4FB50C9}"/>
               </a:ext>
             </a:extLst>
           </p:cNvPr>
@@ -9104,102 +5432,36 @@
         </p:nvSpPr>
         <p:spPr>
           <a:xfrm>
-            <a:off x="457199" y="639794"/>
-            <a:ext cx="11411081" cy="596224"/>
-          </a:xfrm>
-        </p:spPr>
-        <p:txBody>
-          <a:bodyPr>
-            <a:normAutofit fontScale="90000"/>
-          </a:bodyPr>
+            <a:off x="397291" y="639793"/>
+            <a:ext cx="10922349" cy="709735"/>
+          </a:xfrm>
+        </p:spPr>
+        <p:txBody>
+          <a:bodyPr/>
           <a:lstStyle/>
           <a:p>
             <a:r>
               <a:rPr lang="en-US" dirty="0"/>
-              <a:t>Vehicle Age Evaluation</a:t>
-            </a:r>
-          </a:p>
-        </p:txBody>
-      </p:sp>
-      <p:sp>
-        <p:nvSpPr>
-          <p:cNvPr id="3" name="Content Placeholder 2">
+              <a:t>Vehicle Value Evaluation</a:t>
+            </a:r>
+          </a:p>
+        </p:txBody>
+      </p:sp>
+      <p:pic>
+        <p:nvPicPr>
+          <p:cNvPr id="6" name="Content Placeholder 5">
             <a:extLst>
               <a:ext uri="{FF2B5EF4-FFF2-40B4-BE49-F238E27FC236}">
-                <a16:creationId xmlns:a16="http://schemas.microsoft.com/office/drawing/2014/main" id="{F2FBA55F-B0C5-11A0-E0CB-4BE0FEA814BA}"/>
-              </a:ext>
-            </a:extLst>
-          </p:cNvPr>
-          <p:cNvSpPr>
-            <a:spLocks noGrp="1"/>
-          </p:cNvSpPr>
-          <p:nvPr>
-            <p:ph sz="half" idx="1"/>
-          </p:nvPr>
-        </p:nvSpPr>
-        <p:spPr>
-          <a:xfrm>
-            <a:off x="457199" y="1469346"/>
-            <a:ext cx="5350817" cy="4707617"/>
-          </a:xfrm>
-        </p:spPr>
-        <p:txBody>
-          <a:bodyPr/>
-          <a:lstStyle/>
-          <a:p>
-            <a:r>
-              <a:rPr lang="en-US" dirty="0"/>
-              <a:t>Category 3 (majority) - Low Risk</a:t>
-            </a:r>
-          </a:p>
-        </p:txBody>
-      </p:sp>
-      <p:sp>
-        <p:nvSpPr>
-          <p:cNvPr id="4" name="Content Placeholder 3">
-            <a:extLst>
-              <a:ext uri="{FF2B5EF4-FFF2-40B4-BE49-F238E27FC236}">
-                <a16:creationId xmlns:a16="http://schemas.microsoft.com/office/drawing/2014/main" id="{ED0534CC-B444-F212-E0FC-988B6FA0FBEF}"/>
-              </a:ext>
-            </a:extLst>
-          </p:cNvPr>
-          <p:cNvSpPr>
-            <a:spLocks noGrp="1"/>
-          </p:cNvSpPr>
-          <p:nvPr>
-            <p:ph sz="half" idx="2"/>
-          </p:nvPr>
-        </p:nvSpPr>
-        <p:spPr>
-          <a:xfrm>
-            <a:off x="5921528" y="1469346"/>
-            <a:ext cx="5271988" cy="4707617"/>
-          </a:xfrm>
-        </p:spPr>
-        <p:txBody>
-          <a:bodyPr/>
-          <a:lstStyle/>
-          <a:p>
-            <a:r>
-              <a:rPr lang="en-US" dirty="0"/>
-              <a:t>Category 4 (majority) - High Risk</a:t>
-            </a:r>
-          </a:p>
-        </p:txBody>
-      </p:sp>
-      <p:pic>
-        <p:nvPicPr>
-          <p:cNvPr id="6" name="Picture 5">
-            <a:extLst>
-              <a:ext uri="{FF2B5EF4-FFF2-40B4-BE49-F238E27FC236}">
-                <a16:creationId xmlns:a16="http://schemas.microsoft.com/office/drawing/2014/main" id="{02ED5AA1-4FF4-D098-12AE-6A8FF1FB551A}"/>
+                <a16:creationId xmlns:a16="http://schemas.microsoft.com/office/drawing/2014/main" id="{B4BB10FF-031B-56D4-E63A-CDFC5A5A3373}"/>
               </a:ext>
             </a:extLst>
           </p:cNvPr>
           <p:cNvPicPr>
-            <a:picLocks noChangeAspect="1"/>
+            <a:picLocks noGrp="1" noChangeAspect="1"/>
           </p:cNvPicPr>
-          <p:nvPr/>
+          <p:nvPr>
+            <p:ph sz="half" idx="1"/>
+          </p:nvPr>
         </p:nvPicPr>
         <p:blipFill>
           <a:blip r:embed="rId2"/>
@@ -9209,27 +5471,26 @@
         </p:blipFill>
         <p:spPr>
           <a:xfrm>
-            <a:off x="6096000" y="2078127"/>
-            <a:ext cx="5431076" cy="3490054"/>
-          </a:xfrm>
-          <a:prstGeom prst="rect">
-            <a:avLst/>
-          </a:prstGeom>
+            <a:off x="457199" y="1948617"/>
+            <a:ext cx="5344511" cy="3389203"/>
+          </a:xfrm>
         </p:spPr>
       </p:pic>
       <p:pic>
         <p:nvPicPr>
-          <p:cNvPr id="8" name="Picture 7">
+          <p:cNvPr id="8" name="Content Placeholder 7">
             <a:extLst>
               <a:ext uri="{FF2B5EF4-FFF2-40B4-BE49-F238E27FC236}">
-                <a16:creationId xmlns:a16="http://schemas.microsoft.com/office/drawing/2014/main" id="{973AC853-2276-98B8-B789-8CBB19E736B3}"/>
+                <a16:creationId xmlns:a16="http://schemas.microsoft.com/office/drawing/2014/main" id="{59DA8EA8-26AE-9C5C-A80A-D390B3338D22}"/>
               </a:ext>
             </a:extLst>
           </p:cNvPr>
           <p:cNvPicPr>
-            <a:picLocks noChangeAspect="1"/>
+            <a:picLocks noGrp="1" noChangeAspect="1"/>
           </p:cNvPicPr>
-          <p:nvPr/>
+          <p:nvPr>
+            <p:ph sz="half" idx="2"/>
+          </p:nvPr>
         </p:nvPicPr>
         <p:blipFill>
           <a:blip r:embed="rId3"/>
@@ -9239,18 +5500,15 @@
         </p:blipFill>
         <p:spPr>
           <a:xfrm>
-            <a:off x="510803" y="2078127"/>
-            <a:ext cx="5297213" cy="3490054"/>
-          </a:xfrm>
-          <a:prstGeom prst="rect">
-            <a:avLst/>
-          </a:prstGeom>
+            <a:off x="6020467" y="1948618"/>
+            <a:ext cx="5299173" cy="3389202"/>
+          </a:xfrm>
         </p:spPr>
       </p:pic>
     </p:spTree>
     <p:extLst>
       <p:ext uri="{BB962C8B-B14F-4D97-AF65-F5344CB8AC3E}">
-        <p14:creationId xmlns:p14="http://schemas.microsoft.com/office/powerpoint/2010/main" val="2456813923"/>
+        <p14:creationId xmlns:p14="http://schemas.microsoft.com/office/powerpoint/2010/main" val="4229601430"/>
       </p:ext>
     </p:extLst>
   </p:cSld>
@@ -9282,7 +5540,7 @@
           <p:cNvPr id="2" name="Title 1">
             <a:extLst>
               <a:ext uri="{FF2B5EF4-FFF2-40B4-BE49-F238E27FC236}">
-                <a16:creationId xmlns:a16="http://schemas.microsoft.com/office/drawing/2014/main" id="{D72130D3-5C04-3F99-74FC-6DD3A4FB50C9}"/>
+                <a16:creationId xmlns:a16="http://schemas.microsoft.com/office/drawing/2014/main" id="{3422CF15-844A-4440-F34B-C5B3B27C3283}"/>
               </a:ext>
             </a:extLst>
           </p:cNvPr>
@@ -9295,8 +5553,8 @@
         </p:nvSpPr>
         <p:spPr>
           <a:xfrm>
-            <a:off x="397291" y="639793"/>
-            <a:ext cx="10922349" cy="709735"/>
+            <a:off x="457199" y="639794"/>
+            <a:ext cx="10975953" cy="684510"/>
           </a:xfrm>
         </p:spPr>
         <p:txBody>
@@ -9312,10 +5570,10 @@
       </p:sp>
       <p:pic>
         <p:nvPicPr>
-          <p:cNvPr id="6" name="Content Placeholder 5">
+          <p:cNvPr id="7" name="Content Placeholder 6">
             <a:extLst>
               <a:ext uri="{FF2B5EF4-FFF2-40B4-BE49-F238E27FC236}">
-                <a16:creationId xmlns:a16="http://schemas.microsoft.com/office/drawing/2014/main" id="{B4BB10FF-031B-56D4-E63A-CDFC5A5A3373}"/>
+                <a16:creationId xmlns:a16="http://schemas.microsoft.com/office/drawing/2014/main" id="{FB51D099-D7EF-B137-EFC6-6ACAE0636A16}"/>
               </a:ext>
             </a:extLst>
           </p:cNvPr>
@@ -9323,7 +5581,7 @@
             <a:picLocks noGrp="1" noChangeAspect="1"/>
           </p:cNvPicPr>
           <p:nvPr>
-            <p:ph sz="half" idx="1"/>
+            <p:ph idx="1"/>
           </p:nvPr>
         </p:nvPicPr>
         <p:blipFill>
@@ -9334,44 +5592,15 @@
         </p:blipFill>
         <p:spPr>
           <a:xfrm>
-            <a:off x="457199" y="1948617"/>
-            <a:ext cx="5344511" cy="3389203"/>
-          </a:xfrm>
-        </p:spPr>
-      </p:pic>
-      <p:pic>
-        <p:nvPicPr>
-          <p:cNvPr id="8" name="Content Placeholder 7">
-            <a:extLst>
-              <a:ext uri="{FF2B5EF4-FFF2-40B4-BE49-F238E27FC236}">
-                <a16:creationId xmlns:a16="http://schemas.microsoft.com/office/drawing/2014/main" id="{59DA8EA8-26AE-9C5C-A80A-D390B3338D22}"/>
-              </a:ext>
-            </a:extLst>
-          </p:cNvPr>
-          <p:cNvPicPr>
-            <a:picLocks noGrp="1" noChangeAspect="1"/>
-          </p:cNvPicPr>
-          <p:nvPr>
-            <p:ph sz="half" idx="2"/>
-          </p:nvPr>
-        </p:nvPicPr>
-        <p:blipFill>
-          <a:blip r:embed="rId3"/>
-          <a:stretch>
-            <a:fillRect/>
-          </a:stretch>
-        </p:blipFill>
-        <p:spPr>
-          <a:xfrm>
-            <a:off x="6020467" y="1948618"/>
-            <a:ext cx="5299173" cy="3389202"/>
+            <a:off x="2420154" y="1601777"/>
+            <a:ext cx="6566191" cy="4002098"/>
           </a:xfrm>
         </p:spPr>
       </p:pic>
     </p:spTree>
     <p:extLst>
       <p:ext uri="{BB962C8B-B14F-4D97-AF65-F5344CB8AC3E}">
-        <p14:creationId xmlns:p14="http://schemas.microsoft.com/office/powerpoint/2010/main" val="4229601430"/>
+        <p14:creationId xmlns:p14="http://schemas.microsoft.com/office/powerpoint/2010/main" val="2711078682"/>
       </p:ext>
     </p:extLst>
   </p:cSld>
@@ -9403,7 +5632,7 @@
           <p:cNvPr id="2" name="Title 1">
             <a:extLst>
               <a:ext uri="{FF2B5EF4-FFF2-40B4-BE49-F238E27FC236}">
-                <a16:creationId xmlns:a16="http://schemas.microsoft.com/office/drawing/2014/main" id="{3422CF15-844A-4440-F34B-C5B3B27C3283}"/>
+                <a16:creationId xmlns:a16="http://schemas.microsoft.com/office/drawing/2014/main" id="{DC83FB2E-82E2-3F19-A148-4F45CAAB45F5}"/>
               </a:ext>
             </a:extLst>
           </p:cNvPr>
@@ -9416,27 +5645,29 @@
         </p:nvSpPr>
         <p:spPr>
           <a:xfrm>
-            <a:off x="457199" y="639794"/>
-            <a:ext cx="10975953" cy="684510"/>
-          </a:xfrm>
-        </p:spPr>
-        <p:txBody>
-          <a:bodyPr/>
+            <a:off x="457200" y="639794"/>
+            <a:ext cx="10938116" cy="558386"/>
+          </a:xfrm>
+        </p:spPr>
+        <p:txBody>
+          <a:bodyPr>
+            <a:normAutofit fontScale="90000"/>
+          </a:bodyPr>
           <a:lstStyle/>
           <a:p>
             <a:r>
               <a:rPr lang="en-US" dirty="0"/>
-              <a:t>Vehicle Value Evaluation</a:t>
+              <a:t>2018 Data Evaluation: Groups Identification</a:t>
             </a:r>
           </a:p>
         </p:txBody>
       </p:sp>
       <p:pic>
         <p:nvPicPr>
-          <p:cNvPr id="5" name="Content Placeholder 4">
+          <p:cNvPr id="8" name="Content Placeholder 7">
             <a:extLst>
               <a:ext uri="{FF2B5EF4-FFF2-40B4-BE49-F238E27FC236}">
-                <a16:creationId xmlns:a16="http://schemas.microsoft.com/office/drawing/2014/main" id="{C8310763-3AF7-942C-B264-EDDE1D2C26D1}"/>
+                <a16:creationId xmlns:a16="http://schemas.microsoft.com/office/drawing/2014/main" id="{B7E8D79C-4E05-72A5-0789-BA1612294FD2}"/>
               </a:ext>
             </a:extLst>
           </p:cNvPr>
@@ -9444,7 +5675,7 @@
             <a:picLocks noGrp="1" noChangeAspect="1"/>
           </p:cNvPicPr>
           <p:nvPr>
-            <p:ph idx="1"/>
+            <p:ph sz="half" idx="2"/>
           </p:nvPr>
         </p:nvPicPr>
         <p:blipFill>
@@ -9455,15 +5686,44 @@
         </p:blipFill>
         <p:spPr>
           <a:xfrm>
-            <a:off x="2645963" y="1658948"/>
-            <a:ext cx="6376891" cy="3922045"/>
+            <a:off x="6154738" y="1415722"/>
+            <a:ext cx="5398383" cy="4473237"/>
+          </a:xfrm>
+        </p:spPr>
+      </p:pic>
+      <p:pic>
+        <p:nvPicPr>
+          <p:cNvPr id="7" name="Content Placeholder 6">
+            <a:extLst>
+              <a:ext uri="{FF2B5EF4-FFF2-40B4-BE49-F238E27FC236}">
+                <a16:creationId xmlns:a16="http://schemas.microsoft.com/office/drawing/2014/main" id="{71886395-26D6-C3E9-74DB-5A017D29B3F5}"/>
+              </a:ext>
+            </a:extLst>
+          </p:cNvPr>
+          <p:cNvPicPr>
+            <a:picLocks noGrp="1" noChangeAspect="1"/>
+          </p:cNvPicPr>
+          <p:nvPr>
+            <p:ph sz="half" idx="1"/>
+          </p:nvPr>
+        </p:nvPicPr>
+        <p:blipFill>
+          <a:blip r:embed="rId3"/>
+          <a:stretch>
+            <a:fillRect/>
+          </a:stretch>
+        </p:blipFill>
+        <p:spPr>
+          <a:xfrm>
+            <a:off x="457200" y="1415722"/>
+            <a:ext cx="5483247" cy="4436905"/>
           </a:xfrm>
         </p:spPr>
       </p:pic>
     </p:spTree>
     <p:extLst>
       <p:ext uri="{BB962C8B-B14F-4D97-AF65-F5344CB8AC3E}">
-        <p14:creationId xmlns:p14="http://schemas.microsoft.com/office/powerpoint/2010/main" val="2711078682"/>
+        <p14:creationId xmlns:p14="http://schemas.microsoft.com/office/powerpoint/2010/main" val="3942198401"/>
       </p:ext>
     </p:extLst>
   </p:cSld>
@@ -9492,61 +5752,451 @@
       </p:grpSpPr>
       <p:sp>
         <p:nvSpPr>
-          <p:cNvPr id="2" name="Title 1">
+          <p:cNvPr id="13" name="Title 12"/>
+          <p:cNvSpPr>
+            <a:spLocks noGrp="1"/>
+          </p:cNvSpPr>
+          <p:nvPr>
+            <p:ph type="title"/>
+          </p:nvPr>
+        </p:nvSpPr>
+        <p:spPr>
+          <a:xfrm>
+            <a:off x="378373" y="564119"/>
+            <a:ext cx="11370090" cy="665592"/>
+          </a:xfrm>
+        </p:spPr>
+        <p:txBody>
+          <a:bodyPr>
+            <a:normAutofit/>
+          </a:bodyPr>
+          <a:lstStyle/>
+          <a:p>
+            <a:r>
+              <a:rPr lang="en-US" dirty="0"/>
+              <a:t>Study Findings</a:t>
+            </a:r>
+          </a:p>
+        </p:txBody>
+      </p:sp>
+      <p:sp>
+        <p:nvSpPr>
+          <p:cNvPr id="14" name="Content Placeholder 13"/>
+          <p:cNvSpPr>
+            <a:spLocks noGrp="1"/>
+          </p:cNvSpPr>
+          <p:nvPr>
+            <p:ph idx="1"/>
+          </p:nvPr>
+        </p:nvSpPr>
+        <p:spPr>
+          <a:xfrm>
+            <a:off x="457199" y="1229712"/>
+            <a:ext cx="10654337" cy="4780104"/>
+          </a:xfrm>
+        </p:spPr>
+        <p:txBody>
+          <a:bodyPr/>
+          <a:lstStyle/>
+          <a:p>
+            <a:r>
+              <a:rPr lang="en-US" dirty="0"/>
+              <a:t>Policies of vehicles of lower value are at high claim risk.</a:t>
+            </a:r>
+          </a:p>
+          <a:p>
+            <a:r>
+              <a:rPr lang="en-US" dirty="0"/>
+              <a:t>Worse the credit score; the higher the claim amount.</a:t>
+            </a:r>
+          </a:p>
+        </p:txBody>
+      </p:sp>
+      <p:graphicFrame>
+        <p:nvGraphicFramePr>
+          <p:cNvPr id="2" name="Table 2">
             <a:extLst>
               <a:ext uri="{FF2B5EF4-FFF2-40B4-BE49-F238E27FC236}">
-                <a16:creationId xmlns:a16="http://schemas.microsoft.com/office/drawing/2014/main" id="{FBD337FB-C883-6E25-AF2A-E15D79044924}"/>
+                <a16:creationId xmlns:a16="http://schemas.microsoft.com/office/drawing/2014/main" id="{8DAA0695-5981-DBC5-5368-24959474CEB6}"/>
               </a:ext>
             </a:extLst>
           </p:cNvPr>
-          <p:cNvSpPr>
-            <a:spLocks noGrp="1"/>
-          </p:cNvSpPr>
-          <p:nvPr>
-            <p:ph type="ctrTitle"/>
-          </p:nvPr>
-        </p:nvSpPr>
-        <p:spPr/>
-        <p:txBody>
-          <a:bodyPr/>
-          <a:lstStyle/>
-          <a:p>
-            <a:r>
-              <a:rPr lang="en-US" dirty="0"/>
-              <a:t>Data Science Group Deck</a:t>
-            </a:r>
-          </a:p>
-        </p:txBody>
-      </p:sp>
-      <p:sp>
-        <p:nvSpPr>
-          <p:cNvPr id="3" name="Subtitle 2">
-            <a:extLst>
-              <a:ext uri="{FF2B5EF4-FFF2-40B4-BE49-F238E27FC236}">
-                <a16:creationId xmlns:a16="http://schemas.microsoft.com/office/drawing/2014/main" id="{AA132808-CD43-4E47-D884-E0D294B7C2AB}"/>
-              </a:ext>
-            </a:extLst>
-          </p:cNvPr>
-          <p:cNvSpPr>
-            <a:spLocks noGrp="1"/>
-          </p:cNvSpPr>
-          <p:nvPr>
-            <p:ph type="subTitle" idx="1"/>
-          </p:nvPr>
-        </p:nvSpPr>
-        <p:spPr/>
-        <p:txBody>
-          <a:bodyPr/>
-          <a:lstStyle/>
-          <a:p>
-            <a:endParaRPr lang="en-US"/>
-          </a:p>
-        </p:txBody>
-      </p:sp>
+          <p:cNvGraphicFramePr>
+            <a:graphicFrameLocks noGrp="1"/>
+          </p:cNvGraphicFramePr>
+          <p:nvPr>
+            <p:extLst>
+              <p:ext uri="{D42A27DB-BD31-4B8C-83A1-F6EECF244321}">
+                <p14:modId xmlns:p14="http://schemas.microsoft.com/office/powerpoint/2010/main" val="678913024"/>
+              </p:ext>
+            </p:extLst>
+          </p:nvPr>
+        </p:nvGraphicFramePr>
+        <p:xfrm>
+          <a:off x="589627" y="2367806"/>
+          <a:ext cx="10282274" cy="2849880"/>
+        </p:xfrm>
+        <a:graphic>
+          <a:graphicData uri="http://schemas.openxmlformats.org/drawingml/2006/table">
+            <a:tbl>
+              <a:tblPr firstRow="1" bandRow="1">
+                <a:tableStyleId>{5C22544A-7EE6-4342-B048-85BDC9FD1C3A}</a:tableStyleId>
+              </a:tblPr>
+              <a:tblGrid>
+                <a:gridCol w="5141137">
+                  <a:extLst>
+                    <a:ext uri="{9D8B030D-6E8A-4147-A177-3AD203B41FA5}">
+                      <a16:colId xmlns:a16="http://schemas.microsoft.com/office/drawing/2014/main" val="430597126"/>
+                    </a:ext>
+                  </a:extLst>
+                </a:gridCol>
+                <a:gridCol w="5141137">
+                  <a:extLst>
+                    <a:ext uri="{9D8B030D-6E8A-4147-A177-3AD203B41FA5}">
+                      <a16:colId xmlns:a16="http://schemas.microsoft.com/office/drawing/2014/main" val="673604816"/>
+                    </a:ext>
+                  </a:extLst>
+                </a:gridCol>
+              </a:tblGrid>
+              <a:tr h="370840">
+                <a:tc>
+                  <a:txBody>
+                    <a:bodyPr/>
+                    <a:lstStyle/>
+                    <a:p>
+                      <a:pPr algn="l"/>
+                      <a:r>
+                        <a:rPr lang="en-US" dirty="0"/>
+                        <a:t>Low Risk Group</a:t>
+                      </a:r>
+                    </a:p>
+                  </a:txBody>
+                  <a:tcPr/>
+                </a:tc>
+                <a:tc>
+                  <a:txBody>
+                    <a:bodyPr/>
+                    <a:lstStyle/>
+                    <a:p>
+                      <a:pPr algn="l"/>
+                      <a:r>
+                        <a:rPr lang="en-US" dirty="0"/>
+                        <a:t>High Risk Group</a:t>
+                      </a:r>
+                    </a:p>
+                  </a:txBody>
+                  <a:tcPr/>
+                </a:tc>
+                <a:extLst>
+                  <a:ext uri="{0D108BD9-81ED-4DB2-BD59-A6C34878D82A}">
+                    <a16:rowId xmlns:a16="http://schemas.microsoft.com/office/drawing/2014/main" val="1687351232"/>
+                  </a:ext>
+                </a:extLst>
+              </a:tr>
+              <a:tr h="172662">
+                <a:tc>
+                  <a:txBody>
+                    <a:bodyPr/>
+                    <a:lstStyle/>
+                    <a:p>
+                      <a:pPr algn="l"/>
+                      <a:r>
+                        <a:rPr lang="en-US" dirty="0"/>
+                        <a:t>Female population:</a:t>
+                      </a:r>
+                    </a:p>
+                    <a:p>
+                      <a:pPr marL="742950" lvl="1" indent="-285750" algn="l">
+                        <a:buFont typeface="Arial" panose="020B0604020202020204" pitchFamily="34" charset="0"/>
+                        <a:buChar char="•"/>
+                      </a:pPr>
+                      <a:r>
+                        <a:rPr lang="en-US" dirty="0"/>
+                        <a:t>Second oldest Age Category</a:t>
+                      </a:r>
+                    </a:p>
+                    <a:p>
+                      <a:pPr marL="742950" lvl="1" indent="-285750" algn="l">
+                        <a:buFont typeface="Arial" panose="020B0604020202020204" pitchFamily="34" charset="0"/>
+                        <a:buChar char="•"/>
+                      </a:pPr>
+                      <a:r>
+                        <a:rPr lang="en-US" dirty="0"/>
+                        <a:t>Living in Area E</a:t>
+                      </a:r>
+                    </a:p>
+                    <a:p>
+                      <a:pPr marL="742950" lvl="1" indent="-285750" algn="l">
+                        <a:buFont typeface="Arial" panose="020B0604020202020204" pitchFamily="34" charset="0"/>
+                        <a:buChar char="•"/>
+                      </a:pPr>
+                      <a:r>
+                        <a:rPr lang="en-US" dirty="0"/>
+                        <a:t>Driving a Minibus</a:t>
+                      </a:r>
+                    </a:p>
+                    <a:p>
+                      <a:pPr marL="742950" lvl="1" indent="-285750" algn="l">
+                        <a:buFont typeface="Arial" panose="020B0604020202020204" pitchFamily="34" charset="0"/>
+                        <a:buChar char="•"/>
+                      </a:pPr>
+                      <a:r>
+                        <a:rPr lang="en-US" dirty="0"/>
+                        <a:t>With an Excellent credit score</a:t>
+                      </a:r>
+                    </a:p>
+                    <a:p>
+                      <a:pPr marL="742950" lvl="1" indent="-285750" algn="l">
+                        <a:buFont typeface="Arial" panose="020B0604020202020204" pitchFamily="34" charset="0"/>
+                        <a:buChar char="•"/>
+                      </a:pPr>
+                      <a:endParaRPr lang="en-US" dirty="0"/>
+                    </a:p>
+                  </a:txBody>
+                  <a:tcPr/>
+                </a:tc>
+                <a:tc>
+                  <a:txBody>
+                    <a:bodyPr/>
+                    <a:lstStyle/>
+                    <a:p>
+                      <a:pPr marL="0" marR="0" lvl="0" indent="0" algn="l" defTabSz="914400" rtl="0" eaLnBrk="1" fontAlgn="auto" latinLnBrk="0" hangingPunct="1">
+                        <a:lnSpc>
+                          <a:spcPct val="100000"/>
+                        </a:lnSpc>
+                        <a:spcBef>
+                          <a:spcPts val="0"/>
+                        </a:spcBef>
+                        <a:spcAft>
+                          <a:spcPts val="0"/>
+                        </a:spcAft>
+                        <a:buClrTx/>
+                        <a:buSzTx/>
+                        <a:buFontTx/>
+                        <a:buNone/>
+                        <a:tabLst/>
+                        <a:defRPr/>
+                      </a:pPr>
+                      <a:r>
+                        <a:rPr lang="en-US" dirty="0"/>
+                        <a:t>Male population:</a:t>
+                      </a:r>
+                    </a:p>
+                    <a:p>
+                      <a:pPr marL="742950" marR="0" lvl="1" indent="-285750" algn="l" defTabSz="914400" rtl="0" eaLnBrk="1" fontAlgn="auto" latinLnBrk="0" hangingPunct="1">
+                        <a:lnSpc>
+                          <a:spcPct val="100000"/>
+                        </a:lnSpc>
+                        <a:spcBef>
+                          <a:spcPts val="0"/>
+                        </a:spcBef>
+                        <a:spcAft>
+                          <a:spcPts val="0"/>
+                        </a:spcAft>
+                        <a:buClrTx/>
+                        <a:buSzTx/>
+                        <a:buFont typeface="Arial" panose="020B0604020202020204" pitchFamily="34" charset="0"/>
+                        <a:buChar char="•"/>
+                        <a:tabLst/>
+                        <a:defRPr/>
+                      </a:pPr>
+                      <a:r>
+                        <a:rPr lang="en-US" dirty="0"/>
+                        <a:t>Second oldest Age Category</a:t>
+                      </a:r>
+                    </a:p>
+                    <a:p>
+                      <a:pPr marL="742950" marR="0" lvl="1" indent="-285750" algn="l" defTabSz="914400" rtl="0" eaLnBrk="1" fontAlgn="auto" latinLnBrk="0" hangingPunct="1">
+                        <a:lnSpc>
+                          <a:spcPct val="100000"/>
+                        </a:lnSpc>
+                        <a:spcBef>
+                          <a:spcPts val="0"/>
+                        </a:spcBef>
+                        <a:spcAft>
+                          <a:spcPts val="0"/>
+                        </a:spcAft>
+                        <a:buClrTx/>
+                        <a:buSzTx/>
+                        <a:buFont typeface="Arial" panose="020B0604020202020204" pitchFamily="34" charset="0"/>
+                        <a:buChar char="•"/>
+                        <a:tabLst/>
+                        <a:defRPr/>
+                      </a:pPr>
+                      <a:r>
+                        <a:rPr lang="en-US" dirty="0"/>
+                        <a:t>Living in Area D</a:t>
+                      </a:r>
+                    </a:p>
+                    <a:p>
+                      <a:pPr marL="742950" marR="0" lvl="1" indent="-285750" algn="l" defTabSz="914400" rtl="0" eaLnBrk="1" fontAlgn="auto" latinLnBrk="0" hangingPunct="1">
+                        <a:lnSpc>
+                          <a:spcPct val="100000"/>
+                        </a:lnSpc>
+                        <a:spcBef>
+                          <a:spcPts val="0"/>
+                        </a:spcBef>
+                        <a:spcAft>
+                          <a:spcPts val="0"/>
+                        </a:spcAft>
+                        <a:buClrTx/>
+                        <a:buSzTx/>
+                        <a:buFont typeface="Arial" panose="020B0604020202020204" pitchFamily="34" charset="0"/>
+                        <a:buChar char="•"/>
+                        <a:tabLst/>
+                        <a:defRPr/>
+                      </a:pPr>
+                      <a:r>
+                        <a:rPr lang="en-US" dirty="0"/>
+                        <a:t>Driving a Utility Vehicle</a:t>
+                      </a:r>
+                    </a:p>
+                    <a:p>
+                      <a:pPr marL="742950" marR="0" lvl="1" indent="-285750" algn="l" defTabSz="914400" rtl="0" eaLnBrk="1" fontAlgn="auto" latinLnBrk="0" hangingPunct="1">
+                        <a:lnSpc>
+                          <a:spcPct val="100000"/>
+                        </a:lnSpc>
+                        <a:spcBef>
+                          <a:spcPts val="0"/>
+                        </a:spcBef>
+                        <a:spcAft>
+                          <a:spcPts val="0"/>
+                        </a:spcAft>
+                        <a:buClrTx/>
+                        <a:buSzTx/>
+                        <a:buFont typeface="Arial" panose="020B0604020202020204" pitchFamily="34" charset="0"/>
+                        <a:buChar char="•"/>
+                        <a:tabLst/>
+                        <a:defRPr/>
+                      </a:pPr>
+                      <a:r>
+                        <a:rPr lang="en-US" dirty="0"/>
+                        <a:t>With an Excellent credit score</a:t>
+                      </a:r>
+                    </a:p>
+                    <a:p>
+                      <a:pPr algn="l"/>
+                      <a:endParaRPr lang="en-US" dirty="0"/>
+                    </a:p>
+                  </a:txBody>
+                  <a:tcPr/>
+                </a:tc>
+                <a:extLst>
+                  <a:ext uri="{0D108BD9-81ED-4DB2-BD59-A6C34878D82A}">
+                    <a16:rowId xmlns:a16="http://schemas.microsoft.com/office/drawing/2014/main" val="2809548538"/>
+                  </a:ext>
+                </a:extLst>
+              </a:tr>
+              <a:tr h="370840">
+                <a:tc>
+                  <a:txBody>
+                    <a:bodyPr/>
+                    <a:lstStyle/>
+                    <a:p>
+                      <a:pPr algn="l"/>
+                      <a:r>
+                        <a:rPr lang="en-US" dirty="0"/>
+                        <a:t>Policies with vehicle age category 3</a:t>
+                      </a:r>
+                    </a:p>
+                  </a:txBody>
+                  <a:tcPr/>
+                </a:tc>
+                <a:tc>
+                  <a:txBody>
+                    <a:bodyPr/>
+                    <a:lstStyle/>
+                    <a:p>
+                      <a:pPr marL="0" marR="0" lvl="0" indent="0" algn="l" defTabSz="914400" rtl="0" eaLnBrk="1" fontAlgn="auto" latinLnBrk="0" hangingPunct="1">
+                        <a:lnSpc>
+                          <a:spcPct val="100000"/>
+                        </a:lnSpc>
+                        <a:spcBef>
+                          <a:spcPts val="0"/>
+                        </a:spcBef>
+                        <a:spcAft>
+                          <a:spcPts val="0"/>
+                        </a:spcAft>
+                        <a:buClrTx/>
+                        <a:buSzTx/>
+                        <a:buFontTx/>
+                        <a:buNone/>
+                        <a:tabLst/>
+                        <a:defRPr/>
+                      </a:pPr>
+                      <a:r>
+                        <a:rPr lang="en-US" dirty="0"/>
+                        <a:t>Policies with vehicle age category 4</a:t>
+                      </a:r>
+                    </a:p>
+                  </a:txBody>
+                  <a:tcPr/>
+                </a:tc>
+                <a:extLst>
+                  <a:ext uri="{0D108BD9-81ED-4DB2-BD59-A6C34878D82A}">
+                    <a16:rowId xmlns:a16="http://schemas.microsoft.com/office/drawing/2014/main" val="2711297666"/>
+                  </a:ext>
+                </a:extLst>
+              </a:tr>
+              <a:tr h="370840">
+                <a:tc>
+                  <a:txBody>
+                    <a:bodyPr/>
+                    <a:lstStyle/>
+                    <a:p>
+                      <a:pPr marL="0" marR="0" lvl="0" indent="0" algn="l" defTabSz="914400" rtl="0" eaLnBrk="1" fontAlgn="auto" latinLnBrk="0" hangingPunct="1">
+                        <a:lnSpc>
+                          <a:spcPct val="100000"/>
+                        </a:lnSpc>
+                        <a:spcBef>
+                          <a:spcPts val="0"/>
+                        </a:spcBef>
+                        <a:spcAft>
+                          <a:spcPts val="0"/>
+                        </a:spcAft>
+                        <a:buClrTx/>
+                        <a:buSzTx/>
+                        <a:buFontTx/>
+                        <a:buNone/>
+                        <a:tabLst/>
+                        <a:defRPr/>
+                      </a:pPr>
+                      <a:r>
+                        <a:rPr lang="en-US" dirty="0"/>
+                        <a:t>Areas with slightly lower than median traffic index.</a:t>
+                      </a:r>
+                    </a:p>
+                  </a:txBody>
+                  <a:tcPr/>
+                </a:tc>
+                <a:tc>
+                  <a:txBody>
+                    <a:bodyPr/>
+                    <a:lstStyle/>
+                    <a:p>
+                      <a:pPr algn="l"/>
+                      <a:r>
+                        <a:rPr lang="en-US" dirty="0"/>
+                        <a:t>Areas with slightly higher than median traffic index.</a:t>
+                      </a:r>
+                    </a:p>
+                  </a:txBody>
+                  <a:tcPr/>
+                </a:tc>
+                <a:extLst>
+                  <a:ext uri="{0D108BD9-81ED-4DB2-BD59-A6C34878D82A}">
+                    <a16:rowId xmlns:a16="http://schemas.microsoft.com/office/drawing/2014/main" val="1661099300"/>
+                  </a:ext>
+                </a:extLst>
+              </a:tr>
+            </a:tbl>
+          </a:graphicData>
+        </a:graphic>
+      </p:graphicFrame>
     </p:spTree>
     <p:extLst>
       <p:ext uri="{BB962C8B-B14F-4D97-AF65-F5344CB8AC3E}">
-        <p14:creationId xmlns:p14="http://schemas.microsoft.com/office/powerpoint/2010/main" val="266467974"/>
+        <p14:creationId xmlns:p14="http://schemas.microsoft.com/office/powerpoint/2010/main" val="56685722"/>
       </p:ext>
     </p:extLst>
   </p:cSld>
@@ -9575,36 +6225,18 @@
       </p:grpSpPr>
       <p:sp>
         <p:nvSpPr>
-          <p:cNvPr id="13" name="Title 12"/>
-          <p:cNvSpPr>
-            <a:spLocks noGrp="1"/>
-          </p:cNvSpPr>
-          <p:nvPr>
-            <p:ph type="title"/>
-          </p:nvPr>
-        </p:nvSpPr>
-        <p:spPr/>
-        <p:txBody>
-          <a:bodyPr>
-            <a:normAutofit/>
-          </a:bodyPr>
-          <a:lstStyle/>
-          <a:p>
-            <a:r>
-              <a:rPr lang="en-US" dirty="0"/>
-              <a:t>Title and Content Layout with List</a:t>
-            </a:r>
-          </a:p>
-        </p:txBody>
-      </p:sp>
-      <p:sp>
-        <p:nvSpPr>
-          <p:cNvPr id="14" name="Content Placeholder 13"/>
-          <p:cNvSpPr>
-            <a:spLocks noGrp="1"/>
-          </p:cNvSpPr>
-          <p:nvPr>
-            <p:ph idx="1"/>
+          <p:cNvPr id="2" name="Title 1">
+            <a:extLst>
+              <a:ext uri="{FF2B5EF4-FFF2-40B4-BE49-F238E27FC236}">
+                <a16:creationId xmlns:a16="http://schemas.microsoft.com/office/drawing/2014/main" id="{FBD337FB-C883-6E25-AF2A-E15D79044924}"/>
+              </a:ext>
+            </a:extLst>
+          </p:cNvPr>
+          <p:cNvSpPr>
+            <a:spLocks noGrp="1"/>
+          </p:cNvSpPr>
+          <p:nvPr>
+            <p:ph type="ctrTitle"/>
           </p:nvPr>
         </p:nvSpPr>
         <p:spPr/>
@@ -9614,27 +6246,40 @@
           <a:p>
             <a:r>
               <a:rPr lang="en-US" dirty="0"/>
-              <a:t>Add your first bullet point here</a:t>
-            </a:r>
-          </a:p>
-          <a:p>
-            <a:r>
-              <a:rPr lang="en-US" dirty="0"/>
-              <a:t>Add your second bullet point here</a:t>
-            </a:r>
-          </a:p>
-          <a:p>
-            <a:r>
-              <a:rPr lang="en-US" dirty="0"/>
-              <a:t>Add your third bullet point here</a:t>
-            </a:r>
+              <a:t>Data Science Group Deck</a:t>
+            </a:r>
+          </a:p>
+        </p:txBody>
+      </p:sp>
+      <p:sp>
+        <p:nvSpPr>
+          <p:cNvPr id="3" name="Subtitle 2">
+            <a:extLst>
+              <a:ext uri="{FF2B5EF4-FFF2-40B4-BE49-F238E27FC236}">
+                <a16:creationId xmlns:a16="http://schemas.microsoft.com/office/drawing/2014/main" id="{AA132808-CD43-4E47-D884-E0D294B7C2AB}"/>
+              </a:ext>
+            </a:extLst>
+          </p:cNvPr>
+          <p:cNvSpPr>
+            <a:spLocks noGrp="1"/>
+          </p:cNvSpPr>
+          <p:nvPr>
+            <p:ph type="subTitle" idx="1"/>
+          </p:nvPr>
+        </p:nvSpPr>
+        <p:spPr/>
+        <p:txBody>
+          <a:bodyPr/>
+          <a:lstStyle/>
+          <a:p>
+            <a:endParaRPr lang="en-US"/>
           </a:p>
         </p:txBody>
       </p:sp>
     </p:spTree>
     <p:extLst>
       <p:ext uri="{BB962C8B-B14F-4D97-AF65-F5344CB8AC3E}">
-        <p14:creationId xmlns:p14="http://schemas.microsoft.com/office/powerpoint/2010/main" val="56685722"/>
+        <p14:creationId xmlns:p14="http://schemas.microsoft.com/office/powerpoint/2010/main" val="266467974"/>
       </p:ext>
     </p:extLst>
   </p:cSld>
@@ -9746,7 +6391,13 @@
       </p:grpSpPr>
       <p:sp>
         <p:nvSpPr>
-          <p:cNvPr id="2" name="Title 1"/>
+          <p:cNvPr id="2" name="Title 1">
+            <a:extLst>
+              <a:ext uri="{FF2B5EF4-FFF2-40B4-BE49-F238E27FC236}">
+                <a16:creationId xmlns:a16="http://schemas.microsoft.com/office/drawing/2014/main" id="{2FCD7E6A-3FD7-D3F8-9BD3-812FB90873FC}"/>
+              </a:ext>
+            </a:extLst>
+          </p:cNvPr>
           <p:cNvSpPr>
             <a:spLocks noGrp="1"/>
           </p:cNvSpPr>
@@ -9754,49 +6405,123 @@
             <p:ph type="title"/>
           </p:nvPr>
         </p:nvSpPr>
-        <p:spPr/>
-        <p:txBody>
-          <a:bodyPr>
-            <a:normAutofit/>
-          </a:bodyPr>
+        <p:spPr>
+          <a:xfrm>
+            <a:off x="457200" y="639793"/>
+            <a:ext cx="10096500" cy="947467"/>
+          </a:xfrm>
+        </p:spPr>
+        <p:txBody>
+          <a:bodyPr/>
           <a:lstStyle/>
           <a:p>
             <a:r>
               <a:rPr lang="en-US" dirty="0"/>
-              <a:t>Title and Content Layout with Chart</a:t>
-            </a:r>
-          </a:p>
-        </p:txBody>
-      </p:sp>
-      <p:graphicFrame>
-        <p:nvGraphicFramePr>
-          <p:cNvPr id="10" name="Content Placeholder 9" descr="Clustered column chart showing the values of 3 series for 4 categories"/>
-          <p:cNvGraphicFramePr>
-            <a:graphicFrameLocks noGrp="1"/>
-          </p:cNvGraphicFramePr>
+              <a:t>2017 Policy Data EDA:</a:t>
+            </a:r>
+          </a:p>
+        </p:txBody>
+      </p:sp>
+      <p:sp>
+        <p:nvSpPr>
+          <p:cNvPr id="3" name="Content Placeholder 2">
+            <a:extLst>
+              <a:ext uri="{FF2B5EF4-FFF2-40B4-BE49-F238E27FC236}">
+                <a16:creationId xmlns:a16="http://schemas.microsoft.com/office/drawing/2014/main" id="{248E8546-DBD6-7252-F007-54DD08B62CBF}"/>
+              </a:ext>
+            </a:extLst>
+          </p:cNvPr>
+          <p:cNvSpPr>
+            <a:spLocks noGrp="1"/>
+          </p:cNvSpPr>
           <p:nvPr>
             <p:ph idx="1"/>
-            <p:extLst>
-              <p:ext uri="{D42A27DB-BD31-4B8C-83A1-F6EECF244321}">
-                <p14:modId xmlns:p14="http://schemas.microsoft.com/office/powerpoint/2010/main" val="308018124"/>
-              </p:ext>
-            </p:extLst>
-          </p:nvPr>
-        </p:nvGraphicFramePr>
-        <p:xfrm>
-          <a:off x="457200" y="1825625"/>
-          <a:ext cx="10096500" cy="3778250"/>
-        </p:xfrm>
-        <a:graphic>
-          <a:graphicData uri="http://schemas.openxmlformats.org/drawingml/2006/chart">
-            <c:chart xmlns:c="http://schemas.openxmlformats.org/drawingml/2006/chart" xmlns:r="http://schemas.openxmlformats.org/officeDocument/2006/relationships" r:id="rId2"/>
-          </a:graphicData>
-        </a:graphic>
-      </p:graphicFrame>
+          </p:nvPr>
+        </p:nvSpPr>
+        <p:spPr>
+          <a:xfrm>
+            <a:off x="457199" y="1587260"/>
+            <a:ext cx="10955547" cy="4546121"/>
+          </a:xfrm>
+        </p:spPr>
+        <p:txBody>
+          <a:bodyPr/>
+          <a:lstStyle/>
+          <a:p>
+            <a:r>
+              <a:rPr lang="en-US" dirty="0"/>
+              <a:t>Total Claim Amount</a:t>
+            </a:r>
+          </a:p>
+          <a:p>
+            <a:endParaRPr lang="en-US" dirty="0"/>
+          </a:p>
+        </p:txBody>
+      </p:sp>
+      <p:pic>
+        <p:nvPicPr>
+          <p:cNvPr id="5" name="Picture 4">
+            <a:extLst>
+              <a:ext uri="{FF2B5EF4-FFF2-40B4-BE49-F238E27FC236}">
+                <a16:creationId xmlns:a16="http://schemas.microsoft.com/office/drawing/2014/main" id="{61F559D7-7D6A-F423-CF9C-DDD604FCF872}"/>
+              </a:ext>
+            </a:extLst>
+          </p:cNvPr>
+          <p:cNvPicPr>
+            <a:picLocks noChangeAspect="1"/>
+          </p:cNvPicPr>
+          <p:nvPr/>
+        </p:nvPicPr>
+        <p:blipFill>
+          <a:blip r:embed="rId2"/>
+          <a:stretch>
+            <a:fillRect/>
+          </a:stretch>
+        </p:blipFill>
+        <p:spPr>
+          <a:xfrm>
+            <a:off x="665017" y="2259265"/>
+            <a:ext cx="5223166" cy="3148922"/>
+          </a:xfrm>
+          <a:prstGeom prst="rect">
+            <a:avLst/>
+          </a:prstGeom>
+        </p:spPr>
+      </p:pic>
+      <p:pic>
+        <p:nvPicPr>
+          <p:cNvPr id="7" name="Picture 6">
+            <a:extLst>
+              <a:ext uri="{FF2B5EF4-FFF2-40B4-BE49-F238E27FC236}">
+                <a16:creationId xmlns:a16="http://schemas.microsoft.com/office/drawing/2014/main" id="{93CCBF42-330A-B662-A0F9-073475F22F31}"/>
+              </a:ext>
+            </a:extLst>
+          </p:cNvPr>
+          <p:cNvPicPr>
+            <a:picLocks noChangeAspect="1"/>
+          </p:cNvPicPr>
+          <p:nvPr/>
+        </p:nvPicPr>
+        <p:blipFill>
+          <a:blip r:embed="rId3"/>
+          <a:stretch>
+            <a:fillRect/>
+          </a:stretch>
+        </p:blipFill>
+        <p:spPr>
+          <a:xfrm>
+            <a:off x="6234546" y="2259265"/>
+            <a:ext cx="5043055" cy="3144091"/>
+          </a:xfrm>
+          <a:prstGeom prst="rect">
+            <a:avLst/>
+          </a:prstGeom>
+        </p:spPr>
+      </p:pic>
     </p:spTree>
     <p:extLst>
       <p:ext uri="{BB962C8B-B14F-4D97-AF65-F5344CB8AC3E}">
-        <p14:creationId xmlns:p14="http://schemas.microsoft.com/office/powerpoint/2010/main" val="2354372587"/>
+        <p14:creationId xmlns:p14="http://schemas.microsoft.com/office/powerpoint/2010/main" val="4256411515"/>
       </p:ext>
     </p:extLst>
   </p:cSld>
@@ -9825,7 +6550,13 @@
       </p:grpSpPr>
       <p:sp>
         <p:nvSpPr>
-          <p:cNvPr id="2" name="Title 1"/>
+          <p:cNvPr id="2" name="Title 1">
+            <a:extLst>
+              <a:ext uri="{FF2B5EF4-FFF2-40B4-BE49-F238E27FC236}">
+                <a16:creationId xmlns:a16="http://schemas.microsoft.com/office/drawing/2014/main" id="{D281814B-2642-0C7C-7A5B-F628EAEE4984}"/>
+              </a:ext>
+            </a:extLst>
+          </p:cNvPr>
           <p:cNvSpPr>
             <a:spLocks noGrp="1"/>
           </p:cNvSpPr>
@@ -9833,300 +6564,93 @@
             <p:ph type="title"/>
           </p:nvPr>
         </p:nvSpPr>
-        <p:spPr/>
+        <p:spPr>
+          <a:xfrm>
+            <a:off x="457200" y="639794"/>
+            <a:ext cx="10852030" cy="835324"/>
+          </a:xfrm>
+        </p:spPr>
         <p:txBody>
           <a:bodyPr/>
           <a:lstStyle/>
           <a:p>
             <a:r>
               <a:rPr lang="en-US" dirty="0"/>
-              <a:t>Two Content Layout with Table</a:t>
-            </a:r>
-          </a:p>
-        </p:txBody>
-      </p:sp>
-      <p:sp>
-        <p:nvSpPr>
-          <p:cNvPr id="5" name="Content Placeholder 4"/>
-          <p:cNvSpPr>
-            <a:spLocks noGrp="1"/>
-          </p:cNvSpPr>
-          <p:nvPr>
-            <p:ph sz="half" idx="1"/>
-          </p:nvPr>
-        </p:nvSpPr>
-        <p:spPr/>
+              <a:t>2017 Policy Data EDA:</a:t>
+            </a:r>
+          </a:p>
+        </p:txBody>
+      </p:sp>
+      <p:sp>
+        <p:nvSpPr>
+          <p:cNvPr id="3" name="Content Placeholder 2">
+            <a:extLst>
+              <a:ext uri="{FF2B5EF4-FFF2-40B4-BE49-F238E27FC236}">
+                <a16:creationId xmlns:a16="http://schemas.microsoft.com/office/drawing/2014/main" id="{CF68DE36-463F-4549-7183-16C619579046}"/>
+              </a:ext>
+            </a:extLst>
+          </p:cNvPr>
+          <p:cNvSpPr>
+            <a:spLocks noGrp="1"/>
+          </p:cNvSpPr>
+          <p:nvPr>
+            <p:ph idx="1"/>
+          </p:nvPr>
+        </p:nvSpPr>
+        <p:spPr>
+          <a:xfrm>
+            <a:off x="457199" y="1475118"/>
+            <a:ext cx="11084944" cy="4554746"/>
+          </a:xfrm>
+        </p:spPr>
         <p:txBody>
           <a:bodyPr/>
           <a:lstStyle/>
           <a:p>
             <a:r>
               <a:rPr lang="en-US" dirty="0"/>
-              <a:t>First bullet point here</a:t>
-            </a:r>
-          </a:p>
-          <a:p>
-            <a:r>
-              <a:rPr lang="en-US" dirty="0"/>
-              <a:t>Second bullet point here</a:t>
-            </a:r>
-          </a:p>
-          <a:p>
-            <a:r>
-              <a:rPr lang="en-US" dirty="0"/>
-              <a:t>Third bullet point here</a:t>
-            </a:r>
-          </a:p>
-        </p:txBody>
-      </p:sp>
-      <p:graphicFrame>
-        <p:nvGraphicFramePr>
-          <p:cNvPr id="9" name="Content Placeholder 8"/>
-          <p:cNvGraphicFramePr>
-            <a:graphicFrameLocks noGrp="1"/>
-          </p:cNvGraphicFramePr>
-          <p:nvPr>
-            <p:ph sz="half" idx="2"/>
-            <p:extLst>
-              <p:ext uri="{D42A27DB-BD31-4B8C-83A1-F6EECF244321}">
-                <p14:modId xmlns:p14="http://schemas.microsoft.com/office/powerpoint/2010/main" val="3705293246"/>
-              </p:ext>
-            </p:extLst>
-          </p:nvPr>
-        </p:nvGraphicFramePr>
-        <p:xfrm>
-          <a:off x="5649913" y="1825625"/>
-          <a:ext cx="4892676" cy="1981200"/>
-        </p:xfrm>
-        <a:graphic>
-          <a:graphicData uri="http://schemas.openxmlformats.org/drawingml/2006/table">
-            <a:tbl>
-              <a:tblPr firstRow="1" bandRow="1">
-                <a:tableStyleId>{B301B821-A1FF-4177-AEE7-76D212191A09}</a:tableStyleId>
-              </a:tblPr>
-              <a:tblGrid>
-                <a:gridCol w="1630892">
-                  <a:extLst>
-                    <a:ext uri="{9D8B030D-6E8A-4147-A177-3AD203B41FA5}">
-                      <a16:colId xmlns:a16="http://schemas.microsoft.com/office/drawing/2014/main" val="20000"/>
-                    </a:ext>
-                  </a:extLst>
-                </a:gridCol>
-                <a:gridCol w="1630892">
-                  <a:extLst>
-                    <a:ext uri="{9D8B030D-6E8A-4147-A177-3AD203B41FA5}">
-                      <a16:colId xmlns:a16="http://schemas.microsoft.com/office/drawing/2014/main" val="20001"/>
-                    </a:ext>
-                  </a:extLst>
-                </a:gridCol>
-                <a:gridCol w="1630892">
-                  <a:extLst>
-                    <a:ext uri="{9D8B030D-6E8A-4147-A177-3AD203B41FA5}">
-                      <a16:colId xmlns:a16="http://schemas.microsoft.com/office/drawing/2014/main" val="20002"/>
-                    </a:ext>
-                  </a:extLst>
-                </a:gridCol>
-              </a:tblGrid>
-              <a:tr h="495300">
-                <a:tc>
-                  <a:txBody>
-                    <a:bodyPr/>
-                    <a:lstStyle/>
-                    <a:p>
-                      <a:r>
-                        <a:rPr lang="en-US" dirty="0"/>
-                        <a:t>Class</a:t>
-                      </a:r>
-                    </a:p>
-                  </a:txBody>
-                  <a:tcPr marL="96249" marR="96249" anchor="ctr"/>
-                </a:tc>
-                <a:tc>
-                  <a:txBody>
-                    <a:bodyPr/>
-                    <a:lstStyle/>
-                    <a:p>
-                      <a:pPr algn="ctr"/>
-                      <a:r>
-                        <a:rPr lang="en-US" dirty="0"/>
-                        <a:t>Group A</a:t>
-                      </a:r>
-                    </a:p>
-                  </a:txBody>
-                  <a:tcPr marL="96249" marR="96249" anchor="ctr"/>
-                </a:tc>
-                <a:tc>
-                  <a:txBody>
-                    <a:bodyPr/>
-                    <a:lstStyle/>
-                    <a:p>
-                      <a:pPr algn="ctr"/>
-                      <a:r>
-                        <a:rPr lang="en-US" dirty="0"/>
-                        <a:t>Group B</a:t>
-                      </a:r>
-                    </a:p>
-                  </a:txBody>
-                  <a:tcPr marL="96249" marR="96249" anchor="ctr"/>
-                </a:tc>
-                <a:extLst>
-                  <a:ext uri="{0D108BD9-81ED-4DB2-BD59-A6C34878D82A}">
-                    <a16:rowId xmlns:a16="http://schemas.microsoft.com/office/drawing/2014/main" val="10000"/>
-                  </a:ext>
-                </a:extLst>
-              </a:tr>
-              <a:tr h="495300">
-                <a:tc>
-                  <a:txBody>
-                    <a:bodyPr/>
-                    <a:lstStyle/>
-                    <a:p>
-                      <a:r>
-                        <a:rPr lang="en-US" dirty="0"/>
-                        <a:t>Class 1</a:t>
-                      </a:r>
-                    </a:p>
-                  </a:txBody>
-                  <a:tcPr marL="96249" marR="96249" anchor="ctr"/>
-                </a:tc>
-                <a:tc>
-                  <a:txBody>
-                    <a:bodyPr/>
-                    <a:lstStyle/>
-                    <a:p>
-                      <a:pPr algn="ctr"/>
-                      <a:r>
-                        <a:rPr lang="en-US" dirty="0"/>
-                        <a:t>82</a:t>
-                      </a:r>
-                    </a:p>
-                  </a:txBody>
-                  <a:tcPr marL="96249" marR="96249" anchor="ctr"/>
-                </a:tc>
-                <a:tc>
-                  <a:txBody>
-                    <a:bodyPr/>
-                    <a:lstStyle/>
-                    <a:p>
-                      <a:pPr algn="ctr"/>
-                      <a:r>
-                        <a:rPr lang="en-US" dirty="0"/>
-                        <a:t>95</a:t>
-                      </a:r>
-                    </a:p>
-                  </a:txBody>
-                  <a:tcPr marL="96249" marR="96249" anchor="ctr"/>
-                </a:tc>
-                <a:extLst>
-                  <a:ext uri="{0D108BD9-81ED-4DB2-BD59-A6C34878D82A}">
-                    <a16:rowId xmlns:a16="http://schemas.microsoft.com/office/drawing/2014/main" val="10001"/>
-                  </a:ext>
-                </a:extLst>
-              </a:tr>
-              <a:tr h="495300">
-                <a:tc>
-                  <a:txBody>
-                    <a:bodyPr/>
-                    <a:lstStyle/>
-                    <a:p>
-                      <a:r>
-                        <a:rPr lang="en-US" dirty="0"/>
-                        <a:t>Class 2</a:t>
-                      </a:r>
-                    </a:p>
-                  </a:txBody>
-                  <a:tcPr marL="96249" marR="96249" anchor="ctr"/>
-                </a:tc>
-                <a:tc>
-                  <a:txBody>
-                    <a:bodyPr/>
-                    <a:lstStyle/>
-                    <a:p>
-                      <a:pPr algn="ctr"/>
-                      <a:r>
-                        <a:rPr lang="en-US" dirty="0"/>
-                        <a:t>76</a:t>
-                      </a:r>
-                    </a:p>
-                  </a:txBody>
-                  <a:tcPr marL="96249" marR="96249" anchor="ctr"/>
-                </a:tc>
-                <a:tc>
-                  <a:txBody>
-                    <a:bodyPr/>
-                    <a:lstStyle/>
-                    <a:p>
-                      <a:pPr algn="ctr"/>
-                      <a:r>
-                        <a:rPr lang="en-US" dirty="0"/>
-                        <a:t>88</a:t>
-                      </a:r>
-                    </a:p>
-                  </a:txBody>
-                  <a:tcPr marL="96249" marR="96249" anchor="ctr"/>
-                </a:tc>
-                <a:extLst>
-                  <a:ext uri="{0D108BD9-81ED-4DB2-BD59-A6C34878D82A}">
-                    <a16:rowId xmlns:a16="http://schemas.microsoft.com/office/drawing/2014/main" val="10002"/>
-                  </a:ext>
-                </a:extLst>
-              </a:tr>
-              <a:tr h="495300">
-                <a:tc>
-                  <a:txBody>
-                    <a:bodyPr/>
-                    <a:lstStyle/>
-                    <a:p>
-                      <a:r>
-                        <a:rPr lang="en-US" dirty="0"/>
-                        <a:t>Class 3</a:t>
-                      </a:r>
-                    </a:p>
-                  </a:txBody>
-                  <a:tcPr marL="96249" marR="96249" anchor="ctr"/>
-                </a:tc>
-                <a:tc>
-                  <a:txBody>
-                    <a:bodyPr/>
-                    <a:lstStyle/>
-                    <a:p>
-                      <a:pPr algn="ctr"/>
-                      <a:r>
-                        <a:rPr lang="en-US" dirty="0"/>
-                        <a:t>84</a:t>
-                      </a:r>
-                    </a:p>
-                  </a:txBody>
-                  <a:tcPr marL="96249" marR="96249" anchor="ctr"/>
-                </a:tc>
-                <a:tc>
-                  <a:txBody>
-                    <a:bodyPr/>
-                    <a:lstStyle/>
-                    <a:p>
-                      <a:pPr algn="ctr"/>
-                      <a:r>
-                        <a:rPr lang="en-US" dirty="0"/>
-                        <a:t>90</a:t>
-                      </a:r>
-                    </a:p>
-                  </a:txBody>
-                  <a:tcPr marL="96249" marR="96249" anchor="ctr"/>
-                </a:tc>
-                <a:extLst>
-                  <a:ext uri="{0D108BD9-81ED-4DB2-BD59-A6C34878D82A}">
-                    <a16:rowId xmlns:a16="http://schemas.microsoft.com/office/drawing/2014/main" val="10003"/>
-                  </a:ext>
-                </a:extLst>
-              </a:tr>
-            </a:tbl>
-          </a:graphicData>
-        </a:graphic>
-      </p:graphicFrame>
+              <a:t>Number of Claims (Info used to create risk categories):</a:t>
+            </a:r>
+          </a:p>
+          <a:p>
+            <a:endParaRPr lang="en-US" dirty="0"/>
+          </a:p>
+        </p:txBody>
+      </p:sp>
+      <p:pic>
+        <p:nvPicPr>
+          <p:cNvPr id="5" name="Picture 4">
+            <a:extLst>
+              <a:ext uri="{FF2B5EF4-FFF2-40B4-BE49-F238E27FC236}">
+                <a16:creationId xmlns:a16="http://schemas.microsoft.com/office/drawing/2014/main" id="{489E35C3-FC82-4B6A-FD1E-5E328630652A}"/>
+              </a:ext>
+            </a:extLst>
+          </p:cNvPr>
+          <p:cNvPicPr>
+            <a:picLocks noChangeAspect="1"/>
+          </p:cNvPicPr>
+          <p:nvPr/>
+        </p:nvPicPr>
+        <p:blipFill>
+          <a:blip r:embed="rId2"/>
+          <a:stretch>
+            <a:fillRect/>
+          </a:stretch>
+        </p:blipFill>
+        <p:spPr>
+          <a:xfrm>
+            <a:off x="2026075" y="2047947"/>
+            <a:ext cx="6868543" cy="3909508"/>
+          </a:xfrm>
+          <a:prstGeom prst="rect">
+            <a:avLst/>
+          </a:prstGeom>
+        </p:spPr>
+      </p:pic>
     </p:spTree>
     <p:extLst>
       <p:ext uri="{BB962C8B-B14F-4D97-AF65-F5344CB8AC3E}">
-        <p14:creationId xmlns:p14="http://schemas.microsoft.com/office/powerpoint/2010/main" val="3290065901"/>
+        <p14:creationId xmlns:p14="http://schemas.microsoft.com/office/powerpoint/2010/main" val="2846260871"/>
       </p:ext>
     </p:extLst>
   </p:cSld>
@@ -10155,7 +6679,13 @@
       </p:grpSpPr>
       <p:sp>
         <p:nvSpPr>
-          <p:cNvPr id="2" name="Title 1"/>
+          <p:cNvPr id="2" name="Title 1">
+            <a:extLst>
+              <a:ext uri="{FF2B5EF4-FFF2-40B4-BE49-F238E27FC236}">
+                <a16:creationId xmlns:a16="http://schemas.microsoft.com/office/drawing/2014/main" id="{1C460D5D-048E-6EF9-C0F5-A1315736A4CC}"/>
+              </a:ext>
+            </a:extLst>
+          </p:cNvPr>
           <p:cNvSpPr>
             <a:spLocks noGrp="1"/>
           </p:cNvSpPr>
@@ -10163,83 +6693,919 @@
             <p:ph type="title"/>
           </p:nvPr>
         </p:nvSpPr>
-        <p:spPr/>
-        <p:txBody>
-          <a:bodyPr>
-            <a:normAutofit/>
-          </a:bodyPr>
-          <a:lstStyle/>
-          <a:p>
-            <a:r>
-              <a:rPr lang="en-US" dirty="0"/>
-              <a:t>Two Content Layout with SmartArt</a:t>
-            </a:r>
-          </a:p>
-        </p:txBody>
-      </p:sp>
-      <p:graphicFrame>
-        <p:nvGraphicFramePr>
-          <p:cNvPr id="8" name="Content Placeholder 7" descr="Vertical Bullet List showing 3 groups arranged one below the other and bullet points are present under each group"/>
-          <p:cNvGraphicFramePr>
-            <a:graphicFrameLocks noGrp="1"/>
-          </p:cNvGraphicFramePr>
-          <p:nvPr>
-            <p:ph sz="half" idx="1"/>
-            <p:extLst>
-              <p:ext uri="{D42A27DB-BD31-4B8C-83A1-F6EECF244321}">
-                <p14:modId xmlns:p14="http://schemas.microsoft.com/office/powerpoint/2010/main" val="2147401525"/>
-              </p:ext>
-            </p:extLst>
-          </p:nvPr>
-        </p:nvGraphicFramePr>
-        <p:xfrm>
-          <a:off x="457200" y="1825625"/>
-          <a:ext cx="4892675" cy="4351338"/>
-        </p:xfrm>
-        <a:graphic>
-          <a:graphicData uri="http://schemas.openxmlformats.org/drawingml/2006/diagram">
-            <dgm:relIds xmlns:dgm="http://schemas.openxmlformats.org/drawingml/2006/diagram" xmlns:r="http://schemas.openxmlformats.org/officeDocument/2006/relationships" r:dm="rId2" r:lo="rId3" r:qs="rId4" r:cs="rId5"/>
-          </a:graphicData>
-        </a:graphic>
-      </p:graphicFrame>
-      <p:sp>
-        <p:nvSpPr>
-          <p:cNvPr id="6" name="Content Placeholder 5"/>
-          <p:cNvSpPr>
-            <a:spLocks noGrp="1"/>
-          </p:cNvSpPr>
-          <p:nvPr>
-            <p:ph sz="half" idx="2"/>
-          </p:nvPr>
-        </p:nvSpPr>
-        <p:spPr/>
+        <p:spPr>
+          <a:xfrm>
+            <a:off x="457199" y="639794"/>
+            <a:ext cx="10894291" cy="801080"/>
+          </a:xfrm>
+        </p:spPr>
         <p:txBody>
           <a:bodyPr/>
           <a:lstStyle/>
           <a:p>
             <a:r>
               <a:rPr lang="en-US" dirty="0"/>
-              <a:t>First bullet point here</a:t>
-            </a:r>
-          </a:p>
-          <a:p>
-            <a:r>
-              <a:rPr lang="en-US" dirty="0"/>
-              <a:t>Second bullet point here</a:t>
-            </a:r>
-          </a:p>
-          <a:p>
-            <a:r>
-              <a:rPr lang="en-US" dirty="0"/>
-              <a:t>Third bullet point here</a:t>
-            </a:r>
-          </a:p>
-        </p:txBody>
-      </p:sp>
+              <a:t>Gender Evaluation</a:t>
+            </a:r>
+          </a:p>
+        </p:txBody>
+      </p:sp>
+      <p:pic>
+        <p:nvPicPr>
+          <p:cNvPr id="14" name="Content Placeholder 13">
+            <a:extLst>
+              <a:ext uri="{FF2B5EF4-FFF2-40B4-BE49-F238E27FC236}">
+                <a16:creationId xmlns:a16="http://schemas.microsoft.com/office/drawing/2014/main" id="{BDD81C03-E2D6-9D58-04DB-0C6D0F1397CA}"/>
+              </a:ext>
+            </a:extLst>
+          </p:cNvPr>
+          <p:cNvPicPr>
+            <a:picLocks noGrp="1" noChangeAspect="1"/>
+          </p:cNvPicPr>
+          <p:nvPr>
+            <p:ph idx="1"/>
+          </p:nvPr>
+        </p:nvPicPr>
+        <p:blipFill>
+          <a:blip r:embed="rId2"/>
+          <a:stretch>
+            <a:fillRect/>
+          </a:stretch>
+        </p:blipFill>
+        <p:spPr>
+          <a:xfrm>
+            <a:off x="1127057" y="1597891"/>
+            <a:ext cx="4248743" cy="4139358"/>
+          </a:xfrm>
+        </p:spPr>
+      </p:pic>
+      <p:pic>
+        <p:nvPicPr>
+          <p:cNvPr id="16" name="Picture 15">
+            <a:extLst>
+              <a:ext uri="{FF2B5EF4-FFF2-40B4-BE49-F238E27FC236}">
+                <a16:creationId xmlns:a16="http://schemas.microsoft.com/office/drawing/2014/main" id="{74FAA86E-975E-3994-8573-071C1A512DCE}"/>
+              </a:ext>
+            </a:extLst>
+          </p:cNvPr>
+          <p:cNvPicPr>
+            <a:picLocks noChangeAspect="1"/>
+          </p:cNvPicPr>
+          <p:nvPr/>
+        </p:nvPicPr>
+        <p:blipFill>
+          <a:blip r:embed="rId3"/>
+          <a:stretch>
+            <a:fillRect/>
+          </a:stretch>
+        </p:blipFill>
+        <p:spPr>
+          <a:xfrm>
+            <a:off x="5564156" y="1597891"/>
+            <a:ext cx="4439270" cy="4144121"/>
+          </a:xfrm>
+          <a:prstGeom prst="rect">
+            <a:avLst/>
+          </a:prstGeom>
+        </p:spPr>
+      </p:pic>
     </p:spTree>
     <p:extLst>
       <p:ext uri="{BB962C8B-B14F-4D97-AF65-F5344CB8AC3E}">
-        <p14:creationId xmlns:p14="http://schemas.microsoft.com/office/powerpoint/2010/main" val="2638068855"/>
+        <p14:creationId xmlns:p14="http://schemas.microsoft.com/office/powerpoint/2010/main" val="1853572123"/>
+      </p:ext>
+    </p:extLst>
+  </p:cSld>
+  <p:clrMapOvr>
+    <a:masterClrMapping/>
+  </p:clrMapOvr>
+</p:sld>
+</file>
+
+<file path=ppt/slides/slide23.xml><?xml version="1.0" encoding="utf-8"?>
+<p:sld xmlns:a="http://schemas.openxmlformats.org/drawingml/2006/main" xmlns:r="http://schemas.openxmlformats.org/officeDocument/2006/relationships" xmlns:p="http://schemas.openxmlformats.org/presentationml/2006/main">
+  <p:cSld>
+    <p:spTree>
+      <p:nvGrpSpPr>
+        <p:cNvPr id="1" name=""/>
+        <p:cNvGrpSpPr/>
+        <p:nvPr/>
+      </p:nvGrpSpPr>
+      <p:grpSpPr>
+        <a:xfrm>
+          <a:off x="0" y="0"/>
+          <a:ext cx="0" cy="0"/>
+          <a:chOff x="0" y="0"/>
+          <a:chExt cx="0" cy="0"/>
+        </a:xfrm>
+      </p:grpSpPr>
+      <p:sp>
+        <p:nvSpPr>
+          <p:cNvPr id="2" name="Title 1">
+            <a:extLst>
+              <a:ext uri="{FF2B5EF4-FFF2-40B4-BE49-F238E27FC236}">
+                <a16:creationId xmlns:a16="http://schemas.microsoft.com/office/drawing/2014/main" id="{F8B78188-FA94-45C6-5B94-1E9950E8BDDF}"/>
+              </a:ext>
+            </a:extLst>
+          </p:cNvPr>
+          <p:cNvSpPr>
+            <a:spLocks noGrp="1"/>
+          </p:cNvSpPr>
+          <p:nvPr>
+            <p:ph type="title"/>
+          </p:nvPr>
+        </p:nvSpPr>
+        <p:spPr>
+          <a:xfrm>
+            <a:off x="457199" y="639793"/>
+            <a:ext cx="11060545" cy="791843"/>
+          </a:xfrm>
+        </p:spPr>
+        <p:txBody>
+          <a:bodyPr/>
+          <a:lstStyle/>
+          <a:p>
+            <a:r>
+              <a:rPr lang="en-US" dirty="0"/>
+              <a:t>Focusing on females (majority) - Low Risk</a:t>
+            </a:r>
+          </a:p>
+        </p:txBody>
+      </p:sp>
+      <p:pic>
+        <p:nvPicPr>
+          <p:cNvPr id="5" name="Content Placeholder 4">
+            <a:extLst>
+              <a:ext uri="{FF2B5EF4-FFF2-40B4-BE49-F238E27FC236}">
+                <a16:creationId xmlns:a16="http://schemas.microsoft.com/office/drawing/2014/main" id="{2AC5C0A1-C34B-BB40-FD0D-96C8A0AF1818}"/>
+              </a:ext>
+            </a:extLst>
+          </p:cNvPr>
+          <p:cNvPicPr>
+            <a:picLocks noGrp="1" noChangeAspect="1"/>
+          </p:cNvPicPr>
+          <p:nvPr>
+            <p:ph idx="1"/>
+          </p:nvPr>
+        </p:nvPicPr>
+        <p:blipFill>
+          <a:blip r:embed="rId2"/>
+          <a:stretch>
+            <a:fillRect/>
+          </a:stretch>
+        </p:blipFill>
+        <p:spPr>
+          <a:xfrm>
+            <a:off x="555301" y="1719190"/>
+            <a:ext cx="5041935" cy="3641292"/>
+          </a:xfrm>
+        </p:spPr>
+      </p:pic>
+      <p:pic>
+        <p:nvPicPr>
+          <p:cNvPr id="7" name="Picture 6">
+            <a:extLst>
+              <a:ext uri="{FF2B5EF4-FFF2-40B4-BE49-F238E27FC236}">
+                <a16:creationId xmlns:a16="http://schemas.microsoft.com/office/drawing/2014/main" id="{A6BD222F-9845-C33C-4EB3-6AD7A4C7A6B7}"/>
+              </a:ext>
+            </a:extLst>
+          </p:cNvPr>
+          <p:cNvPicPr>
+            <a:picLocks noChangeAspect="1"/>
+          </p:cNvPicPr>
+          <p:nvPr/>
+        </p:nvPicPr>
+        <p:blipFill>
+          <a:blip r:embed="rId3"/>
+          <a:stretch>
+            <a:fillRect/>
+          </a:stretch>
+        </p:blipFill>
+        <p:spPr>
+          <a:xfrm>
+            <a:off x="5879055" y="1719190"/>
+            <a:ext cx="5223054" cy="3641292"/>
+          </a:xfrm>
+          <a:prstGeom prst="rect">
+            <a:avLst/>
+          </a:prstGeom>
+        </p:spPr>
+      </p:pic>
+    </p:spTree>
+    <p:extLst>
+      <p:ext uri="{BB962C8B-B14F-4D97-AF65-F5344CB8AC3E}">
+        <p14:creationId xmlns:p14="http://schemas.microsoft.com/office/powerpoint/2010/main" val="4025147930"/>
+      </p:ext>
+    </p:extLst>
+  </p:cSld>
+  <p:clrMapOvr>
+    <a:masterClrMapping/>
+  </p:clrMapOvr>
+</p:sld>
+</file>
+
+<file path=ppt/slides/slide24.xml><?xml version="1.0" encoding="utf-8"?>
+<p:sld xmlns:a="http://schemas.openxmlformats.org/drawingml/2006/main" xmlns:r="http://schemas.openxmlformats.org/officeDocument/2006/relationships" xmlns:p="http://schemas.openxmlformats.org/presentationml/2006/main">
+  <p:cSld>
+    <p:spTree>
+      <p:nvGrpSpPr>
+        <p:cNvPr id="1" name=""/>
+        <p:cNvGrpSpPr/>
+        <p:nvPr/>
+      </p:nvGrpSpPr>
+      <p:grpSpPr>
+        <a:xfrm>
+          <a:off x="0" y="0"/>
+          <a:ext cx="0" cy="0"/>
+          <a:chOff x="0" y="0"/>
+          <a:chExt cx="0" cy="0"/>
+        </a:xfrm>
+      </p:grpSpPr>
+      <p:sp>
+        <p:nvSpPr>
+          <p:cNvPr id="2" name="Title 1">
+            <a:extLst>
+              <a:ext uri="{FF2B5EF4-FFF2-40B4-BE49-F238E27FC236}">
+                <a16:creationId xmlns:a16="http://schemas.microsoft.com/office/drawing/2014/main" id="{56F00631-B42A-A942-7BA2-36A0391C4B1A}"/>
+              </a:ext>
+            </a:extLst>
+          </p:cNvPr>
+          <p:cNvSpPr>
+            <a:spLocks noGrp="1"/>
+          </p:cNvSpPr>
+          <p:nvPr>
+            <p:ph type="title"/>
+          </p:nvPr>
+        </p:nvSpPr>
+        <p:spPr>
+          <a:xfrm>
+            <a:off x="464127" y="613913"/>
+            <a:ext cx="11263745" cy="736425"/>
+          </a:xfrm>
+        </p:spPr>
+        <p:txBody>
+          <a:bodyPr/>
+          <a:lstStyle/>
+          <a:p>
+            <a:r>
+              <a:rPr lang="en-US" dirty="0"/>
+              <a:t>Focusing on females (majority) - Low Risk</a:t>
+            </a:r>
+          </a:p>
+        </p:txBody>
+      </p:sp>
+      <p:pic>
+        <p:nvPicPr>
+          <p:cNvPr id="5" name="Content Placeholder 4">
+            <a:extLst>
+              <a:ext uri="{FF2B5EF4-FFF2-40B4-BE49-F238E27FC236}">
+                <a16:creationId xmlns:a16="http://schemas.microsoft.com/office/drawing/2014/main" id="{1DEEB738-1779-48A8-788B-52B627D02130}"/>
+              </a:ext>
+            </a:extLst>
+          </p:cNvPr>
+          <p:cNvPicPr>
+            <a:picLocks noGrp="1" noChangeAspect="1"/>
+          </p:cNvPicPr>
+          <p:nvPr>
+            <p:ph idx="1"/>
+          </p:nvPr>
+        </p:nvPicPr>
+        <p:blipFill>
+          <a:blip r:embed="rId2"/>
+          <a:stretch>
+            <a:fillRect/>
+          </a:stretch>
+        </p:blipFill>
+        <p:spPr>
+          <a:xfrm>
+            <a:off x="2544364" y="1575976"/>
+            <a:ext cx="6401229" cy="4021753"/>
+          </a:xfrm>
+        </p:spPr>
+      </p:pic>
+    </p:spTree>
+    <p:extLst>
+      <p:ext uri="{BB962C8B-B14F-4D97-AF65-F5344CB8AC3E}">
+        <p14:creationId xmlns:p14="http://schemas.microsoft.com/office/powerpoint/2010/main" val="2781436901"/>
+      </p:ext>
+    </p:extLst>
+  </p:cSld>
+  <p:clrMapOvr>
+    <a:masterClrMapping/>
+  </p:clrMapOvr>
+</p:sld>
+</file>
+
+<file path=ppt/slides/slide25.xml><?xml version="1.0" encoding="utf-8"?>
+<p:sld xmlns:a="http://schemas.openxmlformats.org/drawingml/2006/main" xmlns:r="http://schemas.openxmlformats.org/officeDocument/2006/relationships" xmlns:p="http://schemas.openxmlformats.org/presentationml/2006/main">
+  <p:cSld>
+    <p:spTree>
+      <p:nvGrpSpPr>
+        <p:cNvPr id="1" name=""/>
+        <p:cNvGrpSpPr/>
+        <p:nvPr/>
+      </p:nvGrpSpPr>
+      <p:grpSpPr>
+        <a:xfrm>
+          <a:off x="0" y="0"/>
+          <a:ext cx="0" cy="0"/>
+          <a:chOff x="0" y="0"/>
+          <a:chExt cx="0" cy="0"/>
+        </a:xfrm>
+      </p:grpSpPr>
+      <p:sp>
+        <p:nvSpPr>
+          <p:cNvPr id="2" name="Title 1">
+            <a:extLst>
+              <a:ext uri="{FF2B5EF4-FFF2-40B4-BE49-F238E27FC236}">
+                <a16:creationId xmlns:a16="http://schemas.microsoft.com/office/drawing/2014/main" id="{3077414B-7C12-CF89-1E77-CE71AEE0131B}"/>
+              </a:ext>
+            </a:extLst>
+          </p:cNvPr>
+          <p:cNvSpPr>
+            <a:spLocks noGrp="1"/>
+          </p:cNvSpPr>
+          <p:nvPr>
+            <p:ph type="title"/>
+          </p:nvPr>
+        </p:nvSpPr>
+        <p:spPr>
+          <a:xfrm>
+            <a:off x="457199" y="639794"/>
+            <a:ext cx="10826151" cy="705928"/>
+          </a:xfrm>
+        </p:spPr>
+        <p:txBody>
+          <a:bodyPr/>
+          <a:lstStyle/>
+          <a:p>
+            <a:r>
+              <a:rPr lang="en-US" dirty="0"/>
+              <a:t>Focusing on males (majority) - High Risk</a:t>
+            </a:r>
+          </a:p>
+        </p:txBody>
+      </p:sp>
+      <p:pic>
+        <p:nvPicPr>
+          <p:cNvPr id="5" name="Content Placeholder 4">
+            <a:extLst>
+              <a:ext uri="{FF2B5EF4-FFF2-40B4-BE49-F238E27FC236}">
+                <a16:creationId xmlns:a16="http://schemas.microsoft.com/office/drawing/2014/main" id="{E2F3ACC3-47E0-78FD-BE1E-0CEEFA67D94A}"/>
+              </a:ext>
+            </a:extLst>
+          </p:cNvPr>
+          <p:cNvPicPr>
+            <a:picLocks noGrp="1" noChangeAspect="1"/>
+          </p:cNvPicPr>
+          <p:nvPr>
+            <p:ph idx="1"/>
+          </p:nvPr>
+        </p:nvPicPr>
+        <p:blipFill>
+          <a:blip r:embed="rId2"/>
+          <a:stretch>
+            <a:fillRect/>
+          </a:stretch>
+        </p:blipFill>
+        <p:spPr>
+          <a:xfrm>
+            <a:off x="487194" y="1591812"/>
+            <a:ext cx="5350188" cy="3859102"/>
+          </a:xfrm>
+        </p:spPr>
+      </p:pic>
+      <p:pic>
+        <p:nvPicPr>
+          <p:cNvPr id="7" name="Picture 6">
+            <a:extLst>
+              <a:ext uri="{FF2B5EF4-FFF2-40B4-BE49-F238E27FC236}">
+                <a16:creationId xmlns:a16="http://schemas.microsoft.com/office/drawing/2014/main" id="{0980B469-4F6E-6686-8852-D15B15A74E07}"/>
+              </a:ext>
+            </a:extLst>
+          </p:cNvPr>
+          <p:cNvPicPr>
+            <a:picLocks noChangeAspect="1"/>
+          </p:cNvPicPr>
+          <p:nvPr/>
+        </p:nvPicPr>
+        <p:blipFill>
+          <a:blip r:embed="rId3"/>
+          <a:stretch>
+            <a:fillRect/>
+          </a:stretch>
+        </p:blipFill>
+        <p:spPr>
+          <a:xfrm>
+            <a:off x="6159194" y="1591812"/>
+            <a:ext cx="5545612" cy="3859103"/>
+          </a:xfrm>
+          <a:prstGeom prst="rect">
+            <a:avLst/>
+          </a:prstGeom>
+        </p:spPr>
+      </p:pic>
+    </p:spTree>
+    <p:extLst>
+      <p:ext uri="{BB962C8B-B14F-4D97-AF65-F5344CB8AC3E}">
+        <p14:creationId xmlns:p14="http://schemas.microsoft.com/office/powerpoint/2010/main" val="2851179346"/>
+      </p:ext>
+    </p:extLst>
+  </p:cSld>
+  <p:clrMapOvr>
+    <a:masterClrMapping/>
+  </p:clrMapOvr>
+</p:sld>
+</file>
+
+<file path=ppt/slides/slide26.xml><?xml version="1.0" encoding="utf-8"?>
+<p:sld xmlns:a="http://schemas.openxmlformats.org/drawingml/2006/main" xmlns:r="http://schemas.openxmlformats.org/officeDocument/2006/relationships" xmlns:p="http://schemas.openxmlformats.org/presentationml/2006/main">
+  <p:cSld>
+    <p:spTree>
+      <p:nvGrpSpPr>
+        <p:cNvPr id="1" name=""/>
+        <p:cNvGrpSpPr/>
+        <p:nvPr/>
+      </p:nvGrpSpPr>
+      <p:grpSpPr>
+        <a:xfrm>
+          <a:off x="0" y="0"/>
+          <a:ext cx="0" cy="0"/>
+          <a:chOff x="0" y="0"/>
+          <a:chExt cx="0" cy="0"/>
+        </a:xfrm>
+      </p:grpSpPr>
+      <p:sp>
+        <p:nvSpPr>
+          <p:cNvPr id="2" name="Title 1">
+            <a:extLst>
+              <a:ext uri="{FF2B5EF4-FFF2-40B4-BE49-F238E27FC236}">
+                <a16:creationId xmlns:a16="http://schemas.microsoft.com/office/drawing/2014/main" id="{DF92D068-3F7C-26C2-88E1-CEB185D6DA5D}"/>
+              </a:ext>
+            </a:extLst>
+          </p:cNvPr>
+          <p:cNvSpPr>
+            <a:spLocks noGrp="1"/>
+          </p:cNvSpPr>
+          <p:nvPr>
+            <p:ph type="title"/>
+          </p:nvPr>
+        </p:nvSpPr>
+        <p:spPr>
+          <a:xfrm>
+            <a:off x="457199" y="639793"/>
+            <a:ext cx="11197087" cy="697301"/>
+          </a:xfrm>
+        </p:spPr>
+        <p:txBody>
+          <a:bodyPr/>
+          <a:lstStyle/>
+          <a:p>
+            <a:r>
+              <a:rPr lang="en-US" dirty="0"/>
+              <a:t>Focusing on males (majority) - High Risk</a:t>
+            </a:r>
+          </a:p>
+        </p:txBody>
+      </p:sp>
+      <p:pic>
+        <p:nvPicPr>
+          <p:cNvPr id="9" name="Content Placeholder 8">
+            <a:extLst>
+              <a:ext uri="{FF2B5EF4-FFF2-40B4-BE49-F238E27FC236}">
+                <a16:creationId xmlns:a16="http://schemas.microsoft.com/office/drawing/2014/main" id="{93CE467A-B646-F33D-A717-8A6409E3FFCB}"/>
+              </a:ext>
+            </a:extLst>
+          </p:cNvPr>
+          <p:cNvPicPr>
+            <a:picLocks noGrp="1" noChangeAspect="1"/>
+          </p:cNvPicPr>
+          <p:nvPr>
+            <p:ph idx="1"/>
+          </p:nvPr>
+        </p:nvPicPr>
+        <p:blipFill>
+          <a:blip r:embed="rId2"/>
+          <a:stretch>
+            <a:fillRect/>
+          </a:stretch>
+        </p:blipFill>
+        <p:spPr>
+          <a:xfrm>
+            <a:off x="3233474" y="1606549"/>
+            <a:ext cx="5644536" cy="3787487"/>
+          </a:xfrm>
+        </p:spPr>
+      </p:pic>
+    </p:spTree>
+    <p:extLst>
+      <p:ext uri="{BB962C8B-B14F-4D97-AF65-F5344CB8AC3E}">
+        <p14:creationId xmlns:p14="http://schemas.microsoft.com/office/powerpoint/2010/main" val="4079695075"/>
+      </p:ext>
+    </p:extLst>
+  </p:cSld>
+  <p:clrMapOvr>
+    <a:masterClrMapping/>
+  </p:clrMapOvr>
+</p:sld>
+</file>
+
+<file path=ppt/slides/slide27.xml><?xml version="1.0" encoding="utf-8"?>
+<p:sld xmlns:a="http://schemas.openxmlformats.org/drawingml/2006/main" xmlns:r="http://schemas.openxmlformats.org/officeDocument/2006/relationships" xmlns:p="http://schemas.openxmlformats.org/presentationml/2006/main">
+  <p:cSld>
+    <p:spTree>
+      <p:nvGrpSpPr>
+        <p:cNvPr id="1" name=""/>
+        <p:cNvGrpSpPr/>
+        <p:nvPr/>
+      </p:nvGrpSpPr>
+      <p:grpSpPr>
+        <a:xfrm>
+          <a:off x="0" y="0"/>
+          <a:ext cx="0" cy="0"/>
+          <a:chOff x="0" y="0"/>
+          <a:chExt cx="0" cy="0"/>
+        </a:xfrm>
+      </p:grpSpPr>
+      <p:sp>
+        <p:nvSpPr>
+          <p:cNvPr id="2" name="Title 1">
+            <a:extLst>
+              <a:ext uri="{FF2B5EF4-FFF2-40B4-BE49-F238E27FC236}">
+                <a16:creationId xmlns:a16="http://schemas.microsoft.com/office/drawing/2014/main" id="{98796A30-8CE5-5B98-8490-C6B66183929F}"/>
+              </a:ext>
+            </a:extLst>
+          </p:cNvPr>
+          <p:cNvSpPr>
+            <a:spLocks noGrp="1"/>
+          </p:cNvSpPr>
+          <p:nvPr>
+            <p:ph type="title"/>
+          </p:nvPr>
+        </p:nvSpPr>
+        <p:spPr>
+          <a:xfrm>
+            <a:off x="457200" y="639794"/>
+            <a:ext cx="10912764" cy="614575"/>
+          </a:xfrm>
+        </p:spPr>
+        <p:txBody>
+          <a:bodyPr/>
+          <a:lstStyle/>
+          <a:p>
+            <a:r>
+              <a:rPr lang="en-US" dirty="0"/>
+              <a:t>Credit Score vs Total Claim Amounts</a:t>
+            </a:r>
+          </a:p>
+        </p:txBody>
+      </p:sp>
+      <p:pic>
+        <p:nvPicPr>
+          <p:cNvPr id="9" name="Content Placeholder 8">
+            <a:extLst>
+              <a:ext uri="{FF2B5EF4-FFF2-40B4-BE49-F238E27FC236}">
+                <a16:creationId xmlns:a16="http://schemas.microsoft.com/office/drawing/2014/main" id="{69061435-B030-168A-80AE-6E30F99C75DF}"/>
+              </a:ext>
+            </a:extLst>
+          </p:cNvPr>
+          <p:cNvPicPr>
+            <a:picLocks noGrp="1" noChangeAspect="1"/>
+          </p:cNvPicPr>
+          <p:nvPr>
+            <p:ph idx="1"/>
+          </p:nvPr>
+        </p:nvPicPr>
+        <p:blipFill>
+          <a:blip r:embed="rId2"/>
+          <a:stretch>
+            <a:fillRect/>
+          </a:stretch>
+        </p:blipFill>
+        <p:spPr>
+          <a:xfrm>
+            <a:off x="457200" y="1682967"/>
+            <a:ext cx="5435600" cy="3492066"/>
+          </a:xfrm>
+        </p:spPr>
+      </p:pic>
+      <p:pic>
+        <p:nvPicPr>
+          <p:cNvPr id="11" name="Picture 10">
+            <a:extLst>
+              <a:ext uri="{FF2B5EF4-FFF2-40B4-BE49-F238E27FC236}">
+                <a16:creationId xmlns:a16="http://schemas.microsoft.com/office/drawing/2014/main" id="{6A990812-3100-7C4A-45FD-EFC0940F5B47}"/>
+              </a:ext>
+            </a:extLst>
+          </p:cNvPr>
+          <p:cNvPicPr>
+            <a:picLocks noChangeAspect="1"/>
+          </p:cNvPicPr>
+          <p:nvPr/>
+        </p:nvPicPr>
+        <p:blipFill>
+          <a:blip r:embed="rId3"/>
+          <a:stretch>
+            <a:fillRect/>
+          </a:stretch>
+        </p:blipFill>
+        <p:spPr>
+          <a:xfrm>
+            <a:off x="6143975" y="1682967"/>
+            <a:ext cx="5225989" cy="3492066"/>
+          </a:xfrm>
+          <a:prstGeom prst="rect">
+            <a:avLst/>
+          </a:prstGeom>
+        </p:spPr>
+      </p:pic>
+    </p:spTree>
+    <p:extLst>
+      <p:ext uri="{BB962C8B-B14F-4D97-AF65-F5344CB8AC3E}">
+        <p14:creationId xmlns:p14="http://schemas.microsoft.com/office/powerpoint/2010/main" val="2404060174"/>
+      </p:ext>
+    </p:extLst>
+  </p:cSld>
+  <p:clrMapOvr>
+    <a:masterClrMapping/>
+  </p:clrMapOvr>
+</p:sld>
+</file>
+
+<file path=ppt/slides/slide28.xml><?xml version="1.0" encoding="utf-8"?>
+<p:sld xmlns:a="http://schemas.openxmlformats.org/drawingml/2006/main" xmlns:r="http://schemas.openxmlformats.org/officeDocument/2006/relationships" xmlns:p="http://schemas.openxmlformats.org/presentationml/2006/main">
+  <p:cSld>
+    <p:spTree>
+      <p:nvGrpSpPr>
+        <p:cNvPr id="1" name=""/>
+        <p:cNvGrpSpPr/>
+        <p:nvPr/>
+      </p:nvGrpSpPr>
+      <p:grpSpPr>
+        <a:xfrm>
+          <a:off x="0" y="0"/>
+          <a:ext cx="0" cy="0"/>
+          <a:chOff x="0" y="0"/>
+          <a:chExt cx="0" cy="0"/>
+        </a:xfrm>
+      </p:grpSpPr>
+      <p:sp>
+        <p:nvSpPr>
+          <p:cNvPr id="2" name="Title 1">
+            <a:extLst>
+              <a:ext uri="{FF2B5EF4-FFF2-40B4-BE49-F238E27FC236}">
+                <a16:creationId xmlns:a16="http://schemas.microsoft.com/office/drawing/2014/main" id="{B62FCE0A-C12F-F4F9-6E7E-89F151227D4F}"/>
+              </a:ext>
+            </a:extLst>
+          </p:cNvPr>
+          <p:cNvSpPr>
+            <a:spLocks noGrp="1"/>
+          </p:cNvSpPr>
+          <p:nvPr>
+            <p:ph type="title"/>
+          </p:nvPr>
+        </p:nvSpPr>
+        <p:spPr>
+          <a:xfrm>
+            <a:off x="457199" y="639794"/>
+            <a:ext cx="11152909" cy="745662"/>
+          </a:xfrm>
+        </p:spPr>
+        <p:txBody>
+          <a:bodyPr/>
+          <a:lstStyle/>
+          <a:p>
+            <a:r>
+              <a:rPr lang="en-US" dirty="0"/>
+              <a:t>Traffic Index vs Claim Risk Categories</a:t>
+            </a:r>
+          </a:p>
+        </p:txBody>
+      </p:sp>
+      <p:pic>
+        <p:nvPicPr>
+          <p:cNvPr id="5" name="Content Placeholder 4">
+            <a:extLst>
+              <a:ext uri="{FF2B5EF4-FFF2-40B4-BE49-F238E27FC236}">
+                <a16:creationId xmlns:a16="http://schemas.microsoft.com/office/drawing/2014/main" id="{4AB0D78B-C892-65CB-37F7-9C63E2041DCF}"/>
+              </a:ext>
+            </a:extLst>
+          </p:cNvPr>
+          <p:cNvPicPr>
+            <a:picLocks noGrp="1" noChangeAspect="1"/>
+          </p:cNvPicPr>
+          <p:nvPr>
+            <p:ph idx="1"/>
+          </p:nvPr>
+        </p:nvPicPr>
+        <p:blipFill>
+          <a:blip r:embed="rId2"/>
+          <a:stretch>
+            <a:fillRect/>
+          </a:stretch>
+        </p:blipFill>
+        <p:spPr>
+          <a:xfrm>
+            <a:off x="2476072" y="1550988"/>
+            <a:ext cx="6392365" cy="3935412"/>
+          </a:xfrm>
+        </p:spPr>
+      </p:pic>
+    </p:spTree>
+    <p:extLst>
+      <p:ext uri="{BB962C8B-B14F-4D97-AF65-F5344CB8AC3E}">
+        <p14:creationId xmlns:p14="http://schemas.microsoft.com/office/powerpoint/2010/main" val="40079428"/>
+      </p:ext>
+    </p:extLst>
+  </p:cSld>
+  <p:clrMapOvr>
+    <a:masterClrMapping/>
+  </p:clrMapOvr>
+</p:sld>
+</file>
+
+<file path=ppt/slides/slide29.xml><?xml version="1.0" encoding="utf-8"?>
+<p:sld xmlns:a="http://schemas.openxmlformats.org/drawingml/2006/main" xmlns:r="http://schemas.openxmlformats.org/officeDocument/2006/relationships" xmlns:p="http://schemas.openxmlformats.org/presentationml/2006/main">
+  <p:cSld>
+    <p:spTree>
+      <p:nvGrpSpPr>
+        <p:cNvPr id="1" name=""/>
+        <p:cNvGrpSpPr/>
+        <p:nvPr/>
+      </p:nvGrpSpPr>
+      <p:grpSpPr>
+        <a:xfrm>
+          <a:off x="0" y="0"/>
+          <a:ext cx="0" cy="0"/>
+          <a:chOff x="0" y="0"/>
+          <a:chExt cx="0" cy="0"/>
+        </a:xfrm>
+      </p:grpSpPr>
+      <p:sp>
+        <p:nvSpPr>
+          <p:cNvPr id="2" name="Title 1">
+            <a:extLst>
+              <a:ext uri="{FF2B5EF4-FFF2-40B4-BE49-F238E27FC236}">
+                <a16:creationId xmlns:a16="http://schemas.microsoft.com/office/drawing/2014/main" id="{8C465EDD-AE2C-EEB8-91B5-C20D0FD225C3}"/>
+              </a:ext>
+            </a:extLst>
+          </p:cNvPr>
+          <p:cNvSpPr>
+            <a:spLocks noGrp="1"/>
+          </p:cNvSpPr>
+          <p:nvPr>
+            <p:ph type="title"/>
+          </p:nvPr>
+        </p:nvSpPr>
+        <p:spPr>
+          <a:xfrm>
+            <a:off x="457199" y="639794"/>
+            <a:ext cx="11411081" cy="596224"/>
+          </a:xfrm>
+        </p:spPr>
+        <p:txBody>
+          <a:bodyPr>
+            <a:normAutofit fontScale="90000"/>
+          </a:bodyPr>
+          <a:lstStyle/>
+          <a:p>
+            <a:r>
+              <a:rPr lang="en-US" dirty="0"/>
+              <a:t>Vehicle Age Evaluation</a:t>
+            </a:r>
+          </a:p>
+        </p:txBody>
+      </p:sp>
+      <p:sp>
+        <p:nvSpPr>
+          <p:cNvPr id="3" name="Content Placeholder 2">
+            <a:extLst>
+              <a:ext uri="{FF2B5EF4-FFF2-40B4-BE49-F238E27FC236}">
+                <a16:creationId xmlns:a16="http://schemas.microsoft.com/office/drawing/2014/main" id="{F2FBA55F-B0C5-11A0-E0CB-4BE0FEA814BA}"/>
+              </a:ext>
+            </a:extLst>
+          </p:cNvPr>
+          <p:cNvSpPr>
+            <a:spLocks noGrp="1"/>
+          </p:cNvSpPr>
+          <p:nvPr>
+            <p:ph sz="half" idx="1"/>
+          </p:nvPr>
+        </p:nvSpPr>
+        <p:spPr>
+          <a:xfrm>
+            <a:off x="457199" y="1469346"/>
+            <a:ext cx="5350817" cy="4707617"/>
+          </a:xfrm>
+        </p:spPr>
+        <p:txBody>
+          <a:bodyPr/>
+          <a:lstStyle/>
+          <a:p>
+            <a:r>
+              <a:rPr lang="en-US" dirty="0"/>
+              <a:t>Category 3 (majority) - Low Risk</a:t>
+            </a:r>
+          </a:p>
+        </p:txBody>
+      </p:sp>
+      <p:sp>
+        <p:nvSpPr>
+          <p:cNvPr id="4" name="Content Placeholder 3">
+            <a:extLst>
+              <a:ext uri="{FF2B5EF4-FFF2-40B4-BE49-F238E27FC236}">
+                <a16:creationId xmlns:a16="http://schemas.microsoft.com/office/drawing/2014/main" id="{ED0534CC-B444-F212-E0FC-988B6FA0FBEF}"/>
+              </a:ext>
+            </a:extLst>
+          </p:cNvPr>
+          <p:cNvSpPr>
+            <a:spLocks noGrp="1"/>
+          </p:cNvSpPr>
+          <p:nvPr>
+            <p:ph sz="half" idx="2"/>
+          </p:nvPr>
+        </p:nvSpPr>
+        <p:spPr>
+          <a:xfrm>
+            <a:off x="5921528" y="1469346"/>
+            <a:ext cx="5271988" cy="4707617"/>
+          </a:xfrm>
+        </p:spPr>
+        <p:txBody>
+          <a:bodyPr/>
+          <a:lstStyle/>
+          <a:p>
+            <a:r>
+              <a:rPr lang="en-US" dirty="0"/>
+              <a:t>Category 4 (majority) - High Risk</a:t>
+            </a:r>
+          </a:p>
+        </p:txBody>
+      </p:sp>
+      <p:pic>
+        <p:nvPicPr>
+          <p:cNvPr id="6" name="Picture 5">
+            <a:extLst>
+              <a:ext uri="{FF2B5EF4-FFF2-40B4-BE49-F238E27FC236}">
+                <a16:creationId xmlns:a16="http://schemas.microsoft.com/office/drawing/2014/main" id="{02ED5AA1-4FF4-D098-12AE-6A8FF1FB551A}"/>
+              </a:ext>
+            </a:extLst>
+          </p:cNvPr>
+          <p:cNvPicPr>
+            <a:picLocks noChangeAspect="1"/>
+          </p:cNvPicPr>
+          <p:nvPr/>
+        </p:nvPicPr>
+        <p:blipFill>
+          <a:blip r:embed="rId2"/>
+          <a:stretch>
+            <a:fillRect/>
+          </a:stretch>
+        </p:blipFill>
+        <p:spPr>
+          <a:xfrm>
+            <a:off x="6096000" y="2078127"/>
+            <a:ext cx="5431076" cy="3490054"/>
+          </a:xfrm>
+          <a:prstGeom prst="rect">
+            <a:avLst/>
+          </a:prstGeom>
+        </p:spPr>
+      </p:pic>
+      <p:pic>
+        <p:nvPicPr>
+          <p:cNvPr id="8" name="Picture 7">
+            <a:extLst>
+              <a:ext uri="{FF2B5EF4-FFF2-40B4-BE49-F238E27FC236}">
+                <a16:creationId xmlns:a16="http://schemas.microsoft.com/office/drawing/2014/main" id="{973AC853-2276-98B8-B789-8CBB19E736B3}"/>
+              </a:ext>
+            </a:extLst>
+          </p:cNvPr>
+          <p:cNvPicPr>
+            <a:picLocks noChangeAspect="1"/>
+          </p:cNvPicPr>
+          <p:nvPr/>
+        </p:nvPicPr>
+        <p:blipFill>
+          <a:blip r:embed="rId3"/>
+          <a:stretch>
+            <a:fillRect/>
+          </a:stretch>
+        </p:blipFill>
+        <p:spPr>
+          <a:xfrm>
+            <a:off x="510803" y="2078127"/>
+            <a:ext cx="5297213" cy="3490054"/>
+          </a:xfrm>
+          <a:prstGeom prst="rect">
+            <a:avLst/>
+          </a:prstGeom>
+        </p:spPr>
+      </p:pic>
+    </p:spTree>
+    <p:extLst>
+      <p:ext uri="{BB962C8B-B14F-4D97-AF65-F5344CB8AC3E}">
+        <p14:creationId xmlns:p14="http://schemas.microsoft.com/office/powerpoint/2010/main" val="720308044"/>
       </p:ext>
     </p:extLst>
   </p:cSld>
@@ -10393,6 +7759,809 @@
     <p:extLst>
       <p:ext uri="{BB962C8B-B14F-4D97-AF65-F5344CB8AC3E}">
         <p14:creationId xmlns:p14="http://schemas.microsoft.com/office/powerpoint/2010/main" val="1910006596"/>
+      </p:ext>
+    </p:extLst>
+  </p:cSld>
+  <p:clrMapOvr>
+    <a:masterClrMapping/>
+  </p:clrMapOvr>
+</p:sld>
+</file>
+
+<file path=ppt/slides/slide30.xml><?xml version="1.0" encoding="utf-8"?>
+<p:sld xmlns:a="http://schemas.openxmlformats.org/drawingml/2006/main" xmlns:r="http://schemas.openxmlformats.org/officeDocument/2006/relationships" xmlns:p="http://schemas.openxmlformats.org/presentationml/2006/main">
+  <p:cSld>
+    <p:spTree>
+      <p:nvGrpSpPr>
+        <p:cNvPr id="1" name=""/>
+        <p:cNvGrpSpPr/>
+        <p:nvPr/>
+      </p:nvGrpSpPr>
+      <p:grpSpPr>
+        <a:xfrm>
+          <a:off x="0" y="0"/>
+          <a:ext cx="0" cy="0"/>
+          <a:chOff x="0" y="0"/>
+          <a:chExt cx="0" cy="0"/>
+        </a:xfrm>
+      </p:grpSpPr>
+      <p:sp>
+        <p:nvSpPr>
+          <p:cNvPr id="2" name="Title 1">
+            <a:extLst>
+              <a:ext uri="{FF2B5EF4-FFF2-40B4-BE49-F238E27FC236}">
+                <a16:creationId xmlns:a16="http://schemas.microsoft.com/office/drawing/2014/main" id="{D72130D3-5C04-3F99-74FC-6DD3A4FB50C9}"/>
+              </a:ext>
+            </a:extLst>
+          </p:cNvPr>
+          <p:cNvSpPr>
+            <a:spLocks noGrp="1"/>
+          </p:cNvSpPr>
+          <p:nvPr>
+            <p:ph type="title"/>
+          </p:nvPr>
+        </p:nvSpPr>
+        <p:spPr>
+          <a:xfrm>
+            <a:off x="397291" y="639793"/>
+            <a:ext cx="10922349" cy="709735"/>
+          </a:xfrm>
+        </p:spPr>
+        <p:txBody>
+          <a:bodyPr/>
+          <a:lstStyle/>
+          <a:p>
+            <a:r>
+              <a:rPr lang="en-US" dirty="0"/>
+              <a:t>Vehicle Value Evaluation</a:t>
+            </a:r>
+          </a:p>
+        </p:txBody>
+      </p:sp>
+      <p:pic>
+        <p:nvPicPr>
+          <p:cNvPr id="6" name="Content Placeholder 5">
+            <a:extLst>
+              <a:ext uri="{FF2B5EF4-FFF2-40B4-BE49-F238E27FC236}">
+                <a16:creationId xmlns:a16="http://schemas.microsoft.com/office/drawing/2014/main" id="{B4BB10FF-031B-56D4-E63A-CDFC5A5A3373}"/>
+              </a:ext>
+            </a:extLst>
+          </p:cNvPr>
+          <p:cNvPicPr>
+            <a:picLocks noGrp="1" noChangeAspect="1"/>
+          </p:cNvPicPr>
+          <p:nvPr>
+            <p:ph sz="half" idx="1"/>
+          </p:nvPr>
+        </p:nvPicPr>
+        <p:blipFill>
+          <a:blip r:embed="rId2"/>
+          <a:stretch>
+            <a:fillRect/>
+          </a:stretch>
+        </p:blipFill>
+        <p:spPr>
+          <a:xfrm>
+            <a:off x="457199" y="1948617"/>
+            <a:ext cx="5344511" cy="3389203"/>
+          </a:xfrm>
+        </p:spPr>
+      </p:pic>
+      <p:pic>
+        <p:nvPicPr>
+          <p:cNvPr id="8" name="Content Placeholder 7">
+            <a:extLst>
+              <a:ext uri="{FF2B5EF4-FFF2-40B4-BE49-F238E27FC236}">
+                <a16:creationId xmlns:a16="http://schemas.microsoft.com/office/drawing/2014/main" id="{59DA8EA8-26AE-9C5C-A80A-D390B3338D22}"/>
+              </a:ext>
+            </a:extLst>
+          </p:cNvPr>
+          <p:cNvPicPr>
+            <a:picLocks noGrp="1" noChangeAspect="1"/>
+          </p:cNvPicPr>
+          <p:nvPr>
+            <p:ph sz="half" idx="2"/>
+          </p:nvPr>
+        </p:nvPicPr>
+        <p:blipFill>
+          <a:blip r:embed="rId3"/>
+          <a:stretch>
+            <a:fillRect/>
+          </a:stretch>
+        </p:blipFill>
+        <p:spPr>
+          <a:xfrm>
+            <a:off x="6020467" y="1948618"/>
+            <a:ext cx="5299173" cy="3389202"/>
+          </a:xfrm>
+        </p:spPr>
+      </p:pic>
+    </p:spTree>
+    <p:extLst>
+      <p:ext uri="{BB962C8B-B14F-4D97-AF65-F5344CB8AC3E}">
+        <p14:creationId xmlns:p14="http://schemas.microsoft.com/office/powerpoint/2010/main" val="2115324088"/>
+      </p:ext>
+    </p:extLst>
+  </p:cSld>
+  <p:clrMapOvr>
+    <a:masterClrMapping/>
+  </p:clrMapOvr>
+</p:sld>
+</file>
+
+<file path=ppt/slides/slide31.xml><?xml version="1.0" encoding="utf-8"?>
+<p:sld xmlns:a="http://schemas.openxmlformats.org/drawingml/2006/main" xmlns:r="http://schemas.openxmlformats.org/officeDocument/2006/relationships" xmlns:p="http://schemas.openxmlformats.org/presentationml/2006/main">
+  <p:cSld>
+    <p:spTree>
+      <p:nvGrpSpPr>
+        <p:cNvPr id="1" name=""/>
+        <p:cNvGrpSpPr/>
+        <p:nvPr/>
+      </p:nvGrpSpPr>
+      <p:grpSpPr>
+        <a:xfrm>
+          <a:off x="0" y="0"/>
+          <a:ext cx="0" cy="0"/>
+          <a:chOff x="0" y="0"/>
+          <a:chExt cx="0" cy="0"/>
+        </a:xfrm>
+      </p:grpSpPr>
+      <p:sp>
+        <p:nvSpPr>
+          <p:cNvPr id="2" name="Title 1">
+            <a:extLst>
+              <a:ext uri="{FF2B5EF4-FFF2-40B4-BE49-F238E27FC236}">
+                <a16:creationId xmlns:a16="http://schemas.microsoft.com/office/drawing/2014/main" id="{3422CF15-844A-4440-F34B-C5B3B27C3283}"/>
+              </a:ext>
+            </a:extLst>
+          </p:cNvPr>
+          <p:cNvSpPr>
+            <a:spLocks noGrp="1"/>
+          </p:cNvSpPr>
+          <p:nvPr>
+            <p:ph type="title"/>
+          </p:nvPr>
+        </p:nvSpPr>
+        <p:spPr>
+          <a:xfrm>
+            <a:off x="457199" y="639794"/>
+            <a:ext cx="10975953" cy="684510"/>
+          </a:xfrm>
+        </p:spPr>
+        <p:txBody>
+          <a:bodyPr/>
+          <a:lstStyle/>
+          <a:p>
+            <a:r>
+              <a:rPr lang="en-US" dirty="0"/>
+              <a:t>Vehicle Value Evaluation</a:t>
+            </a:r>
+          </a:p>
+        </p:txBody>
+      </p:sp>
+      <p:pic>
+        <p:nvPicPr>
+          <p:cNvPr id="7" name="Content Placeholder 6">
+            <a:extLst>
+              <a:ext uri="{FF2B5EF4-FFF2-40B4-BE49-F238E27FC236}">
+                <a16:creationId xmlns:a16="http://schemas.microsoft.com/office/drawing/2014/main" id="{FB51D099-D7EF-B137-EFC6-6ACAE0636A16}"/>
+              </a:ext>
+            </a:extLst>
+          </p:cNvPr>
+          <p:cNvPicPr>
+            <a:picLocks noGrp="1" noChangeAspect="1"/>
+          </p:cNvPicPr>
+          <p:nvPr>
+            <p:ph idx="1"/>
+          </p:nvPr>
+        </p:nvPicPr>
+        <p:blipFill>
+          <a:blip r:embed="rId2"/>
+          <a:stretch>
+            <a:fillRect/>
+          </a:stretch>
+        </p:blipFill>
+        <p:spPr>
+          <a:xfrm>
+            <a:off x="2420154" y="1601777"/>
+            <a:ext cx="6566191" cy="4002098"/>
+          </a:xfrm>
+        </p:spPr>
+      </p:pic>
+    </p:spTree>
+    <p:extLst>
+      <p:ext uri="{BB962C8B-B14F-4D97-AF65-F5344CB8AC3E}">
+        <p14:creationId xmlns:p14="http://schemas.microsoft.com/office/powerpoint/2010/main" val="3714379268"/>
+      </p:ext>
+    </p:extLst>
+  </p:cSld>
+  <p:clrMapOvr>
+    <a:masterClrMapping/>
+  </p:clrMapOvr>
+</p:sld>
+</file>
+
+<file path=ppt/slides/slide32.xml><?xml version="1.0" encoding="utf-8"?>
+<p:sld xmlns:a="http://schemas.openxmlformats.org/drawingml/2006/main" xmlns:r="http://schemas.openxmlformats.org/officeDocument/2006/relationships" xmlns:p="http://schemas.openxmlformats.org/presentationml/2006/main">
+  <p:cSld>
+    <p:spTree>
+      <p:nvGrpSpPr>
+        <p:cNvPr id="1" name=""/>
+        <p:cNvGrpSpPr/>
+        <p:nvPr/>
+      </p:nvGrpSpPr>
+      <p:grpSpPr>
+        <a:xfrm>
+          <a:off x="0" y="0"/>
+          <a:ext cx="0" cy="0"/>
+          <a:chOff x="0" y="0"/>
+          <a:chExt cx="0" cy="0"/>
+        </a:xfrm>
+      </p:grpSpPr>
+      <p:sp>
+        <p:nvSpPr>
+          <p:cNvPr id="2" name="Title 1">
+            <a:extLst>
+              <a:ext uri="{FF2B5EF4-FFF2-40B4-BE49-F238E27FC236}">
+                <a16:creationId xmlns:a16="http://schemas.microsoft.com/office/drawing/2014/main" id="{DC83FB2E-82E2-3F19-A148-4F45CAAB45F5}"/>
+              </a:ext>
+            </a:extLst>
+          </p:cNvPr>
+          <p:cNvSpPr>
+            <a:spLocks noGrp="1"/>
+          </p:cNvSpPr>
+          <p:nvPr>
+            <p:ph type="title"/>
+          </p:nvPr>
+        </p:nvSpPr>
+        <p:spPr>
+          <a:xfrm>
+            <a:off x="457200" y="639794"/>
+            <a:ext cx="10938116" cy="558386"/>
+          </a:xfrm>
+        </p:spPr>
+        <p:txBody>
+          <a:bodyPr>
+            <a:normAutofit fontScale="90000"/>
+          </a:bodyPr>
+          <a:lstStyle/>
+          <a:p>
+            <a:r>
+              <a:rPr lang="en-US" dirty="0"/>
+              <a:t>2018 Data Evaluation: Groups Identification</a:t>
+            </a:r>
+          </a:p>
+        </p:txBody>
+      </p:sp>
+      <p:pic>
+        <p:nvPicPr>
+          <p:cNvPr id="8" name="Content Placeholder 7">
+            <a:extLst>
+              <a:ext uri="{FF2B5EF4-FFF2-40B4-BE49-F238E27FC236}">
+                <a16:creationId xmlns:a16="http://schemas.microsoft.com/office/drawing/2014/main" id="{B7E8D79C-4E05-72A5-0789-BA1612294FD2}"/>
+              </a:ext>
+            </a:extLst>
+          </p:cNvPr>
+          <p:cNvPicPr>
+            <a:picLocks noGrp="1" noChangeAspect="1"/>
+          </p:cNvPicPr>
+          <p:nvPr>
+            <p:ph sz="half" idx="2"/>
+          </p:nvPr>
+        </p:nvPicPr>
+        <p:blipFill>
+          <a:blip r:embed="rId2"/>
+          <a:stretch>
+            <a:fillRect/>
+          </a:stretch>
+        </p:blipFill>
+        <p:spPr>
+          <a:xfrm>
+            <a:off x="6154738" y="1415722"/>
+            <a:ext cx="5398383" cy="4473237"/>
+          </a:xfrm>
+        </p:spPr>
+      </p:pic>
+      <p:pic>
+        <p:nvPicPr>
+          <p:cNvPr id="7" name="Content Placeholder 6">
+            <a:extLst>
+              <a:ext uri="{FF2B5EF4-FFF2-40B4-BE49-F238E27FC236}">
+                <a16:creationId xmlns:a16="http://schemas.microsoft.com/office/drawing/2014/main" id="{71886395-26D6-C3E9-74DB-5A017D29B3F5}"/>
+              </a:ext>
+            </a:extLst>
+          </p:cNvPr>
+          <p:cNvPicPr>
+            <a:picLocks noGrp="1" noChangeAspect="1"/>
+          </p:cNvPicPr>
+          <p:nvPr>
+            <p:ph sz="half" idx="1"/>
+          </p:nvPr>
+        </p:nvPicPr>
+        <p:blipFill>
+          <a:blip r:embed="rId3"/>
+          <a:stretch>
+            <a:fillRect/>
+          </a:stretch>
+        </p:blipFill>
+        <p:spPr>
+          <a:xfrm>
+            <a:off x="457200" y="1415722"/>
+            <a:ext cx="5483247" cy="4436905"/>
+          </a:xfrm>
+        </p:spPr>
+      </p:pic>
+    </p:spTree>
+    <p:extLst>
+      <p:ext uri="{BB962C8B-B14F-4D97-AF65-F5344CB8AC3E}">
+        <p14:creationId xmlns:p14="http://schemas.microsoft.com/office/powerpoint/2010/main" val="2418853691"/>
+      </p:ext>
+    </p:extLst>
+  </p:cSld>
+  <p:clrMapOvr>
+    <a:masterClrMapping/>
+  </p:clrMapOvr>
+</p:sld>
+</file>
+
+<file path=ppt/slides/slide33.xml><?xml version="1.0" encoding="utf-8"?>
+<p:sld xmlns:a="http://schemas.openxmlformats.org/drawingml/2006/main" xmlns:r="http://schemas.openxmlformats.org/officeDocument/2006/relationships" xmlns:p="http://schemas.openxmlformats.org/presentationml/2006/main">
+  <p:cSld>
+    <p:spTree>
+      <p:nvGrpSpPr>
+        <p:cNvPr id="1" name=""/>
+        <p:cNvGrpSpPr/>
+        <p:nvPr/>
+      </p:nvGrpSpPr>
+      <p:grpSpPr>
+        <a:xfrm>
+          <a:off x="0" y="0"/>
+          <a:ext cx="0" cy="0"/>
+          <a:chOff x="0" y="0"/>
+          <a:chExt cx="0" cy="0"/>
+        </a:xfrm>
+      </p:grpSpPr>
+      <p:sp>
+        <p:nvSpPr>
+          <p:cNvPr id="13" name="Title 12"/>
+          <p:cNvSpPr>
+            <a:spLocks noGrp="1"/>
+          </p:cNvSpPr>
+          <p:nvPr>
+            <p:ph type="title"/>
+          </p:nvPr>
+        </p:nvSpPr>
+        <p:spPr>
+          <a:xfrm>
+            <a:off x="378373" y="564119"/>
+            <a:ext cx="11370090" cy="665592"/>
+          </a:xfrm>
+        </p:spPr>
+        <p:txBody>
+          <a:bodyPr>
+            <a:normAutofit/>
+          </a:bodyPr>
+          <a:lstStyle/>
+          <a:p>
+            <a:r>
+              <a:rPr lang="en-US" dirty="0"/>
+              <a:t>Study Findings</a:t>
+            </a:r>
+          </a:p>
+        </p:txBody>
+      </p:sp>
+      <p:sp>
+        <p:nvSpPr>
+          <p:cNvPr id="14" name="Content Placeholder 13"/>
+          <p:cNvSpPr>
+            <a:spLocks noGrp="1"/>
+          </p:cNvSpPr>
+          <p:nvPr>
+            <p:ph idx="1"/>
+          </p:nvPr>
+        </p:nvSpPr>
+        <p:spPr>
+          <a:xfrm>
+            <a:off x="457199" y="1229712"/>
+            <a:ext cx="10654337" cy="4780104"/>
+          </a:xfrm>
+        </p:spPr>
+        <p:txBody>
+          <a:bodyPr/>
+          <a:lstStyle/>
+          <a:p>
+            <a:r>
+              <a:rPr lang="en-US" dirty="0"/>
+              <a:t>Policies of vehicles of lower value are at high claim risk.</a:t>
+            </a:r>
+          </a:p>
+          <a:p>
+            <a:r>
+              <a:rPr lang="en-US" dirty="0"/>
+              <a:t>Worse the credit score; the higher the claim amount.</a:t>
+            </a:r>
+          </a:p>
+        </p:txBody>
+      </p:sp>
+      <p:graphicFrame>
+        <p:nvGraphicFramePr>
+          <p:cNvPr id="2" name="Table 2">
+            <a:extLst>
+              <a:ext uri="{FF2B5EF4-FFF2-40B4-BE49-F238E27FC236}">
+                <a16:creationId xmlns:a16="http://schemas.microsoft.com/office/drawing/2014/main" id="{8DAA0695-5981-DBC5-5368-24959474CEB6}"/>
+              </a:ext>
+            </a:extLst>
+          </p:cNvPr>
+          <p:cNvGraphicFramePr>
+            <a:graphicFrameLocks noGrp="1"/>
+          </p:cNvGraphicFramePr>
+          <p:nvPr/>
+        </p:nvGraphicFramePr>
+        <p:xfrm>
+          <a:off x="589627" y="2367806"/>
+          <a:ext cx="10282274" cy="2849880"/>
+        </p:xfrm>
+        <a:graphic>
+          <a:graphicData uri="http://schemas.openxmlformats.org/drawingml/2006/table">
+            <a:tbl>
+              <a:tblPr firstRow="1" bandRow="1">
+                <a:tableStyleId>{5C22544A-7EE6-4342-B048-85BDC9FD1C3A}</a:tableStyleId>
+              </a:tblPr>
+              <a:tblGrid>
+                <a:gridCol w="5141137">
+                  <a:extLst>
+                    <a:ext uri="{9D8B030D-6E8A-4147-A177-3AD203B41FA5}">
+                      <a16:colId xmlns:a16="http://schemas.microsoft.com/office/drawing/2014/main" val="430597126"/>
+                    </a:ext>
+                  </a:extLst>
+                </a:gridCol>
+                <a:gridCol w="5141137">
+                  <a:extLst>
+                    <a:ext uri="{9D8B030D-6E8A-4147-A177-3AD203B41FA5}">
+                      <a16:colId xmlns:a16="http://schemas.microsoft.com/office/drawing/2014/main" val="673604816"/>
+                    </a:ext>
+                  </a:extLst>
+                </a:gridCol>
+              </a:tblGrid>
+              <a:tr h="370840">
+                <a:tc>
+                  <a:txBody>
+                    <a:bodyPr/>
+                    <a:lstStyle/>
+                    <a:p>
+                      <a:pPr algn="l"/>
+                      <a:r>
+                        <a:rPr lang="en-US" dirty="0"/>
+                        <a:t>Low Risk Group</a:t>
+                      </a:r>
+                    </a:p>
+                  </a:txBody>
+                  <a:tcPr/>
+                </a:tc>
+                <a:tc>
+                  <a:txBody>
+                    <a:bodyPr/>
+                    <a:lstStyle/>
+                    <a:p>
+                      <a:pPr algn="l"/>
+                      <a:r>
+                        <a:rPr lang="en-US" dirty="0"/>
+                        <a:t>High Risk Group</a:t>
+                      </a:r>
+                    </a:p>
+                  </a:txBody>
+                  <a:tcPr/>
+                </a:tc>
+                <a:extLst>
+                  <a:ext uri="{0D108BD9-81ED-4DB2-BD59-A6C34878D82A}">
+                    <a16:rowId xmlns:a16="http://schemas.microsoft.com/office/drawing/2014/main" val="1687351232"/>
+                  </a:ext>
+                </a:extLst>
+              </a:tr>
+              <a:tr h="172662">
+                <a:tc>
+                  <a:txBody>
+                    <a:bodyPr/>
+                    <a:lstStyle/>
+                    <a:p>
+                      <a:pPr algn="l"/>
+                      <a:r>
+                        <a:rPr lang="en-US" dirty="0"/>
+                        <a:t>Female population:</a:t>
+                      </a:r>
+                    </a:p>
+                    <a:p>
+                      <a:pPr marL="742950" lvl="1" indent="-285750" algn="l">
+                        <a:buFont typeface="Arial" panose="020B0604020202020204" pitchFamily="34" charset="0"/>
+                        <a:buChar char="•"/>
+                      </a:pPr>
+                      <a:r>
+                        <a:rPr lang="en-US" dirty="0"/>
+                        <a:t>Second oldest Age Category</a:t>
+                      </a:r>
+                    </a:p>
+                    <a:p>
+                      <a:pPr marL="742950" lvl="1" indent="-285750" algn="l">
+                        <a:buFont typeface="Arial" panose="020B0604020202020204" pitchFamily="34" charset="0"/>
+                        <a:buChar char="•"/>
+                      </a:pPr>
+                      <a:r>
+                        <a:rPr lang="en-US" dirty="0"/>
+                        <a:t>Living in Area E</a:t>
+                      </a:r>
+                    </a:p>
+                    <a:p>
+                      <a:pPr marL="742950" lvl="1" indent="-285750" algn="l">
+                        <a:buFont typeface="Arial" panose="020B0604020202020204" pitchFamily="34" charset="0"/>
+                        <a:buChar char="•"/>
+                      </a:pPr>
+                      <a:r>
+                        <a:rPr lang="en-US" dirty="0"/>
+                        <a:t>Driving a Minibus</a:t>
+                      </a:r>
+                    </a:p>
+                    <a:p>
+                      <a:pPr marL="742950" lvl="1" indent="-285750" algn="l">
+                        <a:buFont typeface="Arial" panose="020B0604020202020204" pitchFamily="34" charset="0"/>
+                        <a:buChar char="•"/>
+                      </a:pPr>
+                      <a:r>
+                        <a:rPr lang="en-US" dirty="0"/>
+                        <a:t>With an Excellent credit score</a:t>
+                      </a:r>
+                    </a:p>
+                    <a:p>
+                      <a:pPr marL="742950" lvl="1" indent="-285750" algn="l">
+                        <a:buFont typeface="Arial" panose="020B0604020202020204" pitchFamily="34" charset="0"/>
+                        <a:buChar char="•"/>
+                      </a:pPr>
+                      <a:endParaRPr lang="en-US" dirty="0"/>
+                    </a:p>
+                  </a:txBody>
+                  <a:tcPr/>
+                </a:tc>
+                <a:tc>
+                  <a:txBody>
+                    <a:bodyPr/>
+                    <a:lstStyle/>
+                    <a:p>
+                      <a:pPr marL="0" marR="0" lvl="0" indent="0" algn="l" defTabSz="914400" rtl="0" eaLnBrk="1" fontAlgn="auto" latinLnBrk="0" hangingPunct="1">
+                        <a:lnSpc>
+                          <a:spcPct val="100000"/>
+                        </a:lnSpc>
+                        <a:spcBef>
+                          <a:spcPts val="0"/>
+                        </a:spcBef>
+                        <a:spcAft>
+                          <a:spcPts val="0"/>
+                        </a:spcAft>
+                        <a:buClrTx/>
+                        <a:buSzTx/>
+                        <a:buFontTx/>
+                        <a:buNone/>
+                        <a:tabLst/>
+                        <a:defRPr/>
+                      </a:pPr>
+                      <a:r>
+                        <a:rPr lang="en-US" dirty="0"/>
+                        <a:t>Male population:</a:t>
+                      </a:r>
+                    </a:p>
+                    <a:p>
+                      <a:pPr marL="742950" marR="0" lvl="1" indent="-285750" algn="l" defTabSz="914400" rtl="0" eaLnBrk="1" fontAlgn="auto" latinLnBrk="0" hangingPunct="1">
+                        <a:lnSpc>
+                          <a:spcPct val="100000"/>
+                        </a:lnSpc>
+                        <a:spcBef>
+                          <a:spcPts val="0"/>
+                        </a:spcBef>
+                        <a:spcAft>
+                          <a:spcPts val="0"/>
+                        </a:spcAft>
+                        <a:buClrTx/>
+                        <a:buSzTx/>
+                        <a:buFont typeface="Arial" panose="020B0604020202020204" pitchFamily="34" charset="0"/>
+                        <a:buChar char="•"/>
+                        <a:tabLst/>
+                        <a:defRPr/>
+                      </a:pPr>
+                      <a:r>
+                        <a:rPr lang="en-US" dirty="0"/>
+                        <a:t>Second oldest Age Category</a:t>
+                      </a:r>
+                    </a:p>
+                    <a:p>
+                      <a:pPr marL="742950" marR="0" lvl="1" indent="-285750" algn="l" defTabSz="914400" rtl="0" eaLnBrk="1" fontAlgn="auto" latinLnBrk="0" hangingPunct="1">
+                        <a:lnSpc>
+                          <a:spcPct val="100000"/>
+                        </a:lnSpc>
+                        <a:spcBef>
+                          <a:spcPts val="0"/>
+                        </a:spcBef>
+                        <a:spcAft>
+                          <a:spcPts val="0"/>
+                        </a:spcAft>
+                        <a:buClrTx/>
+                        <a:buSzTx/>
+                        <a:buFont typeface="Arial" panose="020B0604020202020204" pitchFamily="34" charset="0"/>
+                        <a:buChar char="•"/>
+                        <a:tabLst/>
+                        <a:defRPr/>
+                      </a:pPr>
+                      <a:r>
+                        <a:rPr lang="en-US" dirty="0"/>
+                        <a:t>Living in Area D</a:t>
+                      </a:r>
+                    </a:p>
+                    <a:p>
+                      <a:pPr marL="742950" marR="0" lvl="1" indent="-285750" algn="l" defTabSz="914400" rtl="0" eaLnBrk="1" fontAlgn="auto" latinLnBrk="0" hangingPunct="1">
+                        <a:lnSpc>
+                          <a:spcPct val="100000"/>
+                        </a:lnSpc>
+                        <a:spcBef>
+                          <a:spcPts val="0"/>
+                        </a:spcBef>
+                        <a:spcAft>
+                          <a:spcPts val="0"/>
+                        </a:spcAft>
+                        <a:buClrTx/>
+                        <a:buSzTx/>
+                        <a:buFont typeface="Arial" panose="020B0604020202020204" pitchFamily="34" charset="0"/>
+                        <a:buChar char="•"/>
+                        <a:tabLst/>
+                        <a:defRPr/>
+                      </a:pPr>
+                      <a:r>
+                        <a:rPr lang="en-US" dirty="0"/>
+                        <a:t>Driving a Utility Vehicle</a:t>
+                      </a:r>
+                    </a:p>
+                    <a:p>
+                      <a:pPr marL="742950" marR="0" lvl="1" indent="-285750" algn="l" defTabSz="914400" rtl="0" eaLnBrk="1" fontAlgn="auto" latinLnBrk="0" hangingPunct="1">
+                        <a:lnSpc>
+                          <a:spcPct val="100000"/>
+                        </a:lnSpc>
+                        <a:spcBef>
+                          <a:spcPts val="0"/>
+                        </a:spcBef>
+                        <a:spcAft>
+                          <a:spcPts val="0"/>
+                        </a:spcAft>
+                        <a:buClrTx/>
+                        <a:buSzTx/>
+                        <a:buFont typeface="Arial" panose="020B0604020202020204" pitchFamily="34" charset="0"/>
+                        <a:buChar char="•"/>
+                        <a:tabLst/>
+                        <a:defRPr/>
+                      </a:pPr>
+                      <a:r>
+                        <a:rPr lang="en-US" dirty="0"/>
+                        <a:t>With an Excellent credit score</a:t>
+                      </a:r>
+                    </a:p>
+                    <a:p>
+                      <a:pPr algn="l"/>
+                      <a:endParaRPr lang="en-US" dirty="0"/>
+                    </a:p>
+                  </a:txBody>
+                  <a:tcPr/>
+                </a:tc>
+                <a:extLst>
+                  <a:ext uri="{0D108BD9-81ED-4DB2-BD59-A6C34878D82A}">
+                    <a16:rowId xmlns:a16="http://schemas.microsoft.com/office/drawing/2014/main" val="2809548538"/>
+                  </a:ext>
+                </a:extLst>
+              </a:tr>
+              <a:tr h="370840">
+                <a:tc>
+                  <a:txBody>
+                    <a:bodyPr/>
+                    <a:lstStyle/>
+                    <a:p>
+                      <a:pPr algn="l"/>
+                      <a:r>
+                        <a:rPr lang="en-US" dirty="0"/>
+                        <a:t>Policies with vehicle age category 3</a:t>
+                      </a:r>
+                    </a:p>
+                  </a:txBody>
+                  <a:tcPr/>
+                </a:tc>
+                <a:tc>
+                  <a:txBody>
+                    <a:bodyPr/>
+                    <a:lstStyle/>
+                    <a:p>
+                      <a:pPr marL="0" marR="0" lvl="0" indent="0" algn="l" defTabSz="914400" rtl="0" eaLnBrk="1" fontAlgn="auto" latinLnBrk="0" hangingPunct="1">
+                        <a:lnSpc>
+                          <a:spcPct val="100000"/>
+                        </a:lnSpc>
+                        <a:spcBef>
+                          <a:spcPts val="0"/>
+                        </a:spcBef>
+                        <a:spcAft>
+                          <a:spcPts val="0"/>
+                        </a:spcAft>
+                        <a:buClrTx/>
+                        <a:buSzTx/>
+                        <a:buFontTx/>
+                        <a:buNone/>
+                        <a:tabLst/>
+                        <a:defRPr/>
+                      </a:pPr>
+                      <a:r>
+                        <a:rPr lang="en-US" dirty="0"/>
+                        <a:t>Policies with vehicle age category 4</a:t>
+                      </a:r>
+                    </a:p>
+                  </a:txBody>
+                  <a:tcPr/>
+                </a:tc>
+                <a:extLst>
+                  <a:ext uri="{0D108BD9-81ED-4DB2-BD59-A6C34878D82A}">
+                    <a16:rowId xmlns:a16="http://schemas.microsoft.com/office/drawing/2014/main" val="2711297666"/>
+                  </a:ext>
+                </a:extLst>
+              </a:tr>
+              <a:tr h="370840">
+                <a:tc>
+                  <a:txBody>
+                    <a:bodyPr/>
+                    <a:lstStyle/>
+                    <a:p>
+                      <a:pPr marL="0" marR="0" lvl="0" indent="0" algn="l" defTabSz="914400" rtl="0" eaLnBrk="1" fontAlgn="auto" latinLnBrk="0" hangingPunct="1">
+                        <a:lnSpc>
+                          <a:spcPct val="100000"/>
+                        </a:lnSpc>
+                        <a:spcBef>
+                          <a:spcPts val="0"/>
+                        </a:spcBef>
+                        <a:spcAft>
+                          <a:spcPts val="0"/>
+                        </a:spcAft>
+                        <a:buClrTx/>
+                        <a:buSzTx/>
+                        <a:buFontTx/>
+                        <a:buNone/>
+                        <a:tabLst/>
+                        <a:defRPr/>
+                      </a:pPr>
+                      <a:r>
+                        <a:rPr lang="en-US" dirty="0"/>
+                        <a:t>Areas with slightly lower than median traffic index.</a:t>
+                      </a:r>
+                    </a:p>
+                  </a:txBody>
+                  <a:tcPr/>
+                </a:tc>
+                <a:tc>
+                  <a:txBody>
+                    <a:bodyPr/>
+                    <a:lstStyle/>
+                    <a:p>
+                      <a:pPr algn="l"/>
+                      <a:r>
+                        <a:rPr lang="en-US" dirty="0"/>
+                        <a:t>Areas with slightly higher than median traffic index.</a:t>
+                      </a:r>
+                    </a:p>
+                  </a:txBody>
+                  <a:tcPr/>
+                </a:tc>
+                <a:extLst>
+                  <a:ext uri="{0D108BD9-81ED-4DB2-BD59-A6C34878D82A}">
+                    <a16:rowId xmlns:a16="http://schemas.microsoft.com/office/drawing/2014/main" val="1661099300"/>
+                  </a:ext>
+                </a:extLst>
+              </a:tr>
+            </a:tbl>
+          </a:graphicData>
+        </a:graphic>
+      </p:graphicFrame>
+    </p:spTree>
+    <p:extLst>
+      <p:ext uri="{BB962C8B-B14F-4D97-AF65-F5344CB8AC3E}">
+        <p14:creationId xmlns:p14="http://schemas.microsoft.com/office/powerpoint/2010/main" val="1490446760"/>
       </p:ext>
     </p:extLst>
   </p:cSld>
@@ -10982,7 +9151,7 @@
           <p:cNvPr id="2" name="Title 1">
             <a:extLst>
               <a:ext uri="{FF2B5EF4-FFF2-40B4-BE49-F238E27FC236}">
-                <a16:creationId xmlns:a16="http://schemas.microsoft.com/office/drawing/2014/main" id="{DC83FB2E-82E2-3F19-A148-4F45CAAB45F5}"/>
+                <a16:creationId xmlns:a16="http://schemas.microsoft.com/office/drawing/2014/main" id="{F8B78188-FA94-45C6-5B94-1E9950E8BDDF}"/>
               </a:ext>
             </a:extLst>
           </p:cNvPr>
@@ -10995,29 +9164,27 @@
         </p:nvSpPr>
         <p:spPr>
           <a:xfrm>
-            <a:off x="457200" y="639794"/>
-            <a:ext cx="10938116" cy="558386"/>
-          </a:xfrm>
-        </p:spPr>
-        <p:txBody>
-          <a:bodyPr>
-            <a:normAutofit fontScale="90000"/>
-          </a:bodyPr>
+            <a:off x="457199" y="639793"/>
+            <a:ext cx="11060545" cy="791843"/>
+          </a:xfrm>
+        </p:spPr>
+        <p:txBody>
+          <a:bodyPr/>
           <a:lstStyle/>
           <a:p>
             <a:r>
               <a:rPr lang="en-US" dirty="0"/>
-              <a:t>2018 Data Evaluation: Groups Identification</a:t>
+              <a:t>Focusing on females (majority) - Low Risk</a:t>
             </a:r>
           </a:p>
         </p:txBody>
       </p:sp>
       <p:pic>
         <p:nvPicPr>
-          <p:cNvPr id="6" name="Content Placeholder 5">
+          <p:cNvPr id="5" name="Content Placeholder 4">
             <a:extLst>
               <a:ext uri="{FF2B5EF4-FFF2-40B4-BE49-F238E27FC236}">
-                <a16:creationId xmlns:a16="http://schemas.microsoft.com/office/drawing/2014/main" id="{05FE0625-6D0E-61A1-2106-D8FF4575D341}"/>
+                <a16:creationId xmlns:a16="http://schemas.microsoft.com/office/drawing/2014/main" id="{2AC5C0A1-C34B-BB40-FD0D-96C8A0AF1818}"/>
               </a:ext>
             </a:extLst>
           </p:cNvPr>
@@ -11025,7 +9192,7 @@
             <a:picLocks noGrp="1" noChangeAspect="1"/>
           </p:cNvPicPr>
           <p:nvPr>
-            <p:ph sz="half" idx="1"/>
+            <p:ph idx="1"/>
           </p:nvPr>
         </p:nvPicPr>
         <p:blipFill>
@@ -11036,26 +9203,24 @@
         </p:blipFill>
         <p:spPr>
           <a:xfrm>
-            <a:off x="457200" y="1415722"/>
-            <a:ext cx="5483225" cy="4473238"/>
+            <a:off x="555301" y="1719190"/>
+            <a:ext cx="5041935" cy="3641292"/>
           </a:xfrm>
         </p:spPr>
       </p:pic>
       <p:pic>
         <p:nvPicPr>
-          <p:cNvPr id="8" name="Content Placeholder 7">
+          <p:cNvPr id="7" name="Picture 6">
             <a:extLst>
               <a:ext uri="{FF2B5EF4-FFF2-40B4-BE49-F238E27FC236}">
-                <a16:creationId xmlns:a16="http://schemas.microsoft.com/office/drawing/2014/main" id="{B7E8D79C-4E05-72A5-0789-BA1612294FD2}"/>
+                <a16:creationId xmlns:a16="http://schemas.microsoft.com/office/drawing/2014/main" id="{A6BD222F-9845-C33C-4EB3-6AD7A4C7A6B7}"/>
               </a:ext>
             </a:extLst>
           </p:cNvPr>
           <p:cNvPicPr>
-            <a:picLocks noGrp="1" noChangeAspect="1"/>
+            <a:picLocks noChangeAspect="1"/>
           </p:cNvPicPr>
-          <p:nvPr>
-            <p:ph sz="half" idx="2"/>
-          </p:nvPr>
+          <p:nvPr/>
         </p:nvPicPr>
         <p:blipFill>
           <a:blip r:embed="rId3"/>
@@ -11065,15 +9230,18 @@
         </p:blipFill>
         <p:spPr>
           <a:xfrm>
-            <a:off x="6154738" y="1415722"/>
-            <a:ext cx="5398383" cy="4473237"/>
-          </a:xfrm>
+            <a:off x="5879055" y="1719190"/>
+            <a:ext cx="5223054" cy="3641292"/>
+          </a:xfrm>
+          <a:prstGeom prst="rect">
+            <a:avLst/>
+          </a:prstGeom>
         </p:spPr>
       </p:pic>
     </p:spTree>
     <p:extLst>
       <p:ext uri="{BB962C8B-B14F-4D97-AF65-F5344CB8AC3E}">
-        <p14:creationId xmlns:p14="http://schemas.microsoft.com/office/powerpoint/2010/main" val="3942198401"/>
+        <p14:creationId xmlns:p14="http://schemas.microsoft.com/office/powerpoint/2010/main" val="3896641491"/>
       </p:ext>
     </p:extLst>
   </p:cSld>
@@ -11105,7 +9273,7 @@
           <p:cNvPr id="2" name="Title 1">
             <a:extLst>
               <a:ext uri="{FF2B5EF4-FFF2-40B4-BE49-F238E27FC236}">
-                <a16:creationId xmlns:a16="http://schemas.microsoft.com/office/drawing/2014/main" id="{F8B78188-FA94-45C6-5B94-1E9950E8BDDF}"/>
+                <a16:creationId xmlns:a16="http://schemas.microsoft.com/office/drawing/2014/main" id="{56F00631-B42A-A942-7BA2-36A0391C4B1A}"/>
               </a:ext>
             </a:extLst>
           </p:cNvPr>
@@ -11118,8 +9286,8 @@
         </p:nvSpPr>
         <p:spPr>
           <a:xfrm>
-            <a:off x="457199" y="639793"/>
-            <a:ext cx="11060545" cy="791843"/>
+            <a:off x="464127" y="613913"/>
+            <a:ext cx="11263745" cy="736425"/>
           </a:xfrm>
         </p:spPr>
         <p:txBody>
@@ -11138,7 +9306,7 @@
           <p:cNvPr id="5" name="Content Placeholder 4">
             <a:extLst>
               <a:ext uri="{FF2B5EF4-FFF2-40B4-BE49-F238E27FC236}">
-                <a16:creationId xmlns:a16="http://schemas.microsoft.com/office/drawing/2014/main" id="{2AC5C0A1-C34B-BB40-FD0D-96C8A0AF1818}"/>
+                <a16:creationId xmlns:a16="http://schemas.microsoft.com/office/drawing/2014/main" id="{1DEEB738-1779-48A8-788B-52B627D02130}"/>
               </a:ext>
             </a:extLst>
           </p:cNvPr>
@@ -11157,45 +9325,15 @@
         </p:blipFill>
         <p:spPr>
           <a:xfrm>
-            <a:off x="555301" y="1719190"/>
-            <a:ext cx="5041935" cy="3641292"/>
-          </a:xfrm>
-        </p:spPr>
-      </p:pic>
-      <p:pic>
-        <p:nvPicPr>
-          <p:cNvPr id="7" name="Picture 6">
-            <a:extLst>
-              <a:ext uri="{FF2B5EF4-FFF2-40B4-BE49-F238E27FC236}">
-                <a16:creationId xmlns:a16="http://schemas.microsoft.com/office/drawing/2014/main" id="{A6BD222F-9845-C33C-4EB3-6AD7A4C7A6B7}"/>
-              </a:ext>
-            </a:extLst>
-          </p:cNvPr>
-          <p:cNvPicPr>
-            <a:picLocks noChangeAspect="1"/>
-          </p:cNvPicPr>
-          <p:nvPr/>
-        </p:nvPicPr>
-        <p:blipFill>
-          <a:blip r:embed="rId3"/>
-          <a:stretch>
-            <a:fillRect/>
-          </a:stretch>
-        </p:blipFill>
-        <p:spPr>
-          <a:xfrm>
-            <a:off x="5879055" y="1719190"/>
-            <a:ext cx="5223054" cy="3641292"/>
-          </a:xfrm>
-          <a:prstGeom prst="rect">
-            <a:avLst/>
-          </a:prstGeom>
+            <a:off x="2544364" y="1575976"/>
+            <a:ext cx="6401229" cy="4021753"/>
+          </a:xfrm>
         </p:spPr>
       </p:pic>
     </p:spTree>
     <p:extLst>
       <p:ext uri="{BB962C8B-B14F-4D97-AF65-F5344CB8AC3E}">
-        <p14:creationId xmlns:p14="http://schemas.microsoft.com/office/powerpoint/2010/main" val="3896641491"/>
+        <p14:creationId xmlns:p14="http://schemas.microsoft.com/office/powerpoint/2010/main" val="540596863"/>
       </p:ext>
     </p:extLst>
   </p:cSld>
@@ -12054,15 +10192,6 @@
 </file>
 
 <file path=customXml/item1.xml><?xml version="1.0" encoding="utf-8"?>
-<?mso-contentType ?>
-<FormTemplates xmlns="http://schemas.microsoft.com/sharepoint/v3/contenttype/forms">
-  <Display>DocumentLibraryForm</Display>
-  <Edit>DocumentLibraryForm</Edit>
-  <New>DocumentLibraryForm</New>
-</FormTemplates>
-</file>
-
-<file path=customXml/item2.xml><?xml version="1.0" encoding="utf-8"?>
 <ct:contentTypeSchema xmlns:ct="http://schemas.microsoft.com/office/2006/metadata/contentType" xmlns:ma="http://schemas.microsoft.com/office/2006/metadata/properties/metaAttributes" ct:_="" ma:_="" ma:contentTypeName="Document" ma:contentTypeID="0x010100AA3F7D94069FF64A86F7DFF56D60E3BE" ma:contentTypeVersion="6" ma:contentTypeDescription="Create a new document." ma:contentTypeScope="" ma:versionID="c32302c77d4085ecf495bdddb7f5e889">
   <xsd:schema xmlns:xsd="http://www.w3.org/2001/XMLSchema" xmlns:xs="http://www.w3.org/2001/XMLSchema" xmlns:p="http://schemas.microsoft.com/office/2006/metadata/properties" xmlns:ns2="a4f35948-e619-41b3-aa29-22878b09cfd2" xmlns:ns3="40262f94-9f35-4ac3-9a90-690165a166b7" targetNamespace="http://schemas.microsoft.com/office/2006/metadata/properties" ma:root="true" ma:fieldsID="4ab5ae46be95f9d0be6107e8200be7a2" ns2:_="" ns3:_="">
     <xsd:import namespace="a4f35948-e619-41b3-aa29-22878b09cfd2"/>
@@ -12243,6 +10372,15 @@
 </ct:contentTypeSchema>
 </file>
 
+<file path=customXml/item2.xml><?xml version="1.0" encoding="utf-8"?>
+<?mso-contentType ?>
+<FormTemplates xmlns="http://schemas.microsoft.com/sharepoint/v3/contenttype/forms">
+  <Display>DocumentLibraryForm</Display>
+  <Edit>DocumentLibraryForm</Edit>
+  <New>DocumentLibraryForm</New>
+</FormTemplates>
+</file>
+
 <file path=customXml/item3.xml><?xml version="1.0" encoding="utf-8"?>
 <p:properties xmlns:p="http://schemas.microsoft.com/office/2006/metadata/properties" xmlns:xsi="http://www.w3.org/2001/XMLSchema-instance" xmlns:pc="http://schemas.microsoft.com/office/infopath/2007/PartnerControls">
   <documentManagement>
@@ -12255,14 +10393,6 @@
 </file>
 
 <file path=customXml/itemProps1.xml><?xml version="1.0" encoding="utf-8"?>
-<ds:datastoreItem xmlns:ds="http://schemas.openxmlformats.org/officeDocument/2006/customXml" ds:itemID="{05EEE0F9-7BC9-4998-8617-7CC115AD97E2}">
-  <ds:schemaRefs>
-    <ds:schemaRef ds:uri="http://schemas.microsoft.com/sharepoint/v3/contenttype/forms"/>
-  </ds:schemaRefs>
-</ds:datastoreItem>
-</file>
-
-<file path=customXml/itemProps2.xml><?xml version="1.0" encoding="utf-8"?>
 <ds:datastoreItem xmlns:ds="http://schemas.openxmlformats.org/officeDocument/2006/customXml" ds:itemID="{4BEBB951-DE64-4CB8-9E1C-184A357AD7FD}">
   <ds:schemaRefs>
     <ds:schemaRef ds:uri="http://schemas.microsoft.com/office/2006/metadata/contentType"/>
@@ -12277,6 +10407,14 @@
     <ds:schemaRef ds:uri="http://purl.org/dc/elements/1.1/"/>
     <ds:schemaRef ds:uri="http://purl.org/dc/terms/"/>
     <ds:schemaRef ds:uri="http://schemas.microsoft.com/internal/obd"/>
+  </ds:schemaRefs>
+</ds:datastoreItem>
+</file>
+
+<file path=customXml/itemProps2.xml><?xml version="1.0" encoding="utf-8"?>
+<ds:datastoreItem xmlns:ds="http://schemas.openxmlformats.org/officeDocument/2006/customXml" ds:itemID="{05EEE0F9-7BC9-4998-8617-7CC115AD97E2}">
+  <ds:schemaRefs>
+    <ds:schemaRef ds:uri="http://schemas.microsoft.com/sharepoint/v3/contenttype/forms"/>
   </ds:schemaRefs>
 </ds:datastoreItem>
 </file>

--- a/Insurance_Case_Study_Results_SVA.pptx
+++ b/Insurance_Case_Study_Results_SVA.pptx
@@ -5,10 +5,10 @@
     <p:sldMasterId id="2147483660" r:id="rId4"/>
   </p:sldMasterIdLst>
   <p:notesMasterIdLst>
-    <p:notesMasterId r:id="rId38"/>
+    <p:notesMasterId r:id="rId46"/>
   </p:notesMasterIdLst>
   <p:handoutMasterIdLst>
-    <p:handoutMasterId r:id="rId39"/>
+    <p:handoutMasterId r:id="rId47"/>
   </p:handoutMasterIdLst>
   <p:sldIdLst>
     <p:sldId id="257" r:id="rId5"/>
@@ -29,21 +29,29 @@
     <p:sldId id="278" r:id="rId20"/>
     <p:sldId id="279" r:id="rId21"/>
     <p:sldId id="258" r:id="rId22"/>
-    <p:sldId id="263" r:id="rId23"/>
-    <p:sldId id="280" r:id="rId24"/>
-    <p:sldId id="281" r:id="rId25"/>
-    <p:sldId id="282" r:id="rId26"/>
-    <p:sldId id="283" r:id="rId27"/>
-    <p:sldId id="284" r:id="rId28"/>
-    <p:sldId id="285" r:id="rId29"/>
-    <p:sldId id="286" r:id="rId30"/>
-    <p:sldId id="287" r:id="rId31"/>
-    <p:sldId id="288" r:id="rId32"/>
-    <p:sldId id="289" r:id="rId33"/>
-    <p:sldId id="290" r:id="rId34"/>
-    <p:sldId id="291" r:id="rId35"/>
-    <p:sldId id="292" r:id="rId36"/>
-    <p:sldId id="293" r:id="rId37"/>
+    <p:sldId id="302" r:id="rId23"/>
+    <p:sldId id="263" r:id="rId24"/>
+    <p:sldId id="294" r:id="rId25"/>
+    <p:sldId id="295" r:id="rId26"/>
+    <p:sldId id="297" r:id="rId27"/>
+    <p:sldId id="280" r:id="rId28"/>
+    <p:sldId id="281" r:id="rId29"/>
+    <p:sldId id="282" r:id="rId30"/>
+    <p:sldId id="283" r:id="rId31"/>
+    <p:sldId id="284" r:id="rId32"/>
+    <p:sldId id="285" r:id="rId33"/>
+    <p:sldId id="286" r:id="rId34"/>
+    <p:sldId id="287" r:id="rId35"/>
+    <p:sldId id="288" r:id="rId36"/>
+    <p:sldId id="289" r:id="rId37"/>
+    <p:sldId id="290" r:id="rId38"/>
+    <p:sldId id="291" r:id="rId39"/>
+    <p:sldId id="292" r:id="rId40"/>
+    <p:sldId id="298" r:id="rId41"/>
+    <p:sldId id="299" r:id="rId42"/>
+    <p:sldId id="300" r:id="rId43"/>
+    <p:sldId id="293" r:id="rId44"/>
+    <p:sldId id="301" r:id="rId45"/>
   </p:sldIdLst>
   <p:sldSz cx="12192000" cy="6858000"/>
   <p:notesSz cx="6858000" cy="9144000"/>
@@ -156,7 +164,7 @@
 <file path=ppt/revisionInfo.xml><?xml version="1.0" encoding="utf-8"?>
 <p1510:revInfo xmlns:a="http://schemas.openxmlformats.org/drawingml/2006/main" xmlns:r="http://schemas.openxmlformats.org/officeDocument/2006/relationships" xmlns:p1510="http://schemas.microsoft.com/office/powerpoint/2015/10/main">
   <p1510:revLst>
-    <p1510:client id="{A0CD336C-AD28-4552-9F36-59B3F770B0F0}" v="8" dt="2022-09-10T20:02:54.915"/>
+    <p1510:client id="{A0CD336C-AD28-4552-9F36-59B3F770B0F0}" v="24" dt="2022-09-11T17:47:13.917"/>
   </p1510:revLst>
 </p1510:revInfo>
 </file>
@@ -166,7 +174,7 @@
   <pc:docChgLst>
     <pc:chgData name="Suhita Acharya" userId="043aa87a21745673" providerId="LiveId" clId="{A0CD336C-AD28-4552-9F36-59B3F770B0F0}"/>
     <pc:docChg chg="custSel addSld delSld modSld sldOrd">
-      <pc:chgData name="Suhita Acharya" userId="043aa87a21745673" providerId="LiveId" clId="{A0CD336C-AD28-4552-9F36-59B3F770B0F0}" dt="2022-09-10T20:02:54.915" v="1956"/>
+      <pc:chgData name="Suhita Acharya" userId="043aa87a21745673" providerId="LiveId" clId="{A0CD336C-AD28-4552-9F36-59B3F770B0F0}" dt="2022-09-11T17:59:10.876" v="3081" actId="478"/>
       <pc:docMkLst>
         <pc:docMk/>
       </pc:docMkLst>
@@ -984,6 +992,301 @@
           <pc:sldMk cId="1490446760" sldId="293"/>
         </pc:sldMkLst>
       </pc:sldChg>
+      <pc:sldChg chg="modSp new mod">
+        <pc:chgData name="Suhita Acharya" userId="043aa87a21745673" providerId="LiveId" clId="{A0CD336C-AD28-4552-9F36-59B3F770B0F0}" dt="2022-09-11T16:49:20.449" v="2052" actId="2710"/>
+        <pc:sldMkLst>
+          <pc:docMk/>
+          <pc:sldMk cId="2110200801" sldId="294"/>
+        </pc:sldMkLst>
+        <pc:spChg chg="mod">
+          <ac:chgData name="Suhita Acharya" userId="043aa87a21745673" providerId="LiveId" clId="{A0CD336C-AD28-4552-9F36-59B3F770B0F0}" dt="2022-09-11T16:45:34.897" v="2000" actId="20577"/>
+          <ac:spMkLst>
+            <pc:docMk/>
+            <pc:sldMk cId="2110200801" sldId="294"/>
+            <ac:spMk id="2" creationId="{13432DF8-2346-7132-3534-76394A0D4C66}"/>
+          </ac:spMkLst>
+        </pc:spChg>
+        <pc:spChg chg="mod">
+          <ac:chgData name="Suhita Acharya" userId="043aa87a21745673" providerId="LiveId" clId="{A0CD336C-AD28-4552-9F36-59B3F770B0F0}" dt="2022-09-11T16:49:20.449" v="2052" actId="2710"/>
+          <ac:spMkLst>
+            <pc:docMk/>
+            <pc:sldMk cId="2110200801" sldId="294"/>
+            <ac:spMk id="3" creationId="{107C4BDF-CC6C-A440-CF95-FC7692CB4A29}"/>
+          </ac:spMkLst>
+        </pc:spChg>
+      </pc:sldChg>
+      <pc:sldChg chg="addSp modSp new mod">
+        <pc:chgData name="Suhita Acharya" userId="043aa87a21745673" providerId="LiveId" clId="{A0CD336C-AD28-4552-9F36-59B3F770B0F0}" dt="2022-09-11T17:17:53.129" v="2352" actId="20577"/>
+        <pc:sldMkLst>
+          <pc:docMk/>
+          <pc:sldMk cId="4212388084" sldId="295"/>
+        </pc:sldMkLst>
+        <pc:spChg chg="mod">
+          <ac:chgData name="Suhita Acharya" userId="043aa87a21745673" providerId="LiveId" clId="{A0CD336C-AD28-4552-9F36-59B3F770B0F0}" dt="2022-09-11T17:03:31.174" v="2285" actId="14100"/>
+          <ac:spMkLst>
+            <pc:docMk/>
+            <pc:sldMk cId="4212388084" sldId="295"/>
+            <ac:spMk id="2" creationId="{B75C27B2-5400-2CFE-4E42-30D13889F78D}"/>
+          </ac:spMkLst>
+        </pc:spChg>
+        <pc:spChg chg="mod">
+          <ac:chgData name="Suhita Acharya" userId="043aa87a21745673" providerId="LiveId" clId="{A0CD336C-AD28-4552-9F36-59B3F770B0F0}" dt="2022-09-11T17:17:53.129" v="2352" actId="20577"/>
+          <ac:spMkLst>
+            <pc:docMk/>
+            <pc:sldMk cId="4212388084" sldId="295"/>
+            <ac:spMk id="3" creationId="{EEDCD462-B133-10CC-E29D-7F577E266F20}"/>
+          </ac:spMkLst>
+        </pc:spChg>
+        <pc:picChg chg="add mod">
+          <ac:chgData name="Suhita Acharya" userId="043aa87a21745673" providerId="LiveId" clId="{A0CD336C-AD28-4552-9F36-59B3F770B0F0}" dt="2022-09-11T17:03:37.356" v="2287" actId="14100"/>
+          <ac:picMkLst>
+            <pc:docMk/>
+            <pc:sldMk cId="4212388084" sldId="295"/>
+            <ac:picMk id="5" creationId="{853E6314-C625-74C1-206E-634834C77D26}"/>
+          </ac:picMkLst>
+        </pc:picChg>
+      </pc:sldChg>
+      <pc:sldChg chg="modSp new del mod">
+        <pc:chgData name="Suhita Acharya" userId="043aa87a21745673" providerId="LiveId" clId="{A0CD336C-AD28-4552-9F36-59B3F770B0F0}" dt="2022-09-11T17:30:05.477" v="2443" actId="47"/>
+        <pc:sldMkLst>
+          <pc:docMk/>
+          <pc:sldMk cId="2841004088" sldId="296"/>
+        </pc:sldMkLst>
+        <pc:spChg chg="mod">
+          <ac:chgData name="Suhita Acharya" userId="043aa87a21745673" providerId="LiveId" clId="{A0CD336C-AD28-4552-9F36-59B3F770B0F0}" dt="2022-09-11T17:18:58.994" v="2389" actId="20577"/>
+          <ac:spMkLst>
+            <pc:docMk/>
+            <pc:sldMk cId="2841004088" sldId="296"/>
+            <ac:spMk id="2" creationId="{D737A4AF-9F98-D4F1-2BC8-9E3019607665}"/>
+          </ac:spMkLst>
+        </pc:spChg>
+        <pc:spChg chg="mod">
+          <ac:chgData name="Suhita Acharya" userId="043aa87a21745673" providerId="LiveId" clId="{A0CD336C-AD28-4552-9F36-59B3F770B0F0}" dt="2022-09-11T17:18:43.452" v="2357" actId="14100"/>
+          <ac:spMkLst>
+            <pc:docMk/>
+            <pc:sldMk cId="2841004088" sldId="296"/>
+            <ac:spMk id="3" creationId="{7FF85304-98D0-FCED-943A-BFA7FD06DB54}"/>
+          </ac:spMkLst>
+        </pc:spChg>
+      </pc:sldChg>
+      <pc:sldChg chg="addSp delSp modSp new mod">
+        <pc:chgData name="Suhita Acharya" userId="043aa87a21745673" providerId="LiveId" clId="{A0CD336C-AD28-4552-9F36-59B3F770B0F0}" dt="2022-09-11T17:48:12.053" v="2963" actId="14100"/>
+        <pc:sldMkLst>
+          <pc:docMk/>
+          <pc:sldMk cId="426430643" sldId="297"/>
+        </pc:sldMkLst>
+        <pc:spChg chg="mod">
+          <ac:chgData name="Suhita Acharya" userId="043aa87a21745673" providerId="LiveId" clId="{A0CD336C-AD28-4552-9F36-59B3F770B0F0}" dt="2022-09-11T17:19:56.454" v="2394" actId="14100"/>
+          <ac:spMkLst>
+            <pc:docMk/>
+            <pc:sldMk cId="426430643" sldId="297"/>
+            <ac:spMk id="2" creationId="{AF7FD989-EED0-A8A7-3962-041B413BF2C2}"/>
+          </ac:spMkLst>
+        </pc:spChg>
+        <pc:spChg chg="mod">
+          <ac:chgData name="Suhita Acharya" userId="043aa87a21745673" providerId="LiveId" clId="{A0CD336C-AD28-4552-9F36-59B3F770B0F0}" dt="2022-09-11T17:47:46.218" v="2961"/>
+          <ac:spMkLst>
+            <pc:docMk/>
+            <pc:sldMk cId="426430643" sldId="297"/>
+            <ac:spMk id="3" creationId="{57B70DDF-D61E-7F41-5C4A-868E6030EB46}"/>
+          </ac:spMkLst>
+        </pc:spChg>
+        <pc:spChg chg="mod">
+          <ac:chgData name="Suhita Acharya" userId="043aa87a21745673" providerId="LiveId" clId="{A0CD336C-AD28-4552-9F36-59B3F770B0F0}" dt="2022-09-11T17:48:12.053" v="2963" actId="14100"/>
+          <ac:spMkLst>
+            <pc:docMk/>
+            <pc:sldMk cId="426430643" sldId="297"/>
+            <ac:spMk id="4" creationId="{2C1DC268-F79E-F52F-1FBC-A1F620BD8128}"/>
+          </ac:spMkLst>
+        </pc:spChg>
+        <pc:spChg chg="add del">
+          <ac:chgData name="Suhita Acharya" userId="043aa87a21745673" providerId="LiveId" clId="{A0CD336C-AD28-4552-9F36-59B3F770B0F0}" dt="2022-09-11T17:31:55.166" v="2445"/>
+          <ac:spMkLst>
+            <pc:docMk/>
+            <pc:sldMk cId="426430643" sldId="297"/>
+            <ac:spMk id="5" creationId="{E6B6474F-88FD-8671-DE18-5BB57A5BF433}"/>
+          </ac:spMkLst>
+        </pc:spChg>
+        <pc:spChg chg="add del">
+          <ac:chgData name="Suhita Acharya" userId="043aa87a21745673" providerId="LiveId" clId="{A0CD336C-AD28-4552-9F36-59B3F770B0F0}" dt="2022-09-11T17:45:20.940" v="2924"/>
+          <ac:spMkLst>
+            <pc:docMk/>
+            <pc:sldMk cId="426430643" sldId="297"/>
+            <ac:spMk id="6" creationId="{EF0CEBF1-4FEB-C40B-C097-05923525A780}"/>
+          </ac:spMkLst>
+        </pc:spChg>
+        <pc:spChg chg="add del">
+          <ac:chgData name="Suhita Acharya" userId="043aa87a21745673" providerId="LiveId" clId="{A0CD336C-AD28-4552-9F36-59B3F770B0F0}" dt="2022-09-11T17:46:01.085" v="2939"/>
+          <ac:spMkLst>
+            <pc:docMk/>
+            <pc:sldMk cId="426430643" sldId="297"/>
+            <ac:spMk id="7" creationId="{BA01EBCC-DEB5-4785-2FB6-26859AFD401F}"/>
+          </ac:spMkLst>
+        </pc:spChg>
+        <pc:spChg chg="add del">
+          <ac:chgData name="Suhita Acharya" userId="043aa87a21745673" providerId="LiveId" clId="{A0CD336C-AD28-4552-9F36-59B3F770B0F0}" dt="2022-09-11T17:46:28.997" v="2946"/>
+          <ac:spMkLst>
+            <pc:docMk/>
+            <pc:sldMk cId="426430643" sldId="297"/>
+            <ac:spMk id="8" creationId="{56E2169A-5B17-4247-88F2-8AF4FDE47F35}"/>
+          </ac:spMkLst>
+        </pc:spChg>
+      </pc:sldChg>
+      <pc:sldChg chg="addSp delSp modSp new mod">
+        <pc:chgData name="Suhita Acharya" userId="043aa87a21745673" providerId="LiveId" clId="{A0CD336C-AD28-4552-9F36-59B3F770B0F0}" dt="2022-09-11T17:51:25.479" v="2996" actId="14100"/>
+        <pc:sldMkLst>
+          <pc:docMk/>
+          <pc:sldMk cId="390363813" sldId="298"/>
+        </pc:sldMkLst>
+        <pc:spChg chg="mod">
+          <ac:chgData name="Suhita Acharya" userId="043aa87a21745673" providerId="LiveId" clId="{A0CD336C-AD28-4552-9F36-59B3F770B0F0}" dt="2022-09-11T17:49:21.469" v="2985" actId="14100"/>
+          <ac:spMkLst>
+            <pc:docMk/>
+            <pc:sldMk cId="390363813" sldId="298"/>
+            <ac:spMk id="2" creationId="{EAC04FA7-568E-D2B5-D519-A0D2FC58FC6F}"/>
+          </ac:spMkLst>
+        </pc:spChg>
+        <pc:spChg chg="del mod">
+          <ac:chgData name="Suhita Acharya" userId="043aa87a21745673" providerId="LiveId" clId="{A0CD336C-AD28-4552-9F36-59B3F770B0F0}" dt="2022-09-11T17:50:08.996" v="2988" actId="22"/>
+          <ac:spMkLst>
+            <pc:docMk/>
+            <pc:sldMk cId="390363813" sldId="298"/>
+            <ac:spMk id="3" creationId="{A95DF344-9732-6AEC-F3FA-41E73C8EC511}"/>
+          </ac:spMkLst>
+        </pc:spChg>
+        <pc:picChg chg="add mod ord">
+          <ac:chgData name="Suhita Acharya" userId="043aa87a21745673" providerId="LiveId" clId="{A0CD336C-AD28-4552-9F36-59B3F770B0F0}" dt="2022-09-11T17:51:22.945" v="2995" actId="14100"/>
+          <ac:picMkLst>
+            <pc:docMk/>
+            <pc:sldMk cId="390363813" sldId="298"/>
+            <ac:picMk id="5" creationId="{7033CAB6-D4D8-3744-A0B8-1DF1FDDC3CD3}"/>
+          </ac:picMkLst>
+        </pc:picChg>
+        <pc:picChg chg="add mod">
+          <ac:chgData name="Suhita Acharya" userId="043aa87a21745673" providerId="LiveId" clId="{A0CD336C-AD28-4552-9F36-59B3F770B0F0}" dt="2022-09-11T17:51:25.479" v="2996" actId="14100"/>
+          <ac:picMkLst>
+            <pc:docMk/>
+            <pc:sldMk cId="390363813" sldId="298"/>
+            <ac:picMk id="7" creationId="{A9B4F161-9361-819C-FA02-6F6B89DEAC04}"/>
+          </ac:picMkLst>
+        </pc:picChg>
+      </pc:sldChg>
+      <pc:sldChg chg="addSp delSp modSp new mod">
+        <pc:chgData name="Suhita Acharya" userId="043aa87a21745673" providerId="LiveId" clId="{A0CD336C-AD28-4552-9F36-59B3F770B0F0}" dt="2022-09-11T17:54:53.802" v="3011" actId="14100"/>
+        <pc:sldMkLst>
+          <pc:docMk/>
+          <pc:sldMk cId="4146596824" sldId="299"/>
+        </pc:sldMkLst>
+        <pc:spChg chg="mod">
+          <ac:chgData name="Suhita Acharya" userId="043aa87a21745673" providerId="LiveId" clId="{A0CD336C-AD28-4552-9F36-59B3F770B0F0}" dt="2022-09-11T17:53:17.419" v="3006"/>
+          <ac:spMkLst>
+            <pc:docMk/>
+            <pc:sldMk cId="4146596824" sldId="299"/>
+            <ac:spMk id="2" creationId="{E066C3B8-9836-08DE-B4C0-D5E87B4831B3}"/>
+          </ac:spMkLst>
+        </pc:spChg>
+        <pc:spChg chg="del mod">
+          <ac:chgData name="Suhita Acharya" userId="043aa87a21745673" providerId="LiveId" clId="{A0CD336C-AD28-4552-9F36-59B3F770B0F0}" dt="2022-09-11T17:53:01.078" v="3002" actId="22"/>
+          <ac:spMkLst>
+            <pc:docMk/>
+            <pc:sldMk cId="4146596824" sldId="299"/>
+            <ac:spMk id="3" creationId="{956717B5-9A0A-A0BE-C860-D6B47F474365}"/>
+          </ac:spMkLst>
+        </pc:spChg>
+        <pc:picChg chg="add mod ord">
+          <ac:chgData name="Suhita Acharya" userId="043aa87a21745673" providerId="LiveId" clId="{A0CD336C-AD28-4552-9F36-59B3F770B0F0}" dt="2022-09-11T17:53:19.712" v="3007" actId="14100"/>
+          <ac:picMkLst>
+            <pc:docMk/>
+            <pc:sldMk cId="4146596824" sldId="299"/>
+            <ac:picMk id="5" creationId="{48081990-0C19-13E8-776F-B105CC797E9C}"/>
+          </ac:picMkLst>
+        </pc:picChg>
+        <pc:picChg chg="add mod">
+          <ac:chgData name="Suhita Acharya" userId="043aa87a21745673" providerId="LiveId" clId="{A0CD336C-AD28-4552-9F36-59B3F770B0F0}" dt="2022-09-11T17:54:53.802" v="3011" actId="14100"/>
+          <ac:picMkLst>
+            <pc:docMk/>
+            <pc:sldMk cId="4146596824" sldId="299"/>
+            <ac:picMk id="7" creationId="{7BA8FF47-6B21-B8AF-469A-156A5A0A72C9}"/>
+          </ac:picMkLst>
+        </pc:picChg>
+      </pc:sldChg>
+      <pc:sldChg chg="addSp delSp modSp new mod">
+        <pc:chgData name="Suhita Acharya" userId="043aa87a21745673" providerId="LiveId" clId="{A0CD336C-AD28-4552-9F36-59B3F770B0F0}" dt="2022-09-11T17:57:58.930" v="3055" actId="14100"/>
+        <pc:sldMkLst>
+          <pc:docMk/>
+          <pc:sldMk cId="3972118626" sldId="300"/>
+        </pc:sldMkLst>
+        <pc:spChg chg="mod">
+          <ac:chgData name="Suhita Acharya" userId="043aa87a21745673" providerId="LiveId" clId="{A0CD336C-AD28-4552-9F36-59B3F770B0F0}" dt="2022-09-11T17:56:27.026" v="3051" actId="20577"/>
+          <ac:spMkLst>
+            <pc:docMk/>
+            <pc:sldMk cId="3972118626" sldId="300"/>
+            <ac:spMk id="2" creationId="{66849788-F7F3-8325-402F-CD7A9E398682}"/>
+          </ac:spMkLst>
+        </pc:spChg>
+        <pc:spChg chg="del mod">
+          <ac:chgData name="Suhita Acharya" userId="043aa87a21745673" providerId="LiveId" clId="{A0CD336C-AD28-4552-9F36-59B3F770B0F0}" dt="2022-09-11T17:57:29.798" v="3052" actId="22"/>
+          <ac:spMkLst>
+            <pc:docMk/>
+            <pc:sldMk cId="3972118626" sldId="300"/>
+            <ac:spMk id="3" creationId="{50D3C6C1-24A4-5134-8446-0BDDAB80FE1C}"/>
+          </ac:spMkLst>
+        </pc:spChg>
+        <pc:picChg chg="add mod ord">
+          <ac:chgData name="Suhita Acharya" userId="043aa87a21745673" providerId="LiveId" clId="{A0CD336C-AD28-4552-9F36-59B3F770B0F0}" dt="2022-09-11T17:57:58.930" v="3055" actId="14100"/>
+          <ac:picMkLst>
+            <pc:docMk/>
+            <pc:sldMk cId="3972118626" sldId="300"/>
+            <ac:picMk id="5" creationId="{F2E0AD89-FB60-D9F1-5041-7836F85B975D}"/>
+          </ac:picMkLst>
+        </pc:picChg>
+      </pc:sldChg>
+      <pc:sldChg chg="delSp modSp new mod">
+        <pc:chgData name="Suhita Acharya" userId="043aa87a21745673" providerId="LiveId" clId="{A0CD336C-AD28-4552-9F36-59B3F770B0F0}" dt="2022-09-11T17:59:10.876" v="3081" actId="478"/>
+        <pc:sldMkLst>
+          <pc:docMk/>
+          <pc:sldMk cId="2555217564" sldId="301"/>
+        </pc:sldMkLst>
+        <pc:spChg chg="mod">
+          <ac:chgData name="Suhita Acharya" userId="043aa87a21745673" providerId="LiveId" clId="{A0CD336C-AD28-4552-9F36-59B3F770B0F0}" dt="2022-09-11T17:58:32.149" v="3068" actId="20577"/>
+          <ac:spMkLst>
+            <pc:docMk/>
+            <pc:sldMk cId="2555217564" sldId="301"/>
+            <ac:spMk id="2" creationId="{87BA2D2F-FBD5-E781-588D-584066AE1C6E}"/>
+          </ac:spMkLst>
+        </pc:spChg>
+        <pc:spChg chg="del">
+          <ac:chgData name="Suhita Acharya" userId="043aa87a21745673" providerId="LiveId" clId="{A0CD336C-AD28-4552-9F36-59B3F770B0F0}" dt="2022-09-11T17:59:10.876" v="3081" actId="478"/>
+          <ac:spMkLst>
+            <pc:docMk/>
+            <pc:sldMk cId="2555217564" sldId="301"/>
+            <ac:spMk id="3" creationId="{34E2F943-FE88-9F3D-01B2-283B4E4EFB26}"/>
+          </ac:spMkLst>
+        </pc:spChg>
+      </pc:sldChg>
+      <pc:sldChg chg="delSp modSp new mod">
+        <pc:chgData name="Suhita Acharya" userId="043aa87a21745673" providerId="LiveId" clId="{A0CD336C-AD28-4552-9F36-59B3F770B0F0}" dt="2022-09-11T17:59:04.821" v="3080" actId="478"/>
+        <pc:sldMkLst>
+          <pc:docMk/>
+          <pc:sldMk cId="4012455040" sldId="302"/>
+        </pc:sldMkLst>
+        <pc:spChg chg="mod">
+          <ac:chgData name="Suhita Acharya" userId="043aa87a21745673" providerId="LiveId" clId="{A0CD336C-AD28-4552-9F36-59B3F770B0F0}" dt="2022-09-11T17:58:48.971" v="3079" actId="20577"/>
+          <ac:spMkLst>
+            <pc:docMk/>
+            <pc:sldMk cId="4012455040" sldId="302"/>
+            <ac:spMk id="2" creationId="{FDC54D6C-231C-6F68-455F-2C7D1651C431}"/>
+          </ac:spMkLst>
+        </pc:spChg>
+        <pc:spChg chg="del">
+          <ac:chgData name="Suhita Acharya" userId="043aa87a21745673" providerId="LiveId" clId="{A0CD336C-AD28-4552-9F36-59B3F770B0F0}" dt="2022-09-11T17:59:04.821" v="3080" actId="478"/>
+          <ac:spMkLst>
+            <pc:docMk/>
+            <pc:sldMk cId="4012455040" sldId="302"/>
+            <ac:spMk id="3" creationId="{F2DDDC75-2917-4D4B-ACD6-B3B45B24FC9A}"/>
+          </ac:spMkLst>
+        </pc:spChg>
+      </pc:sldChg>
     </pc:docChg>
   </pc:docChgLst>
 </pc:chgInfo>
@@ -1071,7 +1374,7 @@
           <a:p>
             <a:fld id="{13DC2751-278C-4682-9C3F-0FF7B4FCFAE7}" type="datetimeFigureOut">
               <a:rPr lang="en-US" smtClean="0"/>
-              <a:t>9/10/2022</a:t>
+              <a:t>9/11/2022</a:t>
             </a:fld>
             <a:endParaRPr lang="en-US" dirty="0"/>
           </a:p>
@@ -1236,7 +1539,7 @@
           <a:p>
             <a:fld id="{DDFF0845-D09E-4AF9-9623-EA7EA0297EF3}" type="datetimeFigureOut">
               <a:rPr lang="en-US" smtClean="0"/>
-              <a:t>9/10/2022</a:t>
+              <a:t>9/11/2022</a:t>
             </a:fld>
             <a:endParaRPr lang="en-US" dirty="0"/>
           </a:p>
@@ -1741,7 +2044,7 @@
           <a:p>
             <a:fld id="{D409693A-2307-4FDC-9539-08DC9083DDED}" type="datetime1">
               <a:rPr lang="en-US" smtClean="0"/>
-              <a:t>9/10/2022</a:t>
+              <a:t>9/11/2022</a:t>
             </a:fld>
             <a:endParaRPr lang="en-US" dirty="0"/>
           </a:p>
@@ -1912,7 +2215,7 @@
           <a:p>
             <a:fld id="{A0011EA7-B10E-4739-92FE-8993461CC0B7}" type="datetime1">
               <a:rPr lang="en-US" smtClean="0"/>
-              <a:t>9/10/2022</a:t>
+              <a:t>9/11/2022</a:t>
             </a:fld>
             <a:endParaRPr lang="en-US" dirty="0"/>
           </a:p>
@@ -2093,7 +2396,7 @@
           <a:p>
             <a:fld id="{315DC13F-2D2A-49BA-966D-6530A12E7C15}" type="datetime1">
               <a:rPr lang="en-US" smtClean="0"/>
-              <a:t>9/10/2022</a:t>
+              <a:t>9/11/2022</a:t>
             </a:fld>
             <a:endParaRPr lang="en-US" dirty="0"/>
           </a:p>
@@ -2280,7 +2583,7 @@
           <a:p>
             <a:fld id="{3320E1C1-C26F-4479-A8BD-144B4C139DA5}" type="datetime1">
               <a:rPr lang="en-US" smtClean="0"/>
-              <a:t>9/10/2022</a:t>
+              <a:t>9/11/2022</a:t>
             </a:fld>
             <a:endParaRPr lang="en-US" dirty="0"/>
           </a:p>
@@ -2483,7 +2786,7 @@
           <a:p>
             <a:fld id="{BF519E61-C2D6-49AB-83F2-8FC9FEFBDAFD}" type="datetime1">
               <a:rPr lang="en-US" smtClean="0"/>
-              <a:t>9/10/2022</a:t>
+              <a:t>9/11/2022</a:t>
             </a:fld>
             <a:endParaRPr lang="en-US" dirty="0"/>
           </a:p>
@@ -2804,7 +3107,7 @@
           <a:p>
             <a:fld id="{047BE74F-367A-4D3C-8AA7-FA60CCA05EAE}" type="datetime1">
               <a:rPr lang="en-US" smtClean="0"/>
-              <a:t>9/10/2022</a:t>
+              <a:t>9/11/2022</a:t>
             </a:fld>
             <a:endParaRPr lang="en-US" dirty="0"/>
           </a:p>
@@ -3232,7 +3535,7 @@
           <a:p>
             <a:fld id="{A79E3F9C-6465-4987-8E4E-615CFD4753AA}" type="datetime1">
               <a:rPr lang="en-US" smtClean="0"/>
-              <a:t>9/10/2022</a:t>
+              <a:t>9/11/2022</a:t>
             </a:fld>
             <a:endParaRPr lang="en-US" dirty="0"/>
           </a:p>
@@ -3353,7 +3656,7 @@
           <a:p>
             <a:fld id="{C849EFD6-3C20-43C6-9E75-1A9D48D9576F}" type="datetime1">
               <a:rPr lang="en-US" smtClean="0"/>
-              <a:t>9/10/2022</a:t>
+              <a:t>9/11/2022</a:t>
             </a:fld>
             <a:endParaRPr lang="en-US" dirty="0"/>
           </a:p>
@@ -3451,7 +3754,7 @@
           <a:p>
             <a:fld id="{47493D5A-A484-46EE-9DC8-9A16BFF8327E}" type="datetime1">
               <a:rPr lang="en-US" smtClean="0"/>
-              <a:t>9/10/2022</a:t>
+              <a:t>9/11/2022</a:t>
             </a:fld>
             <a:endParaRPr lang="en-US" dirty="0"/>
           </a:p>
@@ -3731,7 +4034,7 @@
           <a:p>
             <a:fld id="{76287BC8-78D1-4FEB-9D4F-E22E45CC04F7}" type="datetime1">
               <a:rPr lang="en-US" smtClean="0"/>
-              <a:t>9/10/2022</a:t>
+              <a:t>9/11/2022</a:t>
             </a:fld>
             <a:endParaRPr lang="en-US" dirty="0"/>
           </a:p>
@@ -3990,7 +4293,7 @@
           <a:p>
             <a:fld id="{4F568210-870C-4A62-9D1B-4B25162550AB}" type="datetime1">
               <a:rPr lang="en-US" smtClean="0"/>
-              <a:t>9/10/2022</a:t>
+              <a:t>9/11/2022</a:t>
             </a:fld>
             <a:endParaRPr lang="en-US" dirty="0"/>
           </a:p>
@@ -4216,7 +4519,7 @@
           <a:p>
             <a:fld id="{00CABDA2-EB00-4A4D-86B7-63E286A484E5}" type="datetime1">
               <a:rPr lang="en-US" smtClean="0"/>
-              <a:t>9/10/2022</a:t>
+              <a:t>9/11/2022</a:t>
             </a:fld>
             <a:endParaRPr lang="en-US" dirty="0"/>
           </a:p>
@@ -6228,7 +6531,7 @@
           <p:cNvPr id="2" name="Title 1">
             <a:extLst>
               <a:ext uri="{FF2B5EF4-FFF2-40B4-BE49-F238E27FC236}">
-                <a16:creationId xmlns:a16="http://schemas.microsoft.com/office/drawing/2014/main" id="{FBD337FB-C883-6E25-AF2A-E15D79044924}"/>
+                <a16:creationId xmlns:a16="http://schemas.microsoft.com/office/drawing/2014/main" id="{FDC54D6C-231C-6F68-455F-2C7D1651C431}"/>
               </a:ext>
             </a:extLst>
           </p:cNvPr>
@@ -6246,40 +6549,15 @@
           <a:p>
             <a:r>
               <a:rPr lang="en-US" dirty="0"/>
-              <a:t>Data Science Group Deck</a:t>
-            </a:r>
-          </a:p>
-        </p:txBody>
-      </p:sp>
-      <p:sp>
-        <p:nvSpPr>
-          <p:cNvPr id="3" name="Subtitle 2">
-            <a:extLst>
-              <a:ext uri="{FF2B5EF4-FFF2-40B4-BE49-F238E27FC236}">
-                <a16:creationId xmlns:a16="http://schemas.microsoft.com/office/drawing/2014/main" id="{AA132808-CD43-4E47-D884-E0D294B7C2AB}"/>
-              </a:ext>
-            </a:extLst>
-          </p:cNvPr>
-          <p:cNvSpPr>
-            <a:spLocks noGrp="1"/>
-          </p:cNvSpPr>
-          <p:nvPr>
-            <p:ph type="subTitle" idx="1"/>
-          </p:nvPr>
-        </p:nvSpPr>
-        <p:spPr/>
-        <p:txBody>
-          <a:bodyPr/>
-          <a:lstStyle/>
-          <a:p>
-            <a:endParaRPr lang="en-US"/>
+              <a:t>Thank you!</a:t>
+            </a:r>
           </a:p>
         </p:txBody>
       </p:sp>
     </p:spTree>
     <p:extLst>
       <p:ext uri="{BB962C8B-B14F-4D97-AF65-F5344CB8AC3E}">
-        <p14:creationId xmlns:p14="http://schemas.microsoft.com/office/powerpoint/2010/main" val="266467974"/>
+        <p14:creationId xmlns:p14="http://schemas.microsoft.com/office/powerpoint/2010/main" val="4012455040"/>
       </p:ext>
     </p:extLst>
   </p:cSld>
@@ -6394,7 +6672,7 @@
           <p:cNvPr id="2" name="Title 1">
             <a:extLst>
               <a:ext uri="{FF2B5EF4-FFF2-40B4-BE49-F238E27FC236}">
-                <a16:creationId xmlns:a16="http://schemas.microsoft.com/office/drawing/2014/main" id="{2FCD7E6A-3FD7-D3F8-9BD3-812FB90873FC}"/>
+                <a16:creationId xmlns:a16="http://schemas.microsoft.com/office/drawing/2014/main" id="{FBD337FB-C883-6E25-AF2A-E15D79044924}"/>
               </a:ext>
             </a:extLst>
           </p:cNvPr>
@@ -6402,32 +6680,27 @@
             <a:spLocks noGrp="1"/>
           </p:cNvSpPr>
           <p:nvPr>
-            <p:ph type="title"/>
-          </p:nvPr>
-        </p:nvSpPr>
-        <p:spPr>
-          <a:xfrm>
-            <a:off x="457200" y="639793"/>
-            <a:ext cx="10096500" cy="947467"/>
-          </a:xfrm>
-        </p:spPr>
+            <p:ph type="ctrTitle"/>
+          </p:nvPr>
+        </p:nvSpPr>
+        <p:spPr/>
         <p:txBody>
           <a:bodyPr/>
           <a:lstStyle/>
           <a:p>
             <a:r>
               <a:rPr lang="en-US" dirty="0"/>
-              <a:t>2017 Policy Data EDA:</a:t>
-            </a:r>
-          </a:p>
-        </p:txBody>
-      </p:sp>
-      <p:sp>
-        <p:nvSpPr>
-          <p:cNvPr id="3" name="Content Placeholder 2">
+              <a:t>Data Science Group Deck</a:t>
+            </a:r>
+          </a:p>
+        </p:txBody>
+      </p:sp>
+      <p:sp>
+        <p:nvSpPr>
+          <p:cNvPr id="3" name="Subtitle 2">
             <a:extLst>
               <a:ext uri="{FF2B5EF4-FFF2-40B4-BE49-F238E27FC236}">
-                <a16:creationId xmlns:a16="http://schemas.microsoft.com/office/drawing/2014/main" id="{248E8546-DBD6-7252-F007-54DD08B62CBF}"/>
+                <a16:creationId xmlns:a16="http://schemas.microsoft.com/office/drawing/2014/main" id="{AA132808-CD43-4E47-D884-E0D294B7C2AB}"/>
               </a:ext>
             </a:extLst>
           </p:cNvPr>
@@ -6435,93 +6708,22 @@
             <a:spLocks noGrp="1"/>
           </p:cNvSpPr>
           <p:nvPr>
-            <p:ph idx="1"/>
-          </p:nvPr>
-        </p:nvSpPr>
-        <p:spPr>
-          <a:xfrm>
-            <a:off x="457199" y="1587260"/>
-            <a:ext cx="10955547" cy="4546121"/>
-          </a:xfrm>
-        </p:spPr>
+            <p:ph type="subTitle" idx="1"/>
+          </p:nvPr>
+        </p:nvSpPr>
+        <p:spPr/>
         <p:txBody>
           <a:bodyPr/>
           <a:lstStyle/>
           <a:p>
-            <a:r>
-              <a:rPr lang="en-US" dirty="0"/>
-              <a:t>Total Claim Amount</a:t>
-            </a:r>
-          </a:p>
-          <a:p>
-            <a:endParaRPr lang="en-US" dirty="0"/>
-          </a:p>
-        </p:txBody>
-      </p:sp>
-      <p:pic>
-        <p:nvPicPr>
-          <p:cNvPr id="5" name="Picture 4">
-            <a:extLst>
-              <a:ext uri="{FF2B5EF4-FFF2-40B4-BE49-F238E27FC236}">
-                <a16:creationId xmlns:a16="http://schemas.microsoft.com/office/drawing/2014/main" id="{61F559D7-7D6A-F423-CF9C-DDD604FCF872}"/>
-              </a:ext>
-            </a:extLst>
-          </p:cNvPr>
-          <p:cNvPicPr>
-            <a:picLocks noChangeAspect="1"/>
-          </p:cNvPicPr>
-          <p:nvPr/>
-        </p:nvPicPr>
-        <p:blipFill>
-          <a:blip r:embed="rId2"/>
-          <a:stretch>
-            <a:fillRect/>
-          </a:stretch>
-        </p:blipFill>
-        <p:spPr>
-          <a:xfrm>
-            <a:off x="665017" y="2259265"/>
-            <a:ext cx="5223166" cy="3148922"/>
-          </a:xfrm>
-          <a:prstGeom prst="rect">
-            <a:avLst/>
-          </a:prstGeom>
-        </p:spPr>
-      </p:pic>
-      <p:pic>
-        <p:nvPicPr>
-          <p:cNvPr id="7" name="Picture 6">
-            <a:extLst>
-              <a:ext uri="{FF2B5EF4-FFF2-40B4-BE49-F238E27FC236}">
-                <a16:creationId xmlns:a16="http://schemas.microsoft.com/office/drawing/2014/main" id="{93CCBF42-330A-B662-A0F9-073475F22F31}"/>
-              </a:ext>
-            </a:extLst>
-          </p:cNvPr>
-          <p:cNvPicPr>
-            <a:picLocks noChangeAspect="1"/>
-          </p:cNvPicPr>
-          <p:nvPr/>
-        </p:nvPicPr>
-        <p:blipFill>
-          <a:blip r:embed="rId3"/>
-          <a:stretch>
-            <a:fillRect/>
-          </a:stretch>
-        </p:blipFill>
-        <p:spPr>
-          <a:xfrm>
-            <a:off x="6234546" y="2259265"/>
-            <a:ext cx="5043055" cy="3144091"/>
-          </a:xfrm>
-          <a:prstGeom prst="rect">
-            <a:avLst/>
-          </a:prstGeom>
-        </p:spPr>
-      </p:pic>
+            <a:endParaRPr lang="en-US"/>
+          </a:p>
+        </p:txBody>
+      </p:sp>
     </p:spTree>
     <p:extLst>
       <p:ext uri="{BB962C8B-B14F-4D97-AF65-F5344CB8AC3E}">
-        <p14:creationId xmlns:p14="http://schemas.microsoft.com/office/powerpoint/2010/main" val="4256411515"/>
+        <p14:creationId xmlns:p14="http://schemas.microsoft.com/office/powerpoint/2010/main" val="266467974"/>
       </p:ext>
     </p:extLst>
   </p:cSld>
@@ -6553,7 +6755,7 @@
           <p:cNvPr id="2" name="Title 1">
             <a:extLst>
               <a:ext uri="{FF2B5EF4-FFF2-40B4-BE49-F238E27FC236}">
-                <a16:creationId xmlns:a16="http://schemas.microsoft.com/office/drawing/2014/main" id="{D281814B-2642-0C7C-7A5B-F628EAEE4984}"/>
+                <a16:creationId xmlns:a16="http://schemas.microsoft.com/office/drawing/2014/main" id="{13432DF8-2346-7132-3534-76394A0D4C66}"/>
               </a:ext>
             </a:extLst>
           </p:cNvPr>
@@ -6567,7 +6769,7 @@
         <p:spPr>
           <a:xfrm>
             <a:off x="457200" y="639794"/>
-            <a:ext cx="10852030" cy="835324"/>
+            <a:ext cx="11024558" cy="614576"/>
           </a:xfrm>
         </p:spPr>
         <p:txBody>
@@ -6576,7 +6778,7 @@
           <a:p>
             <a:r>
               <a:rPr lang="en-US" dirty="0"/>
-              <a:t>2017 Policy Data EDA:</a:t>
+              <a:t>Auto Insurance Claims Dataset</a:t>
             </a:r>
           </a:p>
         </p:txBody>
@@ -6586,7 +6788,7 @@
           <p:cNvPr id="3" name="Content Placeholder 2">
             <a:extLst>
               <a:ext uri="{FF2B5EF4-FFF2-40B4-BE49-F238E27FC236}">
-                <a16:creationId xmlns:a16="http://schemas.microsoft.com/office/drawing/2014/main" id="{CF68DE36-463F-4549-7183-16C619579046}"/>
+                <a16:creationId xmlns:a16="http://schemas.microsoft.com/office/drawing/2014/main" id="{107C4BDF-CC6C-A440-CF95-FC7692CB4A29}"/>
               </a:ext>
             </a:extLst>
           </p:cNvPr>
@@ -6599,58 +6801,152 @@
         </p:nvSpPr>
         <p:spPr>
           <a:xfrm>
-            <a:off x="457199" y="1475118"/>
-            <a:ext cx="11084944" cy="4554746"/>
+            <a:off x="457200" y="1431985"/>
+            <a:ext cx="11136702" cy="4572000"/>
           </a:xfrm>
         </p:spPr>
         <p:txBody>
           <a:bodyPr/>
           <a:lstStyle/>
           <a:p>
-            <a:r>
-              <a:rPr lang="en-US" dirty="0"/>
-              <a:t>Number of Claims (Info used to create risk categories):</a:t>
-            </a:r>
-          </a:p>
-          <a:p>
-            <a:endParaRPr lang="en-US" dirty="0"/>
-          </a:p>
-        </p:txBody>
-      </p:sp>
-      <p:pic>
-        <p:nvPicPr>
-          <p:cNvPr id="5" name="Picture 4">
-            <a:extLst>
-              <a:ext uri="{FF2B5EF4-FFF2-40B4-BE49-F238E27FC236}">
-                <a16:creationId xmlns:a16="http://schemas.microsoft.com/office/drawing/2014/main" id="{489E35C3-FC82-4B6A-FD1E-5E328630652A}"/>
-              </a:ext>
-            </a:extLst>
-          </p:cNvPr>
-          <p:cNvPicPr>
-            <a:picLocks noChangeAspect="1"/>
-          </p:cNvPicPr>
-          <p:nvPr/>
-        </p:nvPicPr>
-        <p:blipFill>
-          <a:blip r:embed="rId2"/>
-          <a:stretch>
-            <a:fillRect/>
-          </a:stretch>
-        </p:blipFill>
-        <p:spPr>
-          <a:xfrm>
-            <a:off x="2026075" y="2047947"/>
-            <a:ext cx="6868543" cy="3909508"/>
-          </a:xfrm>
-          <a:prstGeom prst="rect">
-            <a:avLst/>
-          </a:prstGeom>
-        </p:spPr>
-      </p:pic>
+            <a:pPr>
+              <a:lnSpc>
+                <a:spcPct val="150000"/>
+              </a:lnSpc>
+            </a:pPr>
+            <a:r>
+              <a:rPr lang="en-US" sz="1800" b="1" dirty="0">
+                <a:effectLst/>
+                <a:latin typeface="Frutiger 45 Light"/>
+                <a:ea typeface="Frutiger 55 Roman"/>
+                <a:cs typeface="Times New Roman" panose="02020603050405020304" pitchFamily="18" charset="0"/>
+              </a:rPr>
+              <a:t>auto_policies_2017.csv</a:t>
+            </a:r>
+          </a:p>
+          <a:p>
+            <a:pPr lvl="1">
+              <a:lnSpc>
+                <a:spcPct val="150000"/>
+              </a:lnSpc>
+            </a:pPr>
+            <a:r>
+              <a:rPr lang="en-US" sz="1800" dirty="0">
+                <a:effectLst/>
+                <a:latin typeface="Frutiger 45 Light"/>
+                <a:ea typeface="Frutiger 55 Roman"/>
+                <a:cs typeface="Times New Roman" panose="02020603050405020304" pitchFamily="18" charset="0"/>
+              </a:rPr>
+              <a:t>This data set is a set of personal auto insurance policies taken out in 2017. </a:t>
+            </a:r>
+          </a:p>
+          <a:p>
+            <a:pPr lvl="1">
+              <a:lnSpc>
+                <a:spcPct val="150000"/>
+              </a:lnSpc>
+            </a:pPr>
+            <a:r>
+              <a:rPr lang="en-US" sz="1800" dirty="0">
+                <a:effectLst/>
+                <a:latin typeface="Frutiger 45 Light"/>
+                <a:ea typeface="Frutiger 55 Roman"/>
+                <a:cs typeface="Times New Roman" panose="02020603050405020304" pitchFamily="18" charset="0"/>
+              </a:rPr>
+              <a:t>There are 60,392 policies (rows), of which 10,030 had at least one claim.</a:t>
+            </a:r>
+          </a:p>
+          <a:p>
+            <a:pPr>
+              <a:lnSpc>
+                <a:spcPct val="150000"/>
+              </a:lnSpc>
+            </a:pPr>
+            <a:r>
+              <a:rPr lang="en-US" sz="1800" b="1" dirty="0">
+                <a:effectLst/>
+                <a:latin typeface="Frutiger 45 Light"/>
+                <a:ea typeface="Frutiger 55 Roman"/>
+                <a:cs typeface="Times New Roman" panose="02020603050405020304" pitchFamily="18" charset="0"/>
+              </a:rPr>
+              <a:t>auto_potential_customers_2018.csv</a:t>
+            </a:r>
+          </a:p>
+          <a:p>
+            <a:pPr lvl="1">
+              <a:lnSpc>
+                <a:spcPct val="150000"/>
+              </a:lnSpc>
+            </a:pPr>
+            <a:r>
+              <a:rPr lang="en-US" sz="1800" dirty="0">
+                <a:effectLst/>
+                <a:latin typeface="Frutiger 45 Light"/>
+                <a:ea typeface="Frutiger 55 Roman"/>
+                <a:cs typeface="Times New Roman" panose="02020603050405020304" pitchFamily="18" charset="0"/>
+              </a:rPr>
+              <a:t>This is a list of 7,464 potential customers for 2018. </a:t>
+            </a:r>
+            <a:endParaRPr lang="en-US" sz="1800" dirty="0">
+              <a:latin typeface="Frutiger 45 Light"/>
+              <a:ea typeface="Frutiger 55 Roman"/>
+              <a:cs typeface="Times New Roman" panose="02020603050405020304" pitchFamily="18" charset="0"/>
+            </a:endParaRPr>
+          </a:p>
+          <a:p>
+            <a:pPr>
+              <a:lnSpc>
+                <a:spcPct val="150000"/>
+              </a:lnSpc>
+            </a:pPr>
+            <a:r>
+              <a:rPr lang="en-US" sz="2200" dirty="0">
+                <a:effectLst/>
+                <a:latin typeface="Frutiger 45 Light"/>
+                <a:ea typeface="Frutiger 55 Roman"/>
+                <a:cs typeface="Times New Roman" panose="02020603050405020304" pitchFamily="18" charset="0"/>
+              </a:rPr>
+              <a:t>Goal:</a:t>
+            </a:r>
+          </a:p>
+          <a:p>
+            <a:pPr lvl="1">
+              <a:lnSpc>
+                <a:spcPct val="150000"/>
+              </a:lnSpc>
+            </a:pPr>
+            <a:r>
+              <a:rPr lang="en-US" sz="1800" dirty="0">
+                <a:effectLst/>
+                <a:latin typeface="Frutiger 45 Light"/>
+                <a:ea typeface="Frutiger 55 Roman"/>
+                <a:cs typeface="Times New Roman" panose="02020603050405020304" pitchFamily="18" charset="0"/>
+              </a:rPr>
+              <a:t>Target the potential customers in 2018 which will result in the lowest claim amounts.</a:t>
+            </a:r>
+          </a:p>
+          <a:p>
+            <a:pPr lvl="1">
+              <a:lnSpc>
+                <a:spcPct val="150000"/>
+              </a:lnSpc>
+            </a:pPr>
+            <a:r>
+              <a:rPr lang="en-US" sz="1800" dirty="0">
+                <a:effectLst/>
+                <a:latin typeface="Frutiger 45 Light"/>
+                <a:ea typeface="Frutiger 55 Roman"/>
+                <a:cs typeface="Times New Roman" panose="02020603050405020304" pitchFamily="18" charset="0"/>
+              </a:rPr>
+              <a:t>Creating a marketing campaign that engages with potential 2018 customers based on their risk profiles</a:t>
+            </a:r>
+          </a:p>
+        </p:txBody>
+      </p:sp>
     </p:spTree>
     <p:extLst>
       <p:ext uri="{BB962C8B-B14F-4D97-AF65-F5344CB8AC3E}">
-        <p14:creationId xmlns:p14="http://schemas.microsoft.com/office/powerpoint/2010/main" val="2846260871"/>
+        <p14:creationId xmlns:p14="http://schemas.microsoft.com/office/powerpoint/2010/main" val="2110200801"/>
       </p:ext>
     </p:extLst>
   </p:cSld>
@@ -6682,7 +6978,7 @@
           <p:cNvPr id="2" name="Title 1">
             <a:extLst>
               <a:ext uri="{FF2B5EF4-FFF2-40B4-BE49-F238E27FC236}">
-                <a16:creationId xmlns:a16="http://schemas.microsoft.com/office/drawing/2014/main" id="{1C460D5D-048E-6EF9-C0F5-A1315736A4CC}"/>
+                <a16:creationId xmlns:a16="http://schemas.microsoft.com/office/drawing/2014/main" id="{B75C27B2-5400-2CFE-4E42-30D13889F78D}"/>
               </a:ext>
             </a:extLst>
           </p:cNvPr>
@@ -6695,8 +6991,8 @@
         </p:nvSpPr>
         <p:spPr>
           <a:xfrm>
-            <a:off x="457199" y="639794"/>
-            <a:ext cx="10894291" cy="801080"/>
+            <a:off x="457200" y="517586"/>
+            <a:ext cx="11093570" cy="747308"/>
           </a:xfrm>
         </p:spPr>
         <p:txBody>
@@ -6705,46 +7001,71 @@
           <a:p>
             <a:r>
               <a:rPr lang="en-US" dirty="0"/>
-              <a:t>Gender Evaluation</a:t>
-            </a:r>
-          </a:p>
-        </p:txBody>
-      </p:sp>
-      <p:pic>
-        <p:nvPicPr>
-          <p:cNvPr id="14" name="Content Placeholder 13">
+              <a:t>Credit Risk Categories</a:t>
+            </a:r>
+          </a:p>
+        </p:txBody>
+      </p:sp>
+      <p:sp>
+        <p:nvSpPr>
+          <p:cNvPr id="3" name="Content Placeholder 2">
             <a:extLst>
               <a:ext uri="{FF2B5EF4-FFF2-40B4-BE49-F238E27FC236}">
-                <a16:creationId xmlns:a16="http://schemas.microsoft.com/office/drawing/2014/main" id="{BDD81C03-E2D6-9D58-04DB-0C6D0F1397CA}"/>
+                <a16:creationId xmlns:a16="http://schemas.microsoft.com/office/drawing/2014/main" id="{EEDCD462-B133-10CC-E29D-7F577E266F20}"/>
               </a:ext>
             </a:extLst>
           </p:cNvPr>
-          <p:cNvPicPr>
-            <a:picLocks noGrp="1" noChangeAspect="1"/>
-          </p:cNvPicPr>
+          <p:cNvSpPr>
+            <a:spLocks noGrp="1"/>
+          </p:cNvSpPr>
           <p:nvPr>
             <p:ph idx="1"/>
           </p:nvPr>
-        </p:nvPicPr>
-        <p:blipFill>
-          <a:blip r:embed="rId2"/>
-          <a:stretch>
-            <a:fillRect/>
-          </a:stretch>
-        </p:blipFill>
-        <p:spPr>
-          <a:xfrm>
-            <a:off x="1127057" y="1597891"/>
-            <a:ext cx="4248743" cy="4139358"/>
-          </a:xfrm>
-        </p:spPr>
-      </p:pic>
+        </p:nvSpPr>
+        <p:spPr>
+          <a:xfrm>
+            <a:off x="457199" y="1190445"/>
+            <a:ext cx="11205713" cy="5027761"/>
+          </a:xfrm>
+        </p:spPr>
+        <p:txBody>
+          <a:bodyPr/>
+          <a:lstStyle/>
+          <a:p>
+            <a:r>
+              <a:rPr lang="en-US" dirty="0"/>
+              <a:t>Credit Risk Categories Feature created:</a:t>
+            </a:r>
+          </a:p>
+          <a:p>
+            <a:pPr lvl="1"/>
+            <a:r>
+              <a:rPr lang="en-US" dirty="0"/>
+              <a:t>Low Risk: Number of Claims 0; High Risk: Number of Claims &gt;=1</a:t>
+            </a:r>
+          </a:p>
+          <a:p>
+            <a:pPr lvl="1"/>
+            <a:r>
+              <a:rPr lang="en-US" dirty="0"/>
+              <a:t>Imbalanced Dataset as a high number of policies had no claim.</a:t>
+            </a:r>
+          </a:p>
+          <a:p>
+            <a:pPr lvl="1"/>
+            <a:r>
+              <a:rPr lang="en-US" dirty="0"/>
+              <a:t>SMOTE Up-sampling technique used to solve this issue.</a:t>
+            </a:r>
+          </a:p>
+        </p:txBody>
+      </p:sp>
       <p:pic>
         <p:nvPicPr>
-          <p:cNvPr id="16" name="Picture 15">
+          <p:cNvPr id="5" name="Picture 4">
             <a:extLst>
               <a:ext uri="{FF2B5EF4-FFF2-40B4-BE49-F238E27FC236}">
-                <a16:creationId xmlns:a16="http://schemas.microsoft.com/office/drawing/2014/main" id="{74FAA86E-975E-3994-8573-071C1A512DCE}"/>
+                <a16:creationId xmlns:a16="http://schemas.microsoft.com/office/drawing/2014/main" id="{853E6314-C625-74C1-206E-634834C77D26}"/>
               </a:ext>
             </a:extLst>
           </p:cNvPr>
@@ -6754,15 +7075,15 @@
           <p:nvPr/>
         </p:nvPicPr>
         <p:blipFill>
-          <a:blip r:embed="rId3"/>
+          <a:blip r:embed="rId2"/>
           <a:stretch>
             <a:fillRect/>
           </a:stretch>
         </p:blipFill>
         <p:spPr>
           <a:xfrm>
-            <a:off x="5564156" y="1597891"/>
-            <a:ext cx="4439270" cy="4144121"/>
+            <a:off x="2355011" y="2803585"/>
+            <a:ext cx="6505416" cy="3333792"/>
           </a:xfrm>
           <a:prstGeom prst="rect">
             <a:avLst/>
@@ -6772,7 +7093,7 @@
     </p:spTree>
     <p:extLst>
       <p:ext uri="{BB962C8B-B14F-4D97-AF65-F5344CB8AC3E}">
-        <p14:creationId xmlns:p14="http://schemas.microsoft.com/office/powerpoint/2010/main" val="1853572123"/>
+        <p14:creationId xmlns:p14="http://schemas.microsoft.com/office/powerpoint/2010/main" val="4212388084"/>
       </p:ext>
     </p:extLst>
   </p:cSld>
@@ -6804,7 +7125,7 @@
           <p:cNvPr id="2" name="Title 1">
             <a:extLst>
               <a:ext uri="{FF2B5EF4-FFF2-40B4-BE49-F238E27FC236}">
-                <a16:creationId xmlns:a16="http://schemas.microsoft.com/office/drawing/2014/main" id="{F8B78188-FA94-45C6-5B94-1E9950E8BDDF}"/>
+                <a16:creationId xmlns:a16="http://schemas.microsoft.com/office/drawing/2014/main" id="{AF7FD989-EED0-A8A7-3962-041B413BF2C2}"/>
               </a:ext>
             </a:extLst>
           </p:cNvPr>
@@ -6817,84 +7138,854 @@
         </p:nvSpPr>
         <p:spPr>
           <a:xfrm>
-            <a:off x="457199" y="639793"/>
-            <a:ext cx="11060545" cy="791843"/>
-          </a:xfrm>
-        </p:spPr>
-        <p:txBody>
-          <a:bodyPr/>
+            <a:off x="457200" y="639793"/>
+            <a:ext cx="10843404" cy="567905"/>
+          </a:xfrm>
+        </p:spPr>
+        <p:txBody>
+          <a:bodyPr>
+            <a:normAutofit fontScale="90000"/>
+          </a:bodyPr>
           <a:lstStyle/>
           <a:p>
             <a:r>
-              <a:rPr lang="en-US" dirty="0"/>
-              <a:t>Focusing on females (majority) - Low Risk</a:t>
-            </a:r>
-          </a:p>
-        </p:txBody>
-      </p:sp>
-      <p:pic>
-        <p:nvPicPr>
-          <p:cNvPr id="5" name="Content Placeholder 4">
+              <a:rPr lang="en-US" b="1" dirty="0"/>
+              <a:t>Data Preprocessing</a:t>
+            </a:r>
+            <a:endParaRPr lang="en-US" dirty="0"/>
+          </a:p>
+        </p:txBody>
+      </p:sp>
+      <p:sp>
+        <p:nvSpPr>
+          <p:cNvPr id="3" name="Content Placeholder 2">
             <a:extLst>
               <a:ext uri="{FF2B5EF4-FFF2-40B4-BE49-F238E27FC236}">
-                <a16:creationId xmlns:a16="http://schemas.microsoft.com/office/drawing/2014/main" id="{2AC5C0A1-C34B-BB40-FD0D-96C8A0AF1818}"/>
+                <a16:creationId xmlns:a16="http://schemas.microsoft.com/office/drawing/2014/main" id="{57B70DDF-D61E-7F41-5C4A-868E6030EB46}"/>
               </a:ext>
             </a:extLst>
           </p:cNvPr>
-          <p:cNvPicPr>
-            <a:picLocks noGrp="1" noChangeAspect="1"/>
-          </p:cNvPicPr>
-          <p:nvPr>
-            <p:ph idx="1"/>
-          </p:nvPr>
-        </p:nvPicPr>
-        <p:blipFill>
-          <a:blip r:embed="rId2"/>
-          <a:stretch>
-            <a:fillRect/>
-          </a:stretch>
-        </p:blipFill>
-        <p:spPr>
-          <a:xfrm>
-            <a:off x="555301" y="1719190"/>
-            <a:ext cx="5041935" cy="3641292"/>
-          </a:xfrm>
-        </p:spPr>
-      </p:pic>
-      <p:pic>
-        <p:nvPicPr>
-          <p:cNvPr id="7" name="Picture 6">
+          <p:cNvSpPr>
+            <a:spLocks noGrp="1"/>
+          </p:cNvSpPr>
+          <p:nvPr>
+            <p:ph sz="half" idx="1"/>
+          </p:nvPr>
+        </p:nvSpPr>
+        <p:spPr>
+          <a:xfrm>
+            <a:off x="457199" y="1319842"/>
+            <a:ext cx="5184475" cy="4857121"/>
+          </a:xfrm>
+        </p:spPr>
+        <p:txBody>
+          <a:bodyPr/>
+          <a:lstStyle/>
+          <a:p>
+            <a:pPr marL="285750" marR="0" lvl="0" indent="-285750" algn="l" defTabSz="457200" rtl="0" eaLnBrk="1" fontAlgn="auto" latinLnBrk="0" hangingPunct="1">
+              <a:lnSpc>
+                <a:spcPct val="100000"/>
+              </a:lnSpc>
+              <a:spcBef>
+                <a:spcPts val="0"/>
+              </a:spcBef>
+              <a:spcAft>
+                <a:spcPts val="0"/>
+              </a:spcAft>
+              <a:buClrTx/>
+              <a:buSzTx/>
+              <a:buFont typeface="Wingdings" panose="05000000000000000000" pitchFamily="2" charset="2"/>
+              <a:buChar char="q"/>
+              <a:tabLst/>
+              <a:defRPr/>
+            </a:pPr>
+            <a:r>
+              <a:rPr kumimoji="0" lang="en-US" sz="1800" b="0" i="0" u="none" strike="noStrike" kern="1200" cap="none" spc="0" normalizeH="0" baseline="0" noProof="0" dirty="0">
+                <a:ln>
+                  <a:noFill/>
+                </a:ln>
+                <a:solidFill>
+                  <a:prstClr val="white"/>
+                </a:solidFill>
+                <a:effectLst/>
+                <a:uLnTx/>
+                <a:uFillTx/>
+                <a:latin typeface="Calibri" panose="020F0502020204030204"/>
+                <a:ea typeface="+mn-ea"/>
+                <a:cs typeface="+mn-cs"/>
+              </a:rPr>
+              <a:t>Missing Data Imputed (both datasets):</a:t>
+            </a:r>
+          </a:p>
+          <a:p>
+            <a:pPr marL="742950" marR="0" lvl="1" indent="-285750" algn="l" defTabSz="457200" rtl="0" eaLnBrk="1" fontAlgn="auto" latinLnBrk="0" hangingPunct="1">
+              <a:lnSpc>
+                <a:spcPct val="100000"/>
+              </a:lnSpc>
+              <a:spcBef>
+                <a:spcPts val="0"/>
+              </a:spcBef>
+              <a:spcAft>
+                <a:spcPts val="0"/>
+              </a:spcAft>
+              <a:buClrTx/>
+              <a:buSzTx/>
+              <a:buFont typeface="Wingdings" panose="05000000000000000000" pitchFamily="2" charset="2"/>
+              <a:buChar char="§"/>
+              <a:tabLst/>
+              <a:defRPr/>
+            </a:pPr>
+            <a:r>
+              <a:rPr kumimoji="0" lang="en-US" sz="1800" b="0" i="0" u="none" strike="noStrike" kern="1200" cap="none" spc="0" normalizeH="0" baseline="0" noProof="0" dirty="0" err="1">
+                <a:ln>
+                  <a:noFill/>
+                </a:ln>
+                <a:solidFill>
+                  <a:prstClr val="white"/>
+                </a:solidFill>
+                <a:effectLst/>
+                <a:uLnTx/>
+                <a:uFillTx/>
+                <a:latin typeface="Calibri" panose="020F0502020204030204"/>
+                <a:ea typeface="+mn-ea"/>
+                <a:cs typeface="+mn-cs"/>
+              </a:rPr>
+              <a:t>age_category</a:t>
+            </a:r>
+            <a:endParaRPr kumimoji="0" lang="en-US" sz="1800" b="0" i="0" u="none" strike="noStrike" kern="1200" cap="none" spc="0" normalizeH="0" baseline="0" noProof="0" dirty="0">
+              <a:ln>
+                <a:noFill/>
+              </a:ln>
+              <a:solidFill>
+                <a:prstClr val="white"/>
+              </a:solidFill>
+              <a:effectLst/>
+              <a:uLnTx/>
+              <a:uFillTx/>
+              <a:latin typeface="Calibri" panose="020F0502020204030204"/>
+              <a:ea typeface="+mn-ea"/>
+              <a:cs typeface="+mn-cs"/>
+            </a:endParaRPr>
+          </a:p>
+          <a:p>
+            <a:pPr marL="742950" marR="0" lvl="1" indent="-285750" algn="l" defTabSz="457200" rtl="0" eaLnBrk="1" fontAlgn="auto" latinLnBrk="0" hangingPunct="1">
+              <a:lnSpc>
+                <a:spcPct val="100000"/>
+              </a:lnSpc>
+              <a:spcBef>
+                <a:spcPts val="0"/>
+              </a:spcBef>
+              <a:spcAft>
+                <a:spcPts val="0"/>
+              </a:spcAft>
+              <a:buClrTx/>
+              <a:buSzTx/>
+              <a:buFont typeface="Wingdings" panose="05000000000000000000" pitchFamily="2" charset="2"/>
+              <a:buChar char="§"/>
+              <a:tabLst/>
+              <a:defRPr/>
+            </a:pPr>
+            <a:r>
+              <a:rPr kumimoji="0" lang="en-US" sz="1800" b="0" i="0" u="none" strike="noStrike" kern="1200" cap="none" spc="0" normalizeH="0" baseline="0" noProof="0" dirty="0" err="1">
+                <a:ln>
+                  <a:noFill/>
+                </a:ln>
+                <a:solidFill>
+                  <a:prstClr val="white"/>
+                </a:solidFill>
+                <a:effectLst/>
+                <a:uLnTx/>
+                <a:uFillTx/>
+                <a:latin typeface="Calibri" panose="020F0502020204030204"/>
+                <a:ea typeface="+mn-ea"/>
+                <a:cs typeface="+mn-cs"/>
+              </a:rPr>
+              <a:t>credit_score</a:t>
+            </a:r>
+            <a:endParaRPr kumimoji="0" lang="en-US" sz="1800" b="0" i="0" u="none" strike="noStrike" kern="1200" cap="none" spc="0" normalizeH="0" baseline="0" noProof="0" dirty="0">
+              <a:ln>
+                <a:noFill/>
+              </a:ln>
+              <a:solidFill>
+                <a:prstClr val="white"/>
+              </a:solidFill>
+              <a:effectLst/>
+              <a:uLnTx/>
+              <a:uFillTx/>
+              <a:latin typeface="Calibri" panose="020F0502020204030204"/>
+              <a:ea typeface="+mn-ea"/>
+              <a:cs typeface="+mn-cs"/>
+            </a:endParaRPr>
+          </a:p>
+          <a:p>
+            <a:pPr marL="742950" marR="0" lvl="1" indent="-285750" algn="l" defTabSz="457200" rtl="0" eaLnBrk="1" fontAlgn="auto" latinLnBrk="0" hangingPunct="1">
+              <a:lnSpc>
+                <a:spcPct val="100000"/>
+              </a:lnSpc>
+              <a:spcBef>
+                <a:spcPts val="0"/>
+              </a:spcBef>
+              <a:spcAft>
+                <a:spcPts val="0"/>
+              </a:spcAft>
+              <a:buClrTx/>
+              <a:buSzTx/>
+              <a:buFont typeface="Wingdings" panose="05000000000000000000" pitchFamily="2" charset="2"/>
+              <a:buChar char="§"/>
+              <a:tabLst/>
+              <a:defRPr/>
+            </a:pPr>
+            <a:r>
+              <a:rPr lang="en-US" sz="1800" dirty="0" err="1">
+                <a:solidFill>
+                  <a:prstClr val="white"/>
+                </a:solidFill>
+                <a:latin typeface="Calibri" panose="020F0502020204030204"/>
+              </a:rPr>
+              <a:t>traffic_index</a:t>
+            </a:r>
+            <a:endParaRPr kumimoji="0" lang="en-US" sz="1800" b="0" i="0" u="none" strike="noStrike" kern="1200" cap="none" spc="0" normalizeH="0" baseline="0" noProof="0" dirty="0">
+              <a:ln>
+                <a:noFill/>
+              </a:ln>
+              <a:solidFill>
+                <a:prstClr val="white"/>
+              </a:solidFill>
+              <a:effectLst/>
+              <a:uLnTx/>
+              <a:uFillTx/>
+              <a:latin typeface="Calibri" panose="020F0502020204030204"/>
+              <a:ea typeface="+mn-ea"/>
+              <a:cs typeface="+mn-cs"/>
+            </a:endParaRPr>
+          </a:p>
+          <a:p>
+            <a:pPr defTabSz="457200">
+              <a:lnSpc>
+                <a:spcPct val="100000"/>
+              </a:lnSpc>
+              <a:spcBef>
+                <a:spcPts val="0"/>
+              </a:spcBef>
+              <a:buClrTx/>
+              <a:buSzTx/>
+              <a:buFont typeface="Wingdings" panose="05000000000000000000" pitchFamily="2" charset="2"/>
+              <a:buChar char="q"/>
+              <a:defRPr/>
+            </a:pPr>
+            <a:r>
+              <a:rPr kumimoji="0" lang="en-US" sz="1800" b="0" i="0" u="none" strike="noStrike" kern="1200" cap="none" spc="0" normalizeH="0" baseline="0" noProof="0" dirty="0">
+                <a:ln>
+                  <a:noFill/>
+                </a:ln>
+                <a:solidFill>
+                  <a:prstClr val="white"/>
+                </a:solidFill>
+                <a:effectLst/>
+                <a:uLnTx/>
+                <a:uFillTx/>
+                <a:latin typeface="Calibri" panose="020F0502020204030204"/>
+                <a:ea typeface="+mn-ea"/>
+                <a:cs typeface="+mn-cs"/>
+              </a:rPr>
+              <a:t> Outliers removed (both datasets):</a:t>
+            </a:r>
+          </a:p>
+          <a:p>
+            <a:pPr lvl="1" defTabSz="457200">
+              <a:lnSpc>
+                <a:spcPct val="100000"/>
+              </a:lnSpc>
+              <a:spcBef>
+                <a:spcPts val="0"/>
+              </a:spcBef>
+              <a:buClrTx/>
+              <a:buSzTx/>
+              <a:buFont typeface="Wingdings" panose="05000000000000000000" pitchFamily="2" charset="2"/>
+              <a:buChar char="§"/>
+              <a:defRPr/>
+            </a:pPr>
+            <a:r>
+              <a:rPr lang="en-US" sz="1800" dirty="0" err="1">
+                <a:solidFill>
+                  <a:prstClr val="white"/>
+                </a:solidFill>
+                <a:latin typeface="Calibri" panose="020F0502020204030204"/>
+              </a:rPr>
+              <a:t>claim_amount</a:t>
+            </a:r>
+            <a:r>
+              <a:rPr lang="en-US" sz="1800" dirty="0">
+                <a:solidFill>
+                  <a:prstClr val="white"/>
+                </a:solidFill>
+                <a:latin typeface="Calibri" panose="020F0502020204030204"/>
+              </a:rPr>
+              <a:t> and </a:t>
+            </a:r>
+            <a:r>
+              <a:rPr lang="en-US" sz="1800" dirty="0" err="1">
+                <a:solidFill>
+                  <a:prstClr val="white"/>
+                </a:solidFill>
+                <a:latin typeface="Calibri" panose="020F0502020204030204"/>
+              </a:rPr>
+              <a:t>vehicle_value</a:t>
+            </a:r>
+            <a:r>
+              <a:rPr lang="en-US" sz="1800" dirty="0">
+                <a:solidFill>
+                  <a:prstClr val="white"/>
+                </a:solidFill>
+                <a:latin typeface="Calibri" panose="020F0502020204030204"/>
+              </a:rPr>
+              <a:t> </a:t>
+            </a:r>
+            <a:endParaRPr kumimoji="0" lang="en-US" sz="1800" b="0" i="0" u="none" strike="noStrike" kern="1200" cap="none" spc="0" normalizeH="0" baseline="0" noProof="0" dirty="0">
+              <a:ln>
+                <a:noFill/>
+              </a:ln>
+              <a:solidFill>
+                <a:prstClr val="white"/>
+              </a:solidFill>
+              <a:effectLst/>
+              <a:uLnTx/>
+              <a:uFillTx/>
+              <a:latin typeface="Calibri" panose="020F0502020204030204"/>
+              <a:ea typeface="+mn-ea"/>
+              <a:cs typeface="+mn-cs"/>
+            </a:endParaRPr>
+          </a:p>
+          <a:p>
+            <a:pPr marL="285750" marR="0" lvl="0" indent="-285750" algn="l" defTabSz="457200" rtl="0" eaLnBrk="1" fontAlgn="auto" latinLnBrk="0" hangingPunct="1">
+              <a:lnSpc>
+                <a:spcPct val="100000"/>
+              </a:lnSpc>
+              <a:spcBef>
+                <a:spcPts val="0"/>
+              </a:spcBef>
+              <a:spcAft>
+                <a:spcPts val="0"/>
+              </a:spcAft>
+              <a:buClrTx/>
+              <a:buSzTx/>
+              <a:buFont typeface="Wingdings" panose="05000000000000000000" pitchFamily="2" charset="2"/>
+              <a:buChar char="q"/>
+              <a:tabLst/>
+              <a:defRPr/>
+            </a:pPr>
+            <a:r>
+              <a:rPr kumimoji="0" lang="en-US" sz="1800" b="0" i="0" u="none" strike="noStrike" kern="1200" cap="none" spc="0" normalizeH="0" baseline="0" noProof="0" dirty="0">
+                <a:ln>
+                  <a:noFill/>
+                </a:ln>
+                <a:solidFill>
+                  <a:prstClr val="white"/>
+                </a:solidFill>
+                <a:effectLst/>
+                <a:uLnTx/>
+                <a:uFillTx/>
+                <a:latin typeface="Calibri" panose="020F0502020204030204"/>
+                <a:ea typeface="+mn-ea"/>
+                <a:cs typeface="+mn-cs"/>
+              </a:rPr>
+              <a:t>Label Encoding: All categorical features</a:t>
+            </a:r>
+          </a:p>
+          <a:p>
+            <a:pPr marL="285750" marR="0" lvl="0" indent="-285750" algn="l" defTabSz="457200" rtl="0" eaLnBrk="1" fontAlgn="auto" latinLnBrk="0" hangingPunct="1">
+              <a:lnSpc>
+                <a:spcPct val="100000"/>
+              </a:lnSpc>
+              <a:spcBef>
+                <a:spcPts val="0"/>
+              </a:spcBef>
+              <a:spcAft>
+                <a:spcPts val="0"/>
+              </a:spcAft>
+              <a:buClrTx/>
+              <a:buSzTx/>
+              <a:buFont typeface="Wingdings" panose="05000000000000000000" pitchFamily="2" charset="2"/>
+              <a:buChar char="q"/>
+              <a:tabLst/>
+              <a:defRPr/>
+            </a:pPr>
+            <a:r>
+              <a:rPr kumimoji="0" lang="en-US" sz="1800" b="0" i="0" u="none" strike="noStrike" kern="1200" cap="none" spc="0" normalizeH="0" baseline="0" noProof="0" dirty="0">
+                <a:ln>
+                  <a:noFill/>
+                </a:ln>
+                <a:solidFill>
+                  <a:prstClr val="white"/>
+                </a:solidFill>
+                <a:effectLst/>
+                <a:uLnTx/>
+                <a:uFillTx/>
+                <a:latin typeface="Calibri" panose="020F0502020204030204"/>
+                <a:ea typeface="+mn-ea"/>
+                <a:cs typeface="+mn-cs"/>
+              </a:rPr>
+              <a:t>New Feature Creation:</a:t>
+            </a:r>
+          </a:p>
+          <a:p>
+            <a:pPr marL="742950" marR="0" lvl="1" indent="-285750" algn="l" defTabSz="457200" rtl="0" eaLnBrk="1" fontAlgn="auto" latinLnBrk="0" hangingPunct="1">
+              <a:lnSpc>
+                <a:spcPct val="100000"/>
+              </a:lnSpc>
+              <a:spcBef>
+                <a:spcPts val="0"/>
+              </a:spcBef>
+              <a:spcAft>
+                <a:spcPts val="0"/>
+              </a:spcAft>
+              <a:buClrTx/>
+              <a:buSzTx/>
+              <a:buFont typeface="Wingdings" panose="05000000000000000000" pitchFamily="2" charset="2"/>
+              <a:buChar char="§"/>
+              <a:tabLst/>
+              <a:defRPr/>
+            </a:pPr>
+            <a:r>
+              <a:rPr kumimoji="0" lang="en-US" sz="1800" b="0" i="0" u="none" strike="noStrike" kern="1200" cap="none" spc="0" normalizeH="0" baseline="0" noProof="0" dirty="0" err="1">
+                <a:ln>
+                  <a:noFill/>
+                </a:ln>
+                <a:solidFill>
+                  <a:prstClr val="white"/>
+                </a:solidFill>
+                <a:effectLst/>
+                <a:uLnTx/>
+                <a:uFillTx/>
+                <a:latin typeface="Calibri" panose="020F0502020204030204"/>
+                <a:ea typeface="+mn-ea"/>
+                <a:cs typeface="+mn-cs"/>
+              </a:rPr>
+              <a:t>claim_risk_cat</a:t>
+            </a:r>
+            <a:r>
+              <a:rPr kumimoji="0" lang="en-US" sz="1800" b="0" i="0" u="none" strike="noStrike" kern="1200" cap="none" spc="0" normalizeH="0" baseline="0" noProof="0" dirty="0">
+                <a:ln>
+                  <a:noFill/>
+                </a:ln>
+                <a:solidFill>
+                  <a:prstClr val="white"/>
+                </a:solidFill>
+                <a:effectLst/>
+                <a:uLnTx/>
+                <a:uFillTx/>
+                <a:latin typeface="Calibri" panose="020F0502020204030204"/>
+                <a:ea typeface="+mn-ea"/>
+                <a:cs typeface="+mn-cs"/>
+              </a:rPr>
+              <a:t>, </a:t>
+            </a:r>
+            <a:r>
+              <a:rPr kumimoji="0" lang="en-US" sz="1800" b="0" i="0" u="none" strike="noStrike" kern="1200" cap="none" spc="0" normalizeH="0" baseline="0" noProof="0" dirty="0" err="1">
+                <a:ln>
+                  <a:noFill/>
+                </a:ln>
+                <a:solidFill>
+                  <a:prstClr val="white"/>
+                </a:solidFill>
+                <a:effectLst/>
+                <a:uLnTx/>
+                <a:uFillTx/>
+                <a:latin typeface="Calibri" panose="020F0502020204030204"/>
+                <a:ea typeface="+mn-ea"/>
+                <a:cs typeface="+mn-cs"/>
+              </a:rPr>
+              <a:t>credit_score_cat</a:t>
+            </a:r>
+            <a:r>
+              <a:rPr kumimoji="0" lang="en-US" sz="1800" b="0" i="0" u="none" strike="noStrike" kern="1200" cap="none" spc="0" normalizeH="0" baseline="0" noProof="0" dirty="0">
+                <a:ln>
+                  <a:noFill/>
+                </a:ln>
+                <a:solidFill>
+                  <a:prstClr val="white"/>
+                </a:solidFill>
+                <a:effectLst/>
+                <a:uLnTx/>
+                <a:uFillTx/>
+                <a:latin typeface="Calibri" panose="020F0502020204030204"/>
+                <a:ea typeface="+mn-ea"/>
+                <a:cs typeface="+mn-cs"/>
+              </a:rPr>
+              <a:t>, </a:t>
+            </a:r>
+            <a:r>
+              <a:rPr kumimoji="0" lang="en-US" sz="1800" b="0" i="0" u="none" strike="noStrike" kern="1200" cap="none" spc="0" normalizeH="0" baseline="0" noProof="0" dirty="0" err="1">
+                <a:ln>
+                  <a:noFill/>
+                </a:ln>
+                <a:solidFill>
+                  <a:prstClr val="white"/>
+                </a:solidFill>
+                <a:effectLst/>
+                <a:uLnTx/>
+                <a:uFillTx/>
+                <a:latin typeface="Calibri" panose="020F0502020204030204"/>
+                <a:ea typeface="+mn-ea"/>
+                <a:cs typeface="+mn-cs"/>
+              </a:rPr>
+              <a:t>cost_per_claim</a:t>
+            </a:r>
+            <a:r>
+              <a:rPr kumimoji="0" lang="en-US" sz="1800" b="0" i="0" u="none" strike="noStrike" kern="1200" cap="none" spc="0" normalizeH="0" baseline="0" noProof="0" dirty="0">
+                <a:ln>
+                  <a:noFill/>
+                </a:ln>
+                <a:solidFill>
+                  <a:prstClr val="white"/>
+                </a:solidFill>
+                <a:effectLst/>
+                <a:uLnTx/>
+                <a:uFillTx/>
+                <a:latin typeface="Calibri" panose="020F0502020204030204"/>
+                <a:ea typeface="+mn-ea"/>
+                <a:cs typeface="+mn-cs"/>
+              </a:rPr>
+              <a:t>.</a:t>
+            </a:r>
+          </a:p>
+          <a:p>
+            <a:pPr marL="285750" marR="0" lvl="0" indent="-285750" algn="l" defTabSz="457200" rtl="0" eaLnBrk="1" fontAlgn="auto" latinLnBrk="0" hangingPunct="1">
+              <a:lnSpc>
+                <a:spcPct val="100000"/>
+              </a:lnSpc>
+              <a:spcBef>
+                <a:spcPts val="0"/>
+              </a:spcBef>
+              <a:spcAft>
+                <a:spcPts val="0"/>
+              </a:spcAft>
+              <a:buClrTx/>
+              <a:buSzTx/>
+              <a:buFont typeface="Wingdings" panose="05000000000000000000" pitchFamily="2" charset="2"/>
+              <a:buChar char="q"/>
+              <a:tabLst/>
+              <a:defRPr/>
+            </a:pPr>
+            <a:r>
+              <a:rPr kumimoji="0" lang="en-US" sz="1800" b="0" i="0" u="none" strike="noStrike" kern="1200" cap="none" spc="0" normalizeH="0" baseline="0" noProof="0" dirty="0">
+                <a:ln>
+                  <a:noFill/>
+                </a:ln>
+                <a:solidFill>
+                  <a:prstClr val="white"/>
+                </a:solidFill>
+                <a:effectLst/>
+                <a:uLnTx/>
+                <a:uFillTx/>
+                <a:latin typeface="Calibri" panose="020F0502020204030204"/>
+                <a:ea typeface="+mn-ea"/>
+                <a:cs typeface="+mn-cs"/>
+              </a:rPr>
+              <a:t>Dropped features:</a:t>
+            </a:r>
+          </a:p>
+          <a:p>
+            <a:pPr marL="742950" marR="0" lvl="1" indent="-285750" algn="l" defTabSz="457200" rtl="0" eaLnBrk="1" fontAlgn="auto" latinLnBrk="0" hangingPunct="1">
+              <a:lnSpc>
+                <a:spcPct val="100000"/>
+              </a:lnSpc>
+              <a:spcBef>
+                <a:spcPts val="0"/>
+              </a:spcBef>
+              <a:spcAft>
+                <a:spcPts val="0"/>
+              </a:spcAft>
+              <a:buClrTx/>
+              <a:buSzTx/>
+              <a:buFont typeface="Wingdings" panose="05000000000000000000" pitchFamily="2" charset="2"/>
+              <a:buChar char="§"/>
+              <a:tabLst/>
+              <a:defRPr/>
+            </a:pPr>
+            <a:r>
+              <a:rPr kumimoji="0" lang="en-US" sz="1800" b="0" i="0" u="none" strike="noStrike" kern="1200" cap="none" spc="0" normalizeH="0" baseline="0" noProof="0" dirty="0">
+                <a:ln>
+                  <a:noFill/>
+                </a:ln>
+                <a:solidFill>
+                  <a:prstClr val="white"/>
+                </a:solidFill>
+                <a:effectLst/>
+                <a:uLnTx/>
+                <a:uFillTx/>
+                <a:latin typeface="Calibri" panose="020F0502020204030204"/>
+                <a:ea typeface="+mn-ea"/>
+                <a:cs typeface="+mn-cs"/>
+              </a:rPr>
+              <a:t>With high null values, ID/date related features and columns, not in 2018 potential data.</a:t>
+            </a:r>
+          </a:p>
+          <a:p>
+            <a:pPr marL="285750" marR="0" lvl="0" indent="-285750" algn="l" defTabSz="457200" rtl="0" eaLnBrk="1" fontAlgn="auto" latinLnBrk="0" hangingPunct="1">
+              <a:lnSpc>
+                <a:spcPct val="100000"/>
+              </a:lnSpc>
+              <a:spcBef>
+                <a:spcPts val="0"/>
+              </a:spcBef>
+              <a:spcAft>
+                <a:spcPts val="0"/>
+              </a:spcAft>
+              <a:buClrTx/>
+              <a:buSzTx/>
+              <a:buFont typeface="Wingdings" panose="05000000000000000000" pitchFamily="2" charset="2"/>
+              <a:buChar char="q"/>
+              <a:tabLst/>
+              <a:defRPr/>
+            </a:pPr>
+            <a:r>
+              <a:rPr kumimoji="0" lang="en-US" sz="1800" b="0" i="0" u="none" strike="noStrike" kern="1200" cap="none" spc="0" normalizeH="0" baseline="0" noProof="0" dirty="0">
+                <a:ln>
+                  <a:noFill/>
+                </a:ln>
+                <a:solidFill>
+                  <a:prstClr val="white"/>
+                </a:solidFill>
+                <a:effectLst/>
+                <a:uLnTx/>
+                <a:uFillTx/>
+                <a:latin typeface="Calibri" panose="020F0502020204030204"/>
+                <a:ea typeface="+mn-ea"/>
+                <a:cs typeface="+mn-cs"/>
+              </a:rPr>
+              <a:t>Data was robust-scaled:</a:t>
+            </a:r>
+          </a:p>
+          <a:p>
+            <a:pPr marL="742950" marR="0" lvl="1" indent="-285750" algn="l" defTabSz="457200" rtl="0" eaLnBrk="1" fontAlgn="auto" latinLnBrk="0" hangingPunct="1">
+              <a:lnSpc>
+                <a:spcPct val="100000"/>
+              </a:lnSpc>
+              <a:spcBef>
+                <a:spcPts val="0"/>
+              </a:spcBef>
+              <a:spcAft>
+                <a:spcPts val="0"/>
+              </a:spcAft>
+              <a:buClrTx/>
+              <a:buSzTx/>
+              <a:buFont typeface="Wingdings" panose="05000000000000000000" pitchFamily="2" charset="2"/>
+              <a:buChar char="§"/>
+              <a:tabLst/>
+              <a:defRPr/>
+            </a:pPr>
+            <a:r>
+              <a:rPr kumimoji="0" lang="en-US" sz="1800" b="0" i="0" u="none" strike="noStrike" kern="1200" cap="none" spc="0" normalizeH="0" baseline="0" noProof="0" dirty="0">
+                <a:ln>
+                  <a:noFill/>
+                </a:ln>
+                <a:solidFill>
+                  <a:prstClr val="white"/>
+                </a:solidFill>
+                <a:effectLst/>
+                <a:uLnTx/>
+                <a:uFillTx/>
+                <a:latin typeface="Calibri" panose="020F0502020204030204"/>
+                <a:ea typeface="+mn-ea"/>
+                <a:cs typeface="+mn-cs"/>
+              </a:rPr>
+              <a:t>Due to the inclusion of outliers</a:t>
+            </a:r>
+          </a:p>
+          <a:p>
+            <a:pPr defTabSz="457200">
+              <a:lnSpc>
+                <a:spcPct val="100000"/>
+              </a:lnSpc>
+              <a:spcBef>
+                <a:spcPts val="0"/>
+              </a:spcBef>
+              <a:buClrTx/>
+              <a:buSzTx/>
+              <a:buFont typeface="Wingdings" panose="05000000000000000000" pitchFamily="2" charset="2"/>
+              <a:buChar char="q"/>
+              <a:defRPr/>
+            </a:pPr>
+            <a:endParaRPr kumimoji="0" lang="en-US" sz="2200" b="0" i="0" u="none" strike="noStrike" kern="1200" cap="none" spc="0" normalizeH="0" baseline="0" noProof="0" dirty="0">
+              <a:ln>
+                <a:noFill/>
+              </a:ln>
+              <a:solidFill>
+                <a:prstClr val="white"/>
+              </a:solidFill>
+              <a:effectLst/>
+              <a:uLnTx/>
+              <a:uFillTx/>
+              <a:latin typeface="Calibri" panose="020F0502020204030204"/>
+              <a:ea typeface="+mn-ea"/>
+              <a:cs typeface="+mn-cs"/>
+            </a:endParaRPr>
+          </a:p>
+          <a:p>
+            <a:endParaRPr lang="en-US" dirty="0"/>
+          </a:p>
+        </p:txBody>
+      </p:sp>
+      <p:sp>
+        <p:nvSpPr>
+          <p:cNvPr id="4" name="Content Placeholder 3">
             <a:extLst>
               <a:ext uri="{FF2B5EF4-FFF2-40B4-BE49-F238E27FC236}">
-                <a16:creationId xmlns:a16="http://schemas.microsoft.com/office/drawing/2014/main" id="{A6BD222F-9845-C33C-4EB3-6AD7A4C7A6B7}"/>
+                <a16:creationId xmlns:a16="http://schemas.microsoft.com/office/drawing/2014/main" id="{2C1DC268-F79E-F52F-1FBC-A1F620BD8128}"/>
               </a:ext>
             </a:extLst>
           </p:cNvPr>
-          <p:cNvPicPr>
-            <a:picLocks noChangeAspect="1"/>
-          </p:cNvPicPr>
-          <p:nvPr/>
-        </p:nvPicPr>
-        <p:blipFill>
-          <a:blip r:embed="rId3"/>
-          <a:stretch>
-            <a:fillRect/>
-          </a:stretch>
-        </p:blipFill>
-        <p:spPr>
-          <a:xfrm>
-            <a:off x="5879055" y="1719190"/>
-            <a:ext cx="5223054" cy="3641292"/>
-          </a:xfrm>
-          <a:prstGeom prst="rect">
-            <a:avLst/>
-          </a:prstGeom>
-        </p:spPr>
-      </p:pic>
+          <p:cNvSpPr>
+            <a:spLocks noGrp="1"/>
+          </p:cNvSpPr>
+          <p:nvPr>
+            <p:ph sz="half" idx="2"/>
+          </p:nvPr>
+        </p:nvSpPr>
+        <p:spPr>
+          <a:xfrm>
+            <a:off x="5865962" y="1397479"/>
+            <a:ext cx="5796950" cy="4779484"/>
+          </a:xfrm>
+        </p:spPr>
+        <p:txBody>
+          <a:bodyPr/>
+          <a:lstStyle/>
+          <a:p>
+            <a:pPr>
+              <a:buFont typeface="Wingdings" panose="05000000000000000000" pitchFamily="2" charset="2"/>
+              <a:buChar char="q"/>
+            </a:pPr>
+            <a:r>
+              <a:rPr lang="en-US" sz="1800" dirty="0"/>
+              <a:t>SMOTE up sampling technique used.</a:t>
+            </a:r>
+          </a:p>
+          <a:p>
+            <a:pPr>
+              <a:buFont typeface="Wingdings" panose="05000000000000000000" pitchFamily="2" charset="2"/>
+              <a:buChar char="q"/>
+            </a:pPr>
+            <a:r>
+              <a:rPr lang="en-US" sz="1800" dirty="0"/>
+              <a:t>LightGBM model attempted.</a:t>
+            </a:r>
+          </a:p>
+          <a:p>
+            <a:pPr>
+              <a:buFont typeface="Wingdings" panose="05000000000000000000" pitchFamily="2" charset="2"/>
+              <a:buChar char="q"/>
+            </a:pPr>
+            <a:r>
+              <a:rPr lang="en-US" sz="1800" dirty="0"/>
+              <a:t>Hyperparameters were tuned based on the F1 metric via </a:t>
+            </a:r>
+            <a:r>
+              <a:rPr lang="en-US" sz="1800" i="0" dirty="0" err="1">
+                <a:effectLst/>
+                <a:latin typeface="+mj-lt"/>
+              </a:rPr>
+              <a:t>RandomizedSearchCV</a:t>
+            </a:r>
+            <a:r>
+              <a:rPr lang="en-US" sz="1800" i="0" dirty="0">
+                <a:effectLst/>
+                <a:latin typeface="+mj-lt"/>
+              </a:rPr>
+              <a:t>.</a:t>
+            </a:r>
+          </a:p>
+          <a:p>
+            <a:pPr>
+              <a:buFont typeface="Wingdings" panose="05000000000000000000" pitchFamily="2" charset="2"/>
+              <a:buChar char="q"/>
+            </a:pPr>
+            <a:r>
+              <a:rPr lang="en-US" sz="1800" dirty="0"/>
+              <a:t> 2017 Policy info dataset was used as training and the 2018 Potential Policy dataset was used as a test dataset and labels were predicted.</a:t>
+            </a:r>
+          </a:p>
+          <a:p>
+            <a:pPr>
+              <a:buFont typeface="Wingdings" panose="05000000000000000000" pitchFamily="2" charset="2"/>
+              <a:buChar char="q"/>
+            </a:pPr>
+            <a:r>
+              <a:rPr lang="en-US" sz="1800" dirty="0"/>
+              <a:t>LightGBM Hyperparameters:</a:t>
+            </a:r>
+          </a:p>
+          <a:p>
+            <a:pPr lvl="1">
+              <a:buFont typeface="Wingdings" panose="05000000000000000000" pitchFamily="2" charset="2"/>
+              <a:buChar char="§"/>
+            </a:pPr>
+            <a:r>
+              <a:rPr lang="en-US" sz="1400" dirty="0"/>
+              <a:t>subsample: 0.8</a:t>
+            </a:r>
+          </a:p>
+          <a:p>
+            <a:pPr lvl="1">
+              <a:buFont typeface="Wingdings" panose="05000000000000000000" pitchFamily="2" charset="2"/>
+              <a:buChar char="§"/>
+            </a:pPr>
+            <a:r>
+              <a:rPr lang="en-US" sz="1400" dirty="0" err="1"/>
+              <a:t>num_leaves</a:t>
+            </a:r>
+            <a:r>
+              <a:rPr lang="en-US" sz="1400" dirty="0"/>
+              <a:t>: 100</a:t>
+            </a:r>
+          </a:p>
+          <a:p>
+            <a:pPr lvl="1">
+              <a:buFont typeface="Wingdings" panose="05000000000000000000" pitchFamily="2" charset="2"/>
+              <a:buChar char="§"/>
+            </a:pPr>
+            <a:r>
+              <a:rPr lang="en-US" sz="1400" dirty="0"/>
+              <a:t>n_estimators: 120</a:t>
+            </a:r>
+          </a:p>
+          <a:p>
+            <a:pPr lvl="1">
+              <a:buFont typeface="Wingdings" panose="05000000000000000000" pitchFamily="2" charset="2"/>
+              <a:buChar char="§"/>
+            </a:pPr>
+            <a:r>
+              <a:rPr lang="en-US" sz="1400" dirty="0"/>
+              <a:t>max_depth: 6</a:t>
+            </a:r>
+          </a:p>
+          <a:p>
+            <a:pPr lvl="1">
+              <a:buFont typeface="Wingdings" panose="05000000000000000000" pitchFamily="2" charset="2"/>
+              <a:buChar char="§"/>
+            </a:pPr>
+            <a:r>
+              <a:rPr lang="en-US" sz="1400" dirty="0"/>
+              <a:t>learning_rate: 0.687</a:t>
+            </a:r>
+          </a:p>
+          <a:p>
+            <a:pPr lvl="1">
+              <a:buFont typeface="Wingdings" panose="05000000000000000000" pitchFamily="2" charset="2"/>
+              <a:buChar char="§"/>
+            </a:pPr>
+            <a:r>
+              <a:rPr lang="en-US" sz="1400" dirty="0"/>
+              <a:t>colsample_bytree: 1</a:t>
+            </a:r>
+          </a:p>
+        </p:txBody>
+      </p:sp>
     </p:spTree>
     <p:extLst>
       <p:ext uri="{BB962C8B-B14F-4D97-AF65-F5344CB8AC3E}">
-        <p14:creationId xmlns:p14="http://schemas.microsoft.com/office/powerpoint/2010/main" val="4025147930"/>
+        <p14:creationId xmlns:p14="http://schemas.microsoft.com/office/powerpoint/2010/main" val="426430643"/>
       </p:ext>
     </p:extLst>
   </p:cSld>
@@ -6926,7 +8017,7 @@
           <p:cNvPr id="2" name="Title 1">
             <a:extLst>
               <a:ext uri="{FF2B5EF4-FFF2-40B4-BE49-F238E27FC236}">
-                <a16:creationId xmlns:a16="http://schemas.microsoft.com/office/drawing/2014/main" id="{56F00631-B42A-A942-7BA2-36A0391C4B1A}"/>
+                <a16:creationId xmlns:a16="http://schemas.microsoft.com/office/drawing/2014/main" id="{2FCD7E6A-3FD7-D3F8-9BD3-812FB90873FC}"/>
               </a:ext>
             </a:extLst>
           </p:cNvPr>
@@ -6939,8 +8030,8 @@
         </p:nvSpPr>
         <p:spPr>
           <a:xfrm>
-            <a:off x="464127" y="613913"/>
-            <a:ext cx="11263745" cy="736425"/>
+            <a:off x="457200" y="639793"/>
+            <a:ext cx="10096500" cy="947467"/>
           </a:xfrm>
         </p:spPr>
         <p:txBody>
@@ -6949,26 +8040,60 @@
           <a:p>
             <a:r>
               <a:rPr lang="en-US" dirty="0"/>
-              <a:t>Focusing on females (majority) - Low Risk</a:t>
-            </a:r>
+              <a:t>2017 Policy Data EDA:</a:t>
+            </a:r>
+          </a:p>
+        </p:txBody>
+      </p:sp>
+      <p:sp>
+        <p:nvSpPr>
+          <p:cNvPr id="3" name="Content Placeholder 2">
+            <a:extLst>
+              <a:ext uri="{FF2B5EF4-FFF2-40B4-BE49-F238E27FC236}">
+                <a16:creationId xmlns:a16="http://schemas.microsoft.com/office/drawing/2014/main" id="{248E8546-DBD6-7252-F007-54DD08B62CBF}"/>
+              </a:ext>
+            </a:extLst>
+          </p:cNvPr>
+          <p:cNvSpPr>
+            <a:spLocks noGrp="1"/>
+          </p:cNvSpPr>
+          <p:nvPr>
+            <p:ph idx="1"/>
+          </p:nvPr>
+        </p:nvSpPr>
+        <p:spPr>
+          <a:xfrm>
+            <a:off x="457199" y="1587260"/>
+            <a:ext cx="10955547" cy="4546121"/>
+          </a:xfrm>
+        </p:spPr>
+        <p:txBody>
+          <a:bodyPr/>
+          <a:lstStyle/>
+          <a:p>
+            <a:r>
+              <a:rPr lang="en-US" dirty="0"/>
+              <a:t>Total Claim Amount</a:t>
+            </a:r>
+          </a:p>
+          <a:p>
+            <a:endParaRPr lang="en-US" dirty="0"/>
           </a:p>
         </p:txBody>
       </p:sp>
       <p:pic>
         <p:nvPicPr>
-          <p:cNvPr id="5" name="Content Placeholder 4">
+          <p:cNvPr id="5" name="Picture 4">
             <a:extLst>
               <a:ext uri="{FF2B5EF4-FFF2-40B4-BE49-F238E27FC236}">
-                <a16:creationId xmlns:a16="http://schemas.microsoft.com/office/drawing/2014/main" id="{1DEEB738-1779-48A8-788B-52B627D02130}"/>
+                <a16:creationId xmlns:a16="http://schemas.microsoft.com/office/drawing/2014/main" id="{61F559D7-7D6A-F423-CF9C-DDD604FCF872}"/>
               </a:ext>
             </a:extLst>
           </p:cNvPr>
           <p:cNvPicPr>
-            <a:picLocks noGrp="1" noChangeAspect="1"/>
+            <a:picLocks noChangeAspect="1"/>
           </p:cNvPicPr>
-          <p:nvPr>
-            <p:ph idx="1"/>
-          </p:nvPr>
+          <p:nvPr/>
         </p:nvPicPr>
         <p:blipFill>
           <a:blip r:embed="rId2"/>
@@ -6978,15 +8103,48 @@
         </p:blipFill>
         <p:spPr>
           <a:xfrm>
-            <a:off x="2544364" y="1575976"/>
-            <a:ext cx="6401229" cy="4021753"/>
-          </a:xfrm>
+            <a:off x="665017" y="2259265"/>
+            <a:ext cx="5223166" cy="3148922"/>
+          </a:xfrm>
+          <a:prstGeom prst="rect">
+            <a:avLst/>
+          </a:prstGeom>
+        </p:spPr>
+      </p:pic>
+      <p:pic>
+        <p:nvPicPr>
+          <p:cNvPr id="7" name="Picture 6">
+            <a:extLst>
+              <a:ext uri="{FF2B5EF4-FFF2-40B4-BE49-F238E27FC236}">
+                <a16:creationId xmlns:a16="http://schemas.microsoft.com/office/drawing/2014/main" id="{93CCBF42-330A-B662-A0F9-073475F22F31}"/>
+              </a:ext>
+            </a:extLst>
+          </p:cNvPr>
+          <p:cNvPicPr>
+            <a:picLocks noChangeAspect="1"/>
+          </p:cNvPicPr>
+          <p:nvPr/>
+        </p:nvPicPr>
+        <p:blipFill>
+          <a:blip r:embed="rId3"/>
+          <a:stretch>
+            <a:fillRect/>
+          </a:stretch>
+        </p:blipFill>
+        <p:spPr>
+          <a:xfrm>
+            <a:off x="6234546" y="2259265"/>
+            <a:ext cx="5043055" cy="3144091"/>
+          </a:xfrm>
+          <a:prstGeom prst="rect">
+            <a:avLst/>
+          </a:prstGeom>
         </p:spPr>
       </p:pic>
     </p:spTree>
     <p:extLst>
       <p:ext uri="{BB962C8B-B14F-4D97-AF65-F5344CB8AC3E}">
-        <p14:creationId xmlns:p14="http://schemas.microsoft.com/office/powerpoint/2010/main" val="2781436901"/>
+        <p14:creationId xmlns:p14="http://schemas.microsoft.com/office/powerpoint/2010/main" val="4256411515"/>
       </p:ext>
     </p:extLst>
   </p:cSld>
@@ -7018,7 +8176,7 @@
           <p:cNvPr id="2" name="Title 1">
             <a:extLst>
               <a:ext uri="{FF2B5EF4-FFF2-40B4-BE49-F238E27FC236}">
-                <a16:creationId xmlns:a16="http://schemas.microsoft.com/office/drawing/2014/main" id="{3077414B-7C12-CF89-1E77-CE71AEE0131B}"/>
+                <a16:creationId xmlns:a16="http://schemas.microsoft.com/office/drawing/2014/main" id="{D281814B-2642-0C7C-7A5B-F628EAEE4984}"/>
               </a:ext>
             </a:extLst>
           </p:cNvPr>
@@ -7031,8 +8189,8 @@
         </p:nvSpPr>
         <p:spPr>
           <a:xfrm>
-            <a:off x="457199" y="639794"/>
-            <a:ext cx="10826151" cy="705928"/>
+            <a:off x="457200" y="639794"/>
+            <a:ext cx="10852030" cy="835324"/>
           </a:xfrm>
         </p:spPr>
         <p:txBody>
@@ -7041,46 +8199,53 @@
           <a:p>
             <a:r>
               <a:rPr lang="en-US" dirty="0"/>
-              <a:t>Focusing on males (majority) - High Risk</a:t>
-            </a:r>
-          </a:p>
-        </p:txBody>
-      </p:sp>
-      <p:pic>
-        <p:nvPicPr>
-          <p:cNvPr id="5" name="Content Placeholder 4">
+              <a:t>2017 Policy Data EDA:</a:t>
+            </a:r>
+          </a:p>
+        </p:txBody>
+      </p:sp>
+      <p:sp>
+        <p:nvSpPr>
+          <p:cNvPr id="3" name="Content Placeholder 2">
             <a:extLst>
               <a:ext uri="{FF2B5EF4-FFF2-40B4-BE49-F238E27FC236}">
-                <a16:creationId xmlns:a16="http://schemas.microsoft.com/office/drawing/2014/main" id="{E2F3ACC3-47E0-78FD-BE1E-0CEEFA67D94A}"/>
+                <a16:creationId xmlns:a16="http://schemas.microsoft.com/office/drawing/2014/main" id="{CF68DE36-463F-4549-7183-16C619579046}"/>
               </a:ext>
             </a:extLst>
           </p:cNvPr>
-          <p:cNvPicPr>
-            <a:picLocks noGrp="1" noChangeAspect="1"/>
-          </p:cNvPicPr>
+          <p:cNvSpPr>
+            <a:spLocks noGrp="1"/>
+          </p:cNvSpPr>
           <p:nvPr>
             <p:ph idx="1"/>
           </p:nvPr>
-        </p:nvPicPr>
-        <p:blipFill>
-          <a:blip r:embed="rId2"/>
-          <a:stretch>
-            <a:fillRect/>
-          </a:stretch>
-        </p:blipFill>
-        <p:spPr>
-          <a:xfrm>
-            <a:off x="487194" y="1591812"/>
-            <a:ext cx="5350188" cy="3859102"/>
-          </a:xfrm>
-        </p:spPr>
-      </p:pic>
+        </p:nvSpPr>
+        <p:spPr>
+          <a:xfrm>
+            <a:off x="457199" y="1475118"/>
+            <a:ext cx="11084944" cy="4554746"/>
+          </a:xfrm>
+        </p:spPr>
+        <p:txBody>
+          <a:bodyPr/>
+          <a:lstStyle/>
+          <a:p>
+            <a:r>
+              <a:rPr lang="en-US" dirty="0"/>
+              <a:t>Number of Claims (Info used to create risk categories):</a:t>
+            </a:r>
+          </a:p>
+          <a:p>
+            <a:endParaRPr lang="en-US" dirty="0"/>
+          </a:p>
+        </p:txBody>
+      </p:sp>
       <p:pic>
         <p:nvPicPr>
-          <p:cNvPr id="7" name="Picture 6">
+          <p:cNvPr id="5" name="Picture 4">
             <a:extLst>
               <a:ext uri="{FF2B5EF4-FFF2-40B4-BE49-F238E27FC236}">
-                <a16:creationId xmlns:a16="http://schemas.microsoft.com/office/drawing/2014/main" id="{0980B469-4F6E-6686-8852-D15B15A74E07}"/>
+                <a16:creationId xmlns:a16="http://schemas.microsoft.com/office/drawing/2014/main" id="{489E35C3-FC82-4B6A-FD1E-5E328630652A}"/>
               </a:ext>
             </a:extLst>
           </p:cNvPr>
@@ -7090,15 +8255,15 @@
           <p:nvPr/>
         </p:nvPicPr>
         <p:blipFill>
-          <a:blip r:embed="rId3"/>
+          <a:blip r:embed="rId2"/>
           <a:stretch>
             <a:fillRect/>
           </a:stretch>
         </p:blipFill>
         <p:spPr>
           <a:xfrm>
-            <a:off x="6159194" y="1591812"/>
-            <a:ext cx="5545612" cy="3859103"/>
+            <a:off x="2026075" y="2047947"/>
+            <a:ext cx="6868543" cy="3909508"/>
           </a:xfrm>
           <a:prstGeom prst="rect">
             <a:avLst/>
@@ -7108,7 +8273,7 @@
     </p:spTree>
     <p:extLst>
       <p:ext uri="{BB962C8B-B14F-4D97-AF65-F5344CB8AC3E}">
-        <p14:creationId xmlns:p14="http://schemas.microsoft.com/office/powerpoint/2010/main" val="2851179346"/>
+        <p14:creationId xmlns:p14="http://schemas.microsoft.com/office/powerpoint/2010/main" val="2846260871"/>
       </p:ext>
     </p:extLst>
   </p:cSld>
@@ -7140,7 +8305,7 @@
           <p:cNvPr id="2" name="Title 1">
             <a:extLst>
               <a:ext uri="{FF2B5EF4-FFF2-40B4-BE49-F238E27FC236}">
-                <a16:creationId xmlns:a16="http://schemas.microsoft.com/office/drawing/2014/main" id="{DF92D068-3F7C-26C2-88E1-CEB185D6DA5D}"/>
+                <a16:creationId xmlns:a16="http://schemas.microsoft.com/office/drawing/2014/main" id="{1C460D5D-048E-6EF9-C0F5-A1315736A4CC}"/>
               </a:ext>
             </a:extLst>
           </p:cNvPr>
@@ -7153,8 +8318,8 @@
         </p:nvSpPr>
         <p:spPr>
           <a:xfrm>
-            <a:off x="457199" y="639793"/>
-            <a:ext cx="11197087" cy="697301"/>
+            <a:off x="457199" y="639794"/>
+            <a:ext cx="10894291" cy="801080"/>
           </a:xfrm>
         </p:spPr>
         <p:txBody>
@@ -7163,17 +8328,17 @@
           <a:p>
             <a:r>
               <a:rPr lang="en-US" dirty="0"/>
-              <a:t>Focusing on males (majority) - High Risk</a:t>
+              <a:t>Gender Evaluation</a:t>
             </a:r>
           </a:p>
         </p:txBody>
       </p:sp>
       <p:pic>
         <p:nvPicPr>
-          <p:cNvPr id="9" name="Content Placeholder 8">
+          <p:cNvPr id="14" name="Content Placeholder 13">
             <a:extLst>
               <a:ext uri="{FF2B5EF4-FFF2-40B4-BE49-F238E27FC236}">
-                <a16:creationId xmlns:a16="http://schemas.microsoft.com/office/drawing/2014/main" id="{93CE467A-B646-F33D-A717-8A6409E3FFCB}"/>
+                <a16:creationId xmlns:a16="http://schemas.microsoft.com/office/drawing/2014/main" id="{BDD81C03-E2D6-9D58-04DB-0C6D0F1397CA}"/>
               </a:ext>
             </a:extLst>
           </p:cNvPr>
@@ -7192,15 +8357,45 @@
         </p:blipFill>
         <p:spPr>
           <a:xfrm>
-            <a:off x="3233474" y="1606549"/>
-            <a:ext cx="5644536" cy="3787487"/>
-          </a:xfrm>
+            <a:off x="1127057" y="1597891"/>
+            <a:ext cx="4248743" cy="4139358"/>
+          </a:xfrm>
+        </p:spPr>
+      </p:pic>
+      <p:pic>
+        <p:nvPicPr>
+          <p:cNvPr id="16" name="Picture 15">
+            <a:extLst>
+              <a:ext uri="{FF2B5EF4-FFF2-40B4-BE49-F238E27FC236}">
+                <a16:creationId xmlns:a16="http://schemas.microsoft.com/office/drawing/2014/main" id="{74FAA86E-975E-3994-8573-071C1A512DCE}"/>
+              </a:ext>
+            </a:extLst>
+          </p:cNvPr>
+          <p:cNvPicPr>
+            <a:picLocks noChangeAspect="1"/>
+          </p:cNvPicPr>
+          <p:nvPr/>
+        </p:nvPicPr>
+        <p:blipFill>
+          <a:blip r:embed="rId3"/>
+          <a:stretch>
+            <a:fillRect/>
+          </a:stretch>
+        </p:blipFill>
+        <p:spPr>
+          <a:xfrm>
+            <a:off x="5564156" y="1597891"/>
+            <a:ext cx="4439270" cy="4144121"/>
+          </a:xfrm>
+          <a:prstGeom prst="rect">
+            <a:avLst/>
+          </a:prstGeom>
         </p:spPr>
       </p:pic>
     </p:spTree>
     <p:extLst>
       <p:ext uri="{BB962C8B-B14F-4D97-AF65-F5344CB8AC3E}">
-        <p14:creationId xmlns:p14="http://schemas.microsoft.com/office/powerpoint/2010/main" val="4079695075"/>
+        <p14:creationId xmlns:p14="http://schemas.microsoft.com/office/powerpoint/2010/main" val="1853572123"/>
       </p:ext>
     </p:extLst>
   </p:cSld>
@@ -7232,7 +8427,7 @@
           <p:cNvPr id="2" name="Title 1">
             <a:extLst>
               <a:ext uri="{FF2B5EF4-FFF2-40B4-BE49-F238E27FC236}">
-                <a16:creationId xmlns:a16="http://schemas.microsoft.com/office/drawing/2014/main" id="{98796A30-8CE5-5B98-8490-C6B66183929F}"/>
+                <a16:creationId xmlns:a16="http://schemas.microsoft.com/office/drawing/2014/main" id="{F8B78188-FA94-45C6-5B94-1E9950E8BDDF}"/>
               </a:ext>
             </a:extLst>
           </p:cNvPr>
@@ -7245,8 +8440,8 @@
         </p:nvSpPr>
         <p:spPr>
           <a:xfrm>
-            <a:off x="457200" y="639794"/>
-            <a:ext cx="10912764" cy="614575"/>
+            <a:off x="457199" y="639793"/>
+            <a:ext cx="11060545" cy="791843"/>
           </a:xfrm>
         </p:spPr>
         <p:txBody>
@@ -7255,17 +8450,17 @@
           <a:p>
             <a:r>
               <a:rPr lang="en-US" dirty="0"/>
-              <a:t>Credit Score vs Total Claim Amounts</a:t>
+              <a:t>Focusing on females (majority) - Low Risk</a:t>
             </a:r>
           </a:p>
         </p:txBody>
       </p:sp>
       <p:pic>
         <p:nvPicPr>
-          <p:cNvPr id="9" name="Content Placeholder 8">
+          <p:cNvPr id="5" name="Content Placeholder 4">
             <a:extLst>
               <a:ext uri="{FF2B5EF4-FFF2-40B4-BE49-F238E27FC236}">
-                <a16:creationId xmlns:a16="http://schemas.microsoft.com/office/drawing/2014/main" id="{69061435-B030-168A-80AE-6E30F99C75DF}"/>
+                <a16:creationId xmlns:a16="http://schemas.microsoft.com/office/drawing/2014/main" id="{2AC5C0A1-C34B-BB40-FD0D-96C8A0AF1818}"/>
               </a:ext>
             </a:extLst>
           </p:cNvPr>
@@ -7284,17 +8479,17 @@
         </p:blipFill>
         <p:spPr>
           <a:xfrm>
-            <a:off x="457200" y="1682967"/>
-            <a:ext cx="5435600" cy="3492066"/>
+            <a:off x="555301" y="1719190"/>
+            <a:ext cx="5041935" cy="3641292"/>
           </a:xfrm>
         </p:spPr>
       </p:pic>
       <p:pic>
         <p:nvPicPr>
-          <p:cNvPr id="11" name="Picture 10">
+          <p:cNvPr id="7" name="Picture 6">
             <a:extLst>
               <a:ext uri="{FF2B5EF4-FFF2-40B4-BE49-F238E27FC236}">
-                <a16:creationId xmlns:a16="http://schemas.microsoft.com/office/drawing/2014/main" id="{6A990812-3100-7C4A-45FD-EFC0940F5B47}"/>
+                <a16:creationId xmlns:a16="http://schemas.microsoft.com/office/drawing/2014/main" id="{A6BD222F-9845-C33C-4EB3-6AD7A4C7A6B7}"/>
               </a:ext>
             </a:extLst>
           </p:cNvPr>
@@ -7311,8 +8506,8 @@
         </p:blipFill>
         <p:spPr>
           <a:xfrm>
-            <a:off x="6143975" y="1682967"/>
-            <a:ext cx="5225989" cy="3492066"/>
+            <a:off x="5879055" y="1719190"/>
+            <a:ext cx="5223054" cy="3641292"/>
           </a:xfrm>
           <a:prstGeom prst="rect">
             <a:avLst/>
@@ -7322,7 +8517,7 @@
     </p:spTree>
     <p:extLst>
       <p:ext uri="{BB962C8B-B14F-4D97-AF65-F5344CB8AC3E}">
-        <p14:creationId xmlns:p14="http://schemas.microsoft.com/office/powerpoint/2010/main" val="2404060174"/>
+        <p14:creationId xmlns:p14="http://schemas.microsoft.com/office/powerpoint/2010/main" val="4025147930"/>
       </p:ext>
     </p:extLst>
   </p:cSld>
@@ -7354,7 +8549,7 @@
           <p:cNvPr id="2" name="Title 1">
             <a:extLst>
               <a:ext uri="{FF2B5EF4-FFF2-40B4-BE49-F238E27FC236}">
-                <a16:creationId xmlns:a16="http://schemas.microsoft.com/office/drawing/2014/main" id="{B62FCE0A-C12F-F4F9-6E7E-89F151227D4F}"/>
+                <a16:creationId xmlns:a16="http://schemas.microsoft.com/office/drawing/2014/main" id="{56F00631-B42A-A942-7BA2-36A0391C4B1A}"/>
               </a:ext>
             </a:extLst>
           </p:cNvPr>
@@ -7367,8 +8562,8 @@
         </p:nvSpPr>
         <p:spPr>
           <a:xfrm>
-            <a:off x="457199" y="639794"/>
-            <a:ext cx="11152909" cy="745662"/>
+            <a:off x="464127" y="613913"/>
+            <a:ext cx="11263745" cy="736425"/>
           </a:xfrm>
         </p:spPr>
         <p:txBody>
@@ -7377,7 +8572,7 @@
           <a:p>
             <a:r>
               <a:rPr lang="en-US" dirty="0"/>
-              <a:t>Traffic Index vs Claim Risk Categories</a:t>
+              <a:t>Focusing on females (majority) - Low Risk</a:t>
             </a:r>
           </a:p>
         </p:txBody>
@@ -7387,7 +8582,7 @@
           <p:cNvPr id="5" name="Content Placeholder 4">
             <a:extLst>
               <a:ext uri="{FF2B5EF4-FFF2-40B4-BE49-F238E27FC236}">
-                <a16:creationId xmlns:a16="http://schemas.microsoft.com/office/drawing/2014/main" id="{4AB0D78B-C892-65CB-37F7-9C63E2041DCF}"/>
+                <a16:creationId xmlns:a16="http://schemas.microsoft.com/office/drawing/2014/main" id="{1DEEB738-1779-48A8-788B-52B627D02130}"/>
               </a:ext>
             </a:extLst>
           </p:cNvPr>
@@ -7406,15 +8601,15 @@
         </p:blipFill>
         <p:spPr>
           <a:xfrm>
-            <a:off x="2476072" y="1550988"/>
-            <a:ext cx="6392365" cy="3935412"/>
+            <a:off x="2544364" y="1575976"/>
+            <a:ext cx="6401229" cy="4021753"/>
           </a:xfrm>
         </p:spPr>
       </p:pic>
     </p:spTree>
     <p:extLst>
       <p:ext uri="{BB962C8B-B14F-4D97-AF65-F5344CB8AC3E}">
-        <p14:creationId xmlns:p14="http://schemas.microsoft.com/office/powerpoint/2010/main" val="40079428"/>
+        <p14:creationId xmlns:p14="http://schemas.microsoft.com/office/powerpoint/2010/main" val="2781436901"/>
       </p:ext>
     </p:extLst>
   </p:cSld>
@@ -7446,7 +8641,7 @@
           <p:cNvPr id="2" name="Title 1">
             <a:extLst>
               <a:ext uri="{FF2B5EF4-FFF2-40B4-BE49-F238E27FC236}">
-                <a16:creationId xmlns:a16="http://schemas.microsoft.com/office/drawing/2014/main" id="{8C465EDD-AE2C-EEB8-91B5-C20D0FD225C3}"/>
+                <a16:creationId xmlns:a16="http://schemas.microsoft.com/office/drawing/2014/main" id="{3077414B-7C12-CF89-1E77-CE71AEE0131B}"/>
               </a:ext>
             </a:extLst>
           </p:cNvPr>
@@ -7460,101 +8655,35 @@
         <p:spPr>
           <a:xfrm>
             <a:off x="457199" y="639794"/>
-            <a:ext cx="11411081" cy="596224"/>
-          </a:xfrm>
-        </p:spPr>
-        <p:txBody>
-          <a:bodyPr>
-            <a:normAutofit fontScale="90000"/>
-          </a:bodyPr>
+            <a:ext cx="10826151" cy="705928"/>
+          </a:xfrm>
+        </p:spPr>
+        <p:txBody>
+          <a:bodyPr/>
           <a:lstStyle/>
           <a:p>
             <a:r>
               <a:rPr lang="en-US" dirty="0"/>
-              <a:t>Vehicle Age Evaluation</a:t>
-            </a:r>
-          </a:p>
-        </p:txBody>
-      </p:sp>
-      <p:sp>
-        <p:nvSpPr>
-          <p:cNvPr id="3" name="Content Placeholder 2">
+              <a:t>Focusing on males (majority) - High Risk</a:t>
+            </a:r>
+          </a:p>
+        </p:txBody>
+      </p:sp>
+      <p:pic>
+        <p:nvPicPr>
+          <p:cNvPr id="5" name="Content Placeholder 4">
             <a:extLst>
               <a:ext uri="{FF2B5EF4-FFF2-40B4-BE49-F238E27FC236}">
-                <a16:creationId xmlns:a16="http://schemas.microsoft.com/office/drawing/2014/main" id="{F2FBA55F-B0C5-11A0-E0CB-4BE0FEA814BA}"/>
-              </a:ext>
-            </a:extLst>
-          </p:cNvPr>
-          <p:cNvSpPr>
-            <a:spLocks noGrp="1"/>
-          </p:cNvSpPr>
-          <p:nvPr>
-            <p:ph sz="half" idx="1"/>
-          </p:nvPr>
-        </p:nvSpPr>
-        <p:spPr>
-          <a:xfrm>
-            <a:off x="457199" y="1469346"/>
-            <a:ext cx="5350817" cy="4707617"/>
-          </a:xfrm>
-        </p:spPr>
-        <p:txBody>
-          <a:bodyPr/>
-          <a:lstStyle/>
-          <a:p>
-            <a:r>
-              <a:rPr lang="en-US" dirty="0"/>
-              <a:t>Category 3 (majority) - Low Risk</a:t>
-            </a:r>
-          </a:p>
-        </p:txBody>
-      </p:sp>
-      <p:sp>
-        <p:nvSpPr>
-          <p:cNvPr id="4" name="Content Placeholder 3">
-            <a:extLst>
-              <a:ext uri="{FF2B5EF4-FFF2-40B4-BE49-F238E27FC236}">
-                <a16:creationId xmlns:a16="http://schemas.microsoft.com/office/drawing/2014/main" id="{ED0534CC-B444-F212-E0FC-988B6FA0FBEF}"/>
-              </a:ext>
-            </a:extLst>
-          </p:cNvPr>
-          <p:cNvSpPr>
-            <a:spLocks noGrp="1"/>
-          </p:cNvSpPr>
-          <p:nvPr>
-            <p:ph sz="half" idx="2"/>
-          </p:nvPr>
-        </p:nvSpPr>
-        <p:spPr>
-          <a:xfrm>
-            <a:off x="5921528" y="1469346"/>
-            <a:ext cx="5271988" cy="4707617"/>
-          </a:xfrm>
-        </p:spPr>
-        <p:txBody>
-          <a:bodyPr/>
-          <a:lstStyle/>
-          <a:p>
-            <a:r>
-              <a:rPr lang="en-US" dirty="0"/>
-              <a:t>Category 4 (majority) - High Risk</a:t>
-            </a:r>
-          </a:p>
-        </p:txBody>
-      </p:sp>
-      <p:pic>
-        <p:nvPicPr>
-          <p:cNvPr id="6" name="Picture 5">
-            <a:extLst>
-              <a:ext uri="{FF2B5EF4-FFF2-40B4-BE49-F238E27FC236}">
-                <a16:creationId xmlns:a16="http://schemas.microsoft.com/office/drawing/2014/main" id="{02ED5AA1-4FF4-D098-12AE-6A8FF1FB551A}"/>
+                <a16:creationId xmlns:a16="http://schemas.microsoft.com/office/drawing/2014/main" id="{E2F3ACC3-47E0-78FD-BE1E-0CEEFA67D94A}"/>
               </a:ext>
             </a:extLst>
           </p:cNvPr>
           <p:cNvPicPr>
-            <a:picLocks noChangeAspect="1"/>
+            <a:picLocks noGrp="1" noChangeAspect="1"/>
           </p:cNvPicPr>
-          <p:nvPr/>
+          <p:nvPr>
+            <p:ph idx="1"/>
+          </p:nvPr>
         </p:nvPicPr>
         <p:blipFill>
           <a:blip r:embed="rId2"/>
@@ -7564,20 +8693,17 @@
         </p:blipFill>
         <p:spPr>
           <a:xfrm>
-            <a:off x="6096000" y="2078127"/>
-            <a:ext cx="5431076" cy="3490054"/>
-          </a:xfrm>
-          <a:prstGeom prst="rect">
-            <a:avLst/>
-          </a:prstGeom>
+            <a:off x="487194" y="1591812"/>
+            <a:ext cx="5350188" cy="3859102"/>
+          </a:xfrm>
         </p:spPr>
       </p:pic>
       <p:pic>
         <p:nvPicPr>
-          <p:cNvPr id="8" name="Picture 7">
+          <p:cNvPr id="7" name="Picture 6">
             <a:extLst>
               <a:ext uri="{FF2B5EF4-FFF2-40B4-BE49-F238E27FC236}">
-                <a16:creationId xmlns:a16="http://schemas.microsoft.com/office/drawing/2014/main" id="{973AC853-2276-98B8-B789-8CBB19E736B3}"/>
+                <a16:creationId xmlns:a16="http://schemas.microsoft.com/office/drawing/2014/main" id="{0980B469-4F6E-6686-8852-D15B15A74E07}"/>
               </a:ext>
             </a:extLst>
           </p:cNvPr>
@@ -7594,8 +8720,8 @@
         </p:blipFill>
         <p:spPr>
           <a:xfrm>
-            <a:off x="510803" y="2078127"/>
-            <a:ext cx="5297213" cy="3490054"/>
+            <a:off x="6159194" y="1591812"/>
+            <a:ext cx="5545612" cy="3859103"/>
           </a:xfrm>
           <a:prstGeom prst="rect">
             <a:avLst/>
@@ -7605,7 +8731,7 @@
     </p:spTree>
     <p:extLst>
       <p:ext uri="{BB962C8B-B14F-4D97-AF65-F5344CB8AC3E}">
-        <p14:creationId xmlns:p14="http://schemas.microsoft.com/office/powerpoint/2010/main" val="720308044"/>
+        <p14:creationId xmlns:p14="http://schemas.microsoft.com/office/powerpoint/2010/main" val="2851179346"/>
       </p:ext>
     </p:extLst>
   </p:cSld>
@@ -7790,7 +8916,7 @@
           <p:cNvPr id="2" name="Title 1">
             <a:extLst>
               <a:ext uri="{FF2B5EF4-FFF2-40B4-BE49-F238E27FC236}">
-                <a16:creationId xmlns:a16="http://schemas.microsoft.com/office/drawing/2014/main" id="{D72130D3-5C04-3F99-74FC-6DD3A4FB50C9}"/>
+                <a16:creationId xmlns:a16="http://schemas.microsoft.com/office/drawing/2014/main" id="{DF92D068-3F7C-26C2-88E1-CEB185D6DA5D}"/>
               </a:ext>
             </a:extLst>
           </p:cNvPr>
@@ -7803,8 +8929,8 @@
         </p:nvSpPr>
         <p:spPr>
           <a:xfrm>
-            <a:off x="397291" y="639793"/>
-            <a:ext cx="10922349" cy="709735"/>
+            <a:off x="457199" y="639793"/>
+            <a:ext cx="11197087" cy="697301"/>
           </a:xfrm>
         </p:spPr>
         <p:txBody>
@@ -7813,17 +8939,17 @@
           <a:p>
             <a:r>
               <a:rPr lang="en-US" dirty="0"/>
-              <a:t>Vehicle Value Evaluation</a:t>
+              <a:t>Focusing on males (majority) - High Risk</a:t>
             </a:r>
           </a:p>
         </p:txBody>
       </p:sp>
       <p:pic>
         <p:nvPicPr>
-          <p:cNvPr id="6" name="Content Placeholder 5">
+          <p:cNvPr id="9" name="Content Placeholder 8">
             <a:extLst>
               <a:ext uri="{FF2B5EF4-FFF2-40B4-BE49-F238E27FC236}">
-                <a16:creationId xmlns:a16="http://schemas.microsoft.com/office/drawing/2014/main" id="{B4BB10FF-031B-56D4-E63A-CDFC5A5A3373}"/>
+                <a16:creationId xmlns:a16="http://schemas.microsoft.com/office/drawing/2014/main" id="{93CE467A-B646-F33D-A717-8A6409E3FFCB}"/>
               </a:ext>
             </a:extLst>
           </p:cNvPr>
@@ -7831,7 +8957,7 @@
             <a:picLocks noGrp="1" noChangeAspect="1"/>
           </p:cNvPicPr>
           <p:nvPr>
-            <p:ph sz="half" idx="1"/>
+            <p:ph idx="1"/>
           </p:nvPr>
         </p:nvPicPr>
         <p:blipFill>
@@ -7842,44 +8968,15 @@
         </p:blipFill>
         <p:spPr>
           <a:xfrm>
-            <a:off x="457199" y="1948617"/>
-            <a:ext cx="5344511" cy="3389203"/>
-          </a:xfrm>
-        </p:spPr>
-      </p:pic>
-      <p:pic>
-        <p:nvPicPr>
-          <p:cNvPr id="8" name="Content Placeholder 7">
-            <a:extLst>
-              <a:ext uri="{FF2B5EF4-FFF2-40B4-BE49-F238E27FC236}">
-                <a16:creationId xmlns:a16="http://schemas.microsoft.com/office/drawing/2014/main" id="{59DA8EA8-26AE-9C5C-A80A-D390B3338D22}"/>
-              </a:ext>
-            </a:extLst>
-          </p:cNvPr>
-          <p:cNvPicPr>
-            <a:picLocks noGrp="1" noChangeAspect="1"/>
-          </p:cNvPicPr>
-          <p:nvPr>
-            <p:ph sz="half" idx="2"/>
-          </p:nvPr>
-        </p:nvPicPr>
-        <p:blipFill>
-          <a:blip r:embed="rId3"/>
-          <a:stretch>
-            <a:fillRect/>
-          </a:stretch>
-        </p:blipFill>
-        <p:spPr>
-          <a:xfrm>
-            <a:off x="6020467" y="1948618"/>
-            <a:ext cx="5299173" cy="3389202"/>
+            <a:off x="3233474" y="1606549"/>
+            <a:ext cx="5644536" cy="3787487"/>
           </a:xfrm>
         </p:spPr>
       </p:pic>
     </p:spTree>
     <p:extLst>
       <p:ext uri="{BB962C8B-B14F-4D97-AF65-F5344CB8AC3E}">
-        <p14:creationId xmlns:p14="http://schemas.microsoft.com/office/powerpoint/2010/main" val="2115324088"/>
+        <p14:creationId xmlns:p14="http://schemas.microsoft.com/office/powerpoint/2010/main" val="4079695075"/>
       </p:ext>
     </p:extLst>
   </p:cSld>
@@ -7911,7 +9008,7 @@
           <p:cNvPr id="2" name="Title 1">
             <a:extLst>
               <a:ext uri="{FF2B5EF4-FFF2-40B4-BE49-F238E27FC236}">
-                <a16:creationId xmlns:a16="http://schemas.microsoft.com/office/drawing/2014/main" id="{3422CF15-844A-4440-F34B-C5B3B27C3283}"/>
+                <a16:creationId xmlns:a16="http://schemas.microsoft.com/office/drawing/2014/main" id="{98796A30-8CE5-5B98-8490-C6B66183929F}"/>
               </a:ext>
             </a:extLst>
           </p:cNvPr>
@@ -7924,8 +9021,8 @@
         </p:nvSpPr>
         <p:spPr>
           <a:xfrm>
-            <a:off x="457199" y="639794"/>
-            <a:ext cx="10975953" cy="684510"/>
+            <a:off x="457200" y="639794"/>
+            <a:ext cx="10912764" cy="614575"/>
           </a:xfrm>
         </p:spPr>
         <p:txBody>
@@ -7934,17 +9031,17 @@
           <a:p>
             <a:r>
               <a:rPr lang="en-US" dirty="0"/>
-              <a:t>Vehicle Value Evaluation</a:t>
+              <a:t>Credit Score vs Total Claim Amounts</a:t>
             </a:r>
           </a:p>
         </p:txBody>
       </p:sp>
       <p:pic>
         <p:nvPicPr>
-          <p:cNvPr id="7" name="Content Placeholder 6">
+          <p:cNvPr id="9" name="Content Placeholder 8">
             <a:extLst>
               <a:ext uri="{FF2B5EF4-FFF2-40B4-BE49-F238E27FC236}">
-                <a16:creationId xmlns:a16="http://schemas.microsoft.com/office/drawing/2014/main" id="{FB51D099-D7EF-B137-EFC6-6ACAE0636A16}"/>
+                <a16:creationId xmlns:a16="http://schemas.microsoft.com/office/drawing/2014/main" id="{69061435-B030-168A-80AE-6E30F99C75DF}"/>
               </a:ext>
             </a:extLst>
           </p:cNvPr>
@@ -7963,15 +9060,45 @@
         </p:blipFill>
         <p:spPr>
           <a:xfrm>
-            <a:off x="2420154" y="1601777"/>
-            <a:ext cx="6566191" cy="4002098"/>
-          </a:xfrm>
+            <a:off x="457200" y="1682967"/>
+            <a:ext cx="5435600" cy="3492066"/>
+          </a:xfrm>
+        </p:spPr>
+      </p:pic>
+      <p:pic>
+        <p:nvPicPr>
+          <p:cNvPr id="11" name="Picture 10">
+            <a:extLst>
+              <a:ext uri="{FF2B5EF4-FFF2-40B4-BE49-F238E27FC236}">
+                <a16:creationId xmlns:a16="http://schemas.microsoft.com/office/drawing/2014/main" id="{6A990812-3100-7C4A-45FD-EFC0940F5B47}"/>
+              </a:ext>
+            </a:extLst>
+          </p:cNvPr>
+          <p:cNvPicPr>
+            <a:picLocks noChangeAspect="1"/>
+          </p:cNvPicPr>
+          <p:nvPr/>
+        </p:nvPicPr>
+        <p:blipFill>
+          <a:blip r:embed="rId3"/>
+          <a:stretch>
+            <a:fillRect/>
+          </a:stretch>
+        </p:blipFill>
+        <p:spPr>
+          <a:xfrm>
+            <a:off x="6143975" y="1682967"/>
+            <a:ext cx="5225989" cy="3492066"/>
+          </a:xfrm>
+          <a:prstGeom prst="rect">
+            <a:avLst/>
+          </a:prstGeom>
         </p:spPr>
       </p:pic>
     </p:spTree>
     <p:extLst>
       <p:ext uri="{BB962C8B-B14F-4D97-AF65-F5344CB8AC3E}">
-        <p14:creationId xmlns:p14="http://schemas.microsoft.com/office/powerpoint/2010/main" val="3714379268"/>
+        <p14:creationId xmlns:p14="http://schemas.microsoft.com/office/powerpoint/2010/main" val="2404060174"/>
       </p:ext>
     </p:extLst>
   </p:cSld>
@@ -8003,6 +9130,502 @@
           <p:cNvPr id="2" name="Title 1">
             <a:extLst>
               <a:ext uri="{FF2B5EF4-FFF2-40B4-BE49-F238E27FC236}">
+                <a16:creationId xmlns:a16="http://schemas.microsoft.com/office/drawing/2014/main" id="{B62FCE0A-C12F-F4F9-6E7E-89F151227D4F}"/>
+              </a:ext>
+            </a:extLst>
+          </p:cNvPr>
+          <p:cNvSpPr>
+            <a:spLocks noGrp="1"/>
+          </p:cNvSpPr>
+          <p:nvPr>
+            <p:ph type="title"/>
+          </p:nvPr>
+        </p:nvSpPr>
+        <p:spPr>
+          <a:xfrm>
+            <a:off x="457199" y="639794"/>
+            <a:ext cx="11152909" cy="745662"/>
+          </a:xfrm>
+        </p:spPr>
+        <p:txBody>
+          <a:bodyPr/>
+          <a:lstStyle/>
+          <a:p>
+            <a:r>
+              <a:rPr lang="en-US" dirty="0"/>
+              <a:t>Traffic Index vs Claim Risk Categories</a:t>
+            </a:r>
+          </a:p>
+        </p:txBody>
+      </p:sp>
+      <p:pic>
+        <p:nvPicPr>
+          <p:cNvPr id="5" name="Content Placeholder 4">
+            <a:extLst>
+              <a:ext uri="{FF2B5EF4-FFF2-40B4-BE49-F238E27FC236}">
+                <a16:creationId xmlns:a16="http://schemas.microsoft.com/office/drawing/2014/main" id="{4AB0D78B-C892-65CB-37F7-9C63E2041DCF}"/>
+              </a:ext>
+            </a:extLst>
+          </p:cNvPr>
+          <p:cNvPicPr>
+            <a:picLocks noGrp="1" noChangeAspect="1"/>
+          </p:cNvPicPr>
+          <p:nvPr>
+            <p:ph idx="1"/>
+          </p:nvPr>
+        </p:nvPicPr>
+        <p:blipFill>
+          <a:blip r:embed="rId2"/>
+          <a:stretch>
+            <a:fillRect/>
+          </a:stretch>
+        </p:blipFill>
+        <p:spPr>
+          <a:xfrm>
+            <a:off x="2476072" y="1550988"/>
+            <a:ext cx="6392365" cy="3935412"/>
+          </a:xfrm>
+        </p:spPr>
+      </p:pic>
+    </p:spTree>
+    <p:extLst>
+      <p:ext uri="{BB962C8B-B14F-4D97-AF65-F5344CB8AC3E}">
+        <p14:creationId xmlns:p14="http://schemas.microsoft.com/office/powerpoint/2010/main" val="40079428"/>
+      </p:ext>
+    </p:extLst>
+  </p:cSld>
+  <p:clrMapOvr>
+    <a:masterClrMapping/>
+  </p:clrMapOvr>
+</p:sld>
+</file>
+
+<file path=ppt/slides/slide33.xml><?xml version="1.0" encoding="utf-8"?>
+<p:sld xmlns:a="http://schemas.openxmlformats.org/drawingml/2006/main" xmlns:r="http://schemas.openxmlformats.org/officeDocument/2006/relationships" xmlns:p="http://schemas.openxmlformats.org/presentationml/2006/main">
+  <p:cSld>
+    <p:spTree>
+      <p:nvGrpSpPr>
+        <p:cNvPr id="1" name=""/>
+        <p:cNvGrpSpPr/>
+        <p:nvPr/>
+      </p:nvGrpSpPr>
+      <p:grpSpPr>
+        <a:xfrm>
+          <a:off x="0" y="0"/>
+          <a:ext cx="0" cy="0"/>
+          <a:chOff x="0" y="0"/>
+          <a:chExt cx="0" cy="0"/>
+        </a:xfrm>
+      </p:grpSpPr>
+      <p:sp>
+        <p:nvSpPr>
+          <p:cNvPr id="2" name="Title 1">
+            <a:extLst>
+              <a:ext uri="{FF2B5EF4-FFF2-40B4-BE49-F238E27FC236}">
+                <a16:creationId xmlns:a16="http://schemas.microsoft.com/office/drawing/2014/main" id="{8C465EDD-AE2C-EEB8-91B5-C20D0FD225C3}"/>
+              </a:ext>
+            </a:extLst>
+          </p:cNvPr>
+          <p:cNvSpPr>
+            <a:spLocks noGrp="1"/>
+          </p:cNvSpPr>
+          <p:nvPr>
+            <p:ph type="title"/>
+          </p:nvPr>
+        </p:nvSpPr>
+        <p:spPr>
+          <a:xfrm>
+            <a:off x="457199" y="639794"/>
+            <a:ext cx="11411081" cy="596224"/>
+          </a:xfrm>
+        </p:spPr>
+        <p:txBody>
+          <a:bodyPr>
+            <a:normAutofit fontScale="90000"/>
+          </a:bodyPr>
+          <a:lstStyle/>
+          <a:p>
+            <a:r>
+              <a:rPr lang="en-US" dirty="0"/>
+              <a:t>Vehicle Age Evaluation</a:t>
+            </a:r>
+          </a:p>
+        </p:txBody>
+      </p:sp>
+      <p:sp>
+        <p:nvSpPr>
+          <p:cNvPr id="3" name="Content Placeholder 2">
+            <a:extLst>
+              <a:ext uri="{FF2B5EF4-FFF2-40B4-BE49-F238E27FC236}">
+                <a16:creationId xmlns:a16="http://schemas.microsoft.com/office/drawing/2014/main" id="{F2FBA55F-B0C5-11A0-E0CB-4BE0FEA814BA}"/>
+              </a:ext>
+            </a:extLst>
+          </p:cNvPr>
+          <p:cNvSpPr>
+            <a:spLocks noGrp="1"/>
+          </p:cNvSpPr>
+          <p:nvPr>
+            <p:ph sz="half" idx="1"/>
+          </p:nvPr>
+        </p:nvSpPr>
+        <p:spPr>
+          <a:xfrm>
+            <a:off x="457199" y="1469346"/>
+            <a:ext cx="5350817" cy="4707617"/>
+          </a:xfrm>
+        </p:spPr>
+        <p:txBody>
+          <a:bodyPr/>
+          <a:lstStyle/>
+          <a:p>
+            <a:r>
+              <a:rPr lang="en-US" dirty="0"/>
+              <a:t>Category 3 (majority) - Low Risk</a:t>
+            </a:r>
+          </a:p>
+        </p:txBody>
+      </p:sp>
+      <p:sp>
+        <p:nvSpPr>
+          <p:cNvPr id="4" name="Content Placeholder 3">
+            <a:extLst>
+              <a:ext uri="{FF2B5EF4-FFF2-40B4-BE49-F238E27FC236}">
+                <a16:creationId xmlns:a16="http://schemas.microsoft.com/office/drawing/2014/main" id="{ED0534CC-B444-F212-E0FC-988B6FA0FBEF}"/>
+              </a:ext>
+            </a:extLst>
+          </p:cNvPr>
+          <p:cNvSpPr>
+            <a:spLocks noGrp="1"/>
+          </p:cNvSpPr>
+          <p:nvPr>
+            <p:ph sz="half" idx="2"/>
+          </p:nvPr>
+        </p:nvSpPr>
+        <p:spPr>
+          <a:xfrm>
+            <a:off x="5921528" y="1469346"/>
+            <a:ext cx="5271988" cy="4707617"/>
+          </a:xfrm>
+        </p:spPr>
+        <p:txBody>
+          <a:bodyPr/>
+          <a:lstStyle/>
+          <a:p>
+            <a:r>
+              <a:rPr lang="en-US" dirty="0"/>
+              <a:t>Category 4 (majority) - High Risk</a:t>
+            </a:r>
+          </a:p>
+        </p:txBody>
+      </p:sp>
+      <p:pic>
+        <p:nvPicPr>
+          <p:cNvPr id="6" name="Picture 5">
+            <a:extLst>
+              <a:ext uri="{FF2B5EF4-FFF2-40B4-BE49-F238E27FC236}">
+                <a16:creationId xmlns:a16="http://schemas.microsoft.com/office/drawing/2014/main" id="{02ED5AA1-4FF4-D098-12AE-6A8FF1FB551A}"/>
+              </a:ext>
+            </a:extLst>
+          </p:cNvPr>
+          <p:cNvPicPr>
+            <a:picLocks noChangeAspect="1"/>
+          </p:cNvPicPr>
+          <p:nvPr/>
+        </p:nvPicPr>
+        <p:blipFill>
+          <a:blip r:embed="rId2"/>
+          <a:stretch>
+            <a:fillRect/>
+          </a:stretch>
+        </p:blipFill>
+        <p:spPr>
+          <a:xfrm>
+            <a:off x="6096000" y="2078127"/>
+            <a:ext cx="5431076" cy="3490054"/>
+          </a:xfrm>
+          <a:prstGeom prst="rect">
+            <a:avLst/>
+          </a:prstGeom>
+        </p:spPr>
+      </p:pic>
+      <p:pic>
+        <p:nvPicPr>
+          <p:cNvPr id="8" name="Picture 7">
+            <a:extLst>
+              <a:ext uri="{FF2B5EF4-FFF2-40B4-BE49-F238E27FC236}">
+                <a16:creationId xmlns:a16="http://schemas.microsoft.com/office/drawing/2014/main" id="{973AC853-2276-98B8-B789-8CBB19E736B3}"/>
+              </a:ext>
+            </a:extLst>
+          </p:cNvPr>
+          <p:cNvPicPr>
+            <a:picLocks noChangeAspect="1"/>
+          </p:cNvPicPr>
+          <p:nvPr/>
+        </p:nvPicPr>
+        <p:blipFill>
+          <a:blip r:embed="rId3"/>
+          <a:stretch>
+            <a:fillRect/>
+          </a:stretch>
+        </p:blipFill>
+        <p:spPr>
+          <a:xfrm>
+            <a:off x="510803" y="2078127"/>
+            <a:ext cx="5297213" cy="3490054"/>
+          </a:xfrm>
+          <a:prstGeom prst="rect">
+            <a:avLst/>
+          </a:prstGeom>
+        </p:spPr>
+      </p:pic>
+    </p:spTree>
+    <p:extLst>
+      <p:ext uri="{BB962C8B-B14F-4D97-AF65-F5344CB8AC3E}">
+        <p14:creationId xmlns:p14="http://schemas.microsoft.com/office/powerpoint/2010/main" val="720308044"/>
+      </p:ext>
+    </p:extLst>
+  </p:cSld>
+  <p:clrMapOvr>
+    <a:masterClrMapping/>
+  </p:clrMapOvr>
+</p:sld>
+</file>
+
+<file path=ppt/slides/slide34.xml><?xml version="1.0" encoding="utf-8"?>
+<p:sld xmlns:a="http://schemas.openxmlformats.org/drawingml/2006/main" xmlns:r="http://schemas.openxmlformats.org/officeDocument/2006/relationships" xmlns:p="http://schemas.openxmlformats.org/presentationml/2006/main">
+  <p:cSld>
+    <p:spTree>
+      <p:nvGrpSpPr>
+        <p:cNvPr id="1" name=""/>
+        <p:cNvGrpSpPr/>
+        <p:nvPr/>
+      </p:nvGrpSpPr>
+      <p:grpSpPr>
+        <a:xfrm>
+          <a:off x="0" y="0"/>
+          <a:ext cx="0" cy="0"/>
+          <a:chOff x="0" y="0"/>
+          <a:chExt cx="0" cy="0"/>
+        </a:xfrm>
+      </p:grpSpPr>
+      <p:sp>
+        <p:nvSpPr>
+          <p:cNvPr id="2" name="Title 1">
+            <a:extLst>
+              <a:ext uri="{FF2B5EF4-FFF2-40B4-BE49-F238E27FC236}">
+                <a16:creationId xmlns:a16="http://schemas.microsoft.com/office/drawing/2014/main" id="{D72130D3-5C04-3F99-74FC-6DD3A4FB50C9}"/>
+              </a:ext>
+            </a:extLst>
+          </p:cNvPr>
+          <p:cNvSpPr>
+            <a:spLocks noGrp="1"/>
+          </p:cNvSpPr>
+          <p:nvPr>
+            <p:ph type="title"/>
+          </p:nvPr>
+        </p:nvSpPr>
+        <p:spPr>
+          <a:xfrm>
+            <a:off x="397291" y="639793"/>
+            <a:ext cx="10922349" cy="709735"/>
+          </a:xfrm>
+        </p:spPr>
+        <p:txBody>
+          <a:bodyPr/>
+          <a:lstStyle/>
+          <a:p>
+            <a:r>
+              <a:rPr lang="en-US" dirty="0"/>
+              <a:t>Vehicle Value Evaluation</a:t>
+            </a:r>
+          </a:p>
+        </p:txBody>
+      </p:sp>
+      <p:pic>
+        <p:nvPicPr>
+          <p:cNvPr id="6" name="Content Placeholder 5">
+            <a:extLst>
+              <a:ext uri="{FF2B5EF4-FFF2-40B4-BE49-F238E27FC236}">
+                <a16:creationId xmlns:a16="http://schemas.microsoft.com/office/drawing/2014/main" id="{B4BB10FF-031B-56D4-E63A-CDFC5A5A3373}"/>
+              </a:ext>
+            </a:extLst>
+          </p:cNvPr>
+          <p:cNvPicPr>
+            <a:picLocks noGrp="1" noChangeAspect="1"/>
+          </p:cNvPicPr>
+          <p:nvPr>
+            <p:ph sz="half" idx="1"/>
+          </p:nvPr>
+        </p:nvPicPr>
+        <p:blipFill>
+          <a:blip r:embed="rId2"/>
+          <a:stretch>
+            <a:fillRect/>
+          </a:stretch>
+        </p:blipFill>
+        <p:spPr>
+          <a:xfrm>
+            <a:off x="457199" y="1948617"/>
+            <a:ext cx="5344511" cy="3389203"/>
+          </a:xfrm>
+        </p:spPr>
+      </p:pic>
+      <p:pic>
+        <p:nvPicPr>
+          <p:cNvPr id="8" name="Content Placeholder 7">
+            <a:extLst>
+              <a:ext uri="{FF2B5EF4-FFF2-40B4-BE49-F238E27FC236}">
+                <a16:creationId xmlns:a16="http://schemas.microsoft.com/office/drawing/2014/main" id="{59DA8EA8-26AE-9C5C-A80A-D390B3338D22}"/>
+              </a:ext>
+            </a:extLst>
+          </p:cNvPr>
+          <p:cNvPicPr>
+            <a:picLocks noGrp="1" noChangeAspect="1"/>
+          </p:cNvPicPr>
+          <p:nvPr>
+            <p:ph sz="half" idx="2"/>
+          </p:nvPr>
+        </p:nvPicPr>
+        <p:blipFill>
+          <a:blip r:embed="rId3"/>
+          <a:stretch>
+            <a:fillRect/>
+          </a:stretch>
+        </p:blipFill>
+        <p:spPr>
+          <a:xfrm>
+            <a:off x="6020467" y="1948618"/>
+            <a:ext cx="5299173" cy="3389202"/>
+          </a:xfrm>
+        </p:spPr>
+      </p:pic>
+    </p:spTree>
+    <p:extLst>
+      <p:ext uri="{BB962C8B-B14F-4D97-AF65-F5344CB8AC3E}">
+        <p14:creationId xmlns:p14="http://schemas.microsoft.com/office/powerpoint/2010/main" val="2115324088"/>
+      </p:ext>
+    </p:extLst>
+  </p:cSld>
+  <p:clrMapOvr>
+    <a:masterClrMapping/>
+  </p:clrMapOvr>
+</p:sld>
+</file>
+
+<file path=ppt/slides/slide35.xml><?xml version="1.0" encoding="utf-8"?>
+<p:sld xmlns:a="http://schemas.openxmlformats.org/drawingml/2006/main" xmlns:r="http://schemas.openxmlformats.org/officeDocument/2006/relationships" xmlns:p="http://schemas.openxmlformats.org/presentationml/2006/main">
+  <p:cSld>
+    <p:spTree>
+      <p:nvGrpSpPr>
+        <p:cNvPr id="1" name=""/>
+        <p:cNvGrpSpPr/>
+        <p:nvPr/>
+      </p:nvGrpSpPr>
+      <p:grpSpPr>
+        <a:xfrm>
+          <a:off x="0" y="0"/>
+          <a:ext cx="0" cy="0"/>
+          <a:chOff x="0" y="0"/>
+          <a:chExt cx="0" cy="0"/>
+        </a:xfrm>
+      </p:grpSpPr>
+      <p:sp>
+        <p:nvSpPr>
+          <p:cNvPr id="2" name="Title 1">
+            <a:extLst>
+              <a:ext uri="{FF2B5EF4-FFF2-40B4-BE49-F238E27FC236}">
+                <a16:creationId xmlns:a16="http://schemas.microsoft.com/office/drawing/2014/main" id="{3422CF15-844A-4440-F34B-C5B3B27C3283}"/>
+              </a:ext>
+            </a:extLst>
+          </p:cNvPr>
+          <p:cNvSpPr>
+            <a:spLocks noGrp="1"/>
+          </p:cNvSpPr>
+          <p:nvPr>
+            <p:ph type="title"/>
+          </p:nvPr>
+        </p:nvSpPr>
+        <p:spPr>
+          <a:xfrm>
+            <a:off x="457199" y="639794"/>
+            <a:ext cx="10975953" cy="684510"/>
+          </a:xfrm>
+        </p:spPr>
+        <p:txBody>
+          <a:bodyPr/>
+          <a:lstStyle/>
+          <a:p>
+            <a:r>
+              <a:rPr lang="en-US" dirty="0"/>
+              <a:t>Vehicle Value Evaluation</a:t>
+            </a:r>
+          </a:p>
+        </p:txBody>
+      </p:sp>
+      <p:pic>
+        <p:nvPicPr>
+          <p:cNvPr id="7" name="Content Placeholder 6">
+            <a:extLst>
+              <a:ext uri="{FF2B5EF4-FFF2-40B4-BE49-F238E27FC236}">
+                <a16:creationId xmlns:a16="http://schemas.microsoft.com/office/drawing/2014/main" id="{FB51D099-D7EF-B137-EFC6-6ACAE0636A16}"/>
+              </a:ext>
+            </a:extLst>
+          </p:cNvPr>
+          <p:cNvPicPr>
+            <a:picLocks noGrp="1" noChangeAspect="1"/>
+          </p:cNvPicPr>
+          <p:nvPr>
+            <p:ph idx="1"/>
+          </p:nvPr>
+        </p:nvPicPr>
+        <p:blipFill>
+          <a:blip r:embed="rId2"/>
+          <a:stretch>
+            <a:fillRect/>
+          </a:stretch>
+        </p:blipFill>
+        <p:spPr>
+          <a:xfrm>
+            <a:off x="2420154" y="1601777"/>
+            <a:ext cx="6566191" cy="4002098"/>
+          </a:xfrm>
+        </p:spPr>
+      </p:pic>
+    </p:spTree>
+    <p:extLst>
+      <p:ext uri="{BB962C8B-B14F-4D97-AF65-F5344CB8AC3E}">
+        <p14:creationId xmlns:p14="http://schemas.microsoft.com/office/powerpoint/2010/main" val="3714379268"/>
+      </p:ext>
+    </p:extLst>
+  </p:cSld>
+  <p:clrMapOvr>
+    <a:masterClrMapping/>
+  </p:clrMapOvr>
+</p:sld>
+</file>
+
+<file path=ppt/slides/slide36.xml><?xml version="1.0" encoding="utf-8"?>
+<p:sld xmlns:a="http://schemas.openxmlformats.org/drawingml/2006/main" xmlns:r="http://schemas.openxmlformats.org/officeDocument/2006/relationships" xmlns:p="http://schemas.openxmlformats.org/presentationml/2006/main">
+  <p:cSld>
+    <p:spTree>
+      <p:nvGrpSpPr>
+        <p:cNvPr id="1" name=""/>
+        <p:cNvGrpSpPr/>
+        <p:nvPr/>
+      </p:nvGrpSpPr>
+      <p:grpSpPr>
+        <a:xfrm>
+          <a:off x="0" y="0"/>
+          <a:ext cx="0" cy="0"/>
+          <a:chOff x="0" y="0"/>
+          <a:chExt cx="0" cy="0"/>
+        </a:xfrm>
+      </p:grpSpPr>
+      <p:sp>
+        <p:nvSpPr>
+          <p:cNvPr id="2" name="Title 1">
+            <a:extLst>
+              <a:ext uri="{FF2B5EF4-FFF2-40B4-BE49-F238E27FC236}">
                 <a16:creationId xmlns:a16="http://schemas.microsoft.com/office/drawing/2014/main" id="{DC83FB2E-82E2-3F19-A148-4F45CAAB45F5}"/>
               </a:ext>
             </a:extLst>
@@ -8104,7 +9727,492 @@
 </p:sld>
 </file>
 
-<file path=ppt/slides/slide33.xml><?xml version="1.0" encoding="utf-8"?>
+<file path=ppt/slides/slide37.xml><?xml version="1.0" encoding="utf-8"?>
+<p:sld xmlns:a="http://schemas.openxmlformats.org/drawingml/2006/main" xmlns:r="http://schemas.openxmlformats.org/officeDocument/2006/relationships" xmlns:p="http://schemas.openxmlformats.org/presentationml/2006/main">
+  <p:cSld>
+    <p:spTree>
+      <p:nvGrpSpPr>
+        <p:cNvPr id="1" name=""/>
+        <p:cNvGrpSpPr/>
+        <p:nvPr/>
+      </p:nvGrpSpPr>
+      <p:grpSpPr>
+        <a:xfrm>
+          <a:off x="0" y="0"/>
+          <a:ext cx="0" cy="0"/>
+          <a:chOff x="0" y="0"/>
+          <a:chExt cx="0" cy="0"/>
+        </a:xfrm>
+      </p:grpSpPr>
+      <p:sp>
+        <p:nvSpPr>
+          <p:cNvPr id="2" name="Title 1">
+            <a:extLst>
+              <a:ext uri="{FF2B5EF4-FFF2-40B4-BE49-F238E27FC236}">
+                <a16:creationId xmlns:a16="http://schemas.microsoft.com/office/drawing/2014/main" id="{EAC04FA7-568E-D2B5-D519-A0D2FC58FC6F}"/>
+              </a:ext>
+            </a:extLst>
+          </p:cNvPr>
+          <p:cNvSpPr>
+            <a:spLocks noGrp="1"/>
+          </p:cNvSpPr>
+          <p:nvPr>
+            <p:ph type="title"/>
+          </p:nvPr>
+        </p:nvSpPr>
+        <p:spPr>
+          <a:xfrm>
+            <a:off x="457200" y="639793"/>
+            <a:ext cx="11214340" cy="697301"/>
+          </a:xfrm>
+        </p:spPr>
+        <p:txBody>
+          <a:bodyPr/>
+          <a:lstStyle/>
+          <a:p>
+            <a:r>
+              <a:rPr lang="en-US" sz="4000" b="1" dirty="0"/>
+              <a:t>LightGBM Model (SMOTE data)</a:t>
+            </a:r>
+            <a:endParaRPr lang="en-US" dirty="0"/>
+          </a:p>
+        </p:txBody>
+      </p:sp>
+      <p:pic>
+        <p:nvPicPr>
+          <p:cNvPr id="5" name="Content Placeholder 4">
+            <a:extLst>
+              <a:ext uri="{FF2B5EF4-FFF2-40B4-BE49-F238E27FC236}">
+                <a16:creationId xmlns:a16="http://schemas.microsoft.com/office/drawing/2014/main" id="{7033CAB6-D4D8-3744-A0B8-1DF1FDDC3CD3}"/>
+              </a:ext>
+            </a:extLst>
+          </p:cNvPr>
+          <p:cNvPicPr>
+            <a:picLocks noGrp="1" noChangeAspect="1"/>
+          </p:cNvPicPr>
+          <p:nvPr>
+            <p:ph idx="1"/>
+          </p:nvPr>
+        </p:nvPicPr>
+        <p:blipFill>
+          <a:blip r:embed="rId2"/>
+          <a:stretch>
+            <a:fillRect/>
+          </a:stretch>
+        </p:blipFill>
+        <p:spPr>
+          <a:xfrm>
+            <a:off x="457200" y="1396969"/>
+            <a:ext cx="5072132" cy="4546631"/>
+          </a:xfrm>
+        </p:spPr>
+      </p:pic>
+      <p:pic>
+        <p:nvPicPr>
+          <p:cNvPr id="7" name="Picture 6">
+            <a:extLst>
+              <a:ext uri="{FF2B5EF4-FFF2-40B4-BE49-F238E27FC236}">
+                <a16:creationId xmlns:a16="http://schemas.microsoft.com/office/drawing/2014/main" id="{A9B4F161-9361-819C-FA02-6F6B89DEAC04}"/>
+              </a:ext>
+            </a:extLst>
+          </p:cNvPr>
+          <p:cNvPicPr>
+            <a:picLocks noChangeAspect="1"/>
+          </p:cNvPicPr>
+          <p:nvPr/>
+        </p:nvPicPr>
+        <p:blipFill>
+          <a:blip r:embed="rId3"/>
+          <a:stretch>
+            <a:fillRect/>
+          </a:stretch>
+        </p:blipFill>
+        <p:spPr>
+          <a:xfrm>
+            <a:off x="5814203" y="1384301"/>
+            <a:ext cx="5072132" cy="4546631"/>
+          </a:xfrm>
+          <a:prstGeom prst="rect">
+            <a:avLst/>
+          </a:prstGeom>
+        </p:spPr>
+      </p:pic>
+    </p:spTree>
+    <p:extLst>
+      <p:ext uri="{BB962C8B-B14F-4D97-AF65-F5344CB8AC3E}">
+        <p14:creationId xmlns:p14="http://schemas.microsoft.com/office/powerpoint/2010/main" val="390363813"/>
+      </p:ext>
+    </p:extLst>
+  </p:cSld>
+  <p:clrMapOvr>
+    <a:masterClrMapping/>
+  </p:clrMapOvr>
+</p:sld>
+</file>
+
+<file path=ppt/slides/slide38.xml><?xml version="1.0" encoding="utf-8"?>
+<p:sld xmlns:a="http://schemas.openxmlformats.org/drawingml/2006/main" xmlns:r="http://schemas.openxmlformats.org/officeDocument/2006/relationships" xmlns:p="http://schemas.openxmlformats.org/presentationml/2006/main">
+  <p:cSld>
+    <p:spTree>
+      <p:nvGrpSpPr>
+        <p:cNvPr id="1" name=""/>
+        <p:cNvGrpSpPr/>
+        <p:nvPr/>
+      </p:nvGrpSpPr>
+      <p:grpSpPr>
+        <a:xfrm>
+          <a:off x="0" y="0"/>
+          <a:ext cx="0" cy="0"/>
+          <a:chOff x="0" y="0"/>
+          <a:chExt cx="0" cy="0"/>
+        </a:xfrm>
+      </p:grpSpPr>
+      <p:sp>
+        <p:nvSpPr>
+          <p:cNvPr id="2" name="Title 1">
+            <a:extLst>
+              <a:ext uri="{FF2B5EF4-FFF2-40B4-BE49-F238E27FC236}">
+                <a16:creationId xmlns:a16="http://schemas.microsoft.com/office/drawing/2014/main" id="{E066C3B8-9836-08DE-B4C0-D5E87B4831B3}"/>
+              </a:ext>
+            </a:extLst>
+          </p:cNvPr>
+          <p:cNvSpPr>
+            <a:spLocks noGrp="1"/>
+          </p:cNvSpPr>
+          <p:nvPr>
+            <p:ph type="title"/>
+          </p:nvPr>
+        </p:nvSpPr>
+        <p:spPr>
+          <a:xfrm>
+            <a:off x="457200" y="639794"/>
+            <a:ext cx="11266098" cy="614576"/>
+          </a:xfrm>
+        </p:spPr>
+        <p:txBody>
+          <a:bodyPr/>
+          <a:lstStyle/>
+          <a:p>
+            <a:r>
+              <a:rPr lang="en-US" dirty="0"/>
+              <a:t>LightGBM Model (SMOTE data)</a:t>
+            </a:r>
+          </a:p>
+        </p:txBody>
+      </p:sp>
+      <p:pic>
+        <p:nvPicPr>
+          <p:cNvPr id="5" name="Content Placeholder 4">
+            <a:extLst>
+              <a:ext uri="{FF2B5EF4-FFF2-40B4-BE49-F238E27FC236}">
+                <a16:creationId xmlns:a16="http://schemas.microsoft.com/office/drawing/2014/main" id="{48081990-0C19-13E8-776F-B105CC797E9C}"/>
+              </a:ext>
+            </a:extLst>
+          </p:cNvPr>
+          <p:cNvPicPr>
+            <a:picLocks noGrp="1" noChangeAspect="1"/>
+          </p:cNvPicPr>
+          <p:nvPr>
+            <p:ph idx="1"/>
+          </p:nvPr>
+        </p:nvPicPr>
+        <p:blipFill>
+          <a:blip r:embed="rId2"/>
+          <a:stretch>
+            <a:fillRect/>
+          </a:stretch>
+        </p:blipFill>
+        <p:spPr>
+          <a:xfrm>
+            <a:off x="457200" y="1423358"/>
+            <a:ext cx="5164951" cy="4477110"/>
+          </a:xfrm>
+        </p:spPr>
+      </p:pic>
+      <p:pic>
+        <p:nvPicPr>
+          <p:cNvPr id="7" name="Picture 6">
+            <a:extLst>
+              <a:ext uri="{FF2B5EF4-FFF2-40B4-BE49-F238E27FC236}">
+                <a16:creationId xmlns:a16="http://schemas.microsoft.com/office/drawing/2014/main" id="{7BA8FF47-6B21-B8AF-469A-156A5A0A72C9}"/>
+              </a:ext>
+            </a:extLst>
+          </p:cNvPr>
+          <p:cNvPicPr>
+            <a:picLocks noChangeAspect="1"/>
+          </p:cNvPicPr>
+          <p:nvPr/>
+        </p:nvPicPr>
+        <p:blipFill>
+          <a:blip r:embed="rId3"/>
+          <a:stretch>
+            <a:fillRect/>
+          </a:stretch>
+        </p:blipFill>
+        <p:spPr>
+          <a:xfrm>
+            <a:off x="5970136" y="1404619"/>
+            <a:ext cx="5164952" cy="4495849"/>
+          </a:xfrm>
+          <a:prstGeom prst="rect">
+            <a:avLst/>
+          </a:prstGeom>
+        </p:spPr>
+      </p:pic>
+    </p:spTree>
+    <p:extLst>
+      <p:ext uri="{BB962C8B-B14F-4D97-AF65-F5344CB8AC3E}">
+        <p14:creationId xmlns:p14="http://schemas.microsoft.com/office/powerpoint/2010/main" val="4146596824"/>
+      </p:ext>
+    </p:extLst>
+  </p:cSld>
+  <p:clrMapOvr>
+    <a:masterClrMapping/>
+  </p:clrMapOvr>
+</p:sld>
+</file>
+
+<file path=ppt/slides/slide39.xml><?xml version="1.0" encoding="utf-8"?>
+<p:sld xmlns:a="http://schemas.openxmlformats.org/drawingml/2006/main" xmlns:r="http://schemas.openxmlformats.org/officeDocument/2006/relationships" xmlns:p="http://schemas.openxmlformats.org/presentationml/2006/main">
+  <p:cSld>
+    <p:spTree>
+      <p:nvGrpSpPr>
+        <p:cNvPr id="1" name=""/>
+        <p:cNvGrpSpPr/>
+        <p:nvPr/>
+      </p:nvGrpSpPr>
+      <p:grpSpPr>
+        <a:xfrm>
+          <a:off x="0" y="0"/>
+          <a:ext cx="0" cy="0"/>
+          <a:chOff x="0" y="0"/>
+          <a:chExt cx="0" cy="0"/>
+        </a:xfrm>
+      </p:grpSpPr>
+      <p:sp>
+        <p:nvSpPr>
+          <p:cNvPr id="2" name="Title 1">
+            <a:extLst>
+              <a:ext uri="{FF2B5EF4-FFF2-40B4-BE49-F238E27FC236}">
+                <a16:creationId xmlns:a16="http://schemas.microsoft.com/office/drawing/2014/main" id="{66849788-F7F3-8325-402F-CD7A9E398682}"/>
+              </a:ext>
+            </a:extLst>
+          </p:cNvPr>
+          <p:cNvSpPr>
+            <a:spLocks noGrp="1"/>
+          </p:cNvSpPr>
+          <p:nvPr>
+            <p:ph type="title"/>
+          </p:nvPr>
+        </p:nvSpPr>
+        <p:spPr>
+          <a:xfrm>
+            <a:off x="457200" y="639793"/>
+            <a:ext cx="10096500" cy="688675"/>
+          </a:xfrm>
+        </p:spPr>
+        <p:txBody>
+          <a:bodyPr/>
+          <a:lstStyle/>
+          <a:p>
+            <a:r>
+              <a:rPr lang="en-US" dirty="0"/>
+              <a:t>Feature Importance</a:t>
+            </a:r>
+          </a:p>
+        </p:txBody>
+      </p:sp>
+      <p:pic>
+        <p:nvPicPr>
+          <p:cNvPr id="5" name="Content Placeholder 4">
+            <a:extLst>
+              <a:ext uri="{FF2B5EF4-FFF2-40B4-BE49-F238E27FC236}">
+                <a16:creationId xmlns:a16="http://schemas.microsoft.com/office/drawing/2014/main" id="{F2E0AD89-FB60-D9F1-5041-7836F85B975D}"/>
+              </a:ext>
+            </a:extLst>
+          </p:cNvPr>
+          <p:cNvPicPr>
+            <a:picLocks noGrp="1" noChangeAspect="1"/>
+          </p:cNvPicPr>
+          <p:nvPr>
+            <p:ph idx="1"/>
+          </p:nvPr>
+        </p:nvPicPr>
+        <p:blipFill>
+          <a:blip r:embed="rId2"/>
+          <a:stretch>
+            <a:fillRect/>
+          </a:stretch>
+        </p:blipFill>
+        <p:spPr>
+          <a:xfrm>
+            <a:off x="2330583" y="1423358"/>
+            <a:ext cx="7857213" cy="4794610"/>
+          </a:xfrm>
+        </p:spPr>
+      </p:pic>
+    </p:spTree>
+    <p:extLst>
+      <p:ext uri="{BB962C8B-B14F-4D97-AF65-F5344CB8AC3E}">
+        <p14:creationId xmlns:p14="http://schemas.microsoft.com/office/powerpoint/2010/main" val="3972118626"/>
+      </p:ext>
+    </p:extLst>
+  </p:cSld>
+  <p:clrMapOvr>
+    <a:masterClrMapping/>
+  </p:clrMapOvr>
+</p:sld>
+</file>
+
+<file path=ppt/slides/slide4.xml><?xml version="1.0" encoding="utf-8"?>
+<p:sld xmlns:a="http://schemas.openxmlformats.org/drawingml/2006/main" xmlns:r="http://schemas.openxmlformats.org/officeDocument/2006/relationships" xmlns:p="http://schemas.openxmlformats.org/presentationml/2006/main">
+  <p:cSld>
+    <p:spTree>
+      <p:nvGrpSpPr>
+        <p:cNvPr id="1" name=""/>
+        <p:cNvGrpSpPr/>
+        <p:nvPr/>
+      </p:nvGrpSpPr>
+      <p:grpSpPr>
+        <a:xfrm>
+          <a:off x="0" y="0"/>
+          <a:ext cx="0" cy="0"/>
+          <a:chOff x="0" y="0"/>
+          <a:chExt cx="0" cy="0"/>
+        </a:xfrm>
+      </p:grpSpPr>
+      <p:sp>
+        <p:nvSpPr>
+          <p:cNvPr id="2" name="Title 1">
+            <a:extLst>
+              <a:ext uri="{FF2B5EF4-FFF2-40B4-BE49-F238E27FC236}">
+                <a16:creationId xmlns:a16="http://schemas.microsoft.com/office/drawing/2014/main" id="{6237DD1D-8355-BEBF-3AE8-FD5D7D021C67}"/>
+              </a:ext>
+            </a:extLst>
+          </p:cNvPr>
+          <p:cNvSpPr>
+            <a:spLocks noGrp="1"/>
+          </p:cNvSpPr>
+          <p:nvPr>
+            <p:ph type="title"/>
+          </p:nvPr>
+        </p:nvSpPr>
+        <p:spPr/>
+        <p:txBody>
+          <a:bodyPr/>
+          <a:lstStyle/>
+          <a:p>
+            <a:r>
+              <a:rPr lang="en-US" dirty="0"/>
+              <a:t>Current 2017 Policies Study (cont..)</a:t>
+            </a:r>
+          </a:p>
+        </p:txBody>
+      </p:sp>
+      <p:sp>
+        <p:nvSpPr>
+          <p:cNvPr id="3" name="Content Placeholder 2">
+            <a:extLst>
+              <a:ext uri="{FF2B5EF4-FFF2-40B4-BE49-F238E27FC236}">
+                <a16:creationId xmlns:a16="http://schemas.microsoft.com/office/drawing/2014/main" id="{C10C3B92-D002-DA2E-B2D6-272BED1CBE07}"/>
+              </a:ext>
+            </a:extLst>
+          </p:cNvPr>
+          <p:cNvSpPr>
+            <a:spLocks noGrp="1"/>
+          </p:cNvSpPr>
+          <p:nvPr>
+            <p:ph idx="1"/>
+          </p:nvPr>
+        </p:nvSpPr>
+        <p:spPr>
+          <a:xfrm>
+            <a:off x="457199" y="1613140"/>
+            <a:ext cx="11162581" cy="4330459"/>
+          </a:xfrm>
+        </p:spPr>
+        <p:txBody>
+          <a:bodyPr/>
+          <a:lstStyle/>
+          <a:p>
+            <a:r>
+              <a:rPr lang="en-US" dirty="0"/>
+              <a:t>Goal: Identifying low-risk policy/group characteristics.</a:t>
+            </a:r>
+          </a:p>
+          <a:p>
+            <a:r>
+              <a:rPr lang="en-US" dirty="0"/>
+              <a:t>2017 Policy Data studied to identify low and high-risk groups and apply the same to 2018 Potential Policy data.</a:t>
+            </a:r>
+          </a:p>
+          <a:p>
+            <a:r>
+              <a:rPr lang="en-US" dirty="0"/>
+              <a:t>EDA (Exploratory Data Analysis) study aided by certain data groupings:</a:t>
+            </a:r>
+          </a:p>
+          <a:p>
+            <a:pPr lvl="1"/>
+            <a:r>
+              <a:rPr lang="en-US" dirty="0"/>
+              <a:t>Claim Risk Groups</a:t>
+            </a:r>
+          </a:p>
+          <a:p>
+            <a:pPr lvl="2"/>
+            <a:r>
+              <a:rPr lang="en-US" dirty="0"/>
+              <a:t>Low Risk: 0 claims</a:t>
+            </a:r>
+          </a:p>
+          <a:p>
+            <a:pPr lvl="2"/>
+            <a:r>
+              <a:rPr lang="en-US" dirty="0"/>
+              <a:t>High Risk: &gt;0 claims</a:t>
+            </a:r>
+          </a:p>
+          <a:p>
+            <a:pPr lvl="1"/>
+            <a:r>
+              <a:rPr lang="en-US" dirty="0"/>
+              <a:t>Credit Risk Groups</a:t>
+            </a:r>
+          </a:p>
+          <a:p>
+            <a:pPr lvl="2"/>
+            <a:r>
+              <a:rPr lang="en-US" dirty="0"/>
+              <a:t>Based on credit scores: Excellent, Good, Fair, etc.</a:t>
+            </a:r>
+          </a:p>
+          <a:p>
+            <a:r>
+              <a:rPr lang="en-US" dirty="0"/>
+              <a:t>Study is also accompanied by data modeling to add risk categories for 2018 potential data.</a:t>
+            </a:r>
+          </a:p>
+          <a:p>
+            <a:pPr lvl="2"/>
+            <a:endParaRPr lang="en-US" dirty="0"/>
+          </a:p>
+        </p:txBody>
+      </p:sp>
+    </p:spTree>
+    <p:extLst>
+      <p:ext uri="{BB962C8B-B14F-4D97-AF65-F5344CB8AC3E}">
+        <p14:creationId xmlns:p14="http://schemas.microsoft.com/office/powerpoint/2010/main" val="4199014137"/>
+      </p:ext>
+    </p:extLst>
+  </p:cSld>
+  <p:clrMapOvr>
+    <a:masterClrMapping/>
+  </p:clrMapOvr>
+</p:sld>
+</file>
+
+<file path=ppt/slides/slide40.xml><?xml version="1.0" encoding="utf-8"?>
 <p:sld xmlns:a="http://schemas.openxmlformats.org/drawingml/2006/main" xmlns:r="http://schemas.openxmlformats.org/officeDocument/2006/relationships" xmlns:p="http://schemas.openxmlformats.org/presentationml/2006/main">
   <p:cSld>
     <p:spTree>
@@ -8571,7 +10679,7 @@
 </p:sld>
 </file>
 
-<file path=ppt/slides/slide4.xml><?xml version="1.0" encoding="utf-8"?>
+<file path=ppt/slides/slide41.xml><?xml version="1.0" encoding="utf-8"?>
 <p:sld xmlns:a="http://schemas.openxmlformats.org/drawingml/2006/main" xmlns:r="http://schemas.openxmlformats.org/officeDocument/2006/relationships" xmlns:p="http://schemas.openxmlformats.org/presentationml/2006/main">
   <p:cSld>
     <p:spTree>
@@ -8593,7 +10701,7 @@
           <p:cNvPr id="2" name="Title 1">
             <a:extLst>
               <a:ext uri="{FF2B5EF4-FFF2-40B4-BE49-F238E27FC236}">
-                <a16:creationId xmlns:a16="http://schemas.microsoft.com/office/drawing/2014/main" id="{6237DD1D-8355-BEBF-3AE8-FD5D7D021C67}"/>
+                <a16:creationId xmlns:a16="http://schemas.microsoft.com/office/drawing/2014/main" id="{87BA2D2F-FBD5-E781-588D-584066AE1C6E}"/>
               </a:ext>
             </a:extLst>
           </p:cNvPr>
@@ -8601,7 +10709,7 @@
             <a:spLocks noGrp="1"/>
           </p:cNvSpPr>
           <p:nvPr>
-            <p:ph type="title"/>
+            <p:ph type="ctrTitle"/>
           </p:nvPr>
         </p:nvSpPr>
         <p:spPr/>
@@ -8611,105 +10719,15 @@
           <a:p>
             <a:r>
               <a:rPr lang="en-US" dirty="0"/>
-              <a:t>Current 2017 Policies Study (cont..)</a:t>
-            </a:r>
-          </a:p>
-        </p:txBody>
-      </p:sp>
-      <p:sp>
-        <p:nvSpPr>
-          <p:cNvPr id="3" name="Content Placeholder 2">
-            <a:extLst>
-              <a:ext uri="{FF2B5EF4-FFF2-40B4-BE49-F238E27FC236}">
-                <a16:creationId xmlns:a16="http://schemas.microsoft.com/office/drawing/2014/main" id="{C10C3B92-D002-DA2E-B2D6-272BED1CBE07}"/>
-              </a:ext>
-            </a:extLst>
-          </p:cNvPr>
-          <p:cNvSpPr>
-            <a:spLocks noGrp="1"/>
-          </p:cNvSpPr>
-          <p:nvPr>
-            <p:ph idx="1"/>
-          </p:nvPr>
-        </p:nvSpPr>
-        <p:spPr>
-          <a:xfrm>
-            <a:off x="457199" y="1613140"/>
-            <a:ext cx="11162581" cy="4330459"/>
-          </a:xfrm>
-        </p:spPr>
-        <p:txBody>
-          <a:bodyPr/>
-          <a:lstStyle/>
-          <a:p>
-            <a:r>
-              <a:rPr lang="en-US" dirty="0"/>
-              <a:t>Goal: Identifying low-risk policy/group characteristics.</a:t>
-            </a:r>
-          </a:p>
-          <a:p>
-            <a:r>
-              <a:rPr lang="en-US" dirty="0"/>
-              <a:t>2017 Policy Data studied to identify low and high-risk groups and apply the same to 2018 Potential Policy data.</a:t>
-            </a:r>
-          </a:p>
-          <a:p>
-            <a:r>
-              <a:rPr lang="en-US" dirty="0"/>
-              <a:t>EDA (Exploratory Data Analysis) study aided by certain data groupings:</a:t>
-            </a:r>
-          </a:p>
-          <a:p>
-            <a:pPr lvl="1"/>
-            <a:r>
-              <a:rPr lang="en-US" dirty="0"/>
-              <a:t>Claim Risk Groups</a:t>
-            </a:r>
-          </a:p>
-          <a:p>
-            <a:pPr lvl="2"/>
-            <a:r>
-              <a:rPr lang="en-US" dirty="0"/>
-              <a:t>Low Risk: 0 claims</a:t>
-            </a:r>
-          </a:p>
-          <a:p>
-            <a:pPr lvl="2"/>
-            <a:r>
-              <a:rPr lang="en-US" dirty="0"/>
-              <a:t>High Risk: &gt;0 claims</a:t>
-            </a:r>
-          </a:p>
-          <a:p>
-            <a:pPr lvl="1"/>
-            <a:r>
-              <a:rPr lang="en-US" dirty="0"/>
-              <a:t>Credit Risk Groups</a:t>
-            </a:r>
-          </a:p>
-          <a:p>
-            <a:pPr lvl="2"/>
-            <a:r>
-              <a:rPr lang="en-US" dirty="0"/>
-              <a:t>Based on credit scores: Excellent, Good, Fair, etc.</a:t>
-            </a:r>
-          </a:p>
-          <a:p>
-            <a:r>
-              <a:rPr lang="en-US" dirty="0"/>
-              <a:t>Study is also accompanied by data modeling to add risk categories for 2018 potential data.</a:t>
-            </a:r>
-          </a:p>
-          <a:p>
-            <a:pPr lvl="2"/>
-            <a:endParaRPr lang="en-US" dirty="0"/>
+              <a:t>Thank you!</a:t>
+            </a:r>
           </a:p>
         </p:txBody>
       </p:sp>
     </p:spTree>
     <p:extLst>
       <p:ext uri="{BB962C8B-B14F-4D97-AF65-F5344CB8AC3E}">
-        <p14:creationId xmlns:p14="http://schemas.microsoft.com/office/powerpoint/2010/main" val="4199014137"/>
+        <p14:creationId xmlns:p14="http://schemas.microsoft.com/office/powerpoint/2010/main" val="2555217564"/>
       </p:ext>
     </p:extLst>
   </p:cSld>
@@ -10192,6 +12210,26 @@
 </file>
 
 <file path=customXml/item1.xml><?xml version="1.0" encoding="utf-8"?>
+<p:properties xmlns:p="http://schemas.microsoft.com/office/2006/metadata/properties" xmlns:xsi="http://www.w3.org/2001/XMLSchema-instance" xmlns:pc="http://schemas.microsoft.com/office/infopath/2007/PartnerControls">
+  <documentManagement>
+    <VSO_x0020_item_x0020_id xmlns="40262f94-9f35-4ac3-9a90-690165a166b7" xsi:nil="true"/>
+    <Assetid_x0020_ xmlns="40262f94-9f35-4ac3-9a90-690165a166b7" xsi:nil="true"/>
+    <Item_x0020_Details xmlns="40262f94-9f35-4ac3-9a90-690165a166b7" xsi:nil="true"/>
+    <Template_x0020_details xmlns="40262f94-9f35-4ac3-9a90-690165a166b7" xsi:nil="true"/>
+  </documentManagement>
+</p:properties>
+</file>
+
+<file path=customXml/item2.xml><?xml version="1.0" encoding="utf-8"?>
+<?mso-contentType ?>
+<FormTemplates xmlns="http://schemas.microsoft.com/sharepoint/v3/contenttype/forms">
+  <Display>DocumentLibraryForm</Display>
+  <Edit>DocumentLibraryForm</Edit>
+  <New>DocumentLibraryForm</New>
+</FormTemplates>
+</file>
+
+<file path=customXml/item3.xml><?xml version="1.0" encoding="utf-8"?>
 <ct:contentTypeSchema xmlns:ct="http://schemas.microsoft.com/office/2006/metadata/contentType" xmlns:ma="http://schemas.microsoft.com/office/2006/metadata/properties/metaAttributes" ct:_="" ma:_="" ma:contentTypeName="Document" ma:contentTypeID="0x010100AA3F7D94069FF64A86F7DFF56D60E3BE" ma:contentTypeVersion="6" ma:contentTypeDescription="Create a new document." ma:contentTypeScope="" ma:versionID="c32302c77d4085ecf495bdddb7f5e889">
   <xsd:schema xmlns:xsd="http://www.w3.org/2001/XMLSchema" xmlns:xs="http://www.w3.org/2001/XMLSchema" xmlns:p="http://schemas.microsoft.com/office/2006/metadata/properties" xmlns:ns2="a4f35948-e619-41b3-aa29-22878b09cfd2" xmlns:ns3="40262f94-9f35-4ac3-9a90-690165a166b7" targetNamespace="http://schemas.microsoft.com/office/2006/metadata/properties" ma:root="true" ma:fieldsID="4ab5ae46be95f9d0be6107e8200be7a2" ns2:_="" ns3:_="">
     <xsd:import namespace="a4f35948-e619-41b3-aa29-22878b09cfd2"/>
@@ -10372,27 +12410,32 @@
 </ct:contentTypeSchema>
 </file>
 
-<file path=customXml/item2.xml><?xml version="1.0" encoding="utf-8"?>
-<?mso-contentType ?>
-<FormTemplates xmlns="http://schemas.microsoft.com/sharepoint/v3/contenttype/forms">
-  <Display>DocumentLibraryForm</Display>
-  <Edit>DocumentLibraryForm</Edit>
-  <New>DocumentLibraryForm</New>
-</FormTemplates>
+<file path=customXml/itemProps1.xml><?xml version="1.0" encoding="utf-8"?>
+<ds:datastoreItem xmlns:ds="http://schemas.openxmlformats.org/officeDocument/2006/customXml" ds:itemID="{2A1BD8E5-A18E-435C-B431-90A6B59F4B6F}">
+  <ds:schemaRefs>
+    <ds:schemaRef ds:uri="http://purl.org/dc/elements/1.1/"/>
+    <ds:schemaRef ds:uri="http://schemas.microsoft.com/office/2006/metadata/properties"/>
+    <ds:schemaRef ds:uri="http://purl.org/dc/terms/"/>
+    <ds:schemaRef ds:uri="http://schemas.openxmlformats.org/package/2006/metadata/core-properties"/>
+    <ds:schemaRef ds:uri="http://schemas.microsoft.com/office/2006/documentManagement/types"/>
+    <ds:schemaRef ds:uri="http://schemas.microsoft.com/office/infopath/2007/PartnerControls"/>
+    <ds:schemaRef ds:uri="40262f94-9f35-4ac3-9a90-690165a166b7"/>
+    <ds:schemaRef ds:uri="a4f35948-e619-41b3-aa29-22878b09cfd2"/>
+    <ds:schemaRef ds:uri="http://www.w3.org/XML/1998/namespace"/>
+    <ds:schemaRef ds:uri="http://purl.org/dc/dcmitype/"/>
+  </ds:schemaRefs>
+</ds:datastoreItem>
 </file>
 
-<file path=customXml/item3.xml><?xml version="1.0" encoding="utf-8"?>
-<p:properties xmlns:p="http://schemas.microsoft.com/office/2006/metadata/properties" xmlns:xsi="http://www.w3.org/2001/XMLSchema-instance" xmlns:pc="http://schemas.microsoft.com/office/infopath/2007/PartnerControls">
-  <documentManagement>
-    <VSO_x0020_item_x0020_id xmlns="40262f94-9f35-4ac3-9a90-690165a166b7" xsi:nil="true"/>
-    <Assetid_x0020_ xmlns="40262f94-9f35-4ac3-9a90-690165a166b7" xsi:nil="true"/>
-    <Item_x0020_Details xmlns="40262f94-9f35-4ac3-9a90-690165a166b7" xsi:nil="true"/>
-    <Template_x0020_details xmlns="40262f94-9f35-4ac3-9a90-690165a166b7" xsi:nil="true"/>
-  </documentManagement>
-</p:properties>
+<file path=customXml/itemProps2.xml><?xml version="1.0" encoding="utf-8"?>
+<ds:datastoreItem xmlns:ds="http://schemas.openxmlformats.org/officeDocument/2006/customXml" ds:itemID="{05EEE0F9-7BC9-4998-8617-7CC115AD97E2}">
+  <ds:schemaRefs>
+    <ds:schemaRef ds:uri="http://schemas.microsoft.com/sharepoint/v3/contenttype/forms"/>
+  </ds:schemaRefs>
+</ds:datastoreItem>
 </file>
 
-<file path=customXml/itemProps1.xml><?xml version="1.0" encoding="utf-8"?>
+<file path=customXml/itemProps3.xml><?xml version="1.0" encoding="utf-8"?>
 <ds:datastoreItem xmlns:ds="http://schemas.openxmlformats.org/officeDocument/2006/customXml" ds:itemID="{4BEBB951-DE64-4CB8-9E1C-184A357AD7FD}">
   <ds:schemaRefs>
     <ds:schemaRef ds:uri="http://schemas.microsoft.com/office/2006/metadata/contentType"/>
@@ -10409,29 +12452,4 @@
     <ds:schemaRef ds:uri="http://schemas.microsoft.com/internal/obd"/>
   </ds:schemaRefs>
 </ds:datastoreItem>
-</file>
-
-<file path=customXml/itemProps2.xml><?xml version="1.0" encoding="utf-8"?>
-<ds:datastoreItem xmlns:ds="http://schemas.openxmlformats.org/officeDocument/2006/customXml" ds:itemID="{05EEE0F9-7BC9-4998-8617-7CC115AD97E2}">
-  <ds:schemaRefs>
-    <ds:schemaRef ds:uri="http://schemas.microsoft.com/sharepoint/v3/contenttype/forms"/>
-  </ds:schemaRefs>
-</ds:datastoreItem>
-</file>
-
-<file path=customXml/itemProps3.xml><?xml version="1.0" encoding="utf-8"?>
-<ds:datastoreItem xmlns:ds="http://schemas.openxmlformats.org/officeDocument/2006/customXml" ds:itemID="{2A1BD8E5-A18E-435C-B431-90A6B59F4B6F}">
-  <ds:schemaRefs>
-    <ds:schemaRef ds:uri="http://purl.org/dc/elements/1.1/"/>
-    <ds:schemaRef ds:uri="http://schemas.microsoft.com/office/2006/metadata/properties"/>
-    <ds:schemaRef ds:uri="http://purl.org/dc/terms/"/>
-    <ds:schemaRef ds:uri="http://schemas.openxmlformats.org/package/2006/metadata/core-properties"/>
-    <ds:schemaRef ds:uri="http://schemas.microsoft.com/office/2006/documentManagement/types"/>
-    <ds:schemaRef ds:uri="http://schemas.microsoft.com/office/infopath/2007/PartnerControls"/>
-    <ds:schemaRef ds:uri="40262f94-9f35-4ac3-9a90-690165a166b7"/>
-    <ds:schemaRef ds:uri="a4f35948-e619-41b3-aa29-22878b09cfd2"/>
-    <ds:schemaRef ds:uri="http://www.w3.org/XML/1998/namespace"/>
-    <ds:schemaRef ds:uri="http://purl.org/dc/dcmitype/"/>
-  </ds:schemaRefs>
-</ds:datastoreItem>
 </file>